--- a/tests/testresults/script_IQSlidedeck_IQobjects_Default_4_3.pptx
+++ b/tests/testresults/script_IQSlidedeck_IQobjects_Default_4_3.pptx
@@ -5151,7 +5151,7 @@
           <a:p>
             <a:r>
               <a:rPr/>
-              <a:t>script_IQSlidedeck.R | Date: 2021-01-11 16:15:44</a:t>
+              <a:t>script_IQSlidedeck.R | Date: 2021-01-11 16:38:10</a:t>
             </a:r>
           </a:p>
         </p:txBody>
@@ -5487,7 +5487,7 @@
           <a:p>
             <a:r>
               <a:rPr/>
-              <a:t>script_IQSlidedeck.R | Date: 2021-01-11 16:15:45</a:t>
+              <a:t>script_IQSlidedeck.R | Date: 2021-01-11 16:38:12</a:t>
             </a:r>
           </a:p>
         </p:txBody>
@@ -5823,7 +5823,7 @@
           <a:p>
             <a:r>
               <a:rPr/>
-              <a:t>script_IQSlidedeck.R | Date: 2021-01-11 16:15:46</a:t>
+              <a:t>script_IQSlidedeck.R | Date: 2021-01-11 16:38:13</a:t>
             </a:r>
           </a:p>
         </p:txBody>
@@ -6229,7 +6229,7 @@
           <a:p>
             <a:r>
               <a:rPr/>
-              <a:t>IQSlidedeck_IQRobjects.R | Date: 2021-01-11 16:16:11</a:t>
+              <a:t>IQSlidedeck_IQRobjects.R | Date: 2021-01-11 16:38:41</a:t>
             </a:r>
           </a:p>
         </p:txBody>
@@ -6583,7 +6583,7 @@
           <a:p>
             <a:r>
               <a:rPr/>
-              <a:t>IQSlidedeck_IQRobjects.R | Date: 2021-01-11 16:16:11</a:t>
+              <a:t>IQSlidedeck_IQRobjects.R | Date: 2021-01-11 16:38:41</a:t>
             </a:r>
           </a:p>
         </p:txBody>
@@ -6937,7 +6937,7 @@
           <a:p>
             <a:r>
               <a:rPr/>
-              <a:t>IQSlidedeck_IQRobjects.R | Date: 2021-01-11 16:16:12</a:t>
+              <a:t>IQSlidedeck_IQRobjects.R | Date: 2021-01-11 16:38:41</a:t>
             </a:r>
           </a:p>
         </p:txBody>
@@ -7256,7 +7256,7 @@
           <a:p>
             <a:r>
               <a:rPr/>
-              <a:t>IQSlidedeck_IQRobjects.R | Date: 2021-01-11 16:16:13</a:t>
+              <a:t>IQSlidedeck_IQRobjects.R | Date: 2021-01-11 16:38:42</a:t>
             </a:r>
           </a:p>
         </p:txBody>
@@ -7388,7 +7388,7 @@
           <a:p>
             <a:r>
               <a:rPr/>
-              <a:t>IQSlidedeck_IQRobjects.R | Date: 2021-01-11 16:16:14</a:t>
+              <a:t>IQSlidedeck_IQRobjects.R | Date: 2021-01-11 16:38:43</a:t>
             </a:r>
           </a:p>
         </p:txBody>
@@ -7552,7 +7552,7 @@
           <a:p>
             <a:r>
               <a:rPr/>
-              <a:t>script_IQSlidedeck.R | Date: 2021-01-11 16:15:43</a:t>
+              <a:t>script_IQSlidedeck.R | Date: 2021-01-11 16:38:09</a:t>
             </a:r>
           </a:p>
         </p:txBody>
@@ -7769,7 +7769,7 @@
           <a:p>
             <a:r>
               <a:rPr/>
-              <a:t>script_IQSlidedeck.R | Date: 2021-01-11 16:15:43</a:t>
+              <a:t>script_IQSlidedeck.R | Date: 2021-01-11 16:38:10</a:t>
             </a:r>
           </a:p>
         </p:txBody>
@@ -7874,7 +7874,7 @@
           <a:p>
             <a:r>
               <a:rPr/>
-              <a:t>script_IQSlidedeck.R | Date: 2021-01-11 16:15:47</a:t>
+              <a:t>script_IQSlidedeck.R | Date: 2021-01-11 16:38:13</a:t>
             </a:r>
           </a:p>
         </p:txBody>
@@ -7979,7 +7979,7 @@
           <a:p>
             <a:r>
               <a:rPr/>
-              <a:t>script_IQSlidedeck.R | Date: 2021-01-11 16:15:48</a:t>
+              <a:t>script_IQSlidedeck.R | Date: 2021-01-11 16:38:14</a:t>
             </a:r>
           </a:p>
         </p:txBody>
@@ -8084,7 +8084,7 @@
           <a:p>
             <a:r>
               <a:rPr/>
-              <a:t>script_IQSlidedeck.R | Date: 2021-01-11 16:15:54</a:t>
+              <a:t>script_IQSlidedeck.R | Date: 2021-01-11 16:38:21</a:t>
             </a:r>
           </a:p>
         </p:txBody>

--- a/tests/testresults/script_IQSlidedeck_IQobjects_Default_4_3.pptx
+++ b/tests/testresults/script_IQSlidedeck_IQobjects_Default_4_3.pptx
@@ -5151,7 +5151,7 @@
           <a:p>
             <a:r>
               <a:rPr/>
-              <a:t>script_IQSlidedeck.R | Date: 2021-01-11 16:38:10</a:t>
+              <a:t>script_IQSlidedeck.R | Date: 2021-01-11 17:08:06</a:t>
             </a:r>
           </a:p>
         </p:txBody>
@@ -5236,8 +5236,8 @@
                     <a:alpha val="100000"/>
                   </a:srgbClr>
                 </a:solidFill>
-                <a:latin typeface=""/>
-                <a:cs typeface=""/>
+                <a:latin typeface="Calibri"/>
+                <a:cs typeface="Calibri"/>
               </a:rPr>
               <a:t>Bullet point with </a:t>
             </a:r>
@@ -5248,8 +5248,8 @@
                     <a:alpha val="100000"/>
                   </a:srgbClr>
                 </a:solidFill>
-                <a:latin typeface=""/>
-                <a:cs typeface=""/>
+                <a:latin typeface="Calibri"/>
+                <a:cs typeface="Calibri"/>
               </a:rPr>
               <a:t>bold</a:t>
             </a:r>
@@ -5260,8 +5260,8 @@
                     <a:alpha val="100000"/>
                   </a:srgbClr>
                 </a:solidFill>
-                <a:latin typeface=""/>
-                <a:cs typeface=""/>
+                <a:latin typeface="Calibri"/>
+                <a:cs typeface="Calibri"/>
               </a:rPr>
               <a:t> and </a:t>
             </a:r>
@@ -5272,8 +5272,8 @@
                     <a:alpha val="100000"/>
                   </a:srgbClr>
                 </a:solidFill>
-                <a:latin typeface=""/>
-                <a:cs typeface=""/>
+                <a:latin typeface="Calibri"/>
+                <a:cs typeface="Calibri"/>
               </a:rPr>
               <a:t>italic</a:t>
             </a:r>
@@ -5287,8 +5287,8 @@
                     <a:alpha val="100000"/>
                   </a:srgbClr>
                 </a:solidFill>
-                <a:latin typeface=""/>
-                <a:cs typeface=""/>
+                <a:latin typeface="Calibri"/>
+                <a:cs typeface="Calibri"/>
               </a:rPr>
               <a:t>Another bullet point</a:t>
             </a:r>
@@ -5302,8 +5302,8 @@
                     <a:alpha val="100000"/>
                   </a:srgbClr>
                 </a:solidFill>
-                <a:latin typeface=""/>
-                <a:cs typeface=""/>
+                <a:latin typeface="Calibri"/>
+                <a:cs typeface="Calibri"/>
               </a:rPr>
               <a:t>Indented by two spaces</a:t>
             </a:r>
@@ -5317,8 +5317,8 @@
                     <a:alpha val="100000"/>
                   </a:srgbClr>
                 </a:solidFill>
-                <a:latin typeface=""/>
-                <a:cs typeface=""/>
+                <a:latin typeface="Calibri"/>
+                <a:cs typeface="Calibri"/>
               </a:rPr>
               <a:t>Another one</a:t>
             </a:r>
@@ -5332,8 +5332,8 @@
                     <a:alpha val="100000"/>
                   </a:srgbClr>
                 </a:solidFill>
-                <a:latin typeface=""/>
-                <a:cs typeface=""/>
+                <a:latin typeface="Calibri"/>
+                <a:cs typeface="Calibri"/>
               </a:rPr>
               <a:t>And back to </a:t>
             </a:r>
@@ -5344,8 +5344,8 @@
                     <a:alpha val="100000"/>
                   </a:srgbClr>
                 </a:solidFill>
-                <a:latin typeface=""/>
-                <a:cs typeface=""/>
+                <a:latin typeface="Calibri"/>
+                <a:cs typeface="Calibri"/>
               </a:rPr>
               <a:t>really</a:t>
             </a:r>
@@ -5356,8 +5356,8 @@
                     <a:alpha val="100000"/>
                   </a:srgbClr>
                 </a:solidFill>
-                <a:latin typeface=""/>
-                <a:cs typeface=""/>
+                <a:latin typeface="Calibri"/>
+                <a:cs typeface="Calibri"/>
               </a:rPr>
               <a:t> outer</a:t>
             </a:r>
@@ -5368,8 +5368,8 @@
                     <a:alpha val="100000"/>
                   </a:srgbClr>
                 </a:solidFill>
-                <a:latin typeface=""/>
-                <a:cs typeface=""/>
+                <a:latin typeface="Calibri"/>
+                <a:cs typeface="Calibri"/>
               </a:rPr>
               <a:t> level</a:t>
             </a:r>
@@ -5383,8 +5383,8 @@
                     <a:alpha val="100000"/>
                   </a:srgbClr>
                 </a:solidFill>
-                <a:latin typeface=""/>
-                <a:cs typeface=""/>
+                <a:latin typeface="Calibri"/>
+                <a:cs typeface="Calibri"/>
               </a:rPr>
               <a:t>Some sort of formula </a:t>
             </a:r>
@@ -5487,7 +5487,7 @@
           <a:p>
             <a:r>
               <a:rPr/>
-              <a:t>script_IQSlidedeck.R | Date: 2021-01-11 16:38:12</a:t>
+              <a:t>script_IQSlidedeck.R | Date: 2021-01-11 17:08:07</a:t>
             </a:r>
           </a:p>
         </p:txBody>
@@ -5598,8 +5598,8 @@
                     <a:alpha val="100000"/>
                   </a:srgbClr>
                 </a:solidFill>
-                <a:latin typeface=""/>
-                <a:cs typeface=""/>
+                <a:latin typeface="Calibri"/>
+                <a:cs typeface="Calibri"/>
               </a:rPr>
               <a:t>Bullet point with </a:t>
             </a:r>
@@ -5610,8 +5610,8 @@
                     <a:alpha val="100000"/>
                   </a:srgbClr>
                 </a:solidFill>
-                <a:latin typeface=""/>
-                <a:cs typeface=""/>
+                <a:latin typeface="Calibri"/>
+                <a:cs typeface="Calibri"/>
               </a:rPr>
               <a:t>bold</a:t>
             </a:r>
@@ -5622,8 +5622,8 @@
                     <a:alpha val="100000"/>
                   </a:srgbClr>
                 </a:solidFill>
-                <a:latin typeface=""/>
-                <a:cs typeface=""/>
+                <a:latin typeface="Calibri"/>
+                <a:cs typeface="Calibri"/>
               </a:rPr>
               <a:t> and </a:t>
             </a:r>
@@ -5634,8 +5634,8 @@
                     <a:alpha val="100000"/>
                   </a:srgbClr>
                 </a:solidFill>
-                <a:latin typeface=""/>
-                <a:cs typeface=""/>
+                <a:latin typeface="Calibri"/>
+                <a:cs typeface="Calibri"/>
               </a:rPr>
               <a:t>italic</a:t>
             </a:r>
@@ -5649,8 +5649,8 @@
                     <a:alpha val="100000"/>
                   </a:srgbClr>
                 </a:solidFill>
-                <a:latin typeface=""/>
-                <a:cs typeface=""/>
+                <a:latin typeface="Calibri"/>
+                <a:cs typeface="Calibri"/>
               </a:rPr>
               <a:t>Another bullet point</a:t>
             </a:r>
@@ -5664,8 +5664,8 @@
                     <a:alpha val="100000"/>
                   </a:srgbClr>
                 </a:solidFill>
-                <a:latin typeface=""/>
-                <a:cs typeface=""/>
+                <a:latin typeface="Calibri"/>
+                <a:cs typeface="Calibri"/>
               </a:rPr>
               <a:t>Indented by two spaces</a:t>
             </a:r>
@@ -5679,8 +5679,8 @@
                     <a:alpha val="100000"/>
                   </a:srgbClr>
                 </a:solidFill>
-                <a:latin typeface=""/>
-                <a:cs typeface=""/>
+                <a:latin typeface="Calibri"/>
+                <a:cs typeface="Calibri"/>
               </a:rPr>
               <a:t>Another one</a:t>
             </a:r>
@@ -5694,8 +5694,8 @@
                     <a:alpha val="100000"/>
                   </a:srgbClr>
                 </a:solidFill>
-                <a:latin typeface=""/>
-                <a:cs typeface=""/>
+                <a:latin typeface="Calibri"/>
+                <a:cs typeface="Calibri"/>
               </a:rPr>
               <a:t>And back to </a:t>
             </a:r>
@@ -5706,8 +5706,8 @@
                     <a:alpha val="100000"/>
                   </a:srgbClr>
                 </a:solidFill>
-                <a:latin typeface=""/>
-                <a:cs typeface=""/>
+                <a:latin typeface="Calibri"/>
+                <a:cs typeface="Calibri"/>
               </a:rPr>
               <a:t>really</a:t>
             </a:r>
@@ -5718,8 +5718,8 @@
                     <a:alpha val="100000"/>
                   </a:srgbClr>
                 </a:solidFill>
-                <a:latin typeface=""/>
-                <a:cs typeface=""/>
+                <a:latin typeface="Calibri"/>
+                <a:cs typeface="Calibri"/>
               </a:rPr>
               <a:t> outer</a:t>
             </a:r>
@@ -5730,8 +5730,8 @@
                     <a:alpha val="100000"/>
                   </a:srgbClr>
                 </a:solidFill>
-                <a:latin typeface=""/>
-                <a:cs typeface=""/>
+                <a:latin typeface="Calibri"/>
+                <a:cs typeface="Calibri"/>
               </a:rPr>
               <a:t> level</a:t>
             </a:r>
@@ -5745,8 +5745,8 @@
                     <a:alpha val="100000"/>
                   </a:srgbClr>
                 </a:solidFill>
-                <a:latin typeface=""/>
-                <a:cs typeface=""/>
+                <a:latin typeface="Calibri"/>
+                <a:cs typeface="Calibri"/>
               </a:rPr>
               <a:t>Some sort of formula </a:t>
             </a:r>
@@ -5823,7 +5823,7 @@
           <a:p>
             <a:r>
               <a:rPr/>
-              <a:t>script_IQSlidedeck.R | Date: 2021-01-11 16:38:13</a:t>
+              <a:t>script_IQSlidedeck.R | Date: 2021-01-11 17:08:08</a:t>
             </a:r>
           </a:p>
         </p:txBody>
@@ -5960,8 +5960,8 @@
                     <a:alpha val="100000"/>
                   </a:srgbClr>
                 </a:solidFill>
-                <a:latin typeface=""/>
-                <a:cs typeface=""/>
+                <a:latin typeface="Calibri"/>
+                <a:cs typeface="Calibri"/>
               </a:rPr>
               <a:t>A list of ggplot objects was created</a:t>
             </a:r>
@@ -5975,8 +5975,8 @@
                     <a:alpha val="100000"/>
                   </a:srgbClr>
                 </a:solidFill>
-                <a:latin typeface=""/>
-                <a:cs typeface=""/>
+                <a:latin typeface="Calibri"/>
+                <a:cs typeface="Calibri"/>
               </a:rPr>
               <a:t>Called </a:t>
             </a:r>
@@ -5999,8 +5999,8 @@
                     <a:alpha val="100000"/>
                   </a:srgbClr>
                 </a:solidFill>
-                <a:latin typeface=""/>
-                <a:cs typeface=""/>
+                <a:latin typeface="Calibri"/>
+                <a:cs typeface="Calibri"/>
               </a:rPr>
               <a:t> with arguments </a:t>
             </a:r>
@@ -6023,8 +6023,8 @@
                     <a:alpha val="100000"/>
                   </a:srgbClr>
                 </a:solidFill>
-                <a:latin typeface=""/>
-                <a:cs typeface=""/>
+                <a:latin typeface="Calibri"/>
+                <a:cs typeface="Calibri"/>
               </a:rPr>
               <a:t>, </a:t>
             </a:r>
@@ -6047,8 +6047,8 @@
                     <a:alpha val="100000"/>
                   </a:srgbClr>
                 </a:solidFill>
-                <a:latin typeface=""/>
-                <a:cs typeface=""/>
+                <a:latin typeface="Calibri"/>
+                <a:cs typeface="Calibri"/>
               </a:rPr>
               <a:t>, </a:t>
             </a:r>
@@ -6071,8 +6071,8 @@
                     <a:alpha val="100000"/>
                   </a:srgbClr>
                 </a:solidFill>
-                <a:latin typeface=""/>
-                <a:cs typeface=""/>
+                <a:latin typeface="Calibri"/>
+                <a:cs typeface="Calibri"/>
               </a:rPr>
               <a:t> and </a:t>
             </a:r>
@@ -6098,8 +6098,8 @@
                     <a:alpha val="100000"/>
                   </a:srgbClr>
                 </a:solidFill>
-                <a:latin typeface=""/>
-                <a:cs typeface=""/>
+                <a:latin typeface="Calibri"/>
+                <a:cs typeface="Calibri"/>
               </a:rPr>
               <a:t>Called </a:t>
             </a:r>
@@ -6122,8 +6122,8 @@
                     <a:alpha val="100000"/>
                   </a:srgbClr>
                 </a:solidFill>
-                <a:latin typeface=""/>
-                <a:cs typeface=""/>
+                <a:latin typeface="Calibri"/>
+                <a:cs typeface="Calibri"/>
               </a:rPr>
               <a:t> with bullet point list and </a:t>
             </a:r>
@@ -6146,8 +6146,8 @@
                     <a:alpha val="100000"/>
                   </a:srgbClr>
                 </a:solidFill>
-                <a:latin typeface=""/>
-                <a:cs typeface=""/>
+                <a:latin typeface="Calibri"/>
+                <a:cs typeface="Calibri"/>
               </a:rPr>
               <a:t> object.</a:t>
             </a:r>
@@ -6229,7 +6229,7 @@
           <a:p>
             <a:r>
               <a:rPr/>
-              <a:t>IQSlidedeck_IQRobjects.R | Date: 2021-01-11 16:38:41</a:t>
+              <a:t>IQSlidedeck_IQRobjects.R | Date: 2021-01-11 17:08:37</a:t>
             </a:r>
           </a:p>
         </p:txBody>
@@ -6314,8 +6314,8 @@
                     <a:alpha val="100000"/>
                   </a:srgbClr>
                 </a:solidFill>
-                <a:latin typeface=""/>
-                <a:cs typeface=""/>
+                <a:latin typeface="Calibri"/>
+                <a:cs typeface="Calibri"/>
               </a:rPr>
               <a:t>A list of ggplot objects was created</a:t>
             </a:r>
@@ -6329,8 +6329,8 @@
                     <a:alpha val="100000"/>
                   </a:srgbClr>
                 </a:solidFill>
-                <a:latin typeface=""/>
-                <a:cs typeface=""/>
+                <a:latin typeface="Calibri"/>
+                <a:cs typeface="Calibri"/>
               </a:rPr>
               <a:t>Called </a:t>
             </a:r>
@@ -6353,8 +6353,8 @@
                     <a:alpha val="100000"/>
                   </a:srgbClr>
                 </a:solidFill>
-                <a:latin typeface=""/>
-                <a:cs typeface=""/>
+                <a:latin typeface="Calibri"/>
+                <a:cs typeface="Calibri"/>
               </a:rPr>
               <a:t> with arguments </a:t>
             </a:r>
@@ -6377,8 +6377,8 @@
                     <a:alpha val="100000"/>
                   </a:srgbClr>
                 </a:solidFill>
-                <a:latin typeface=""/>
-                <a:cs typeface=""/>
+                <a:latin typeface="Calibri"/>
+                <a:cs typeface="Calibri"/>
               </a:rPr>
               <a:t>, </a:t>
             </a:r>
@@ -6401,8 +6401,8 @@
                     <a:alpha val="100000"/>
                   </a:srgbClr>
                 </a:solidFill>
-                <a:latin typeface=""/>
-                <a:cs typeface=""/>
+                <a:latin typeface="Calibri"/>
+                <a:cs typeface="Calibri"/>
               </a:rPr>
               <a:t>, </a:t>
             </a:r>
@@ -6425,8 +6425,8 @@
                     <a:alpha val="100000"/>
                   </a:srgbClr>
                 </a:solidFill>
-                <a:latin typeface=""/>
-                <a:cs typeface=""/>
+                <a:latin typeface="Calibri"/>
+                <a:cs typeface="Calibri"/>
               </a:rPr>
               <a:t> and </a:t>
             </a:r>
@@ -6452,8 +6452,8 @@
                     <a:alpha val="100000"/>
                   </a:srgbClr>
                 </a:solidFill>
-                <a:latin typeface=""/>
-                <a:cs typeface=""/>
+                <a:latin typeface="Calibri"/>
+                <a:cs typeface="Calibri"/>
               </a:rPr>
               <a:t>Called </a:t>
             </a:r>
@@ -6476,8 +6476,8 @@
                     <a:alpha val="100000"/>
                   </a:srgbClr>
                 </a:solidFill>
-                <a:latin typeface=""/>
-                <a:cs typeface=""/>
+                <a:latin typeface="Calibri"/>
+                <a:cs typeface="Calibri"/>
               </a:rPr>
               <a:t> with bullet point list and </a:t>
             </a:r>
@@ -6500,8 +6500,8 @@
                     <a:alpha val="100000"/>
                   </a:srgbClr>
                 </a:solidFill>
-                <a:latin typeface=""/>
-                <a:cs typeface=""/>
+                <a:latin typeface="Calibri"/>
+                <a:cs typeface="Calibri"/>
               </a:rPr>
               <a:t> object.</a:t>
             </a:r>
@@ -6583,7 +6583,7 @@
           <a:p>
             <a:r>
               <a:rPr/>
-              <a:t>IQSlidedeck_IQRobjects.R | Date: 2021-01-11 16:38:41</a:t>
+              <a:t>IQSlidedeck_IQRobjects.R | Date: 2021-01-11 17:08:37</a:t>
             </a:r>
           </a:p>
         </p:txBody>
@@ -6668,8 +6668,8 @@
                     <a:alpha val="100000"/>
                   </a:srgbClr>
                 </a:solidFill>
-                <a:latin typeface=""/>
-                <a:cs typeface=""/>
+                <a:latin typeface="Calibri"/>
+                <a:cs typeface="Calibri"/>
               </a:rPr>
               <a:t>A list of ggplot objects was created</a:t>
             </a:r>
@@ -6683,8 +6683,8 @@
                     <a:alpha val="100000"/>
                   </a:srgbClr>
                 </a:solidFill>
-                <a:latin typeface=""/>
-                <a:cs typeface=""/>
+                <a:latin typeface="Calibri"/>
+                <a:cs typeface="Calibri"/>
               </a:rPr>
               <a:t>Called </a:t>
             </a:r>
@@ -6707,8 +6707,8 @@
                     <a:alpha val="100000"/>
                   </a:srgbClr>
                 </a:solidFill>
-                <a:latin typeface=""/>
-                <a:cs typeface=""/>
+                <a:latin typeface="Calibri"/>
+                <a:cs typeface="Calibri"/>
               </a:rPr>
               <a:t> with arguments </a:t>
             </a:r>
@@ -6731,8 +6731,8 @@
                     <a:alpha val="100000"/>
                   </a:srgbClr>
                 </a:solidFill>
-                <a:latin typeface=""/>
-                <a:cs typeface=""/>
+                <a:latin typeface="Calibri"/>
+                <a:cs typeface="Calibri"/>
               </a:rPr>
               <a:t>, </a:t>
             </a:r>
@@ -6755,8 +6755,8 @@
                     <a:alpha val="100000"/>
                   </a:srgbClr>
                 </a:solidFill>
-                <a:latin typeface=""/>
-                <a:cs typeface=""/>
+                <a:latin typeface="Calibri"/>
+                <a:cs typeface="Calibri"/>
               </a:rPr>
               <a:t>, </a:t>
             </a:r>
@@ -6779,8 +6779,8 @@
                     <a:alpha val="100000"/>
                   </a:srgbClr>
                 </a:solidFill>
-                <a:latin typeface=""/>
-                <a:cs typeface=""/>
+                <a:latin typeface="Calibri"/>
+                <a:cs typeface="Calibri"/>
               </a:rPr>
               <a:t> and </a:t>
             </a:r>
@@ -6806,8 +6806,8 @@
                     <a:alpha val="100000"/>
                   </a:srgbClr>
                 </a:solidFill>
-                <a:latin typeface=""/>
-                <a:cs typeface=""/>
+                <a:latin typeface="Calibri"/>
+                <a:cs typeface="Calibri"/>
               </a:rPr>
               <a:t>Called </a:t>
             </a:r>
@@ -6830,8 +6830,8 @@
                     <a:alpha val="100000"/>
                   </a:srgbClr>
                 </a:solidFill>
-                <a:latin typeface=""/>
-                <a:cs typeface=""/>
+                <a:latin typeface="Calibri"/>
+                <a:cs typeface="Calibri"/>
               </a:rPr>
               <a:t> with bullet point list and </a:t>
             </a:r>
@@ -6854,8 +6854,8 @@
                     <a:alpha val="100000"/>
                   </a:srgbClr>
                 </a:solidFill>
-                <a:latin typeface=""/>
-                <a:cs typeface=""/>
+                <a:latin typeface="Calibri"/>
+                <a:cs typeface="Calibri"/>
               </a:rPr>
               <a:t> object.</a:t>
             </a:r>
@@ -6937,7 +6937,7 @@
           <a:p>
             <a:r>
               <a:rPr/>
-              <a:t>IQSlidedeck_IQRobjects.R | Date: 2021-01-11 16:38:41</a:t>
+              <a:t>IQSlidedeck_IQRobjects.R | Date: 2021-01-11 17:08:37</a:t>
             </a:r>
           </a:p>
         </p:txBody>
@@ -7022,8 +7022,8 @@
                     <a:alpha val="100000"/>
                   </a:srgbClr>
                 </a:solidFill>
-                <a:latin typeface=""/>
-                <a:cs typeface=""/>
+                <a:latin typeface="Calibri"/>
+                <a:cs typeface="Calibri"/>
               </a:rPr>
               <a:t>Used well known standard data set </a:t>
             </a:r>
@@ -7049,8 +7049,8 @@
                     <a:alpha val="100000"/>
                   </a:srgbClr>
                 </a:solidFill>
-                <a:latin typeface=""/>
-                <a:cs typeface=""/>
+                <a:latin typeface="Calibri"/>
+                <a:cs typeface="Calibri"/>
               </a:rPr>
               <a:t>Applied </a:t>
             </a:r>
@@ -7073,8 +7073,8 @@
                     <a:alpha val="100000"/>
                   </a:srgbClr>
                 </a:solidFill>
-                <a:latin typeface=""/>
-                <a:cs typeface=""/>
+                <a:latin typeface="Calibri"/>
+                <a:cs typeface="Calibri"/>
               </a:rPr>
               <a:t> with arguments </a:t>
             </a:r>
@@ -7097,8 +7097,8 @@
                     <a:alpha val="100000"/>
                   </a:srgbClr>
                 </a:solidFill>
-                <a:latin typeface=""/>
-                <a:cs typeface=""/>
+                <a:latin typeface="Calibri"/>
+                <a:cs typeface="Calibri"/>
               </a:rPr>
               <a:t> and </a:t>
             </a:r>
@@ -7124,8 +7124,8 @@
                     <a:alpha val="100000"/>
                   </a:srgbClr>
                 </a:solidFill>
-                <a:latin typeface=""/>
-                <a:cs typeface=""/>
+                <a:latin typeface="Calibri"/>
+                <a:cs typeface="Calibri"/>
               </a:rPr>
               <a:t>Called </a:t>
             </a:r>
@@ -7148,8 +7148,8 @@
                     <a:alpha val="100000"/>
                   </a:srgbClr>
                 </a:solidFill>
-                <a:latin typeface=""/>
-                <a:cs typeface=""/>
+                <a:latin typeface="Calibri"/>
+                <a:cs typeface="Calibri"/>
               </a:rPr>
               <a:t> with bullet point list and </a:t>
             </a:r>
@@ -7172,8 +7172,8 @@
                     <a:alpha val="100000"/>
                   </a:srgbClr>
                 </a:solidFill>
-                <a:latin typeface=""/>
-                <a:cs typeface=""/>
+                <a:latin typeface="Calibri"/>
+                <a:cs typeface="Calibri"/>
               </a:rPr>
               <a:t> object</a:t>
             </a:r>
@@ -7256,7 +7256,7 @@
           <a:p>
             <a:r>
               <a:rPr/>
-              <a:t>IQSlidedeck_IQRobjects.R | Date: 2021-01-11 16:38:42</a:t>
+              <a:t>IQSlidedeck_IQRobjects.R | Date: 2021-01-11 17:08:38</a:t>
             </a:r>
           </a:p>
         </p:txBody>
@@ -7388,7 +7388,7 @@
           <a:p>
             <a:r>
               <a:rPr/>
-              <a:t>IQSlidedeck_IQRobjects.R | Date: 2021-01-11 16:38:43</a:t>
+              <a:t>IQSlidedeck_IQRobjects.R | Date: 2021-01-11 17:08:39</a:t>
             </a:r>
           </a:p>
         </p:txBody>
@@ -7552,7 +7552,7 @@
           <a:p>
             <a:r>
               <a:rPr/>
-              <a:t>script_IQSlidedeck.R | Date: 2021-01-11 16:38:09</a:t>
+              <a:t>script_IQSlidedeck.R | Date: 2021-01-11 17:08:05</a:t>
             </a:r>
           </a:p>
         </p:txBody>
@@ -7769,7 +7769,7 @@
           <a:p>
             <a:r>
               <a:rPr/>
-              <a:t>script_IQSlidedeck.R | Date: 2021-01-11 16:38:10</a:t>
+              <a:t>script_IQSlidedeck.R | Date: 2021-01-11 17:08:05</a:t>
             </a:r>
           </a:p>
         </p:txBody>
@@ -7874,7 +7874,7 @@
           <a:p>
             <a:r>
               <a:rPr/>
-              <a:t>script_IQSlidedeck.R | Date: 2021-01-11 16:38:13</a:t>
+              <a:t>script_IQSlidedeck.R | Date: 2021-01-11 17:08:09</a:t>
             </a:r>
           </a:p>
         </p:txBody>
@@ -7979,7 +7979,7 @@
           <a:p>
             <a:r>
               <a:rPr/>
-              <a:t>script_IQSlidedeck.R | Date: 2021-01-11 16:38:14</a:t>
+              <a:t>script_IQSlidedeck.R | Date: 2021-01-11 17:08:10</a:t>
             </a:r>
           </a:p>
         </p:txBody>
@@ -8084,7 +8084,7 @@
           <a:p>
             <a:r>
               <a:rPr/>
-              <a:t>script_IQSlidedeck.R | Date: 2021-01-11 16:38:21</a:t>
+              <a:t>script_IQSlidedeck.R | Date: 2021-01-11 17:08:16</a:t>
             </a:r>
           </a:p>
         </p:txBody>

--- a/tests/testresults/script_IQSlidedeck_IQobjects_Default_4_3.pptx
+++ b/tests/testresults/script_IQSlidedeck_IQobjects_Default_4_3.pptx
@@ -287,7 +287,7 @@
           <a:p>
             <a:fld id="{7B272C57-2FA0-4A9D-99A4-6F756B65018B}" type="datetimeFigureOut">
               <a:rPr lang="en-US" smtClean="0"/>
-              <a:t>4/23/2020</a:t>
+              <a:t>1/11/2021</a:t>
             </a:fld>
             <a:endParaRPr lang="en-US"/>
           </a:p>
@@ -361,6 +361,883 @@
 </file>
 
 <file path=ppt/slideLayouts/slideLayout10.xml><?xml version="1.0" encoding="utf-8"?>
+<p:sldLayout xmlns:a="http://schemas.openxmlformats.org/drawingml/2006/main" xmlns:r="http://schemas.openxmlformats.org/officeDocument/2006/relationships" xmlns:p="http://schemas.openxmlformats.org/presentationml/2006/main" preserve="1" userDrawn="1">
+  <p:cSld name="Two Content and Caption">
+    <p:bg>
+      <p:bgPr>
+        <a:solidFill>
+          <a:schemeClr val="bg1"/>
+        </a:solidFill>
+        <a:effectLst/>
+      </p:bgPr>
+    </p:bg>
+    <p:spTree>
+      <p:nvGrpSpPr>
+        <p:cNvPr id="1" name=""/>
+        <p:cNvGrpSpPr/>
+        <p:nvPr/>
+      </p:nvGrpSpPr>
+      <p:grpSpPr>
+        <a:xfrm>
+          <a:off x="0" y="0"/>
+          <a:ext cx="0" cy="0"/>
+          <a:chOff x="0" y="0"/>
+          <a:chExt cx="0" cy="0"/>
+        </a:xfrm>
+      </p:grpSpPr>
+      <p:sp>
+        <p:nvSpPr>
+          <p:cNvPr id="5" name="Date Placeholder 4">
+            <a:extLst>
+              <a:ext uri="{FF2B5EF4-FFF2-40B4-BE49-F238E27FC236}">
+                <a16:creationId xmlns:a16="http://schemas.microsoft.com/office/drawing/2014/main" id="{985F3433-3055-4279-A232-CDB35C481677}"/>
+              </a:ext>
+            </a:extLst>
+          </p:cNvPr>
+          <p:cNvSpPr>
+            <a:spLocks noGrp="1"/>
+          </p:cNvSpPr>
+          <p:nvPr>
+            <p:ph type="dt" sz="half" idx="10"/>
+          </p:nvPr>
+        </p:nvSpPr>
+        <p:spPr/>
+        <p:txBody>
+          <a:bodyPr/>
+          <a:lstStyle/>
+          <a:p>
+            <a:fld id="{7B272C57-2FA0-4A9D-99A4-6F756B65018B}" type="datetimeFigureOut">
+              <a:rPr lang="en-US" smtClean="0"/>
+              <a:t>1/11/2021</a:t>
+            </a:fld>
+            <a:endParaRPr lang="en-US"/>
+          </a:p>
+        </p:txBody>
+      </p:sp>
+      <p:sp>
+        <p:nvSpPr>
+          <p:cNvPr id="6" name="Footer Placeholder 5">
+            <a:extLst>
+              <a:ext uri="{FF2B5EF4-FFF2-40B4-BE49-F238E27FC236}">
+                <a16:creationId xmlns:a16="http://schemas.microsoft.com/office/drawing/2014/main" id="{C4190A63-5D67-4FD5-97FD-79F7445B6A2E}"/>
+              </a:ext>
+            </a:extLst>
+          </p:cNvPr>
+          <p:cNvSpPr>
+            <a:spLocks noGrp="1"/>
+          </p:cNvSpPr>
+          <p:nvPr>
+            <p:ph type="ftr" sz="quarter" idx="11"/>
+          </p:nvPr>
+        </p:nvSpPr>
+        <p:spPr/>
+        <p:txBody>
+          <a:bodyPr/>
+          <a:lstStyle/>
+          <a:p>
+            <a:endParaRPr lang="en-US"/>
+          </a:p>
+        </p:txBody>
+      </p:sp>
+      <p:sp>
+        <p:nvSpPr>
+          <p:cNvPr id="7" name="Slide Number Placeholder 6">
+            <a:extLst>
+              <a:ext uri="{FF2B5EF4-FFF2-40B4-BE49-F238E27FC236}">
+                <a16:creationId xmlns:a16="http://schemas.microsoft.com/office/drawing/2014/main" id="{D2687DAE-A442-4DC3-8550-20F58B781EC7}"/>
+              </a:ext>
+            </a:extLst>
+          </p:cNvPr>
+          <p:cNvSpPr>
+            <a:spLocks noGrp="1"/>
+          </p:cNvSpPr>
+          <p:nvPr>
+            <p:ph type="sldNum" sz="quarter" idx="12"/>
+          </p:nvPr>
+        </p:nvSpPr>
+        <p:spPr/>
+        <p:txBody>
+          <a:bodyPr/>
+          <a:lstStyle/>
+          <a:p>
+            <a:fld id="{C064A79B-B315-413E-88BB-EFE0B5D603D0}" type="slidenum">
+              <a:rPr lang="en-US" smtClean="0"/>
+              <a:t>‹#›</a:t>
+            </a:fld>
+            <a:endParaRPr lang="en-US"/>
+          </a:p>
+        </p:txBody>
+      </p:sp>
+      <p:sp>
+        <p:nvSpPr>
+          <p:cNvPr id="9" name="Title 1">
+            <a:extLst>
+              <a:ext uri="{FF2B5EF4-FFF2-40B4-BE49-F238E27FC236}">
+                <a16:creationId xmlns:a16="http://schemas.microsoft.com/office/drawing/2014/main" id="{177E17F1-D3B2-42A6-9982-8788655386CF}"/>
+              </a:ext>
+            </a:extLst>
+          </p:cNvPr>
+          <p:cNvSpPr>
+            <a:spLocks noGrp="1"/>
+          </p:cNvSpPr>
+          <p:nvPr>
+            <p:ph type="title"/>
+          </p:nvPr>
+        </p:nvSpPr>
+        <p:spPr>
+          <a:xfrm>
+            <a:off x="0" y="1"/>
+            <a:ext cx="9144000" cy="1013635"/>
+          </a:xfrm>
+          <a:solidFill>
+            <a:srgbClr val="2E3640"/>
+          </a:solidFill>
+        </p:spPr>
+        <p:txBody>
+          <a:bodyPr/>
+          <a:lstStyle>
+            <a:lvl1pPr>
+              <a:defRPr lang="en-US" dirty="0"/>
+            </a:lvl1pPr>
+          </a:lstStyle>
+          <a:p>
+            <a:r>
+              <a:rPr lang="en-US" dirty="0"/>
+              <a:t>Click to edit Master title style</a:t>
+            </a:r>
+          </a:p>
+        </p:txBody>
+      </p:sp>
+      <p:sp>
+        <p:nvSpPr>
+          <p:cNvPr id="10" name="Content Placeholder 2">
+            <a:extLst>
+              <a:ext uri="{FF2B5EF4-FFF2-40B4-BE49-F238E27FC236}">
+                <a16:creationId xmlns:a16="http://schemas.microsoft.com/office/drawing/2014/main" id="{F1A58CC4-526C-4991-898F-C0879D5343E8}"/>
+              </a:ext>
+            </a:extLst>
+          </p:cNvPr>
+          <p:cNvSpPr>
+            <a:spLocks noGrp="1"/>
+          </p:cNvSpPr>
+          <p:nvPr>
+            <p:ph sz="half" idx="1"/>
+          </p:nvPr>
+        </p:nvSpPr>
+        <p:spPr>
+          <a:xfrm>
+            <a:off x="187891" y="1205547"/>
+            <a:ext cx="4326959" cy="4446906"/>
+          </a:xfrm>
+        </p:spPr>
+        <p:txBody>
+          <a:bodyPr/>
+          <a:lstStyle/>
+          <a:p>
+            <a:pPr lvl="0"/>
+            <a:r>
+              <a:rPr lang="en-US" dirty="0"/>
+              <a:t>Click to edit Master text styles</a:t>
+            </a:r>
+          </a:p>
+          <a:p>
+            <a:pPr lvl="1"/>
+            <a:r>
+              <a:rPr lang="en-US" dirty="0"/>
+              <a:t>Second level</a:t>
+            </a:r>
+          </a:p>
+          <a:p>
+            <a:pPr lvl="2"/>
+            <a:r>
+              <a:rPr lang="en-US" dirty="0"/>
+              <a:t>Third level</a:t>
+            </a:r>
+          </a:p>
+          <a:p>
+            <a:pPr lvl="3"/>
+            <a:r>
+              <a:rPr lang="en-US" dirty="0"/>
+              <a:t>Fourth level</a:t>
+            </a:r>
+          </a:p>
+          <a:p>
+            <a:pPr lvl="4"/>
+            <a:r>
+              <a:rPr lang="en-US" dirty="0"/>
+              <a:t>Fifth level</a:t>
+            </a:r>
+          </a:p>
+        </p:txBody>
+      </p:sp>
+      <p:sp>
+        <p:nvSpPr>
+          <p:cNvPr id="11" name="Content Placeholder 3">
+            <a:extLst>
+              <a:ext uri="{FF2B5EF4-FFF2-40B4-BE49-F238E27FC236}">
+                <a16:creationId xmlns:a16="http://schemas.microsoft.com/office/drawing/2014/main" id="{CB008E43-F727-4C47-9855-9440A412ACCB}"/>
+              </a:ext>
+            </a:extLst>
+          </p:cNvPr>
+          <p:cNvSpPr>
+            <a:spLocks noGrp="1"/>
+          </p:cNvSpPr>
+          <p:nvPr>
+            <p:ph sz="half" idx="2"/>
+          </p:nvPr>
+        </p:nvSpPr>
+        <p:spPr>
+          <a:xfrm>
+            <a:off x="4629150" y="1205549"/>
+            <a:ext cx="4295645" cy="4446905"/>
+          </a:xfrm>
+        </p:spPr>
+        <p:txBody>
+          <a:bodyPr/>
+          <a:lstStyle/>
+          <a:p>
+            <a:pPr lvl="0"/>
+            <a:r>
+              <a:rPr lang="en-US"/>
+              <a:t>Click to edit Master text styles</a:t>
+            </a:r>
+          </a:p>
+          <a:p>
+            <a:pPr lvl="1"/>
+            <a:r>
+              <a:rPr lang="en-US"/>
+              <a:t>Second level</a:t>
+            </a:r>
+          </a:p>
+          <a:p>
+            <a:pPr lvl="2"/>
+            <a:r>
+              <a:rPr lang="en-US"/>
+              <a:t>Third level</a:t>
+            </a:r>
+          </a:p>
+          <a:p>
+            <a:pPr lvl="3"/>
+            <a:r>
+              <a:rPr lang="en-US"/>
+              <a:t>Fourth level</a:t>
+            </a:r>
+          </a:p>
+          <a:p>
+            <a:pPr lvl="4"/>
+            <a:r>
+              <a:rPr lang="en-US"/>
+              <a:t>Fifth level</a:t>
+            </a:r>
+          </a:p>
+        </p:txBody>
+      </p:sp>
+      <p:sp>
+        <p:nvSpPr>
+          <p:cNvPr id="3" name="Text Placeholder 2">
+            <a:extLst>
+              <a:ext uri="{FF2B5EF4-FFF2-40B4-BE49-F238E27FC236}">
+                <a16:creationId xmlns:a16="http://schemas.microsoft.com/office/drawing/2014/main" id="{B6810FF5-0B9C-4441-B73D-B10146FB8996}"/>
+              </a:ext>
+            </a:extLst>
+          </p:cNvPr>
+          <p:cNvSpPr>
+            <a:spLocks noGrp="1"/>
+          </p:cNvSpPr>
+          <p:nvPr>
+            <p:ph type="body" sz="quarter" idx="13"/>
+          </p:nvPr>
+        </p:nvSpPr>
+        <p:spPr>
+          <a:xfrm>
+            <a:off x="188119" y="5781584"/>
+            <a:ext cx="4326731" cy="445634"/>
+          </a:xfrm>
+        </p:spPr>
+        <p:txBody>
+          <a:bodyPr/>
+          <a:lstStyle>
+            <a:lvl1pPr marL="0" indent="0">
+              <a:buFont typeface="Arial" panose="020B0604020202020204" pitchFamily="34" charset="0"/>
+              <a:buNone/>
+              <a:defRPr sz="900"/>
+            </a:lvl1pPr>
+            <a:lvl2pPr marL="342900" indent="0">
+              <a:buFont typeface="Arial" panose="020B0604020202020204" pitchFamily="34" charset="0"/>
+              <a:buNone/>
+              <a:defRPr sz="825"/>
+            </a:lvl2pPr>
+            <a:lvl3pPr marL="685800" indent="0">
+              <a:buFont typeface="Arial" panose="020B0604020202020204" pitchFamily="34" charset="0"/>
+              <a:buNone/>
+              <a:defRPr sz="788"/>
+            </a:lvl3pPr>
+            <a:lvl4pPr marL="1028700" indent="0">
+              <a:buFont typeface="Arial" panose="020B0604020202020204" pitchFamily="34" charset="0"/>
+              <a:buNone/>
+              <a:defRPr sz="750"/>
+            </a:lvl4pPr>
+            <a:lvl5pPr marL="1371600" indent="0">
+              <a:buFont typeface="Arial" panose="020B0604020202020204" pitchFamily="34" charset="0"/>
+              <a:buNone/>
+              <a:defRPr sz="750"/>
+            </a:lvl5pPr>
+          </a:lstStyle>
+          <a:p>
+            <a:pPr lvl="0"/>
+            <a:r>
+              <a:rPr lang="en-US" dirty="0"/>
+              <a:t>Click to edit Master text styles</a:t>
+            </a:r>
+          </a:p>
+          <a:p>
+            <a:pPr lvl="1"/>
+            <a:r>
+              <a:rPr lang="en-US" dirty="0"/>
+              <a:t>Second level</a:t>
+            </a:r>
+          </a:p>
+          <a:p>
+            <a:pPr lvl="2"/>
+            <a:r>
+              <a:rPr lang="en-US" dirty="0"/>
+              <a:t>Third level</a:t>
+            </a:r>
+          </a:p>
+          <a:p>
+            <a:pPr lvl="3"/>
+            <a:r>
+              <a:rPr lang="en-US" dirty="0"/>
+              <a:t>Fourth level</a:t>
+            </a:r>
+          </a:p>
+          <a:p>
+            <a:pPr lvl="4"/>
+            <a:r>
+              <a:rPr lang="en-US" dirty="0"/>
+              <a:t>Fifth level</a:t>
+            </a:r>
+            <a:endParaRPr lang="en-CH" dirty="0"/>
+          </a:p>
+        </p:txBody>
+      </p:sp>
+      <p:sp>
+        <p:nvSpPr>
+          <p:cNvPr id="4" name="Text Placeholder 3">
+            <a:extLst>
+              <a:ext uri="{FF2B5EF4-FFF2-40B4-BE49-F238E27FC236}">
+                <a16:creationId xmlns:a16="http://schemas.microsoft.com/office/drawing/2014/main" id="{EF8CA0C6-2B85-43B4-92F5-635817B1E191}"/>
+              </a:ext>
+            </a:extLst>
+          </p:cNvPr>
+          <p:cNvSpPr>
+            <a:spLocks noGrp="1"/>
+          </p:cNvSpPr>
+          <p:nvPr>
+            <p:ph type="body" sz="quarter" idx="14"/>
+          </p:nvPr>
+        </p:nvSpPr>
+        <p:spPr>
+          <a:xfrm>
+            <a:off x="4629150" y="5781675"/>
+            <a:ext cx="4295775" cy="446088"/>
+          </a:xfrm>
+        </p:spPr>
+        <p:txBody>
+          <a:bodyPr>
+            <a:noAutofit/>
+          </a:bodyPr>
+          <a:lstStyle>
+            <a:lvl1pPr marL="0" indent="0">
+              <a:buFontTx/>
+              <a:buNone/>
+              <a:defRPr sz="900"/>
+            </a:lvl1pPr>
+            <a:lvl2pPr marL="342900" indent="0">
+              <a:buFontTx/>
+              <a:buNone/>
+              <a:defRPr sz="825"/>
+            </a:lvl2pPr>
+            <a:lvl3pPr marL="685800" indent="0">
+              <a:buFontTx/>
+              <a:buNone/>
+              <a:defRPr sz="788"/>
+            </a:lvl3pPr>
+            <a:lvl4pPr marL="1028700" indent="0">
+              <a:buFontTx/>
+              <a:buNone/>
+              <a:defRPr sz="750"/>
+            </a:lvl4pPr>
+            <a:lvl5pPr marL="1371600" indent="0">
+              <a:buFontTx/>
+              <a:buNone/>
+              <a:defRPr sz="750"/>
+            </a:lvl5pPr>
+          </a:lstStyle>
+          <a:p>
+            <a:pPr lvl="0"/>
+            <a:r>
+              <a:rPr lang="en-US" dirty="0"/>
+              <a:t>Click to edit Master text styles</a:t>
+            </a:r>
+          </a:p>
+          <a:p>
+            <a:pPr lvl="1"/>
+            <a:r>
+              <a:rPr lang="en-US" dirty="0"/>
+              <a:t>Second level</a:t>
+            </a:r>
+          </a:p>
+          <a:p>
+            <a:pPr lvl="2"/>
+            <a:r>
+              <a:rPr lang="en-US" dirty="0"/>
+              <a:t>Third level</a:t>
+            </a:r>
+          </a:p>
+          <a:p>
+            <a:pPr lvl="3"/>
+            <a:r>
+              <a:rPr lang="en-US" dirty="0"/>
+              <a:t>Fourth level</a:t>
+            </a:r>
+          </a:p>
+          <a:p>
+            <a:pPr lvl="4"/>
+            <a:r>
+              <a:rPr lang="en-US" dirty="0"/>
+              <a:t>Fifth level</a:t>
+            </a:r>
+            <a:endParaRPr lang="en-CH" dirty="0"/>
+          </a:p>
+        </p:txBody>
+      </p:sp>
+    </p:spTree>
+    <p:extLst>
+      <p:ext uri="{BB962C8B-B14F-4D97-AF65-F5344CB8AC3E}">
+        <p14:creationId xmlns:p14="http://schemas.microsoft.com/office/powerpoint/2010/main" val="1216857061"/>
+      </p:ext>
+    </p:extLst>
+  </p:cSld>
+  <p:clrMapOvr>
+    <a:masterClrMapping/>
+  </p:clrMapOvr>
+</p:sldLayout>
+</file>
+
+<file path=ppt/slideLayouts/slideLayout11.xml><?xml version="1.0" encoding="utf-8"?>
+<p:sldLayout xmlns:a="http://schemas.openxmlformats.org/drawingml/2006/main" xmlns:r="http://schemas.openxmlformats.org/officeDocument/2006/relationships" xmlns:p="http://schemas.openxmlformats.org/presentationml/2006/main" type="twoTxTwoObj" preserve="1">
+  <p:cSld name="Comparison">
+    <p:spTree>
+      <p:nvGrpSpPr>
+        <p:cNvPr id="1" name=""/>
+        <p:cNvGrpSpPr/>
+        <p:nvPr/>
+      </p:nvGrpSpPr>
+      <p:grpSpPr>
+        <a:xfrm>
+          <a:off x="0" y="0"/>
+          <a:ext cx="0" cy="0"/>
+          <a:chOff x="0" y="0"/>
+          <a:chExt cx="0" cy="0"/>
+        </a:xfrm>
+      </p:grpSpPr>
+      <p:sp>
+        <p:nvSpPr>
+          <p:cNvPr id="2" name="Title 1">
+            <a:extLst>
+              <a:ext uri="{FF2B5EF4-FFF2-40B4-BE49-F238E27FC236}">
+                <a16:creationId xmlns:a16="http://schemas.microsoft.com/office/drawing/2014/main" id="{DDCEEDBF-B9EE-46CF-A2B0-8EE3479EFD83}"/>
+              </a:ext>
+            </a:extLst>
+          </p:cNvPr>
+          <p:cNvSpPr>
+            <a:spLocks noGrp="1"/>
+          </p:cNvSpPr>
+          <p:nvPr>
+            <p:ph type="title"/>
+          </p:nvPr>
+        </p:nvSpPr>
+        <p:spPr>
+          <a:xfrm>
+            <a:off x="629841" y="365126"/>
+            <a:ext cx="7886700" cy="1325563"/>
+          </a:xfrm>
+        </p:spPr>
+        <p:txBody>
+          <a:bodyPr/>
+          <a:lstStyle/>
+          <a:p>
+            <a:r>
+              <a:rPr lang="en-US"/>
+              <a:t>Click to edit Master title style</a:t>
+            </a:r>
+          </a:p>
+        </p:txBody>
+      </p:sp>
+      <p:sp>
+        <p:nvSpPr>
+          <p:cNvPr id="3" name="Text Placeholder 2">
+            <a:extLst>
+              <a:ext uri="{FF2B5EF4-FFF2-40B4-BE49-F238E27FC236}">
+                <a16:creationId xmlns:a16="http://schemas.microsoft.com/office/drawing/2014/main" id="{544AF6FB-AD6C-4882-81B0-96CE078AAFDE}"/>
+              </a:ext>
+            </a:extLst>
+          </p:cNvPr>
+          <p:cNvSpPr>
+            <a:spLocks noGrp="1"/>
+          </p:cNvSpPr>
+          <p:nvPr>
+            <p:ph type="body" idx="1"/>
+          </p:nvPr>
+        </p:nvSpPr>
+        <p:spPr>
+          <a:xfrm>
+            <a:off x="629842" y="1681163"/>
+            <a:ext cx="3868340" cy="823912"/>
+          </a:xfrm>
+        </p:spPr>
+        <p:txBody>
+          <a:bodyPr anchor="b"/>
+          <a:lstStyle>
+            <a:lvl1pPr marL="0" indent="0">
+              <a:buNone/>
+              <a:defRPr sz="1800" b="1"/>
+            </a:lvl1pPr>
+            <a:lvl2pPr marL="342900" indent="0">
+              <a:buNone/>
+              <a:defRPr sz="1500" b="1"/>
+            </a:lvl2pPr>
+            <a:lvl3pPr marL="685800" indent="0">
+              <a:buNone/>
+              <a:defRPr sz="1350" b="1"/>
+            </a:lvl3pPr>
+            <a:lvl4pPr marL="1028700" indent="0">
+              <a:buNone/>
+              <a:defRPr sz="1200" b="1"/>
+            </a:lvl4pPr>
+            <a:lvl5pPr marL="1371600" indent="0">
+              <a:buNone/>
+              <a:defRPr sz="1200" b="1"/>
+            </a:lvl5pPr>
+            <a:lvl6pPr marL="1714500" indent="0">
+              <a:buNone/>
+              <a:defRPr sz="1200" b="1"/>
+            </a:lvl6pPr>
+            <a:lvl7pPr marL="2057400" indent="0">
+              <a:buNone/>
+              <a:defRPr sz="1200" b="1"/>
+            </a:lvl7pPr>
+            <a:lvl8pPr marL="2400300" indent="0">
+              <a:buNone/>
+              <a:defRPr sz="1200" b="1"/>
+            </a:lvl8pPr>
+            <a:lvl9pPr marL="2743200" indent="0">
+              <a:buNone/>
+              <a:defRPr sz="1200" b="1"/>
+            </a:lvl9pPr>
+          </a:lstStyle>
+          <a:p>
+            <a:pPr lvl="0"/>
+            <a:r>
+              <a:rPr lang="en-US"/>
+              <a:t>Click to edit Master text styles</a:t>
+            </a:r>
+          </a:p>
+        </p:txBody>
+      </p:sp>
+      <p:sp>
+        <p:nvSpPr>
+          <p:cNvPr id="4" name="Content Placeholder 3">
+            <a:extLst>
+              <a:ext uri="{FF2B5EF4-FFF2-40B4-BE49-F238E27FC236}">
+                <a16:creationId xmlns:a16="http://schemas.microsoft.com/office/drawing/2014/main" id="{1533832D-5B97-457A-BE16-A272372A4631}"/>
+              </a:ext>
+            </a:extLst>
+          </p:cNvPr>
+          <p:cNvSpPr>
+            <a:spLocks noGrp="1"/>
+          </p:cNvSpPr>
+          <p:nvPr>
+            <p:ph sz="half" idx="2"/>
+          </p:nvPr>
+        </p:nvSpPr>
+        <p:spPr>
+          <a:xfrm>
+            <a:off x="629842" y="2505075"/>
+            <a:ext cx="3868340" cy="3684588"/>
+          </a:xfrm>
+        </p:spPr>
+        <p:txBody>
+          <a:bodyPr/>
+          <a:lstStyle/>
+          <a:p>
+            <a:pPr lvl="0"/>
+            <a:r>
+              <a:rPr lang="en-US"/>
+              <a:t>Click to edit Master text styles</a:t>
+            </a:r>
+          </a:p>
+          <a:p>
+            <a:pPr lvl="1"/>
+            <a:r>
+              <a:rPr lang="en-US"/>
+              <a:t>Second level</a:t>
+            </a:r>
+          </a:p>
+          <a:p>
+            <a:pPr lvl="2"/>
+            <a:r>
+              <a:rPr lang="en-US"/>
+              <a:t>Third level</a:t>
+            </a:r>
+          </a:p>
+          <a:p>
+            <a:pPr lvl="3"/>
+            <a:r>
+              <a:rPr lang="en-US"/>
+              <a:t>Fourth level</a:t>
+            </a:r>
+          </a:p>
+          <a:p>
+            <a:pPr lvl="4"/>
+            <a:r>
+              <a:rPr lang="en-US"/>
+              <a:t>Fifth level</a:t>
+            </a:r>
+          </a:p>
+        </p:txBody>
+      </p:sp>
+      <p:sp>
+        <p:nvSpPr>
+          <p:cNvPr id="5" name="Text Placeholder 4">
+            <a:extLst>
+              <a:ext uri="{FF2B5EF4-FFF2-40B4-BE49-F238E27FC236}">
+                <a16:creationId xmlns:a16="http://schemas.microsoft.com/office/drawing/2014/main" id="{EB0BE55C-A71C-4022-9131-15FEDC116784}"/>
+              </a:ext>
+            </a:extLst>
+          </p:cNvPr>
+          <p:cNvSpPr>
+            <a:spLocks noGrp="1"/>
+          </p:cNvSpPr>
+          <p:nvPr>
+            <p:ph type="body" sz="quarter" idx="3"/>
+          </p:nvPr>
+        </p:nvSpPr>
+        <p:spPr>
+          <a:xfrm>
+            <a:off x="4629150" y="1681163"/>
+            <a:ext cx="3887391" cy="823912"/>
+          </a:xfrm>
+        </p:spPr>
+        <p:txBody>
+          <a:bodyPr anchor="b"/>
+          <a:lstStyle>
+            <a:lvl1pPr marL="0" indent="0">
+              <a:buNone/>
+              <a:defRPr sz="1800" b="1"/>
+            </a:lvl1pPr>
+            <a:lvl2pPr marL="342900" indent="0">
+              <a:buNone/>
+              <a:defRPr sz="1500" b="1"/>
+            </a:lvl2pPr>
+            <a:lvl3pPr marL="685800" indent="0">
+              <a:buNone/>
+              <a:defRPr sz="1350" b="1"/>
+            </a:lvl3pPr>
+            <a:lvl4pPr marL="1028700" indent="0">
+              <a:buNone/>
+              <a:defRPr sz="1200" b="1"/>
+            </a:lvl4pPr>
+            <a:lvl5pPr marL="1371600" indent="0">
+              <a:buNone/>
+              <a:defRPr sz="1200" b="1"/>
+            </a:lvl5pPr>
+            <a:lvl6pPr marL="1714500" indent="0">
+              <a:buNone/>
+              <a:defRPr sz="1200" b="1"/>
+            </a:lvl6pPr>
+            <a:lvl7pPr marL="2057400" indent="0">
+              <a:buNone/>
+              <a:defRPr sz="1200" b="1"/>
+            </a:lvl7pPr>
+            <a:lvl8pPr marL="2400300" indent="0">
+              <a:buNone/>
+              <a:defRPr sz="1200" b="1"/>
+            </a:lvl8pPr>
+            <a:lvl9pPr marL="2743200" indent="0">
+              <a:buNone/>
+              <a:defRPr sz="1200" b="1"/>
+            </a:lvl9pPr>
+          </a:lstStyle>
+          <a:p>
+            <a:pPr lvl="0"/>
+            <a:r>
+              <a:rPr lang="en-US"/>
+              <a:t>Click to edit Master text styles</a:t>
+            </a:r>
+          </a:p>
+        </p:txBody>
+      </p:sp>
+      <p:sp>
+        <p:nvSpPr>
+          <p:cNvPr id="6" name="Content Placeholder 5">
+            <a:extLst>
+              <a:ext uri="{FF2B5EF4-FFF2-40B4-BE49-F238E27FC236}">
+                <a16:creationId xmlns:a16="http://schemas.microsoft.com/office/drawing/2014/main" id="{B42F743A-257A-4CB8-B95B-5C988CC62C5F}"/>
+              </a:ext>
+            </a:extLst>
+          </p:cNvPr>
+          <p:cNvSpPr>
+            <a:spLocks noGrp="1"/>
+          </p:cNvSpPr>
+          <p:nvPr>
+            <p:ph sz="quarter" idx="4"/>
+          </p:nvPr>
+        </p:nvSpPr>
+        <p:spPr>
+          <a:xfrm>
+            <a:off x="4629150" y="2505075"/>
+            <a:ext cx="3887391" cy="3684588"/>
+          </a:xfrm>
+        </p:spPr>
+        <p:txBody>
+          <a:bodyPr/>
+          <a:lstStyle/>
+          <a:p>
+            <a:pPr lvl="0"/>
+            <a:r>
+              <a:rPr lang="en-US"/>
+              <a:t>Click to edit Master text styles</a:t>
+            </a:r>
+          </a:p>
+          <a:p>
+            <a:pPr lvl="1"/>
+            <a:r>
+              <a:rPr lang="en-US"/>
+              <a:t>Second level</a:t>
+            </a:r>
+          </a:p>
+          <a:p>
+            <a:pPr lvl="2"/>
+            <a:r>
+              <a:rPr lang="en-US"/>
+              <a:t>Third level</a:t>
+            </a:r>
+          </a:p>
+          <a:p>
+            <a:pPr lvl="3"/>
+            <a:r>
+              <a:rPr lang="en-US"/>
+              <a:t>Fourth level</a:t>
+            </a:r>
+          </a:p>
+          <a:p>
+            <a:pPr lvl="4"/>
+            <a:r>
+              <a:rPr lang="en-US"/>
+              <a:t>Fifth level</a:t>
+            </a:r>
+          </a:p>
+        </p:txBody>
+      </p:sp>
+      <p:sp>
+        <p:nvSpPr>
+          <p:cNvPr id="7" name="Date Placeholder 6">
+            <a:extLst>
+              <a:ext uri="{FF2B5EF4-FFF2-40B4-BE49-F238E27FC236}">
+                <a16:creationId xmlns:a16="http://schemas.microsoft.com/office/drawing/2014/main" id="{D25E529E-3A21-43D7-BDFA-A5A848AC67B7}"/>
+              </a:ext>
+            </a:extLst>
+          </p:cNvPr>
+          <p:cNvSpPr>
+            <a:spLocks noGrp="1"/>
+          </p:cNvSpPr>
+          <p:nvPr>
+            <p:ph type="dt" sz="half" idx="10"/>
+          </p:nvPr>
+        </p:nvSpPr>
+        <p:spPr/>
+        <p:txBody>
+          <a:bodyPr/>
+          <a:lstStyle/>
+          <a:p>
+            <a:fld id="{7B272C57-2FA0-4A9D-99A4-6F756B65018B}" type="datetimeFigureOut">
+              <a:rPr lang="en-US" smtClean="0"/>
+              <a:t>1/11/2021</a:t>
+            </a:fld>
+            <a:endParaRPr lang="en-US"/>
+          </a:p>
+        </p:txBody>
+      </p:sp>
+      <p:sp>
+        <p:nvSpPr>
+          <p:cNvPr id="8" name="Footer Placeholder 7">
+            <a:extLst>
+              <a:ext uri="{FF2B5EF4-FFF2-40B4-BE49-F238E27FC236}">
+                <a16:creationId xmlns:a16="http://schemas.microsoft.com/office/drawing/2014/main" id="{E8A1AC98-0217-4FDD-B158-1F74B7A158CE}"/>
+              </a:ext>
+            </a:extLst>
+          </p:cNvPr>
+          <p:cNvSpPr>
+            <a:spLocks noGrp="1"/>
+          </p:cNvSpPr>
+          <p:nvPr>
+            <p:ph type="ftr" sz="quarter" idx="11"/>
+          </p:nvPr>
+        </p:nvSpPr>
+        <p:spPr/>
+        <p:txBody>
+          <a:bodyPr/>
+          <a:lstStyle/>
+          <a:p>
+            <a:endParaRPr lang="en-US"/>
+          </a:p>
+        </p:txBody>
+      </p:sp>
+      <p:sp>
+        <p:nvSpPr>
+          <p:cNvPr id="9" name="Slide Number Placeholder 8">
+            <a:extLst>
+              <a:ext uri="{FF2B5EF4-FFF2-40B4-BE49-F238E27FC236}">
+                <a16:creationId xmlns:a16="http://schemas.microsoft.com/office/drawing/2014/main" id="{38112B28-E129-463E-A880-BAB46D30BA21}"/>
+              </a:ext>
+            </a:extLst>
+          </p:cNvPr>
+          <p:cNvSpPr>
+            <a:spLocks noGrp="1"/>
+          </p:cNvSpPr>
+          <p:nvPr>
+            <p:ph type="sldNum" sz="quarter" idx="12"/>
+          </p:nvPr>
+        </p:nvSpPr>
+        <p:spPr/>
+        <p:txBody>
+          <a:bodyPr/>
+          <a:lstStyle/>
+          <a:p>
+            <a:fld id="{C064A79B-B315-413E-88BB-EFE0B5D603D0}" type="slidenum">
+              <a:rPr lang="en-US" smtClean="0"/>
+              <a:t>‹#›</a:t>
+            </a:fld>
+            <a:endParaRPr lang="en-US"/>
+          </a:p>
+        </p:txBody>
+      </p:sp>
+    </p:spTree>
+    <p:extLst>
+      <p:ext uri="{BB962C8B-B14F-4D97-AF65-F5344CB8AC3E}">
+        <p14:creationId xmlns:p14="http://schemas.microsoft.com/office/powerpoint/2010/main" val="3298881254"/>
+      </p:ext>
+    </p:extLst>
+  </p:cSld>
+  <p:clrMapOvr>
+    <a:masterClrMapping/>
+  </p:clrMapOvr>
+</p:sldLayout>
+</file>
+
+<file path=ppt/slideLayouts/slideLayout12.xml><?xml version="1.0" encoding="utf-8"?>
 <p:sldLayout xmlns:a="http://schemas.openxmlformats.org/drawingml/2006/main" xmlns:r="http://schemas.openxmlformats.org/officeDocument/2006/relationships" xmlns:p="http://schemas.openxmlformats.org/presentationml/2006/main" type="titleOnly" preserve="1">
   <p:cSld name="Title Only">
     <p:spTree>
@@ -444,7 +1321,7 @@
           <a:p>
             <a:fld id="{7B272C57-2FA0-4A9D-99A4-6F756B65018B}" type="datetimeFigureOut">
               <a:rPr lang="en-US" smtClean="0"/>
-              <a:t>4/23/2020</a:t>
+              <a:t>1/11/2021</a:t>
             </a:fld>
             <a:endParaRPr lang="en-US"/>
           </a:p>
@@ -517,7 +1394,7 @@
 </p:sldLayout>
 </file>
 
-<file path=ppt/slideLayouts/slideLayout11.xml><?xml version="1.0" encoding="utf-8"?>
+<file path=ppt/slideLayouts/slideLayout13.xml><?xml version="1.0" encoding="utf-8"?>
 <p:sldLayout xmlns:a="http://schemas.openxmlformats.org/drawingml/2006/main" xmlns:r="http://schemas.openxmlformats.org/officeDocument/2006/relationships" xmlns:p="http://schemas.openxmlformats.org/presentationml/2006/main" type="blank" preserve="1">
   <p:cSld name="Blank">
     <p:spTree>
@@ -557,7 +1434,7 @@
           <a:p>
             <a:fld id="{7B272C57-2FA0-4A9D-99A4-6F756B65018B}" type="datetimeFigureOut">
               <a:rPr lang="en-US" smtClean="0"/>
-              <a:t>4/23/2020</a:t>
+              <a:t>1/11/2021</a:t>
             </a:fld>
             <a:endParaRPr lang="en-US"/>
           </a:p>
@@ -630,7 +1507,7 @@
 </p:sldLayout>
 </file>
 
-<file path=ppt/slideLayouts/slideLayout12.xml><?xml version="1.0" encoding="utf-8"?>
+<file path=ppt/slideLayouts/slideLayout14.xml><?xml version="1.0" encoding="utf-8"?>
 <p:sldLayout xmlns:a="http://schemas.openxmlformats.org/drawingml/2006/main" xmlns:r="http://schemas.openxmlformats.org/officeDocument/2006/relationships" xmlns:p="http://schemas.openxmlformats.org/presentationml/2006/main" type="objTx" preserve="1">
   <p:cSld name="Content with Caption">
     <p:spTree>
@@ -868,7 +1745,7 @@
           <a:p>
             <a:fld id="{7B272C57-2FA0-4A9D-99A4-6F756B65018B}" type="datetimeFigureOut">
               <a:rPr lang="en-US" smtClean="0"/>
-              <a:t>4/23/2020</a:t>
+              <a:t>1/11/2021</a:t>
             </a:fld>
             <a:endParaRPr lang="en-US"/>
           </a:p>
@@ -941,7 +1818,7 @@
 </p:sldLayout>
 </file>
 
-<file path=ppt/slideLayouts/slideLayout13.xml><?xml version="1.0" encoding="utf-8"?>
+<file path=ppt/slideLayouts/slideLayout15.xml><?xml version="1.0" encoding="utf-8"?>
 <p:sldLayout xmlns:a="http://schemas.openxmlformats.org/drawingml/2006/main" xmlns:r="http://schemas.openxmlformats.org/officeDocument/2006/relationships" xmlns:p="http://schemas.openxmlformats.org/presentationml/2006/main" type="picTx" preserve="1">
   <p:cSld name="Picture with Caption">
     <p:spTree>
@@ -1156,7 +2033,7 @@
           <a:p>
             <a:fld id="{7B272C57-2FA0-4A9D-99A4-6F756B65018B}" type="datetimeFigureOut">
               <a:rPr lang="en-US" smtClean="0"/>
-              <a:t>4/23/2020</a:t>
+              <a:t>1/11/2021</a:t>
             </a:fld>
             <a:endParaRPr lang="en-US"/>
           </a:p>
@@ -1229,7 +2106,7 @@
 </p:sldLayout>
 </file>
 
-<file path=ppt/slideLayouts/slideLayout14.xml><?xml version="1.0" encoding="utf-8"?>
+<file path=ppt/slideLayouts/slideLayout16.xml><?xml version="1.0" encoding="utf-8"?>
 <p:sldLayout xmlns:a="http://schemas.openxmlformats.org/drawingml/2006/main" xmlns:r="http://schemas.openxmlformats.org/officeDocument/2006/relationships" xmlns:p="http://schemas.openxmlformats.org/presentationml/2006/main" type="vertTx" preserve="1">
   <p:cSld name="Title and Vertical Text">
     <p:spTree>
@@ -1354,7 +2231,7 @@
           <a:p>
             <a:fld id="{7B272C57-2FA0-4A9D-99A4-6F756B65018B}" type="datetimeFigureOut">
               <a:rPr lang="en-US" smtClean="0"/>
-              <a:t>4/23/2020</a:t>
+              <a:t>1/11/2021</a:t>
             </a:fld>
             <a:endParaRPr lang="en-US"/>
           </a:p>
@@ -1427,7 +2304,7 @@
 </p:sldLayout>
 </file>
 
-<file path=ppt/slideLayouts/slideLayout15.xml><?xml version="1.0" encoding="utf-8"?>
+<file path=ppt/slideLayouts/slideLayout17.xml><?xml version="1.0" encoding="utf-8"?>
 <p:sldLayout xmlns:a="http://schemas.openxmlformats.org/drawingml/2006/main" xmlns:r="http://schemas.openxmlformats.org/officeDocument/2006/relationships" xmlns:p="http://schemas.openxmlformats.org/presentationml/2006/main" type="vertTitleAndTx" preserve="1">
   <p:cSld name="Vertical Title and Text">
     <p:spTree>
@@ -1562,7 +2439,7 @@
           <a:p>
             <a:fld id="{7B272C57-2FA0-4A9D-99A4-6F756B65018B}" type="datetimeFigureOut">
               <a:rPr lang="en-US" smtClean="0"/>
-              <a:t>4/23/2020</a:t>
+              <a:t>1/11/2021</a:t>
             </a:fld>
             <a:endParaRPr lang="en-US"/>
           </a:p>
@@ -1765,7 +2642,7 @@
           <a:p>
             <a:fld id="{7B272C57-2FA0-4A9D-99A4-6F756B65018B}" type="datetimeFigureOut">
               <a:rPr lang="en-US" smtClean="0"/>
-              <a:t>4/23/2020</a:t>
+              <a:t>1/11/2021</a:t>
             </a:fld>
             <a:endParaRPr lang="en-US"/>
           </a:p>
@@ -1839,6 +2716,279 @@
 </file>
 
 <file path=ppt/slideLayouts/slideLayout3.xml><?xml version="1.0" encoding="utf-8"?>
+<p:sldLayout xmlns:a="http://schemas.openxmlformats.org/drawingml/2006/main" xmlns:r="http://schemas.openxmlformats.org/officeDocument/2006/relationships" xmlns:p="http://schemas.openxmlformats.org/presentationml/2006/main" type="obj" preserve="1">
+  <p:cSld name="Title and Content Wide">
+    <p:spTree>
+      <p:nvGrpSpPr>
+        <p:cNvPr id="1" name=""/>
+        <p:cNvGrpSpPr/>
+        <p:nvPr/>
+      </p:nvGrpSpPr>
+      <p:grpSpPr>
+        <a:xfrm>
+          <a:off x="0" y="0"/>
+          <a:ext cx="0" cy="0"/>
+          <a:chOff x="0" y="0"/>
+          <a:chExt cx="0" cy="0"/>
+        </a:xfrm>
+      </p:grpSpPr>
+      <p:sp>
+        <p:nvSpPr>
+          <p:cNvPr id="2" name="Title 1">
+            <a:extLst>
+              <a:ext uri="{FF2B5EF4-FFF2-40B4-BE49-F238E27FC236}">
+                <a16:creationId xmlns:a16="http://schemas.microsoft.com/office/drawing/2014/main" id="{4905F3F5-CD26-4383-BCD3-A8D434E2D639}"/>
+              </a:ext>
+            </a:extLst>
+          </p:cNvPr>
+          <p:cNvSpPr>
+            <a:spLocks noGrp="1"/>
+          </p:cNvSpPr>
+          <p:nvPr>
+            <p:ph type="title"/>
+          </p:nvPr>
+        </p:nvSpPr>
+        <p:spPr>
+          <a:xfrm>
+            <a:off x="0" y="1"/>
+            <a:ext cx="3600000" cy="6857999"/>
+          </a:xfrm>
+        </p:spPr>
+        <p:txBody>
+          <a:bodyPr/>
+          <a:lstStyle/>
+          <a:p>
+            <a:r>
+              <a:rPr lang="en-US" dirty="0"/>
+              <a:t>Click to edit Master title style</a:t>
+            </a:r>
+          </a:p>
+        </p:txBody>
+      </p:sp>
+      <p:sp>
+        <p:nvSpPr>
+          <p:cNvPr id="3" name="Content Placeholder 2">
+            <a:extLst>
+              <a:ext uri="{FF2B5EF4-FFF2-40B4-BE49-F238E27FC236}">
+                <a16:creationId xmlns:a16="http://schemas.microsoft.com/office/drawing/2014/main" id="{3FBC0A59-A7F8-4091-BC22-97B46458BECE}"/>
+              </a:ext>
+            </a:extLst>
+          </p:cNvPr>
+          <p:cNvSpPr>
+            <a:spLocks noGrp="1"/>
+          </p:cNvSpPr>
+          <p:nvPr>
+            <p:ph idx="1"/>
+          </p:nvPr>
+        </p:nvSpPr>
+        <p:spPr>
+          <a:xfrm>
+            <a:off x="3722077" y="211015"/>
+            <a:ext cx="5202719" cy="5965948"/>
+          </a:xfrm>
+        </p:spPr>
+        <p:txBody>
+          <a:bodyPr/>
+          <a:lstStyle/>
+          <a:p>
+            <a:pPr lvl="0"/>
+            <a:r>
+              <a:rPr lang="en-US"/>
+              <a:t>Click to edit Master text styles</a:t>
+            </a:r>
+          </a:p>
+          <a:p>
+            <a:pPr lvl="1"/>
+            <a:r>
+              <a:rPr lang="en-US"/>
+              <a:t>Second level</a:t>
+            </a:r>
+          </a:p>
+          <a:p>
+            <a:pPr lvl="2"/>
+            <a:r>
+              <a:rPr lang="en-US"/>
+              <a:t>Third level</a:t>
+            </a:r>
+          </a:p>
+          <a:p>
+            <a:pPr lvl="3"/>
+            <a:r>
+              <a:rPr lang="en-US"/>
+              <a:t>Fourth level</a:t>
+            </a:r>
+          </a:p>
+          <a:p>
+            <a:pPr lvl="4"/>
+            <a:r>
+              <a:rPr lang="en-US"/>
+              <a:t>Fifth level</a:t>
+            </a:r>
+          </a:p>
+        </p:txBody>
+      </p:sp>
+      <p:sp>
+        <p:nvSpPr>
+          <p:cNvPr id="4" name="Date Placeholder 3">
+            <a:extLst>
+              <a:ext uri="{FF2B5EF4-FFF2-40B4-BE49-F238E27FC236}">
+                <a16:creationId xmlns:a16="http://schemas.microsoft.com/office/drawing/2014/main" id="{5E4D15F2-B97A-4D46-A56B-AACA64275B31}"/>
+              </a:ext>
+            </a:extLst>
+          </p:cNvPr>
+          <p:cNvSpPr>
+            <a:spLocks noGrp="1"/>
+          </p:cNvSpPr>
+          <p:nvPr>
+            <p:ph type="dt" sz="half" idx="10"/>
+          </p:nvPr>
+        </p:nvSpPr>
+        <p:spPr/>
+        <p:txBody>
+          <a:bodyPr/>
+          <a:lstStyle/>
+          <a:p>
+            <a:fld id="{7B272C57-2FA0-4A9D-99A4-6F756B65018B}" type="datetimeFigureOut">
+              <a:rPr lang="en-US" smtClean="0"/>
+              <a:t>1/11/2021</a:t>
+            </a:fld>
+            <a:endParaRPr lang="en-US"/>
+          </a:p>
+        </p:txBody>
+      </p:sp>
+      <p:sp>
+        <p:nvSpPr>
+          <p:cNvPr id="5" name="Footer Placeholder 4">
+            <a:extLst>
+              <a:ext uri="{FF2B5EF4-FFF2-40B4-BE49-F238E27FC236}">
+                <a16:creationId xmlns:a16="http://schemas.microsoft.com/office/drawing/2014/main" id="{EFDF8A97-3399-44D7-ACF7-3642988247E1}"/>
+              </a:ext>
+            </a:extLst>
+          </p:cNvPr>
+          <p:cNvSpPr>
+            <a:spLocks noGrp="1"/>
+          </p:cNvSpPr>
+          <p:nvPr>
+            <p:ph type="ftr" sz="quarter" idx="11"/>
+          </p:nvPr>
+        </p:nvSpPr>
+        <p:spPr>
+          <a:xfrm>
+            <a:off x="3722077" y="6352143"/>
+            <a:ext cx="4290016" cy="365125"/>
+          </a:xfrm>
+        </p:spPr>
+        <p:txBody>
+          <a:bodyPr/>
+          <a:lstStyle/>
+          <a:p>
+            <a:endParaRPr lang="en-US" dirty="0"/>
+          </a:p>
+        </p:txBody>
+      </p:sp>
+      <p:sp>
+        <p:nvSpPr>
+          <p:cNvPr id="6" name="Slide Number Placeholder 5">
+            <a:extLst>
+              <a:ext uri="{FF2B5EF4-FFF2-40B4-BE49-F238E27FC236}">
+                <a16:creationId xmlns:a16="http://schemas.microsoft.com/office/drawing/2014/main" id="{BCBF6AC6-8F39-4227-B48E-79664419D365}"/>
+              </a:ext>
+            </a:extLst>
+          </p:cNvPr>
+          <p:cNvSpPr>
+            <a:spLocks noGrp="1"/>
+          </p:cNvSpPr>
+          <p:nvPr>
+            <p:ph type="sldNum" sz="quarter" idx="12"/>
+          </p:nvPr>
+        </p:nvSpPr>
+        <p:spPr>
+          <a:xfrm>
+            <a:off x="8017442" y="6352143"/>
+            <a:ext cx="907354" cy="365125"/>
+          </a:xfrm>
+          <a:solidFill>
+            <a:schemeClr val="bg1"/>
+          </a:solidFill>
+        </p:spPr>
+        <p:txBody>
+          <a:bodyPr/>
+          <a:lstStyle/>
+          <a:p>
+            <a:fld id="{C064A79B-B315-413E-88BB-EFE0B5D603D0}" type="slidenum">
+              <a:rPr lang="en-US" smtClean="0"/>
+              <a:t>‹#›</a:t>
+            </a:fld>
+            <a:endParaRPr lang="en-US"/>
+          </a:p>
+        </p:txBody>
+      </p:sp>
+      <p:sp>
+        <p:nvSpPr>
+          <p:cNvPr id="7" name="TextBox 6">
+            <a:extLst>
+              <a:ext uri="{FF2B5EF4-FFF2-40B4-BE49-F238E27FC236}">
+                <a16:creationId xmlns:a16="http://schemas.microsoft.com/office/drawing/2014/main" id="{5EEE06A6-C5DC-4AFC-93E0-F15658BB43A9}"/>
+              </a:ext>
+            </a:extLst>
+          </p:cNvPr>
+          <p:cNvSpPr txBox="1"/>
+          <p:nvPr userDrawn="1"/>
+        </p:nvSpPr>
+        <p:spPr>
+          <a:xfrm>
+            <a:off x="2415622" y="6352143"/>
+            <a:ext cx="1014046" cy="369332"/>
+          </a:xfrm>
+          <a:prstGeom prst="rect">
+            <a:avLst/>
+          </a:prstGeom>
+          <a:noFill/>
+        </p:spPr>
+        <p:txBody>
+          <a:bodyPr wrap="square" rtlCol="0">
+            <a:spAutoFit/>
+          </a:bodyPr>
+          <a:lstStyle/>
+          <a:p>
+            <a:r>
+              <a:rPr lang="en-US" b="1" dirty="0">
+                <a:solidFill>
+                  <a:srgbClr val="9FA82E"/>
+                </a:solidFill>
+              </a:rPr>
+              <a:t>IQR</a:t>
+            </a:r>
+            <a:r>
+              <a:rPr lang="en-US" b="1" dirty="0">
+                <a:solidFill>
+                  <a:schemeClr val="bg1"/>
+                </a:solidFill>
+              </a:rPr>
+              <a:t>tools</a:t>
+            </a:r>
+            <a:endParaRPr lang="en-CH" b="1" dirty="0">
+              <a:solidFill>
+                <a:schemeClr val="bg1"/>
+              </a:solidFill>
+            </a:endParaRPr>
+          </a:p>
+        </p:txBody>
+      </p:sp>
+    </p:spTree>
+    <p:extLst>
+      <p:ext uri="{BB962C8B-B14F-4D97-AF65-F5344CB8AC3E}">
+        <p14:creationId xmlns:p14="http://schemas.microsoft.com/office/powerpoint/2010/main" val="1824992628"/>
+      </p:ext>
+    </p:extLst>
+  </p:cSld>
+  <p:clrMapOvr>
+    <a:masterClrMapping/>
+  </p:clrMapOvr>
+</p:sldLayout>
+</file>
+
+<file path=ppt/slideLayouts/slideLayout4.xml><?xml version="1.0" encoding="utf-8"?>
 <p:sldLayout xmlns:a="http://schemas.openxmlformats.org/drawingml/2006/main" xmlns:r="http://schemas.openxmlformats.org/officeDocument/2006/relationships" xmlns:p="http://schemas.openxmlformats.org/presentationml/2006/main" preserve="1" userDrawn="1">
   <p:cSld name="Title and Content and Caption">
     <p:spTree>
@@ -1973,7 +3123,7 @@
           <a:p>
             <a:fld id="{7B272C57-2FA0-4A9D-99A4-6F756B65018B}" type="datetimeFigureOut">
               <a:rPr lang="en-US" smtClean="0"/>
-              <a:t>4/23/2020</a:t>
+              <a:t>1/11/2021</a:t>
             </a:fld>
             <a:endParaRPr lang="en-US"/>
           </a:p>
@@ -2132,7 +3282,366 @@
 </p:sldLayout>
 </file>
 
-<file path=ppt/slideLayouts/slideLayout4.xml><?xml version="1.0" encoding="utf-8"?>
+<file path=ppt/slideLayouts/slideLayout5.xml><?xml version="1.0" encoding="utf-8"?>
+<p:sldLayout xmlns:a="http://schemas.openxmlformats.org/drawingml/2006/main" xmlns:r="http://schemas.openxmlformats.org/officeDocument/2006/relationships" xmlns:p="http://schemas.openxmlformats.org/presentationml/2006/main" preserve="1" userDrawn="1">
+  <p:cSld name="Title and Content and Caption Wide">
+    <p:spTree>
+      <p:nvGrpSpPr>
+        <p:cNvPr id="1" name=""/>
+        <p:cNvGrpSpPr/>
+        <p:nvPr/>
+      </p:nvGrpSpPr>
+      <p:grpSpPr>
+        <a:xfrm>
+          <a:off x="0" y="0"/>
+          <a:ext cx="0" cy="0"/>
+          <a:chOff x="0" y="0"/>
+          <a:chExt cx="0" cy="0"/>
+        </a:xfrm>
+      </p:grpSpPr>
+      <p:sp>
+        <p:nvSpPr>
+          <p:cNvPr id="2" name="Title 1">
+            <a:extLst>
+              <a:ext uri="{FF2B5EF4-FFF2-40B4-BE49-F238E27FC236}">
+                <a16:creationId xmlns:a16="http://schemas.microsoft.com/office/drawing/2014/main" id="{4905F3F5-CD26-4383-BCD3-A8D434E2D639}"/>
+              </a:ext>
+            </a:extLst>
+          </p:cNvPr>
+          <p:cNvSpPr>
+            <a:spLocks noGrp="1"/>
+          </p:cNvSpPr>
+          <p:nvPr>
+            <p:ph type="title"/>
+          </p:nvPr>
+        </p:nvSpPr>
+        <p:spPr>
+          <a:xfrm>
+            <a:off x="-1" y="1"/>
+            <a:ext cx="3600000" cy="6857999"/>
+          </a:xfrm>
+        </p:spPr>
+        <p:txBody>
+          <a:bodyPr/>
+          <a:lstStyle/>
+          <a:p>
+            <a:r>
+              <a:rPr lang="en-US" dirty="0"/>
+              <a:t>Click to edit Master title style</a:t>
+            </a:r>
+          </a:p>
+        </p:txBody>
+      </p:sp>
+      <p:sp>
+        <p:nvSpPr>
+          <p:cNvPr id="3" name="Content Placeholder 2">
+            <a:extLst>
+              <a:ext uri="{FF2B5EF4-FFF2-40B4-BE49-F238E27FC236}">
+                <a16:creationId xmlns:a16="http://schemas.microsoft.com/office/drawing/2014/main" id="{3FBC0A59-A7F8-4091-BC22-97B46458BECE}"/>
+              </a:ext>
+            </a:extLst>
+          </p:cNvPr>
+          <p:cNvSpPr>
+            <a:spLocks noGrp="1"/>
+          </p:cNvSpPr>
+          <p:nvPr>
+            <p:ph idx="1"/>
+          </p:nvPr>
+        </p:nvSpPr>
+        <p:spPr>
+          <a:xfrm>
+            <a:off x="3716215" y="136524"/>
+            <a:ext cx="5208581" cy="5570313"/>
+          </a:xfrm>
+        </p:spPr>
+        <p:txBody>
+          <a:bodyPr/>
+          <a:lstStyle/>
+          <a:p>
+            <a:pPr lvl="0"/>
+            <a:r>
+              <a:rPr lang="en-US"/>
+              <a:t>Click to edit Master text styles</a:t>
+            </a:r>
+          </a:p>
+          <a:p>
+            <a:pPr lvl="1"/>
+            <a:r>
+              <a:rPr lang="en-US"/>
+              <a:t>Second level</a:t>
+            </a:r>
+          </a:p>
+          <a:p>
+            <a:pPr lvl="2"/>
+            <a:r>
+              <a:rPr lang="en-US"/>
+              <a:t>Third level</a:t>
+            </a:r>
+          </a:p>
+          <a:p>
+            <a:pPr lvl="3"/>
+            <a:r>
+              <a:rPr lang="en-US"/>
+              <a:t>Fourth level</a:t>
+            </a:r>
+          </a:p>
+          <a:p>
+            <a:pPr lvl="4"/>
+            <a:r>
+              <a:rPr lang="en-US"/>
+              <a:t>Fifth level</a:t>
+            </a:r>
+          </a:p>
+        </p:txBody>
+      </p:sp>
+      <p:sp>
+        <p:nvSpPr>
+          <p:cNvPr id="4" name="Date Placeholder 3">
+            <a:extLst>
+              <a:ext uri="{FF2B5EF4-FFF2-40B4-BE49-F238E27FC236}">
+                <a16:creationId xmlns:a16="http://schemas.microsoft.com/office/drawing/2014/main" id="{5E4D15F2-B97A-4D46-A56B-AACA64275B31}"/>
+              </a:ext>
+            </a:extLst>
+          </p:cNvPr>
+          <p:cNvSpPr>
+            <a:spLocks noGrp="1"/>
+          </p:cNvSpPr>
+          <p:nvPr>
+            <p:ph type="dt" sz="half" idx="10"/>
+          </p:nvPr>
+        </p:nvSpPr>
+        <p:spPr/>
+        <p:txBody>
+          <a:bodyPr/>
+          <a:lstStyle/>
+          <a:p>
+            <a:fld id="{7B272C57-2FA0-4A9D-99A4-6F756B65018B}" type="datetimeFigureOut">
+              <a:rPr lang="en-US" smtClean="0"/>
+              <a:t>1/11/2021</a:t>
+            </a:fld>
+            <a:endParaRPr lang="en-US"/>
+          </a:p>
+        </p:txBody>
+      </p:sp>
+      <p:sp>
+        <p:nvSpPr>
+          <p:cNvPr id="5" name="Footer Placeholder 4">
+            <a:extLst>
+              <a:ext uri="{FF2B5EF4-FFF2-40B4-BE49-F238E27FC236}">
+                <a16:creationId xmlns:a16="http://schemas.microsoft.com/office/drawing/2014/main" id="{EFDF8A97-3399-44D7-ACF7-3642988247E1}"/>
+              </a:ext>
+            </a:extLst>
+          </p:cNvPr>
+          <p:cNvSpPr>
+            <a:spLocks noGrp="1"/>
+          </p:cNvSpPr>
+          <p:nvPr>
+            <p:ph type="ftr" sz="quarter" idx="11"/>
+          </p:nvPr>
+        </p:nvSpPr>
+        <p:spPr>
+          <a:xfrm>
+            <a:off x="3695178" y="6356350"/>
+            <a:ext cx="4353577" cy="365125"/>
+          </a:xfrm>
+        </p:spPr>
+        <p:txBody>
+          <a:bodyPr/>
+          <a:lstStyle/>
+          <a:p>
+            <a:endParaRPr lang="en-US"/>
+          </a:p>
+        </p:txBody>
+      </p:sp>
+      <p:sp>
+        <p:nvSpPr>
+          <p:cNvPr id="6" name="Slide Number Placeholder 5">
+            <a:extLst>
+              <a:ext uri="{FF2B5EF4-FFF2-40B4-BE49-F238E27FC236}">
+                <a16:creationId xmlns:a16="http://schemas.microsoft.com/office/drawing/2014/main" id="{BCBF6AC6-8F39-4227-B48E-79664419D365}"/>
+              </a:ext>
+            </a:extLst>
+          </p:cNvPr>
+          <p:cNvSpPr>
+            <a:spLocks noGrp="1"/>
+          </p:cNvSpPr>
+          <p:nvPr>
+            <p:ph type="sldNum" sz="quarter" idx="12"/>
+          </p:nvPr>
+        </p:nvSpPr>
+        <p:spPr>
+          <a:xfrm>
+            <a:off x="8048755" y="6356350"/>
+            <a:ext cx="907354" cy="365125"/>
+          </a:xfrm>
+          <a:solidFill>
+            <a:schemeClr val="bg1"/>
+          </a:solidFill>
+        </p:spPr>
+        <p:txBody>
+          <a:bodyPr/>
+          <a:lstStyle/>
+          <a:p>
+            <a:fld id="{C064A79B-B315-413E-88BB-EFE0B5D603D0}" type="slidenum">
+              <a:rPr lang="en-US" smtClean="0"/>
+              <a:t>‹#›</a:t>
+            </a:fld>
+            <a:endParaRPr lang="en-US"/>
+          </a:p>
+        </p:txBody>
+      </p:sp>
+      <p:sp>
+        <p:nvSpPr>
+          <p:cNvPr id="9" name="Text Placeholder 8">
+            <a:extLst>
+              <a:ext uri="{FF2B5EF4-FFF2-40B4-BE49-F238E27FC236}">
+                <a16:creationId xmlns:a16="http://schemas.microsoft.com/office/drawing/2014/main" id="{F6B30566-8B30-4362-BCB6-7F3B3746AF24}"/>
+              </a:ext>
+            </a:extLst>
+          </p:cNvPr>
+          <p:cNvSpPr>
+            <a:spLocks noGrp="1"/>
+          </p:cNvSpPr>
+          <p:nvPr>
+            <p:ph type="body" sz="quarter" idx="13"/>
+          </p:nvPr>
+        </p:nvSpPr>
+        <p:spPr>
+          <a:xfrm>
+            <a:off x="3716215" y="5816375"/>
+            <a:ext cx="5208581" cy="365125"/>
+          </a:xfrm>
+        </p:spPr>
+        <p:txBody>
+          <a:bodyPr>
+            <a:noAutofit/>
+          </a:bodyPr>
+          <a:lstStyle>
+            <a:lvl1pPr marL="0" indent="0">
+              <a:buNone/>
+              <a:defRPr sz="900"/>
+            </a:lvl1pPr>
+            <a:lvl2pPr marL="342900" indent="0">
+              <a:buNone/>
+              <a:defRPr sz="825"/>
+            </a:lvl2pPr>
+            <a:lvl3pPr marL="685800" indent="0">
+              <a:buNone/>
+              <a:defRPr sz="788"/>
+            </a:lvl3pPr>
+            <a:lvl4pPr marL="1028700" indent="0">
+              <a:buNone/>
+              <a:defRPr sz="750"/>
+            </a:lvl4pPr>
+            <a:lvl5pPr marL="1371600" indent="0">
+              <a:buNone/>
+              <a:defRPr sz="750"/>
+            </a:lvl5pPr>
+          </a:lstStyle>
+          <a:p>
+            <a:pPr lvl="0"/>
+            <a:r>
+              <a:rPr lang="en-US" dirty="0"/>
+              <a:t>Click to edit Master text styles</a:t>
+            </a:r>
+          </a:p>
+          <a:p>
+            <a:pPr lvl="1"/>
+            <a:r>
+              <a:rPr lang="en-US" dirty="0"/>
+              <a:t>Second level</a:t>
+            </a:r>
+          </a:p>
+          <a:p>
+            <a:pPr lvl="2"/>
+            <a:r>
+              <a:rPr lang="en-US" dirty="0"/>
+              <a:t>Third level</a:t>
+            </a:r>
+          </a:p>
+          <a:p>
+            <a:pPr lvl="3"/>
+            <a:r>
+              <a:rPr lang="en-US" dirty="0"/>
+              <a:t>Fourth level</a:t>
+            </a:r>
+          </a:p>
+          <a:p>
+            <a:pPr lvl="4"/>
+            <a:r>
+              <a:rPr lang="en-US" dirty="0"/>
+              <a:t>Fifth level</a:t>
+            </a:r>
+            <a:endParaRPr lang="en-CH" dirty="0"/>
+          </a:p>
+        </p:txBody>
+      </p:sp>
+      <p:sp>
+        <p:nvSpPr>
+          <p:cNvPr id="7" name="TextBox 6">
+            <a:extLst>
+              <a:ext uri="{FF2B5EF4-FFF2-40B4-BE49-F238E27FC236}">
+                <a16:creationId xmlns:a16="http://schemas.microsoft.com/office/drawing/2014/main" id="{A0456E5D-4989-4AD2-8760-95534EE12D67}"/>
+              </a:ext>
+            </a:extLst>
+          </p:cNvPr>
+          <p:cNvSpPr txBox="1"/>
+          <p:nvPr userDrawn="1"/>
+        </p:nvSpPr>
+        <p:spPr>
+          <a:xfrm>
+            <a:off x="2415622" y="6352143"/>
+            <a:ext cx="1014046" cy="369332"/>
+          </a:xfrm>
+          <a:prstGeom prst="rect">
+            <a:avLst/>
+          </a:prstGeom>
+          <a:noFill/>
+        </p:spPr>
+        <p:txBody>
+          <a:bodyPr wrap="square" rtlCol="0">
+            <a:spAutoFit/>
+          </a:bodyPr>
+          <a:lstStyle/>
+          <a:p>
+            <a:r>
+              <a:rPr lang="en-US" b="1" dirty="0">
+                <a:solidFill>
+                  <a:srgbClr val="9FA82E"/>
+                </a:solidFill>
+              </a:rPr>
+              <a:t>IQR</a:t>
+            </a:r>
+            <a:r>
+              <a:rPr lang="en-US" b="1" dirty="0">
+                <a:solidFill>
+                  <a:schemeClr val="bg1"/>
+                </a:solidFill>
+              </a:rPr>
+              <a:t>tools</a:t>
+            </a:r>
+            <a:endParaRPr lang="en-CH" b="1" dirty="0">
+              <a:solidFill>
+                <a:schemeClr val="bg1"/>
+              </a:solidFill>
+            </a:endParaRPr>
+          </a:p>
+        </p:txBody>
+      </p:sp>
+    </p:spTree>
+    <p:extLst>
+      <p:ext uri="{BB962C8B-B14F-4D97-AF65-F5344CB8AC3E}">
+        <p14:creationId xmlns:p14="http://schemas.microsoft.com/office/powerpoint/2010/main" val="3046617138"/>
+      </p:ext>
+    </p:extLst>
+  </p:cSld>
+  <p:clrMapOvr>
+    <a:masterClrMapping/>
+  </p:clrMapOvr>
+</p:sldLayout>
+</file>
+
+<file path=ppt/slideLayouts/slideLayout6.xml><?xml version="1.0" encoding="utf-8"?>
 <p:sldLayout xmlns:a="http://schemas.openxmlformats.org/drawingml/2006/main" xmlns:r="http://schemas.openxmlformats.org/officeDocument/2006/relationships" xmlns:p="http://schemas.openxmlformats.org/presentationml/2006/main" type="secHead" preserve="1">
   <p:cSld name="Section Header">
     <p:spTree>
@@ -2334,7 +3843,7 @@
           <a:p>
             <a:fld id="{7B272C57-2FA0-4A9D-99A4-6F756B65018B}" type="datetimeFigureOut">
               <a:rPr lang="en-US" smtClean="0"/>
-              <a:t>4/23/2020</a:t>
+              <a:t>1/11/2021</a:t>
             </a:fld>
             <a:endParaRPr lang="en-US"/>
           </a:p>
@@ -2407,7 +3916,7 @@
 </p:sldLayout>
 </file>
 
-<file path=ppt/slideLayouts/slideLayout5.xml><?xml version="1.0" encoding="utf-8"?>
+<file path=ppt/slideLayouts/slideLayout7.xml><?xml version="1.0" encoding="utf-8"?>
 <p:sldLayout xmlns:a="http://schemas.openxmlformats.org/drawingml/2006/main" xmlns:r="http://schemas.openxmlformats.org/officeDocument/2006/relationships" xmlns:p="http://schemas.openxmlformats.org/presentationml/2006/main" preserve="1" userDrawn="1">
   <p:cSld name="Two Content">
     <p:bg>
@@ -2455,7 +3964,7 @@
           <a:p>
             <a:fld id="{7B272C57-2FA0-4A9D-99A4-6F756B65018B}" type="datetimeFigureOut">
               <a:rPr lang="en-US" smtClean="0"/>
-              <a:t>4/23/2020</a:t>
+              <a:t>1/11/2021</a:t>
             </a:fld>
             <a:endParaRPr lang="en-US"/>
           </a:p>
@@ -2692,7 +4201,7 @@
 </p:sldLayout>
 </file>
 
-<file path=ppt/slideLayouts/slideLayout6.xml><?xml version="1.0" encoding="utf-8"?>
+<file path=ppt/slideLayouts/slideLayout8.xml><?xml version="1.0" encoding="utf-8"?>
 <p:sldLayout xmlns:a="http://schemas.openxmlformats.org/drawingml/2006/main" xmlns:r="http://schemas.openxmlformats.org/officeDocument/2006/relationships" xmlns:p="http://schemas.openxmlformats.org/presentationml/2006/main" preserve="1" userDrawn="1">
   <p:cSld name="Two Content and Caption Right">
     <p:bg>
@@ -2740,7 +4249,7 @@
           <a:p>
             <a:fld id="{7B272C57-2FA0-4A9D-99A4-6F756B65018B}" type="datetimeFigureOut">
               <a:rPr lang="en-US" smtClean="0"/>
-              <a:t>4/23/2020</a:t>
+              <a:t>1/11/2021</a:t>
             </a:fld>
             <a:endParaRPr lang="en-US"/>
           </a:p>
@@ -3066,7 +4575,7 @@
 </p:sldLayout>
 </file>
 
-<file path=ppt/slideLayouts/slideLayout7.xml><?xml version="1.0" encoding="utf-8"?>
+<file path=ppt/slideLayouts/slideLayout9.xml><?xml version="1.0" encoding="utf-8"?>
 <p:sldLayout xmlns:a="http://schemas.openxmlformats.org/drawingml/2006/main" xmlns:r="http://schemas.openxmlformats.org/officeDocument/2006/relationships" xmlns:p="http://schemas.openxmlformats.org/presentationml/2006/main" preserve="1" userDrawn="1">
   <p:cSld name="Two Content and Caption Left">
     <p:bg>
@@ -3114,7 +4623,7 @@
           <a:p>
             <a:fld id="{7B272C57-2FA0-4A9D-99A4-6F756B65018B}" type="datetimeFigureOut">
               <a:rPr lang="en-US" smtClean="0"/>
-              <a:t>4/23/2020</a:t>
+              <a:t>1/11/2021</a:t>
             </a:fld>
             <a:endParaRPr lang="en-US"/>
           </a:p>
@@ -3431,883 +4940,6 @@
     <p:extLst>
       <p:ext uri="{BB962C8B-B14F-4D97-AF65-F5344CB8AC3E}">
         <p14:creationId xmlns:p14="http://schemas.microsoft.com/office/powerpoint/2010/main" val="3059227006"/>
-      </p:ext>
-    </p:extLst>
-  </p:cSld>
-  <p:clrMapOvr>
-    <a:masterClrMapping/>
-  </p:clrMapOvr>
-</p:sldLayout>
-</file>
-
-<file path=ppt/slideLayouts/slideLayout8.xml><?xml version="1.0" encoding="utf-8"?>
-<p:sldLayout xmlns:a="http://schemas.openxmlformats.org/drawingml/2006/main" xmlns:r="http://schemas.openxmlformats.org/officeDocument/2006/relationships" xmlns:p="http://schemas.openxmlformats.org/presentationml/2006/main" preserve="1" userDrawn="1">
-  <p:cSld name="Two Content and Caption">
-    <p:bg>
-      <p:bgPr>
-        <a:solidFill>
-          <a:schemeClr val="bg1"/>
-        </a:solidFill>
-        <a:effectLst/>
-      </p:bgPr>
-    </p:bg>
-    <p:spTree>
-      <p:nvGrpSpPr>
-        <p:cNvPr id="1" name=""/>
-        <p:cNvGrpSpPr/>
-        <p:nvPr/>
-      </p:nvGrpSpPr>
-      <p:grpSpPr>
-        <a:xfrm>
-          <a:off x="0" y="0"/>
-          <a:ext cx="0" cy="0"/>
-          <a:chOff x="0" y="0"/>
-          <a:chExt cx="0" cy="0"/>
-        </a:xfrm>
-      </p:grpSpPr>
-      <p:sp>
-        <p:nvSpPr>
-          <p:cNvPr id="5" name="Date Placeholder 4">
-            <a:extLst>
-              <a:ext uri="{FF2B5EF4-FFF2-40B4-BE49-F238E27FC236}">
-                <a16:creationId xmlns:a16="http://schemas.microsoft.com/office/drawing/2014/main" id="{985F3433-3055-4279-A232-CDB35C481677}"/>
-              </a:ext>
-            </a:extLst>
-          </p:cNvPr>
-          <p:cNvSpPr>
-            <a:spLocks noGrp="1"/>
-          </p:cNvSpPr>
-          <p:nvPr>
-            <p:ph type="dt" sz="half" idx="10"/>
-          </p:nvPr>
-        </p:nvSpPr>
-        <p:spPr/>
-        <p:txBody>
-          <a:bodyPr/>
-          <a:lstStyle/>
-          <a:p>
-            <a:fld id="{7B272C57-2FA0-4A9D-99A4-6F756B65018B}" type="datetimeFigureOut">
-              <a:rPr lang="en-US" smtClean="0"/>
-              <a:t>4/23/2020</a:t>
-            </a:fld>
-            <a:endParaRPr lang="en-US"/>
-          </a:p>
-        </p:txBody>
-      </p:sp>
-      <p:sp>
-        <p:nvSpPr>
-          <p:cNvPr id="6" name="Footer Placeholder 5">
-            <a:extLst>
-              <a:ext uri="{FF2B5EF4-FFF2-40B4-BE49-F238E27FC236}">
-                <a16:creationId xmlns:a16="http://schemas.microsoft.com/office/drawing/2014/main" id="{C4190A63-5D67-4FD5-97FD-79F7445B6A2E}"/>
-              </a:ext>
-            </a:extLst>
-          </p:cNvPr>
-          <p:cNvSpPr>
-            <a:spLocks noGrp="1"/>
-          </p:cNvSpPr>
-          <p:nvPr>
-            <p:ph type="ftr" sz="quarter" idx="11"/>
-          </p:nvPr>
-        </p:nvSpPr>
-        <p:spPr/>
-        <p:txBody>
-          <a:bodyPr/>
-          <a:lstStyle/>
-          <a:p>
-            <a:endParaRPr lang="en-US"/>
-          </a:p>
-        </p:txBody>
-      </p:sp>
-      <p:sp>
-        <p:nvSpPr>
-          <p:cNvPr id="7" name="Slide Number Placeholder 6">
-            <a:extLst>
-              <a:ext uri="{FF2B5EF4-FFF2-40B4-BE49-F238E27FC236}">
-                <a16:creationId xmlns:a16="http://schemas.microsoft.com/office/drawing/2014/main" id="{D2687DAE-A442-4DC3-8550-20F58B781EC7}"/>
-              </a:ext>
-            </a:extLst>
-          </p:cNvPr>
-          <p:cNvSpPr>
-            <a:spLocks noGrp="1"/>
-          </p:cNvSpPr>
-          <p:nvPr>
-            <p:ph type="sldNum" sz="quarter" idx="12"/>
-          </p:nvPr>
-        </p:nvSpPr>
-        <p:spPr/>
-        <p:txBody>
-          <a:bodyPr/>
-          <a:lstStyle/>
-          <a:p>
-            <a:fld id="{C064A79B-B315-413E-88BB-EFE0B5D603D0}" type="slidenum">
-              <a:rPr lang="en-US" smtClean="0"/>
-              <a:t>‹#›</a:t>
-            </a:fld>
-            <a:endParaRPr lang="en-US"/>
-          </a:p>
-        </p:txBody>
-      </p:sp>
-      <p:sp>
-        <p:nvSpPr>
-          <p:cNvPr id="9" name="Title 1">
-            <a:extLst>
-              <a:ext uri="{FF2B5EF4-FFF2-40B4-BE49-F238E27FC236}">
-                <a16:creationId xmlns:a16="http://schemas.microsoft.com/office/drawing/2014/main" id="{177E17F1-D3B2-42A6-9982-8788655386CF}"/>
-              </a:ext>
-            </a:extLst>
-          </p:cNvPr>
-          <p:cNvSpPr>
-            <a:spLocks noGrp="1"/>
-          </p:cNvSpPr>
-          <p:nvPr>
-            <p:ph type="title"/>
-          </p:nvPr>
-        </p:nvSpPr>
-        <p:spPr>
-          <a:xfrm>
-            <a:off x="0" y="1"/>
-            <a:ext cx="9144000" cy="1013635"/>
-          </a:xfrm>
-          <a:solidFill>
-            <a:srgbClr val="2E3640"/>
-          </a:solidFill>
-        </p:spPr>
-        <p:txBody>
-          <a:bodyPr/>
-          <a:lstStyle>
-            <a:lvl1pPr>
-              <a:defRPr lang="en-US" dirty="0"/>
-            </a:lvl1pPr>
-          </a:lstStyle>
-          <a:p>
-            <a:r>
-              <a:rPr lang="en-US" dirty="0"/>
-              <a:t>Click to edit Master title style</a:t>
-            </a:r>
-          </a:p>
-        </p:txBody>
-      </p:sp>
-      <p:sp>
-        <p:nvSpPr>
-          <p:cNvPr id="10" name="Content Placeholder 2">
-            <a:extLst>
-              <a:ext uri="{FF2B5EF4-FFF2-40B4-BE49-F238E27FC236}">
-                <a16:creationId xmlns:a16="http://schemas.microsoft.com/office/drawing/2014/main" id="{F1A58CC4-526C-4991-898F-C0879D5343E8}"/>
-              </a:ext>
-            </a:extLst>
-          </p:cNvPr>
-          <p:cNvSpPr>
-            <a:spLocks noGrp="1"/>
-          </p:cNvSpPr>
-          <p:nvPr>
-            <p:ph sz="half" idx="1"/>
-          </p:nvPr>
-        </p:nvSpPr>
-        <p:spPr>
-          <a:xfrm>
-            <a:off x="187891" y="1205547"/>
-            <a:ext cx="4326959" cy="4446906"/>
-          </a:xfrm>
-        </p:spPr>
-        <p:txBody>
-          <a:bodyPr/>
-          <a:lstStyle/>
-          <a:p>
-            <a:pPr lvl="0"/>
-            <a:r>
-              <a:rPr lang="en-US" dirty="0"/>
-              <a:t>Click to edit Master text styles</a:t>
-            </a:r>
-          </a:p>
-          <a:p>
-            <a:pPr lvl="1"/>
-            <a:r>
-              <a:rPr lang="en-US" dirty="0"/>
-              <a:t>Second level</a:t>
-            </a:r>
-          </a:p>
-          <a:p>
-            <a:pPr lvl="2"/>
-            <a:r>
-              <a:rPr lang="en-US" dirty="0"/>
-              <a:t>Third level</a:t>
-            </a:r>
-          </a:p>
-          <a:p>
-            <a:pPr lvl="3"/>
-            <a:r>
-              <a:rPr lang="en-US" dirty="0"/>
-              <a:t>Fourth level</a:t>
-            </a:r>
-          </a:p>
-          <a:p>
-            <a:pPr lvl="4"/>
-            <a:r>
-              <a:rPr lang="en-US" dirty="0"/>
-              <a:t>Fifth level</a:t>
-            </a:r>
-          </a:p>
-        </p:txBody>
-      </p:sp>
-      <p:sp>
-        <p:nvSpPr>
-          <p:cNvPr id="11" name="Content Placeholder 3">
-            <a:extLst>
-              <a:ext uri="{FF2B5EF4-FFF2-40B4-BE49-F238E27FC236}">
-                <a16:creationId xmlns:a16="http://schemas.microsoft.com/office/drawing/2014/main" id="{CB008E43-F727-4C47-9855-9440A412ACCB}"/>
-              </a:ext>
-            </a:extLst>
-          </p:cNvPr>
-          <p:cNvSpPr>
-            <a:spLocks noGrp="1"/>
-          </p:cNvSpPr>
-          <p:nvPr>
-            <p:ph sz="half" idx="2"/>
-          </p:nvPr>
-        </p:nvSpPr>
-        <p:spPr>
-          <a:xfrm>
-            <a:off x="4629150" y="1205549"/>
-            <a:ext cx="4295645" cy="4446905"/>
-          </a:xfrm>
-        </p:spPr>
-        <p:txBody>
-          <a:bodyPr/>
-          <a:lstStyle/>
-          <a:p>
-            <a:pPr lvl="0"/>
-            <a:r>
-              <a:rPr lang="en-US"/>
-              <a:t>Click to edit Master text styles</a:t>
-            </a:r>
-          </a:p>
-          <a:p>
-            <a:pPr lvl="1"/>
-            <a:r>
-              <a:rPr lang="en-US"/>
-              <a:t>Second level</a:t>
-            </a:r>
-          </a:p>
-          <a:p>
-            <a:pPr lvl="2"/>
-            <a:r>
-              <a:rPr lang="en-US"/>
-              <a:t>Third level</a:t>
-            </a:r>
-          </a:p>
-          <a:p>
-            <a:pPr lvl="3"/>
-            <a:r>
-              <a:rPr lang="en-US"/>
-              <a:t>Fourth level</a:t>
-            </a:r>
-          </a:p>
-          <a:p>
-            <a:pPr lvl="4"/>
-            <a:r>
-              <a:rPr lang="en-US"/>
-              <a:t>Fifth level</a:t>
-            </a:r>
-          </a:p>
-        </p:txBody>
-      </p:sp>
-      <p:sp>
-        <p:nvSpPr>
-          <p:cNvPr id="3" name="Text Placeholder 2">
-            <a:extLst>
-              <a:ext uri="{FF2B5EF4-FFF2-40B4-BE49-F238E27FC236}">
-                <a16:creationId xmlns:a16="http://schemas.microsoft.com/office/drawing/2014/main" id="{B6810FF5-0B9C-4441-B73D-B10146FB8996}"/>
-              </a:ext>
-            </a:extLst>
-          </p:cNvPr>
-          <p:cNvSpPr>
-            <a:spLocks noGrp="1"/>
-          </p:cNvSpPr>
-          <p:nvPr>
-            <p:ph type="body" sz="quarter" idx="13"/>
-          </p:nvPr>
-        </p:nvSpPr>
-        <p:spPr>
-          <a:xfrm>
-            <a:off x="188119" y="5781584"/>
-            <a:ext cx="4326731" cy="445634"/>
-          </a:xfrm>
-        </p:spPr>
-        <p:txBody>
-          <a:bodyPr/>
-          <a:lstStyle>
-            <a:lvl1pPr marL="0" indent="0">
-              <a:buFont typeface="Arial" panose="020B0604020202020204" pitchFamily="34" charset="0"/>
-              <a:buNone/>
-              <a:defRPr sz="900"/>
-            </a:lvl1pPr>
-            <a:lvl2pPr marL="342900" indent="0">
-              <a:buFont typeface="Arial" panose="020B0604020202020204" pitchFamily="34" charset="0"/>
-              <a:buNone/>
-              <a:defRPr sz="825"/>
-            </a:lvl2pPr>
-            <a:lvl3pPr marL="685800" indent="0">
-              <a:buFont typeface="Arial" panose="020B0604020202020204" pitchFamily="34" charset="0"/>
-              <a:buNone/>
-              <a:defRPr sz="788"/>
-            </a:lvl3pPr>
-            <a:lvl4pPr marL="1028700" indent="0">
-              <a:buFont typeface="Arial" panose="020B0604020202020204" pitchFamily="34" charset="0"/>
-              <a:buNone/>
-              <a:defRPr sz="750"/>
-            </a:lvl4pPr>
-            <a:lvl5pPr marL="1371600" indent="0">
-              <a:buFont typeface="Arial" panose="020B0604020202020204" pitchFamily="34" charset="0"/>
-              <a:buNone/>
-              <a:defRPr sz="750"/>
-            </a:lvl5pPr>
-          </a:lstStyle>
-          <a:p>
-            <a:pPr lvl="0"/>
-            <a:r>
-              <a:rPr lang="en-US" dirty="0"/>
-              <a:t>Click to edit Master text styles</a:t>
-            </a:r>
-          </a:p>
-          <a:p>
-            <a:pPr lvl="1"/>
-            <a:r>
-              <a:rPr lang="en-US" dirty="0"/>
-              <a:t>Second level</a:t>
-            </a:r>
-          </a:p>
-          <a:p>
-            <a:pPr lvl="2"/>
-            <a:r>
-              <a:rPr lang="en-US" dirty="0"/>
-              <a:t>Third level</a:t>
-            </a:r>
-          </a:p>
-          <a:p>
-            <a:pPr lvl="3"/>
-            <a:r>
-              <a:rPr lang="en-US" dirty="0"/>
-              <a:t>Fourth level</a:t>
-            </a:r>
-          </a:p>
-          <a:p>
-            <a:pPr lvl="4"/>
-            <a:r>
-              <a:rPr lang="en-US" dirty="0"/>
-              <a:t>Fifth level</a:t>
-            </a:r>
-            <a:endParaRPr lang="en-CH" dirty="0"/>
-          </a:p>
-        </p:txBody>
-      </p:sp>
-      <p:sp>
-        <p:nvSpPr>
-          <p:cNvPr id="4" name="Text Placeholder 3">
-            <a:extLst>
-              <a:ext uri="{FF2B5EF4-FFF2-40B4-BE49-F238E27FC236}">
-                <a16:creationId xmlns:a16="http://schemas.microsoft.com/office/drawing/2014/main" id="{EF8CA0C6-2B85-43B4-92F5-635817B1E191}"/>
-              </a:ext>
-            </a:extLst>
-          </p:cNvPr>
-          <p:cNvSpPr>
-            <a:spLocks noGrp="1"/>
-          </p:cNvSpPr>
-          <p:nvPr>
-            <p:ph type="body" sz="quarter" idx="14"/>
-          </p:nvPr>
-        </p:nvSpPr>
-        <p:spPr>
-          <a:xfrm>
-            <a:off x="4629150" y="5781675"/>
-            <a:ext cx="4295775" cy="446088"/>
-          </a:xfrm>
-        </p:spPr>
-        <p:txBody>
-          <a:bodyPr>
-            <a:noAutofit/>
-          </a:bodyPr>
-          <a:lstStyle>
-            <a:lvl1pPr marL="0" indent="0">
-              <a:buFontTx/>
-              <a:buNone/>
-              <a:defRPr sz="900"/>
-            </a:lvl1pPr>
-            <a:lvl2pPr marL="342900" indent="0">
-              <a:buFontTx/>
-              <a:buNone/>
-              <a:defRPr sz="825"/>
-            </a:lvl2pPr>
-            <a:lvl3pPr marL="685800" indent="0">
-              <a:buFontTx/>
-              <a:buNone/>
-              <a:defRPr sz="788"/>
-            </a:lvl3pPr>
-            <a:lvl4pPr marL="1028700" indent="0">
-              <a:buFontTx/>
-              <a:buNone/>
-              <a:defRPr sz="750"/>
-            </a:lvl4pPr>
-            <a:lvl5pPr marL="1371600" indent="0">
-              <a:buFontTx/>
-              <a:buNone/>
-              <a:defRPr sz="750"/>
-            </a:lvl5pPr>
-          </a:lstStyle>
-          <a:p>
-            <a:pPr lvl="0"/>
-            <a:r>
-              <a:rPr lang="en-US" dirty="0"/>
-              <a:t>Click to edit Master text styles</a:t>
-            </a:r>
-          </a:p>
-          <a:p>
-            <a:pPr lvl="1"/>
-            <a:r>
-              <a:rPr lang="en-US" dirty="0"/>
-              <a:t>Second level</a:t>
-            </a:r>
-          </a:p>
-          <a:p>
-            <a:pPr lvl="2"/>
-            <a:r>
-              <a:rPr lang="en-US" dirty="0"/>
-              <a:t>Third level</a:t>
-            </a:r>
-          </a:p>
-          <a:p>
-            <a:pPr lvl="3"/>
-            <a:r>
-              <a:rPr lang="en-US" dirty="0"/>
-              <a:t>Fourth level</a:t>
-            </a:r>
-          </a:p>
-          <a:p>
-            <a:pPr lvl="4"/>
-            <a:r>
-              <a:rPr lang="en-US" dirty="0"/>
-              <a:t>Fifth level</a:t>
-            </a:r>
-            <a:endParaRPr lang="en-CH" dirty="0"/>
-          </a:p>
-        </p:txBody>
-      </p:sp>
-    </p:spTree>
-    <p:extLst>
-      <p:ext uri="{BB962C8B-B14F-4D97-AF65-F5344CB8AC3E}">
-        <p14:creationId xmlns:p14="http://schemas.microsoft.com/office/powerpoint/2010/main" val="1216857061"/>
-      </p:ext>
-    </p:extLst>
-  </p:cSld>
-  <p:clrMapOvr>
-    <a:masterClrMapping/>
-  </p:clrMapOvr>
-</p:sldLayout>
-</file>
-
-<file path=ppt/slideLayouts/slideLayout9.xml><?xml version="1.0" encoding="utf-8"?>
-<p:sldLayout xmlns:a="http://schemas.openxmlformats.org/drawingml/2006/main" xmlns:r="http://schemas.openxmlformats.org/officeDocument/2006/relationships" xmlns:p="http://schemas.openxmlformats.org/presentationml/2006/main" type="twoTxTwoObj" preserve="1">
-  <p:cSld name="Comparison">
-    <p:spTree>
-      <p:nvGrpSpPr>
-        <p:cNvPr id="1" name=""/>
-        <p:cNvGrpSpPr/>
-        <p:nvPr/>
-      </p:nvGrpSpPr>
-      <p:grpSpPr>
-        <a:xfrm>
-          <a:off x="0" y="0"/>
-          <a:ext cx="0" cy="0"/>
-          <a:chOff x="0" y="0"/>
-          <a:chExt cx="0" cy="0"/>
-        </a:xfrm>
-      </p:grpSpPr>
-      <p:sp>
-        <p:nvSpPr>
-          <p:cNvPr id="2" name="Title 1">
-            <a:extLst>
-              <a:ext uri="{FF2B5EF4-FFF2-40B4-BE49-F238E27FC236}">
-                <a16:creationId xmlns:a16="http://schemas.microsoft.com/office/drawing/2014/main" id="{DDCEEDBF-B9EE-46CF-A2B0-8EE3479EFD83}"/>
-              </a:ext>
-            </a:extLst>
-          </p:cNvPr>
-          <p:cNvSpPr>
-            <a:spLocks noGrp="1"/>
-          </p:cNvSpPr>
-          <p:nvPr>
-            <p:ph type="title"/>
-          </p:nvPr>
-        </p:nvSpPr>
-        <p:spPr>
-          <a:xfrm>
-            <a:off x="629841" y="365126"/>
-            <a:ext cx="7886700" cy="1325563"/>
-          </a:xfrm>
-        </p:spPr>
-        <p:txBody>
-          <a:bodyPr/>
-          <a:lstStyle/>
-          <a:p>
-            <a:r>
-              <a:rPr lang="en-US"/>
-              <a:t>Click to edit Master title style</a:t>
-            </a:r>
-          </a:p>
-        </p:txBody>
-      </p:sp>
-      <p:sp>
-        <p:nvSpPr>
-          <p:cNvPr id="3" name="Text Placeholder 2">
-            <a:extLst>
-              <a:ext uri="{FF2B5EF4-FFF2-40B4-BE49-F238E27FC236}">
-                <a16:creationId xmlns:a16="http://schemas.microsoft.com/office/drawing/2014/main" id="{544AF6FB-AD6C-4882-81B0-96CE078AAFDE}"/>
-              </a:ext>
-            </a:extLst>
-          </p:cNvPr>
-          <p:cNvSpPr>
-            <a:spLocks noGrp="1"/>
-          </p:cNvSpPr>
-          <p:nvPr>
-            <p:ph type="body" idx="1"/>
-          </p:nvPr>
-        </p:nvSpPr>
-        <p:spPr>
-          <a:xfrm>
-            <a:off x="629842" y="1681163"/>
-            <a:ext cx="3868340" cy="823912"/>
-          </a:xfrm>
-        </p:spPr>
-        <p:txBody>
-          <a:bodyPr anchor="b"/>
-          <a:lstStyle>
-            <a:lvl1pPr marL="0" indent="0">
-              <a:buNone/>
-              <a:defRPr sz="1800" b="1"/>
-            </a:lvl1pPr>
-            <a:lvl2pPr marL="342900" indent="0">
-              <a:buNone/>
-              <a:defRPr sz="1500" b="1"/>
-            </a:lvl2pPr>
-            <a:lvl3pPr marL="685800" indent="0">
-              <a:buNone/>
-              <a:defRPr sz="1350" b="1"/>
-            </a:lvl3pPr>
-            <a:lvl4pPr marL="1028700" indent="0">
-              <a:buNone/>
-              <a:defRPr sz="1200" b="1"/>
-            </a:lvl4pPr>
-            <a:lvl5pPr marL="1371600" indent="0">
-              <a:buNone/>
-              <a:defRPr sz="1200" b="1"/>
-            </a:lvl5pPr>
-            <a:lvl6pPr marL="1714500" indent="0">
-              <a:buNone/>
-              <a:defRPr sz="1200" b="1"/>
-            </a:lvl6pPr>
-            <a:lvl7pPr marL="2057400" indent="0">
-              <a:buNone/>
-              <a:defRPr sz="1200" b="1"/>
-            </a:lvl7pPr>
-            <a:lvl8pPr marL="2400300" indent="0">
-              <a:buNone/>
-              <a:defRPr sz="1200" b="1"/>
-            </a:lvl8pPr>
-            <a:lvl9pPr marL="2743200" indent="0">
-              <a:buNone/>
-              <a:defRPr sz="1200" b="1"/>
-            </a:lvl9pPr>
-          </a:lstStyle>
-          <a:p>
-            <a:pPr lvl="0"/>
-            <a:r>
-              <a:rPr lang="en-US"/>
-              <a:t>Click to edit Master text styles</a:t>
-            </a:r>
-          </a:p>
-        </p:txBody>
-      </p:sp>
-      <p:sp>
-        <p:nvSpPr>
-          <p:cNvPr id="4" name="Content Placeholder 3">
-            <a:extLst>
-              <a:ext uri="{FF2B5EF4-FFF2-40B4-BE49-F238E27FC236}">
-                <a16:creationId xmlns:a16="http://schemas.microsoft.com/office/drawing/2014/main" id="{1533832D-5B97-457A-BE16-A272372A4631}"/>
-              </a:ext>
-            </a:extLst>
-          </p:cNvPr>
-          <p:cNvSpPr>
-            <a:spLocks noGrp="1"/>
-          </p:cNvSpPr>
-          <p:nvPr>
-            <p:ph sz="half" idx="2"/>
-          </p:nvPr>
-        </p:nvSpPr>
-        <p:spPr>
-          <a:xfrm>
-            <a:off x="629842" y="2505075"/>
-            <a:ext cx="3868340" cy="3684588"/>
-          </a:xfrm>
-        </p:spPr>
-        <p:txBody>
-          <a:bodyPr/>
-          <a:lstStyle/>
-          <a:p>
-            <a:pPr lvl="0"/>
-            <a:r>
-              <a:rPr lang="en-US"/>
-              <a:t>Click to edit Master text styles</a:t>
-            </a:r>
-          </a:p>
-          <a:p>
-            <a:pPr lvl="1"/>
-            <a:r>
-              <a:rPr lang="en-US"/>
-              <a:t>Second level</a:t>
-            </a:r>
-          </a:p>
-          <a:p>
-            <a:pPr lvl="2"/>
-            <a:r>
-              <a:rPr lang="en-US"/>
-              <a:t>Third level</a:t>
-            </a:r>
-          </a:p>
-          <a:p>
-            <a:pPr lvl="3"/>
-            <a:r>
-              <a:rPr lang="en-US"/>
-              <a:t>Fourth level</a:t>
-            </a:r>
-          </a:p>
-          <a:p>
-            <a:pPr lvl="4"/>
-            <a:r>
-              <a:rPr lang="en-US"/>
-              <a:t>Fifth level</a:t>
-            </a:r>
-          </a:p>
-        </p:txBody>
-      </p:sp>
-      <p:sp>
-        <p:nvSpPr>
-          <p:cNvPr id="5" name="Text Placeholder 4">
-            <a:extLst>
-              <a:ext uri="{FF2B5EF4-FFF2-40B4-BE49-F238E27FC236}">
-                <a16:creationId xmlns:a16="http://schemas.microsoft.com/office/drawing/2014/main" id="{EB0BE55C-A71C-4022-9131-15FEDC116784}"/>
-              </a:ext>
-            </a:extLst>
-          </p:cNvPr>
-          <p:cNvSpPr>
-            <a:spLocks noGrp="1"/>
-          </p:cNvSpPr>
-          <p:nvPr>
-            <p:ph type="body" sz="quarter" idx="3"/>
-          </p:nvPr>
-        </p:nvSpPr>
-        <p:spPr>
-          <a:xfrm>
-            <a:off x="4629150" y="1681163"/>
-            <a:ext cx="3887391" cy="823912"/>
-          </a:xfrm>
-        </p:spPr>
-        <p:txBody>
-          <a:bodyPr anchor="b"/>
-          <a:lstStyle>
-            <a:lvl1pPr marL="0" indent="0">
-              <a:buNone/>
-              <a:defRPr sz="1800" b="1"/>
-            </a:lvl1pPr>
-            <a:lvl2pPr marL="342900" indent="0">
-              <a:buNone/>
-              <a:defRPr sz="1500" b="1"/>
-            </a:lvl2pPr>
-            <a:lvl3pPr marL="685800" indent="0">
-              <a:buNone/>
-              <a:defRPr sz="1350" b="1"/>
-            </a:lvl3pPr>
-            <a:lvl4pPr marL="1028700" indent="0">
-              <a:buNone/>
-              <a:defRPr sz="1200" b="1"/>
-            </a:lvl4pPr>
-            <a:lvl5pPr marL="1371600" indent="0">
-              <a:buNone/>
-              <a:defRPr sz="1200" b="1"/>
-            </a:lvl5pPr>
-            <a:lvl6pPr marL="1714500" indent="0">
-              <a:buNone/>
-              <a:defRPr sz="1200" b="1"/>
-            </a:lvl6pPr>
-            <a:lvl7pPr marL="2057400" indent="0">
-              <a:buNone/>
-              <a:defRPr sz="1200" b="1"/>
-            </a:lvl7pPr>
-            <a:lvl8pPr marL="2400300" indent="0">
-              <a:buNone/>
-              <a:defRPr sz="1200" b="1"/>
-            </a:lvl8pPr>
-            <a:lvl9pPr marL="2743200" indent="0">
-              <a:buNone/>
-              <a:defRPr sz="1200" b="1"/>
-            </a:lvl9pPr>
-          </a:lstStyle>
-          <a:p>
-            <a:pPr lvl="0"/>
-            <a:r>
-              <a:rPr lang="en-US"/>
-              <a:t>Click to edit Master text styles</a:t>
-            </a:r>
-          </a:p>
-        </p:txBody>
-      </p:sp>
-      <p:sp>
-        <p:nvSpPr>
-          <p:cNvPr id="6" name="Content Placeholder 5">
-            <a:extLst>
-              <a:ext uri="{FF2B5EF4-FFF2-40B4-BE49-F238E27FC236}">
-                <a16:creationId xmlns:a16="http://schemas.microsoft.com/office/drawing/2014/main" id="{B42F743A-257A-4CB8-B95B-5C988CC62C5F}"/>
-              </a:ext>
-            </a:extLst>
-          </p:cNvPr>
-          <p:cNvSpPr>
-            <a:spLocks noGrp="1"/>
-          </p:cNvSpPr>
-          <p:nvPr>
-            <p:ph sz="quarter" idx="4"/>
-          </p:nvPr>
-        </p:nvSpPr>
-        <p:spPr>
-          <a:xfrm>
-            <a:off x="4629150" y="2505075"/>
-            <a:ext cx="3887391" cy="3684588"/>
-          </a:xfrm>
-        </p:spPr>
-        <p:txBody>
-          <a:bodyPr/>
-          <a:lstStyle/>
-          <a:p>
-            <a:pPr lvl="0"/>
-            <a:r>
-              <a:rPr lang="en-US"/>
-              <a:t>Click to edit Master text styles</a:t>
-            </a:r>
-          </a:p>
-          <a:p>
-            <a:pPr lvl="1"/>
-            <a:r>
-              <a:rPr lang="en-US"/>
-              <a:t>Second level</a:t>
-            </a:r>
-          </a:p>
-          <a:p>
-            <a:pPr lvl="2"/>
-            <a:r>
-              <a:rPr lang="en-US"/>
-              <a:t>Third level</a:t>
-            </a:r>
-          </a:p>
-          <a:p>
-            <a:pPr lvl="3"/>
-            <a:r>
-              <a:rPr lang="en-US"/>
-              <a:t>Fourth level</a:t>
-            </a:r>
-          </a:p>
-          <a:p>
-            <a:pPr lvl="4"/>
-            <a:r>
-              <a:rPr lang="en-US"/>
-              <a:t>Fifth level</a:t>
-            </a:r>
-          </a:p>
-        </p:txBody>
-      </p:sp>
-      <p:sp>
-        <p:nvSpPr>
-          <p:cNvPr id="7" name="Date Placeholder 6">
-            <a:extLst>
-              <a:ext uri="{FF2B5EF4-FFF2-40B4-BE49-F238E27FC236}">
-                <a16:creationId xmlns:a16="http://schemas.microsoft.com/office/drawing/2014/main" id="{D25E529E-3A21-43D7-BDFA-A5A848AC67B7}"/>
-              </a:ext>
-            </a:extLst>
-          </p:cNvPr>
-          <p:cNvSpPr>
-            <a:spLocks noGrp="1"/>
-          </p:cNvSpPr>
-          <p:nvPr>
-            <p:ph type="dt" sz="half" idx="10"/>
-          </p:nvPr>
-        </p:nvSpPr>
-        <p:spPr/>
-        <p:txBody>
-          <a:bodyPr/>
-          <a:lstStyle/>
-          <a:p>
-            <a:fld id="{7B272C57-2FA0-4A9D-99A4-6F756B65018B}" type="datetimeFigureOut">
-              <a:rPr lang="en-US" smtClean="0"/>
-              <a:t>4/23/2020</a:t>
-            </a:fld>
-            <a:endParaRPr lang="en-US"/>
-          </a:p>
-        </p:txBody>
-      </p:sp>
-      <p:sp>
-        <p:nvSpPr>
-          <p:cNvPr id="8" name="Footer Placeholder 7">
-            <a:extLst>
-              <a:ext uri="{FF2B5EF4-FFF2-40B4-BE49-F238E27FC236}">
-                <a16:creationId xmlns:a16="http://schemas.microsoft.com/office/drawing/2014/main" id="{E8A1AC98-0217-4FDD-B158-1F74B7A158CE}"/>
-              </a:ext>
-            </a:extLst>
-          </p:cNvPr>
-          <p:cNvSpPr>
-            <a:spLocks noGrp="1"/>
-          </p:cNvSpPr>
-          <p:nvPr>
-            <p:ph type="ftr" sz="quarter" idx="11"/>
-          </p:nvPr>
-        </p:nvSpPr>
-        <p:spPr/>
-        <p:txBody>
-          <a:bodyPr/>
-          <a:lstStyle/>
-          <a:p>
-            <a:endParaRPr lang="en-US"/>
-          </a:p>
-        </p:txBody>
-      </p:sp>
-      <p:sp>
-        <p:nvSpPr>
-          <p:cNvPr id="9" name="Slide Number Placeholder 8">
-            <a:extLst>
-              <a:ext uri="{FF2B5EF4-FFF2-40B4-BE49-F238E27FC236}">
-                <a16:creationId xmlns:a16="http://schemas.microsoft.com/office/drawing/2014/main" id="{38112B28-E129-463E-A880-BAB46D30BA21}"/>
-              </a:ext>
-            </a:extLst>
-          </p:cNvPr>
-          <p:cNvSpPr>
-            <a:spLocks noGrp="1"/>
-          </p:cNvSpPr>
-          <p:nvPr>
-            <p:ph type="sldNum" sz="quarter" idx="12"/>
-          </p:nvPr>
-        </p:nvSpPr>
-        <p:spPr/>
-        <p:txBody>
-          <a:bodyPr/>
-          <a:lstStyle/>
-          <a:p>
-            <a:fld id="{C064A79B-B315-413E-88BB-EFE0B5D603D0}" type="slidenum">
-              <a:rPr lang="en-US" smtClean="0"/>
-              <a:t>‹#›</a:t>
-            </a:fld>
-            <a:endParaRPr lang="en-US"/>
-          </a:p>
-        </p:txBody>
-      </p:sp>
-    </p:spTree>
-    <p:extLst>
-      <p:ext uri="{BB962C8B-B14F-4D97-AF65-F5344CB8AC3E}">
-        <p14:creationId xmlns:p14="http://schemas.microsoft.com/office/powerpoint/2010/main" val="3298881254"/>
       </p:ext>
     </p:extLst>
   </p:cSld>
@@ -4491,7 +5123,7 @@
           <a:p>
             <a:fld id="{7B272C57-2FA0-4A9D-99A4-6F756B65018B}" type="datetimeFigureOut">
               <a:rPr lang="en-US" smtClean="0"/>
-              <a:t>4/23/2020</a:t>
+              <a:t>1/11/2021</a:t>
             </a:fld>
             <a:endParaRPr lang="en-US"/>
           </a:p>
@@ -4602,7 +5234,7 @@
           <p:nvPr userDrawn="1"/>
         </p:nvPicPr>
         <p:blipFill>
-          <a:blip r:embed="rId17"/>
+          <a:blip r:embed="rId19"/>
           <a:stretch>
             <a:fillRect/>
           </a:stretch>
@@ -4628,19 +5260,21 @@
   <p:sldLayoutIdLst>
     <p:sldLayoutId id="2147483649" r:id="rId1"/>
     <p:sldLayoutId id="2147483650" r:id="rId2"/>
-    <p:sldLayoutId id="2147483660" r:id="rId3"/>
-    <p:sldLayoutId id="2147483651" r:id="rId4"/>
-    <p:sldLayoutId id="2147483652" r:id="rId5"/>
-    <p:sldLayoutId id="2147483661" r:id="rId6"/>
-    <p:sldLayoutId id="2147483662" r:id="rId7"/>
-    <p:sldLayoutId id="2147483663" r:id="rId8"/>
-    <p:sldLayoutId id="2147483653" r:id="rId9"/>
-    <p:sldLayoutId id="2147483654" r:id="rId10"/>
-    <p:sldLayoutId id="2147483655" r:id="rId11"/>
-    <p:sldLayoutId id="2147483656" r:id="rId12"/>
-    <p:sldLayoutId id="2147483657" r:id="rId13"/>
-    <p:sldLayoutId id="2147483658" r:id="rId14"/>
-    <p:sldLayoutId id="2147483659" r:id="rId15"/>
+    <p:sldLayoutId id="2147483664" r:id="rId3"/>
+    <p:sldLayoutId id="2147483660" r:id="rId4"/>
+    <p:sldLayoutId id="2147483665" r:id="rId5"/>
+    <p:sldLayoutId id="2147483651" r:id="rId6"/>
+    <p:sldLayoutId id="2147483652" r:id="rId7"/>
+    <p:sldLayoutId id="2147483661" r:id="rId8"/>
+    <p:sldLayoutId id="2147483662" r:id="rId9"/>
+    <p:sldLayoutId id="2147483663" r:id="rId10"/>
+    <p:sldLayoutId id="2147483653" r:id="rId11"/>
+    <p:sldLayoutId id="2147483654" r:id="rId12"/>
+    <p:sldLayoutId id="2147483655" r:id="rId13"/>
+    <p:sldLayoutId id="2147483656" r:id="rId14"/>
+    <p:sldLayoutId id="2147483657" r:id="rId15"/>
+    <p:sldLayoutId id="2147483658" r:id="rId16"/>
+    <p:sldLayoutId id="2147483659" r:id="rId17"/>
   </p:sldLayoutIdLst>
   <p:txStyles>
     <p:titleStyle>
@@ -5151,7 +5785,7 @@
           <a:p>
             <a:r>
               <a:rPr/>
-              <a:t>script_IQSlidedeck.R | Date: 2021-01-11 17:08:06</a:t>
+              <a:t>script_IQSlidedeck.R | Date: 2021-01-11 18:21:08</a:t>
             </a:r>
           </a:p>
         </p:txBody>
@@ -5487,7 +6121,7 @@
           <a:p>
             <a:r>
               <a:rPr/>
-              <a:t>script_IQSlidedeck.R | Date: 2021-01-11 17:08:07</a:t>
+              <a:t>script_IQSlidedeck.R | Date: 2021-01-11 18:21:09</a:t>
             </a:r>
           </a:p>
         </p:txBody>
@@ -5823,7 +6457,7 @@
           <a:p>
             <a:r>
               <a:rPr/>
-              <a:t>script_IQSlidedeck.R | Date: 2021-01-11 17:08:08</a:t>
+              <a:t>script_IQSlidedeck.R | Date: 2021-01-11 18:21:10</a:t>
             </a:r>
           </a:p>
         </p:txBody>
@@ -6229,7 +6863,7 @@
           <a:p>
             <a:r>
               <a:rPr/>
-              <a:t>IQSlidedeck_IQRobjects.R | Date: 2021-01-11 17:08:37</a:t>
+              <a:t>IQSlidedeck_IQRobjects.R | Date: 2021-01-11 18:21:38</a:t>
             </a:r>
           </a:p>
         </p:txBody>
@@ -6583,7 +7217,7 @@
           <a:p>
             <a:r>
               <a:rPr/>
-              <a:t>IQSlidedeck_IQRobjects.R | Date: 2021-01-11 17:08:37</a:t>
+              <a:t>IQSlidedeck_IQRobjects.R | Date: 2021-01-11 18:21:38</a:t>
             </a:r>
           </a:p>
         </p:txBody>
@@ -6937,7 +7571,7 @@
           <a:p>
             <a:r>
               <a:rPr/>
-              <a:t>IQSlidedeck_IQRobjects.R | Date: 2021-01-11 17:08:37</a:t>
+              <a:t>IQSlidedeck_IQRobjects.R | Date: 2021-01-11 18:21:39</a:t>
             </a:r>
           </a:p>
         </p:txBody>
@@ -7256,7 +7890,7 @@
           <a:p>
             <a:r>
               <a:rPr/>
-              <a:t>IQSlidedeck_IQRobjects.R | Date: 2021-01-11 17:08:38</a:t>
+              <a:t>IQSlidedeck_IQRobjects.R | Date: 2021-01-11 18:21:39</a:t>
             </a:r>
           </a:p>
         </p:txBody>
@@ -7298,8 +7932,8 @@
         </p:nvSpPr>
         <p:spPr>
           <a:xfrm>
-            <a:off x="0" y="1"/>
-            <a:ext cx="9144000" cy="1013635"/>
+            <a:off x="-1" y="1"/>
+            <a:ext cx="3600000" cy="6857999"/>
           </a:xfrm>
         </p:spPr>
         <p:txBody>
@@ -7308,7 +7942,7 @@
           <a:p>
             <a:r>
               <a:rPr/>
-              <a:t>Plotting white noise</a:t>
+              <a:t>Plotting white noise and testing the wide title layout</a:t>
             </a:r>
           </a:p>
         </p:txBody>
@@ -7331,8 +7965,8 @@
         </p:blipFill>
         <p:spPr>
           <a:xfrm>
-            <a:off x="187891" y="1227552"/>
-            <a:ext cx="8736905" cy="4479285"/>
+            <a:off x="3716215" y="136524"/>
+            <a:ext cx="5208581" cy="5570313"/>
           </a:xfrm>
           <a:prstGeom prst="rect">
             <a:avLst/>
@@ -7351,8 +7985,8 @@
         </p:nvSpPr>
         <p:spPr>
           <a:xfrm>
-            <a:off x="187891" y="5816375"/>
-            <a:ext cx="8736905" cy="365125"/>
+            <a:off x="3716215" y="5816375"/>
+            <a:ext cx="5208581" cy="365125"/>
           </a:xfrm>
         </p:spPr>
         <p:txBody>
@@ -7378,8 +8012,8 @@
         </p:nvSpPr>
         <p:spPr>
           <a:xfrm>
-            <a:off x="2358025" y="6356351"/>
-            <a:ext cx="4382072" cy="365125"/>
+            <a:off x="3695178" y="6356350"/>
+            <a:ext cx="4353577" cy="365125"/>
           </a:xfrm>
         </p:spPr>
         <p:txBody>
@@ -7388,7 +8022,7 @@
           <a:p>
             <a:r>
               <a:rPr/>
-              <a:t>IQSlidedeck_IQRobjects.R | Date: 2021-01-11 17:08:39</a:t>
+              <a:t>IQSlidedeck_IQRobjects.R | Date: 2021-01-11 18:21:41</a:t>
             </a:r>
           </a:p>
         </p:txBody>
@@ -7552,7 +8186,7 @@
           <a:p>
             <a:r>
               <a:rPr/>
-              <a:t>script_IQSlidedeck.R | Date: 2021-01-11 17:08:05</a:t>
+              <a:t>script_IQSlidedeck.R | Date: 2021-01-11 18:21:07</a:t>
             </a:r>
           </a:p>
         </p:txBody>
@@ -7769,7 +8403,7 @@
           <a:p>
             <a:r>
               <a:rPr/>
-              <a:t>script_IQSlidedeck.R | Date: 2021-01-11 17:08:05</a:t>
+              <a:t>script_IQSlidedeck.R | Date: 2021-01-11 18:21:07</a:t>
             </a:r>
           </a:p>
         </p:txBody>
@@ -7874,7 +8508,7 @@
           <a:p>
             <a:r>
               <a:rPr/>
-              <a:t>script_IQSlidedeck.R | Date: 2021-01-11 17:08:09</a:t>
+              <a:t>script_IQSlidedeck.R | Date: 2021-01-11 18:21:11</a:t>
             </a:r>
           </a:p>
         </p:txBody>
@@ -7979,7 +8613,7 @@
           <a:p>
             <a:r>
               <a:rPr/>
-              <a:t>script_IQSlidedeck.R | Date: 2021-01-11 17:08:10</a:t>
+              <a:t>script_IQSlidedeck.R | Date: 2021-01-11 18:21:12</a:t>
             </a:r>
           </a:p>
         </p:txBody>
@@ -8084,7 +8718,7 @@
           <a:p>
             <a:r>
               <a:rPr/>
-              <a:t>script_IQSlidedeck.R | Date: 2021-01-11 17:08:16</a:t>
+              <a:t>script_IQSlidedeck.R | Date: 2021-01-11 18:21:18</a:t>
             </a:r>
           </a:p>
         </p:txBody>

--- a/tests/testresults/script_IQSlidedeck_IQobjects_Default_4_3.pptx
+++ b/tests/testresults/script_IQSlidedeck_IQobjects_Default_4_3.pptx
@@ -5647,7 +5647,7 @@
               <a:rPr/>
               <a:t>IQR Objects
 Daniel Kaschek, IntiQuan
-2021-01-11</a:t>
+2021-03-09</a:t>
             </a:r>
           </a:p>
         </p:txBody>
@@ -5785,7 +5785,7 @@
           <a:p>
             <a:r>
               <a:rPr/>
-              <a:t>script_IQSlidedeck.R | Date: 2021-01-11 18:21:08</a:t>
+              <a:t>script_IQSlidedeck.R | Date: 2021-03-09 17:50:18</a:t>
             </a:r>
           </a:p>
         </p:txBody>
@@ -6121,7 +6121,7 @@
           <a:p>
             <a:r>
               <a:rPr/>
-              <a:t>script_IQSlidedeck.R | Date: 2021-01-11 18:21:09</a:t>
+              <a:t>script_IQSlidedeck.R | Date: 2021-03-09 17:50:19</a:t>
             </a:r>
           </a:p>
         </p:txBody>
@@ -6457,7 +6457,7 @@
           <a:p>
             <a:r>
               <a:rPr/>
-              <a:t>script_IQSlidedeck.R | Date: 2021-01-11 18:21:10</a:t>
+              <a:t>script_IQSlidedeck.R | Date: 2021-03-09 17:50:20</a:t>
             </a:r>
           </a:p>
         </p:txBody>
@@ -6863,7 +6863,7 @@
           <a:p>
             <a:r>
               <a:rPr/>
-              <a:t>IQSlidedeck_IQRobjects.R | Date: 2021-01-11 18:21:38</a:t>
+              <a:t>IQSlidedeck_IQRobjects.R | Date: 2021-03-09 17:50:45</a:t>
             </a:r>
           </a:p>
         </p:txBody>
@@ -7217,7 +7217,7 @@
           <a:p>
             <a:r>
               <a:rPr/>
-              <a:t>IQSlidedeck_IQRobjects.R | Date: 2021-01-11 18:21:38</a:t>
+              <a:t>IQSlidedeck_IQRobjects.R | Date: 2021-03-09 17:50:46</a:t>
             </a:r>
           </a:p>
         </p:txBody>
@@ -7571,7 +7571,7 @@
           <a:p>
             <a:r>
               <a:rPr/>
-              <a:t>IQSlidedeck_IQRobjects.R | Date: 2021-01-11 18:21:39</a:t>
+              <a:t>IQSlidedeck_IQRobjects.R | Date: 2021-03-09 17:50:46</a:t>
             </a:r>
           </a:p>
         </p:txBody>
@@ -7890,7 +7890,7 @@
           <a:p>
             <a:r>
               <a:rPr/>
-              <a:t>IQSlidedeck_IQRobjects.R | Date: 2021-01-11 18:21:39</a:t>
+              <a:t>IQSlidedeck_IQRobjects.R | Date: 2021-03-09 17:50:47</a:t>
             </a:r>
           </a:p>
         </p:txBody>
@@ -8022,7 +8022,7 @@
           <a:p>
             <a:r>
               <a:rPr/>
-              <a:t>IQSlidedeck_IQRobjects.R | Date: 2021-01-11 18:21:41</a:t>
+              <a:t>IQSlidedeck_IQRobjects.R | Date: 2021-03-09 17:50:48</a:t>
             </a:r>
           </a:p>
         </p:txBody>
@@ -8186,7 +8186,7 @@
           <a:p>
             <a:r>
               <a:rPr/>
-              <a:t>script_IQSlidedeck.R | Date: 2021-01-11 18:21:07</a:t>
+              <a:t>script_IQSlidedeck.R | Date: 2021-03-09 17:50:17</a:t>
             </a:r>
           </a:p>
         </p:txBody>
@@ -8403,7 +8403,7 @@
           <a:p>
             <a:r>
               <a:rPr/>
-              <a:t>script_IQSlidedeck.R | Date: 2021-01-11 18:21:07</a:t>
+              <a:t>script_IQSlidedeck.R | Date: 2021-03-09 17:50:17</a:t>
             </a:r>
           </a:p>
         </p:txBody>
@@ -8508,7 +8508,7 @@
           <a:p>
             <a:r>
               <a:rPr/>
-              <a:t>script_IQSlidedeck.R | Date: 2021-01-11 18:21:11</a:t>
+              <a:t>script_IQSlidedeck.R | Date: 2021-03-09 17:50:21</a:t>
             </a:r>
           </a:p>
         </p:txBody>
@@ -8613,7 +8613,7 @@
           <a:p>
             <a:r>
               <a:rPr/>
-              <a:t>script_IQSlidedeck.R | Date: 2021-01-11 18:21:12</a:t>
+              <a:t>script_IQSlidedeck.R | Date: 2021-03-09 17:50:22</a:t>
             </a:r>
           </a:p>
         </p:txBody>
@@ -8718,7 +8718,7 @@
           <a:p>
             <a:r>
               <a:rPr/>
-              <a:t>script_IQSlidedeck.R | Date: 2021-01-11 18:21:18</a:t>
+              <a:t>script_IQSlidedeck.R | Date: 2021-03-09 17:50:28</a:t>
             </a:r>
           </a:p>
         </p:txBody>

--- a/tests/testresults/script_IQSlidedeck_IQobjects_Default_4_3.pptx
+++ b/tests/testresults/script_IQSlidedeck_IQobjects_Default_4_3.pptx
@@ -5647,7 +5647,7 @@
               <a:rPr/>
               <a:t>IQR Objects
 Daniel Kaschek, IntiQuan
-2021-03-09</a:t>
+2021-04-26</a:t>
             </a:r>
           </a:p>
         </p:txBody>
@@ -5785,7 +5785,7 @@
           <a:p>
             <a:r>
               <a:rPr/>
-              <a:t>script_IQSlidedeck.R | Date: 2021-03-09 17:50:18</a:t>
+              <a:t>script_IQSlidedeck.R | Date: 2021-04-26 10:12:54</a:t>
             </a:r>
           </a:p>
         </p:txBody>
@@ -6121,7 +6121,7 @@
           <a:p>
             <a:r>
               <a:rPr/>
-              <a:t>script_IQSlidedeck.R | Date: 2021-03-09 17:50:19</a:t>
+              <a:t>script_IQSlidedeck.R | Date: 2021-04-26 10:12:55</a:t>
             </a:r>
           </a:p>
         </p:txBody>
@@ -6457,7 +6457,7 @@
           <a:p>
             <a:r>
               <a:rPr/>
-              <a:t>script_IQSlidedeck.R | Date: 2021-03-09 17:50:20</a:t>
+              <a:t>script_IQSlidedeck.R | Date: 2021-04-26 10:12:56</a:t>
             </a:r>
           </a:p>
         </p:txBody>
@@ -6863,7 +6863,7 @@
           <a:p>
             <a:r>
               <a:rPr/>
-              <a:t>IQSlidedeck_IQRobjects.R | Date: 2021-03-09 17:50:45</a:t>
+              <a:t>IQSlidedeck_IQRobjects.R | Date: 2021-04-26 10:13:21</a:t>
             </a:r>
           </a:p>
         </p:txBody>
@@ -7217,7 +7217,7 @@
           <a:p>
             <a:r>
               <a:rPr/>
-              <a:t>IQSlidedeck_IQRobjects.R | Date: 2021-03-09 17:50:46</a:t>
+              <a:t>IQSlidedeck_IQRobjects.R | Date: 2021-04-26 10:13:21</a:t>
             </a:r>
           </a:p>
         </p:txBody>
@@ -7571,7 +7571,7 @@
           <a:p>
             <a:r>
               <a:rPr/>
-              <a:t>IQSlidedeck_IQRobjects.R | Date: 2021-03-09 17:50:46</a:t>
+              <a:t>IQSlidedeck_IQRobjects.R | Date: 2021-04-26 10:13:21</a:t>
             </a:r>
           </a:p>
         </p:txBody>
@@ -7890,7 +7890,7 @@
           <a:p>
             <a:r>
               <a:rPr/>
-              <a:t>IQSlidedeck_IQRobjects.R | Date: 2021-03-09 17:50:47</a:t>
+              <a:t>IQSlidedeck_IQRobjects.R | Date: 2021-04-26 10:13:22</a:t>
             </a:r>
           </a:p>
         </p:txBody>
@@ -8022,7 +8022,7 @@
           <a:p>
             <a:r>
               <a:rPr/>
-              <a:t>IQSlidedeck_IQRobjects.R | Date: 2021-03-09 17:50:48</a:t>
+              <a:t>IQSlidedeck_IQRobjects.R | Date: 2021-04-26 10:13:23</a:t>
             </a:r>
           </a:p>
         </p:txBody>
@@ -8186,7 +8186,7 @@
           <a:p>
             <a:r>
               <a:rPr/>
-              <a:t>script_IQSlidedeck.R | Date: 2021-03-09 17:50:17</a:t>
+              <a:t>script_IQSlidedeck.R | Date: 2021-04-26 10:12:53</a:t>
             </a:r>
           </a:p>
         </p:txBody>
@@ -8403,7 +8403,7 @@
           <a:p>
             <a:r>
               <a:rPr/>
-              <a:t>script_IQSlidedeck.R | Date: 2021-03-09 17:50:17</a:t>
+              <a:t>script_IQSlidedeck.R | Date: 2021-04-26 10:12:53</a:t>
             </a:r>
           </a:p>
         </p:txBody>
@@ -8508,7 +8508,7 @@
           <a:p>
             <a:r>
               <a:rPr/>
-              <a:t>script_IQSlidedeck.R | Date: 2021-03-09 17:50:21</a:t>
+              <a:t>script_IQSlidedeck.R | Date: 2021-04-26 10:12:57</a:t>
             </a:r>
           </a:p>
         </p:txBody>
@@ -8613,7 +8613,7 @@
           <a:p>
             <a:r>
               <a:rPr/>
-              <a:t>script_IQSlidedeck.R | Date: 2021-03-09 17:50:22</a:t>
+              <a:t>script_IQSlidedeck.R | Date: 2021-04-26 10:12:58</a:t>
             </a:r>
           </a:p>
         </p:txBody>
@@ -8718,7 +8718,7 @@
           <a:p>
             <a:r>
               <a:rPr/>
-              <a:t>script_IQSlidedeck.R | Date: 2021-03-09 17:50:28</a:t>
+              <a:t>script_IQSlidedeck.R | Date: 2021-04-26 10:13:04</a:t>
             </a:r>
           </a:p>
         </p:txBody>

--- a/tests/testresults/script_IQSlidedeck_IQobjects_Default_4_3.pptx
+++ b/tests/testresults/script_IQSlidedeck_IQobjects_Default_4_3.pptx
@@ -23,6 +23,8 @@
     <p:sldId id="271" r:id="rId21"/>
     <p:sldId id="272" r:id="rId22"/>
     <p:sldId id="273" r:id="rId23"/>
+    <p:sldId id="274" r:id="rId24"/>
+    <p:sldId id="275" r:id="rId25"/>
   </p:sldIdLst>
   <p:sldSz cx="9144000" cy="6858000" type="screen4x3"/>
   <p:notesSz cx="6858000" cy="9144000"/>
@@ -5647,7 +5649,7 @@
               <a:rPr/>
               <a:t>IQR Objects
 Daniel Kaschek, IntiQuan
-2021-04-26</a:t>
+2021-07-20</a:t>
             </a:r>
           </a:p>
         </p:txBody>
@@ -5785,7 +5787,7 @@
           <a:p>
             <a:r>
               <a:rPr/>
-              <a:t>script_IQSlidedeck.R | Date: 2021-04-26 10:12:54</a:t>
+              <a:t>script_IQSlidedeck.R | Date: 2021-07-20 13:41:31</a:t>
             </a:r>
           </a:p>
         </p:txBody>
@@ -6121,7 +6123,7 @@
           <a:p>
             <a:r>
               <a:rPr/>
-              <a:t>script_IQSlidedeck.R | Date: 2021-04-26 10:12:55</a:t>
+              <a:t>script_IQSlidedeck.R | Date: 2021-07-20 13:41:32</a:t>
             </a:r>
           </a:p>
         </p:txBody>
@@ -6457,7 +6459,7 @@
           <a:p>
             <a:r>
               <a:rPr/>
-              <a:t>script_IQSlidedeck.R | Date: 2021-04-26 10:12:56</a:t>
+              <a:t>script_IQSlidedeck.R | Date: 2021-07-20 13:41:33</a:t>
             </a:r>
           </a:p>
         </p:txBody>
@@ -6863,7 +6865,7 @@
           <a:p>
             <a:r>
               <a:rPr/>
-              <a:t>IQSlidedeck_IQRobjects.R | Date: 2021-04-26 10:13:21</a:t>
+              <a:t>IQSlidedeck_IQRobjects.R | Date: 2021-07-20 13:41:59</a:t>
             </a:r>
           </a:p>
         </p:txBody>
@@ -7217,7 +7219,7 @@
           <a:p>
             <a:r>
               <a:rPr/>
-              <a:t>IQSlidedeck_IQRobjects.R | Date: 2021-04-26 10:13:21</a:t>
+              <a:t>IQSlidedeck_IQRobjects.R | Date: 2021-07-20 13:41:59</a:t>
             </a:r>
           </a:p>
         </p:txBody>
@@ -7571,7 +7573,7 @@
           <a:p>
             <a:r>
               <a:rPr/>
-              <a:t>IQSlidedeck_IQRobjects.R | Date: 2021-04-26 10:13:21</a:t>
+              <a:t>IQSlidedeck_IQRobjects.R | Date: 2021-07-20 13:41:59</a:t>
             </a:r>
           </a:p>
         </p:txBody>
@@ -7890,7 +7892,7 @@
           <a:p>
             <a:r>
               <a:rPr/>
-              <a:t>IQSlidedeck_IQRobjects.R | Date: 2021-04-26 10:13:22</a:t>
+              <a:t>IQSlidedeck_IQRobjects.R | Date: 2021-07-20 13:42:00</a:t>
             </a:r>
           </a:p>
         </p:txBody>
@@ -8022,7 +8024,140 @@
           <a:p>
             <a:r>
               <a:rPr/>
-              <a:t>IQSlidedeck_IQRobjects.R | Date: 2021-04-26 10:13:23</a:t>
+              <a:t>IQSlidedeck_IQRobjects.R | Date: 2021-07-20 13:42:02</a:t>
+            </a:r>
+          </a:p>
+        </p:txBody>
+      </p:sp>
+    </p:spTree>
+  </p:cSld>
+  <p:clrMapOvr>
+    <a:masterClrMapping/>
+  </p:clrMapOvr>
+</p:sld>
+</file>
+
+<file path=ppt/slides/slide19.xml><?xml version="1.0" encoding="utf-8"?>
+<p:sld xmlns:a="http://schemas.openxmlformats.org/drawingml/2006/main" xmlns:r="http://schemas.openxmlformats.org/officeDocument/2006/relationships" xmlns:p="http://schemas.openxmlformats.org/presentationml/2006/main">
+  <p:cSld>
+    <p:spTree>
+      <p:nvGrpSpPr>
+        <p:cNvPr id="1" name=""/>
+        <p:cNvGrpSpPr/>
+        <p:nvPr/>
+      </p:nvGrpSpPr>
+      <p:grpSpPr>
+        <a:xfrm>
+          <a:off x="0" y="0"/>
+          <a:ext cx="0" cy="0"/>
+          <a:chOff x="0" y="0"/>
+          <a:chExt cx="0" cy="0"/>
+        </a:xfrm>
+      </p:grpSpPr>
+      <p:sp xmlns:a="http://schemas.openxmlformats.org/drawingml/2006/main" xmlns:r="http://schemas.openxmlformats.org/officeDocument/2006/relationships" xmlns:p="http://schemas.openxmlformats.org/presentationml/2006/main">
+        <p:nvSpPr>
+          <p:cNvPr id="2" name="Title 1"/>
+          <p:cNvSpPr>
+            <a:spLocks noGrp="1"/>
+          </p:cNvSpPr>
+          <p:nvPr>
+            <p:ph type="title"/>
+          </p:nvPr>
+        </p:nvSpPr>
+        <p:spPr>
+          <a:xfrm>
+            <a:off x="0" y="1"/>
+            <a:ext cx="9144000" cy="1013635"/>
+          </a:xfrm>
+        </p:spPr>
+        <p:txBody>
+          <a:bodyPr/>
+          <a:lstStyle/>
+          <a:p>
+            <a:r>
+              <a:rPr/>
+              <a:t>Cars data set</a:t>
+            </a:r>
+          </a:p>
+        </p:txBody>
+      </p:sp>
+      <p:pic xmlns:a="http://schemas.openxmlformats.org/drawingml/2006/main" xmlns:r="http://schemas.openxmlformats.org/officeDocument/2006/relationships" xmlns:p="http://schemas.openxmlformats.org/presentationml/2006/main">
+        <p:nvPicPr>
+          <p:cNvPr id="3" name="Content Placeholder 2"/>
+          <p:cNvPicPr>
+            <a:picLocks noGrp="1"/>
+          </p:cNvPicPr>
+          <p:nvPr>
+            <p:ph idx="1"/>
+          </p:nvPr>
+        </p:nvPicPr>
+        <p:blipFill>
+          <a:blip cstate="print" r:embed="rId2"/>
+          <a:stretch>
+            <a:fillRect/>
+          </a:stretch>
+        </p:blipFill>
+        <p:spPr>
+          <a:xfrm>
+            <a:off x="187891" y="1227552"/>
+            <a:ext cx="8736905" cy="4479285"/>
+          </a:xfrm>
+          <a:prstGeom prst="rect">
+            <a:avLst/>
+          </a:prstGeom>
+        </p:spPr>
+      </p:pic>
+      <p:sp xmlns:a="http://schemas.openxmlformats.org/drawingml/2006/main" xmlns:r="http://schemas.openxmlformats.org/officeDocument/2006/relationships" xmlns:p="http://schemas.openxmlformats.org/presentationml/2006/main">
+        <p:nvSpPr>
+          <p:cNvPr id="4" name="Text Placeholder 8"/>
+          <p:cNvSpPr>
+            <a:spLocks noGrp="1"/>
+          </p:cNvSpPr>
+          <p:nvPr>
+            <p:ph type="body" sz="quarter" idx="13"/>
+          </p:nvPr>
+        </p:nvSpPr>
+        <p:spPr>
+          <a:xfrm>
+            <a:off x="187891" y="5816375"/>
+            <a:ext cx="8736905" cy="365125"/>
+          </a:xfrm>
+        </p:spPr>
+        <p:txBody>
+          <a:bodyPr/>
+          <a:lstStyle/>
+          <a:p>
+            <a:r>
+              <a:rPr/>
+              <a:t>See R datasets::mtcars
+File: ../Output/01_test/cars_table.txt</a:t>
+            </a:r>
+          </a:p>
+        </p:txBody>
+      </p:sp>
+      <p:sp xmlns:a="http://schemas.openxmlformats.org/drawingml/2006/main" xmlns:r="http://schemas.openxmlformats.org/officeDocument/2006/relationships" xmlns:p="http://schemas.openxmlformats.org/presentationml/2006/main">
+        <p:nvSpPr>
+          <p:cNvPr id="5" name="Footer Placeholder 4"/>
+          <p:cNvSpPr>
+            <a:spLocks noGrp="1"/>
+          </p:cNvSpPr>
+          <p:nvPr>
+            <p:ph type="ftr" sz="quarter" idx="11"/>
+          </p:nvPr>
+        </p:nvSpPr>
+        <p:spPr>
+          <a:xfrm>
+            <a:off x="2358025" y="6356351"/>
+            <a:ext cx="4382072" cy="365125"/>
+          </a:xfrm>
+        </p:spPr>
+        <p:txBody>
+          <a:bodyPr/>
+          <a:lstStyle/>
+          <a:p>
+            <a:r>
+              <a:rPr/>
+              <a:t>IQSlidedeck_IQRobjects.R | Date: 2021-07-20 13:42:03</a:t>
             </a:r>
           </a:p>
         </p:txBody>
@@ -8087,6 +8222,191 @@
 </p:sld>
 </file>
 
+<file path=ppt/slides/slide20.xml><?xml version="1.0" encoding="utf-8"?>
+<p:sld xmlns:a="http://schemas.openxmlformats.org/drawingml/2006/main" xmlns:r="http://schemas.openxmlformats.org/officeDocument/2006/relationships" xmlns:p="http://schemas.openxmlformats.org/presentationml/2006/main">
+  <p:cSld>
+    <p:spTree>
+      <p:nvGrpSpPr>
+        <p:cNvPr id="1" name=""/>
+        <p:cNvGrpSpPr/>
+        <p:nvPr/>
+      </p:nvGrpSpPr>
+      <p:grpSpPr>
+        <a:xfrm>
+          <a:off x="0" y="0"/>
+          <a:ext cx="0" cy="0"/>
+          <a:chOff x="0" y="0"/>
+          <a:chExt cx="0" cy="0"/>
+        </a:xfrm>
+      </p:grpSpPr>
+      <p:sp xmlns:a="http://schemas.openxmlformats.org/drawingml/2006/main" xmlns:r="http://schemas.openxmlformats.org/officeDocument/2006/relationships" xmlns:p="http://schemas.openxmlformats.org/presentationml/2006/main">
+        <p:nvSpPr>
+          <p:cNvPr id="2" name="Title 1"/>
+          <p:cNvSpPr>
+            <a:spLocks noGrp="1"/>
+          </p:cNvSpPr>
+          <p:nvPr>
+            <p:ph type="title"/>
+          </p:nvPr>
+        </p:nvSpPr>
+        <p:spPr>
+          <a:xfrm>
+            <a:off x="0" y="1"/>
+            <a:ext cx="9144000" cy="1013635"/>
+          </a:xfrm>
+        </p:spPr>
+        <p:txBody>
+          <a:bodyPr/>
+          <a:lstStyle/>
+          <a:p>
+            <a:r>
+              <a:rPr/>
+              <a:t/>
+            </a:r>
+          </a:p>
+        </p:txBody>
+      </p:sp>
+      <p:pic xmlns:a="http://schemas.openxmlformats.org/drawingml/2006/main" xmlns:r="http://schemas.openxmlformats.org/officeDocument/2006/relationships" xmlns:p="http://schemas.openxmlformats.org/presentationml/2006/main">
+        <p:nvPicPr>
+          <p:cNvPr id="3" name="Content Placeholder 2"/>
+          <p:cNvPicPr>
+            <a:picLocks noGrp="1"/>
+          </p:cNvPicPr>
+          <p:nvPr>
+            <p:ph sz="half" idx="1"/>
+          </p:nvPr>
+        </p:nvPicPr>
+        <p:blipFill>
+          <a:blip cstate="print" r:embed="rId2"/>
+          <a:stretch>
+            <a:fillRect/>
+          </a:stretch>
+        </p:blipFill>
+        <p:spPr>
+          <a:xfrm>
+            <a:off x="187891" y="1205547"/>
+            <a:ext cx="4326959" cy="4446906"/>
+          </a:xfrm>
+          <a:prstGeom prst="rect">
+            <a:avLst/>
+          </a:prstGeom>
+        </p:spPr>
+      </p:pic>
+      <p:sp xmlns:a="http://schemas.openxmlformats.org/drawingml/2006/main" xmlns:r="http://schemas.openxmlformats.org/officeDocument/2006/relationships" xmlns:p="http://schemas.openxmlformats.org/presentationml/2006/main">
+        <p:nvSpPr>
+          <p:cNvPr id="4" name="Text Placeholder 2"/>
+          <p:cNvSpPr>
+            <a:spLocks noGrp="1"/>
+          </p:cNvSpPr>
+          <p:nvPr>
+            <p:ph type="body" sz="quarter" idx="13"/>
+          </p:nvPr>
+        </p:nvSpPr>
+        <p:spPr>
+          <a:xfrm>
+            <a:off x="188119" y="5781584"/>
+            <a:ext cx="4326731" cy="445634"/>
+          </a:xfrm>
+        </p:spPr>
+        <p:txBody>
+          <a:bodyPr/>
+          <a:lstStyle/>
+          <a:p>
+            <a:r>
+              <a:rPr/>
+              <a:t>File: ../Output/01_test/normal_distributions_longlist.pdf</a:t>
+            </a:r>
+          </a:p>
+        </p:txBody>
+      </p:sp>
+      <p:pic xmlns:a="http://schemas.openxmlformats.org/drawingml/2006/main" xmlns:r="http://schemas.openxmlformats.org/officeDocument/2006/relationships" xmlns:p="http://schemas.openxmlformats.org/presentationml/2006/main">
+        <p:nvPicPr>
+          <p:cNvPr id="5" name="Content Placeholder 3"/>
+          <p:cNvPicPr>
+            <a:picLocks noGrp="1"/>
+          </p:cNvPicPr>
+          <p:nvPr>
+            <p:ph sz="half" idx="2"/>
+          </p:nvPr>
+        </p:nvPicPr>
+        <p:blipFill>
+          <a:blip cstate="print" r:embed="rId3"/>
+          <a:stretch>
+            <a:fillRect/>
+          </a:stretch>
+        </p:blipFill>
+        <p:spPr>
+          <a:xfrm>
+            <a:off x="4629150" y="1205549"/>
+            <a:ext cx="4295645" cy="4446905"/>
+          </a:xfrm>
+          <a:prstGeom prst="rect">
+            <a:avLst/>
+          </a:prstGeom>
+        </p:spPr>
+      </p:pic>
+      <p:sp xmlns:a="http://schemas.openxmlformats.org/drawingml/2006/main" xmlns:r="http://schemas.openxmlformats.org/officeDocument/2006/relationships" xmlns:p="http://schemas.openxmlformats.org/presentationml/2006/main">
+        <p:nvSpPr>
+          <p:cNvPr id="6" name="Text Placeholder 3"/>
+          <p:cNvSpPr>
+            <a:spLocks noGrp="1"/>
+          </p:cNvSpPr>
+          <p:nvPr>
+            <p:ph type="body" sz="quarter" idx="14"/>
+          </p:nvPr>
+        </p:nvSpPr>
+        <p:spPr>
+          <a:xfrm>
+            <a:off x="4629150" y="5781675"/>
+            <a:ext cx="4295775" cy="446088"/>
+          </a:xfrm>
+        </p:spPr>
+        <p:txBody>
+          <a:bodyPr/>
+          <a:lstStyle/>
+          <a:p>
+            <a:r>
+              <a:rPr/>
+              <a:t>File: ../Output/01_test/normal_distributions_longlist.pdf</a:t>
+            </a:r>
+          </a:p>
+        </p:txBody>
+      </p:sp>
+      <p:sp xmlns:a="http://schemas.openxmlformats.org/drawingml/2006/main" xmlns:r="http://schemas.openxmlformats.org/officeDocument/2006/relationships" xmlns:p="http://schemas.openxmlformats.org/presentationml/2006/main">
+        <p:nvSpPr>
+          <p:cNvPr id="7" name="Footer Placeholder 5"/>
+          <p:cNvSpPr>
+            <a:spLocks noGrp="1"/>
+          </p:cNvSpPr>
+          <p:nvPr>
+            <p:ph type="ftr" sz="quarter" idx="11"/>
+          </p:nvPr>
+        </p:nvSpPr>
+        <p:spPr>
+          <a:xfrm>
+            <a:off x="2358025" y="6356351"/>
+            <a:ext cx="4382072" cy="365125"/>
+          </a:xfrm>
+        </p:spPr>
+        <p:txBody>
+          <a:bodyPr/>
+          <a:lstStyle/>
+          <a:p>
+            <a:r>
+              <a:rPr/>
+              <a:t>IQSlidedeck_IQRobjects.R | Date: 2021-07-20 13:42:03</a:t>
+            </a:r>
+          </a:p>
+        </p:txBody>
+      </p:sp>
+    </p:spTree>
+  </p:cSld>
+  <p:clrMapOvr>
+    <a:masterClrMapping/>
+  </p:clrMapOvr>
+</p:sld>
+</file>
+
 <file path=ppt/slides/slide3.xml><?xml version="1.0" encoding="utf-8"?>
 <p:sld xmlns:a="http://schemas.openxmlformats.org/drawingml/2006/main" xmlns:r="http://schemas.openxmlformats.org/officeDocument/2006/relationships" xmlns:p="http://schemas.openxmlformats.org/presentationml/2006/main">
   <p:cSld>
@@ -8186,7 +8506,7 @@
           <a:p>
             <a:r>
               <a:rPr/>
-              <a:t>script_IQSlidedeck.R | Date: 2021-04-26 10:12:53</a:t>
+              <a:t>script_IQSlidedeck.R | Date: 2021-07-20 13:41:30</a:t>
             </a:r>
           </a:p>
         </p:txBody>
@@ -8403,7 +8723,7 @@
           <a:p>
             <a:r>
               <a:rPr/>
-              <a:t>script_IQSlidedeck.R | Date: 2021-04-26 10:12:53</a:t>
+              <a:t>script_IQSlidedeck.R | Date: 2021-07-20 13:41:30</a:t>
             </a:r>
           </a:p>
         </p:txBody>
@@ -8508,7 +8828,7 @@
           <a:p>
             <a:r>
               <a:rPr/>
-              <a:t>script_IQSlidedeck.R | Date: 2021-04-26 10:12:57</a:t>
+              <a:t>script_IQSlidedeck.R | Date: 2021-07-20 13:41:34</a:t>
             </a:r>
           </a:p>
         </p:txBody>
@@ -8613,7 +8933,7 @@
           <a:p>
             <a:r>
               <a:rPr/>
-              <a:t>script_IQSlidedeck.R | Date: 2021-04-26 10:12:58</a:t>
+              <a:t>script_IQSlidedeck.R | Date: 2021-07-20 13:41:35</a:t>
             </a:r>
           </a:p>
         </p:txBody>
@@ -8718,7 +9038,7 @@
           <a:p>
             <a:r>
               <a:rPr/>
-              <a:t>script_IQSlidedeck.R | Date: 2021-04-26 10:13:04</a:t>
+              <a:t>script_IQSlidedeck.R | Date: 2021-07-20 13:41:40</a:t>
             </a:r>
           </a:p>
         </p:txBody>

--- a/tests/testresults/script_IQSlidedeck_IQobjects_Default_4_3.pptx
+++ b/tests/testresults/script_IQSlidedeck_IQobjects_Default_4_3.pptx
@@ -5649,7 +5649,7 @@
               <a:rPr/>
               <a:t>IQR Objects
 Daniel Kaschek, IntiQuan
-2021-07-20</a:t>
+2021-10-15</a:t>
             </a:r>
           </a:p>
         </p:txBody>
@@ -5787,7 +5787,7 @@
           <a:p>
             <a:r>
               <a:rPr/>
-              <a:t>script_IQSlidedeck.R | Date: 2021-07-20 13:41:31</a:t>
+              <a:t>script_IQSlidedeck.R | Date: 2021-10-15 12:45:14</a:t>
             </a:r>
           </a:p>
         </p:txBody>
@@ -6123,7 +6123,7 @@
           <a:p>
             <a:r>
               <a:rPr/>
-              <a:t>script_IQSlidedeck.R | Date: 2021-07-20 13:41:32</a:t>
+              <a:t>script_IQSlidedeck.R | Date: 2021-10-15 12:45:15</a:t>
             </a:r>
           </a:p>
         </p:txBody>
@@ -6459,7 +6459,7 @@
           <a:p>
             <a:r>
               <a:rPr/>
-              <a:t>script_IQSlidedeck.R | Date: 2021-07-20 13:41:33</a:t>
+              <a:t>script_IQSlidedeck.R | Date: 2021-10-15 12:45:16</a:t>
             </a:r>
           </a:p>
         </p:txBody>
@@ -6865,7 +6865,7 @@
           <a:p>
             <a:r>
               <a:rPr/>
-              <a:t>IQSlidedeck_IQRobjects.R | Date: 2021-07-20 13:41:59</a:t>
+              <a:t>IQSlidedeck_IQRobjects.R | Date: 2021-10-15 12:45:43</a:t>
             </a:r>
           </a:p>
         </p:txBody>
@@ -7219,7 +7219,7 @@
           <a:p>
             <a:r>
               <a:rPr/>
-              <a:t>IQSlidedeck_IQRobjects.R | Date: 2021-07-20 13:41:59</a:t>
+              <a:t>IQSlidedeck_IQRobjects.R | Date: 2021-10-15 12:45:43</a:t>
             </a:r>
           </a:p>
         </p:txBody>
@@ -7573,7 +7573,7 @@
           <a:p>
             <a:r>
               <a:rPr/>
-              <a:t>IQSlidedeck_IQRobjects.R | Date: 2021-07-20 13:41:59</a:t>
+              <a:t>IQSlidedeck_IQRobjects.R | Date: 2021-10-15 12:45:43</a:t>
             </a:r>
           </a:p>
         </p:txBody>
@@ -7892,7 +7892,7 @@
           <a:p>
             <a:r>
               <a:rPr/>
-              <a:t>IQSlidedeck_IQRobjects.R | Date: 2021-07-20 13:42:00</a:t>
+              <a:t>IQSlidedeck_IQRobjects.R | Date: 2021-10-15 12:45:44</a:t>
             </a:r>
           </a:p>
         </p:txBody>
@@ -8024,7 +8024,7 @@
           <a:p>
             <a:r>
               <a:rPr/>
-              <a:t>IQSlidedeck_IQRobjects.R | Date: 2021-07-20 13:42:02</a:t>
+              <a:t>IQSlidedeck_IQRobjects.R | Date: 2021-10-15 12:45:46</a:t>
             </a:r>
           </a:p>
         </p:txBody>
@@ -8157,7 +8157,7 @@
           <a:p>
             <a:r>
               <a:rPr/>
-              <a:t>IQSlidedeck_IQRobjects.R | Date: 2021-07-20 13:42:03</a:t>
+              <a:t>IQSlidedeck_IQRobjects.R | Date: 2021-10-15 12:45:47</a:t>
             </a:r>
           </a:p>
         </p:txBody>
@@ -8394,7 +8394,7 @@
           <a:p>
             <a:r>
               <a:rPr/>
-              <a:t>IQSlidedeck_IQRobjects.R | Date: 2021-07-20 13:42:03</a:t>
+              <a:t>IQSlidedeck_IQRobjects.R | Date: 2021-10-15 12:45:48</a:t>
             </a:r>
           </a:p>
         </p:txBody>
@@ -8506,7 +8506,7 @@
           <a:p>
             <a:r>
               <a:rPr/>
-              <a:t>script_IQSlidedeck.R | Date: 2021-07-20 13:41:30</a:t>
+              <a:t>script_IQSlidedeck.R | Date: 2021-10-15 12:45:13</a:t>
             </a:r>
           </a:p>
         </p:txBody>
@@ -8723,7 +8723,7 @@
           <a:p>
             <a:r>
               <a:rPr/>
-              <a:t>script_IQSlidedeck.R | Date: 2021-07-20 13:41:30</a:t>
+              <a:t>script_IQSlidedeck.R | Date: 2021-10-15 12:45:13</a:t>
             </a:r>
           </a:p>
         </p:txBody>
@@ -8828,7 +8828,7 @@
           <a:p>
             <a:r>
               <a:rPr/>
-              <a:t>script_IQSlidedeck.R | Date: 2021-07-20 13:41:34</a:t>
+              <a:t>script_IQSlidedeck.R | Date: 2021-10-15 12:45:16</a:t>
             </a:r>
           </a:p>
         </p:txBody>
@@ -8933,7 +8933,7 @@
           <a:p>
             <a:r>
               <a:rPr/>
-              <a:t>script_IQSlidedeck.R | Date: 2021-07-20 13:41:35</a:t>
+              <a:t>script_IQSlidedeck.R | Date: 2021-10-15 12:45:17</a:t>
             </a:r>
           </a:p>
         </p:txBody>
@@ -9038,7 +9038,7 @@
           <a:p>
             <a:r>
               <a:rPr/>
-              <a:t>script_IQSlidedeck.R | Date: 2021-07-20 13:41:40</a:t>
+              <a:t>script_IQSlidedeck.R | Date: 2021-10-15 12:45:23</a:t>
             </a:r>
           </a:p>
         </p:txBody>

--- a/tests/testresults/script_IQSlidedeck_IQobjects_Default_4_3.pptx
+++ b/tests/testresults/script_IQSlidedeck_IQobjects_Default_4_3.pptx
@@ -210,8 +210,8 @@
         </p:nvSpPr>
         <p:spPr>
           <a:xfrm>
-            <a:off x="208246" y="2894388"/>
-            <a:ext cx="8727509" cy="644842"/>
+            <a:off x="208246" y="2894387"/>
+            <a:ext cx="8727509" cy="2986295"/>
           </a:xfrm>
         </p:spPr>
         <p:txBody>
@@ -289,7 +289,7 @@
           <a:p>
             <a:fld id="{7B272C57-2FA0-4A9D-99A4-6F756B65018B}" type="datetimeFigureOut">
               <a:rPr lang="en-US" smtClean="0"/>
-              <a:t>1/11/2021</a:t>
+              <a:t>1/7/2022</a:t>
             </a:fld>
             <a:endParaRPr lang="en-US"/>
           </a:p>
@@ -410,7 +410,7 @@
           <a:p>
             <a:fld id="{7B272C57-2FA0-4A9D-99A4-6F756B65018B}" type="datetimeFigureOut">
               <a:rPr lang="en-US" smtClean="0"/>
-              <a:t>1/11/2021</a:t>
+              <a:t>1/7/2022</a:t>
             </a:fld>
             <a:endParaRPr lang="en-US"/>
           </a:p>
@@ -1166,7 +1166,7 @@
           <a:p>
             <a:fld id="{7B272C57-2FA0-4A9D-99A4-6F756B65018B}" type="datetimeFigureOut">
               <a:rPr lang="en-US" smtClean="0"/>
-              <a:t>1/11/2021</a:t>
+              <a:t>1/7/2022</a:t>
             </a:fld>
             <a:endParaRPr lang="en-US"/>
           </a:p>
@@ -1323,7 +1323,7 @@
           <a:p>
             <a:fld id="{7B272C57-2FA0-4A9D-99A4-6F756B65018B}" type="datetimeFigureOut">
               <a:rPr lang="en-US" smtClean="0"/>
-              <a:t>1/11/2021</a:t>
+              <a:t>1/7/2022</a:t>
             </a:fld>
             <a:endParaRPr lang="en-US"/>
           </a:p>
@@ -1436,7 +1436,7 @@
           <a:p>
             <a:fld id="{7B272C57-2FA0-4A9D-99A4-6F756B65018B}" type="datetimeFigureOut">
               <a:rPr lang="en-US" smtClean="0"/>
-              <a:t>1/11/2021</a:t>
+              <a:t>1/7/2022</a:t>
             </a:fld>
             <a:endParaRPr lang="en-US"/>
           </a:p>
@@ -1747,7 +1747,7 @@
           <a:p>
             <a:fld id="{7B272C57-2FA0-4A9D-99A4-6F756B65018B}" type="datetimeFigureOut">
               <a:rPr lang="en-US" smtClean="0"/>
-              <a:t>1/11/2021</a:t>
+              <a:t>1/7/2022</a:t>
             </a:fld>
             <a:endParaRPr lang="en-US"/>
           </a:p>
@@ -2035,7 +2035,7 @@
           <a:p>
             <a:fld id="{7B272C57-2FA0-4A9D-99A4-6F756B65018B}" type="datetimeFigureOut">
               <a:rPr lang="en-US" smtClean="0"/>
-              <a:t>1/11/2021</a:t>
+              <a:t>1/7/2022</a:t>
             </a:fld>
             <a:endParaRPr lang="en-US"/>
           </a:p>
@@ -2233,7 +2233,7 @@
           <a:p>
             <a:fld id="{7B272C57-2FA0-4A9D-99A4-6F756B65018B}" type="datetimeFigureOut">
               <a:rPr lang="en-US" smtClean="0"/>
-              <a:t>1/11/2021</a:t>
+              <a:t>1/7/2022</a:t>
             </a:fld>
             <a:endParaRPr lang="en-US"/>
           </a:p>
@@ -2441,7 +2441,7 @@
           <a:p>
             <a:fld id="{7B272C57-2FA0-4A9D-99A4-6F756B65018B}" type="datetimeFigureOut">
               <a:rPr lang="en-US" smtClean="0"/>
-              <a:t>1/11/2021</a:t>
+              <a:t>1/7/2022</a:t>
             </a:fld>
             <a:endParaRPr lang="en-US"/>
           </a:p>
@@ -2644,7 +2644,7 @@
           <a:p>
             <a:fld id="{7B272C57-2FA0-4A9D-99A4-6F756B65018B}" type="datetimeFigureOut">
               <a:rPr lang="en-US" smtClean="0"/>
-              <a:t>1/11/2021</a:t>
+              <a:t>1/7/2022</a:t>
             </a:fld>
             <a:endParaRPr lang="en-US"/>
           </a:p>
@@ -2852,7 +2852,7 @@
           <a:p>
             <a:fld id="{7B272C57-2FA0-4A9D-99A4-6F756B65018B}" type="datetimeFigureOut">
               <a:rPr lang="en-US" smtClean="0"/>
-              <a:t>1/11/2021</a:t>
+              <a:t>1/7/2022</a:t>
             </a:fld>
             <a:endParaRPr lang="en-US"/>
           </a:p>
@@ -3125,7 +3125,7 @@
           <a:p>
             <a:fld id="{7B272C57-2FA0-4A9D-99A4-6F756B65018B}" type="datetimeFigureOut">
               <a:rPr lang="en-US" smtClean="0"/>
-              <a:t>1/11/2021</a:t>
+              <a:t>1/7/2022</a:t>
             </a:fld>
             <a:endParaRPr lang="en-US"/>
           </a:p>
@@ -3419,7 +3419,7 @@
           <a:p>
             <a:fld id="{7B272C57-2FA0-4A9D-99A4-6F756B65018B}" type="datetimeFigureOut">
               <a:rPr lang="en-US" smtClean="0"/>
-              <a:t>1/11/2021</a:t>
+              <a:t>1/7/2022</a:t>
             </a:fld>
             <a:endParaRPr lang="en-US"/>
           </a:p>
@@ -3845,7 +3845,7 @@
           <a:p>
             <a:fld id="{7B272C57-2FA0-4A9D-99A4-6F756B65018B}" type="datetimeFigureOut">
               <a:rPr lang="en-US" smtClean="0"/>
-              <a:t>1/11/2021</a:t>
+              <a:t>1/7/2022</a:t>
             </a:fld>
             <a:endParaRPr lang="en-US"/>
           </a:p>
@@ -3966,7 +3966,7 @@
           <a:p>
             <a:fld id="{7B272C57-2FA0-4A9D-99A4-6F756B65018B}" type="datetimeFigureOut">
               <a:rPr lang="en-US" smtClean="0"/>
-              <a:t>1/11/2021</a:t>
+              <a:t>1/7/2022</a:t>
             </a:fld>
             <a:endParaRPr lang="en-US"/>
           </a:p>
@@ -4251,7 +4251,7 @@
           <a:p>
             <a:fld id="{7B272C57-2FA0-4A9D-99A4-6F756B65018B}" type="datetimeFigureOut">
               <a:rPr lang="en-US" smtClean="0"/>
-              <a:t>1/11/2021</a:t>
+              <a:t>1/7/2022</a:t>
             </a:fld>
             <a:endParaRPr lang="en-US"/>
           </a:p>
@@ -4625,7 +4625,7 @@
           <a:p>
             <a:fld id="{7B272C57-2FA0-4A9D-99A4-6F756B65018B}" type="datetimeFigureOut">
               <a:rPr lang="en-US" smtClean="0"/>
-              <a:t>1/11/2021</a:t>
+              <a:t>1/7/2022</a:t>
             </a:fld>
             <a:endParaRPr lang="en-US"/>
           </a:p>
@@ -5125,7 +5125,7 @@
           <a:p>
             <a:fld id="{7B272C57-2FA0-4A9D-99A4-6F756B65018B}" type="datetimeFigureOut">
               <a:rPr lang="en-US" smtClean="0"/>
-              <a:t>1/11/2021</a:t>
+              <a:t>1/7/2022</a:t>
             </a:fld>
             <a:endParaRPr lang="en-US"/>
           </a:p>
@@ -5637,8 +5637,8 @@
         </p:nvSpPr>
         <p:spPr>
           <a:xfrm>
-            <a:off x="208246" y="2894388"/>
-            <a:ext cx="8727509" cy="644842"/>
+            <a:off x="208246" y="2894387"/>
+            <a:ext cx="8727509" cy="2986295"/>
           </a:xfrm>
         </p:spPr>
         <p:txBody>
@@ -5649,7 +5649,7 @@
               <a:rPr/>
               <a:t>IQR Objects
 Daniel Kaschek, IntiQuan
-2021-10-15</a:t>
+2022-03-29</a:t>
             </a:r>
           </a:p>
         </p:txBody>
@@ -5741,7 +5741,7 @@
       </p:sp>
       <p:pic xmlns:a="http://schemas.openxmlformats.org/drawingml/2006/main" xmlns:r="http://schemas.openxmlformats.org/officeDocument/2006/relationships" xmlns:p="http://schemas.openxmlformats.org/presentationml/2006/main">
         <p:nvPicPr>
-          <p:cNvPr id="4" name="Content Placeholder 3"/>
+          <p:cNvPr id="4" name="Content Placeholder 3" descr=""/>
           <p:cNvPicPr>
             <a:picLocks noGrp="1"/>
           </p:cNvPicPr>
@@ -5787,7 +5787,7 @@
           <a:p>
             <a:r>
               <a:rPr/>
-              <a:t>script_IQSlidedeck.R | Date: 2021-10-15 12:45:14</a:t>
+              <a:t>script_IQSlidedeck.R | Date: 2022-03-29 18:35:32</a:t>
             </a:r>
           </a:p>
         </p:txBody>
@@ -5874,6 +5874,8 @@
                 </a:solidFill>
                 <a:latin typeface="Calibri"/>
                 <a:cs typeface="Calibri"/>
+                <a:ea typeface="Calibri"/>
+                <a:sym typeface="Calibri"/>
               </a:rPr>
               <a:t>Bullet point with </a:t>
             </a:r>
@@ -5886,6 +5888,8 @@
                 </a:solidFill>
                 <a:latin typeface="Calibri"/>
                 <a:cs typeface="Calibri"/>
+                <a:ea typeface="Calibri"/>
+                <a:sym typeface="Calibri"/>
               </a:rPr>
               <a:t>bold</a:t>
             </a:r>
@@ -5898,6 +5902,8 @@
                 </a:solidFill>
                 <a:latin typeface="Calibri"/>
                 <a:cs typeface="Calibri"/>
+                <a:ea typeface="Calibri"/>
+                <a:sym typeface="Calibri"/>
               </a:rPr>
               <a:t> and </a:t>
             </a:r>
@@ -5910,6 +5916,8 @@
                 </a:solidFill>
                 <a:latin typeface="Calibri"/>
                 <a:cs typeface="Calibri"/>
+                <a:ea typeface="Calibri"/>
+                <a:sym typeface="Calibri"/>
               </a:rPr>
               <a:t>italic</a:t>
             </a:r>
@@ -5925,6 +5933,8 @@
                 </a:solidFill>
                 <a:latin typeface="Calibri"/>
                 <a:cs typeface="Calibri"/>
+                <a:ea typeface="Calibri"/>
+                <a:sym typeface="Calibri"/>
               </a:rPr>
               <a:t>Another bullet point</a:t>
             </a:r>
@@ -5940,6 +5950,8 @@
                 </a:solidFill>
                 <a:latin typeface="Calibri"/>
                 <a:cs typeface="Calibri"/>
+                <a:ea typeface="Calibri"/>
+                <a:sym typeface="Calibri"/>
               </a:rPr>
               <a:t>Indented by two spaces</a:t>
             </a:r>
@@ -5955,6 +5967,8 @@
                 </a:solidFill>
                 <a:latin typeface="Calibri"/>
                 <a:cs typeface="Calibri"/>
+                <a:ea typeface="Calibri"/>
+                <a:sym typeface="Calibri"/>
               </a:rPr>
               <a:t>Another one</a:t>
             </a:r>
@@ -5970,6 +5984,8 @@
                 </a:solidFill>
                 <a:latin typeface="Calibri"/>
                 <a:cs typeface="Calibri"/>
+                <a:ea typeface="Calibri"/>
+                <a:sym typeface="Calibri"/>
               </a:rPr>
               <a:t>And back to </a:t>
             </a:r>
@@ -5982,6 +5998,8 @@
                 </a:solidFill>
                 <a:latin typeface="Calibri"/>
                 <a:cs typeface="Calibri"/>
+                <a:ea typeface="Calibri"/>
+                <a:sym typeface="Calibri"/>
               </a:rPr>
               <a:t>really</a:t>
             </a:r>
@@ -5994,6 +6012,8 @@
                 </a:solidFill>
                 <a:latin typeface="Calibri"/>
                 <a:cs typeface="Calibri"/>
+                <a:ea typeface="Calibri"/>
+                <a:sym typeface="Calibri"/>
               </a:rPr>
               <a:t> outer</a:t>
             </a:r>
@@ -6006,6 +6026,8 @@
                 </a:solidFill>
                 <a:latin typeface="Calibri"/>
                 <a:cs typeface="Calibri"/>
+                <a:ea typeface="Calibri"/>
+                <a:sym typeface="Calibri"/>
               </a:rPr>
               <a:t> level</a:t>
             </a:r>
@@ -6021,6 +6043,8 @@
                 </a:solidFill>
                 <a:latin typeface="Calibri"/>
                 <a:cs typeface="Calibri"/>
+                <a:ea typeface="Calibri"/>
+                <a:sym typeface="Calibri"/>
               </a:rPr>
               <a:t>Some sort of formula </a:t>
             </a:r>
@@ -6033,6 +6057,8 @@
                 </a:solidFill>
                 <a:latin typeface="Consolas"/>
                 <a:cs typeface="Consolas"/>
+                <a:ea typeface="Consolas"/>
+                <a:sym typeface="Consolas"/>
               </a:rPr>
               <a:t>E</a:t>
             </a:r>
@@ -6045,6 +6071,8 @@
                 </a:solidFill>
                 <a:latin typeface="Consolas"/>
                 <a:cs typeface="Consolas"/>
+                <a:ea typeface="Consolas"/>
+                <a:sym typeface="Consolas"/>
               </a:rPr>
               <a:t>rel</a:t>
             </a:r>
@@ -6057,6 +6085,8 @@
                 </a:solidFill>
                 <a:latin typeface="Consolas"/>
                 <a:cs typeface="Consolas"/>
+                <a:ea typeface="Consolas"/>
+                <a:sym typeface="Consolas"/>
               </a:rPr>
               <a:t> = m*c</a:t>
             </a:r>
@@ -6069,6 +6099,8 @@
                 </a:solidFill>
                 <a:latin typeface="Consolas"/>
                 <a:cs typeface="Consolas"/>
+                <a:ea typeface="Consolas"/>
+                <a:sym typeface="Consolas"/>
               </a:rPr>
               <a:t>2</a:t>
             </a:r>
@@ -6077,7 +6109,7 @@
       </p:sp>
       <p:pic xmlns:a="http://schemas.openxmlformats.org/drawingml/2006/main" xmlns:r="http://schemas.openxmlformats.org/officeDocument/2006/relationships" xmlns:p="http://schemas.openxmlformats.org/presentationml/2006/main">
         <p:nvPicPr>
-          <p:cNvPr id="4" name="Content Placeholder 3"/>
+          <p:cNvPr id="4" name="Content Placeholder 3" descr=""/>
           <p:cNvPicPr>
             <a:picLocks noGrp="1"/>
           </p:cNvPicPr>
@@ -6123,7 +6155,7 @@
           <a:p>
             <a:r>
               <a:rPr/>
-              <a:t>script_IQSlidedeck.R | Date: 2021-10-15 12:45:15</a:t>
+              <a:t>script_IQSlidedeck.R | Date: 2022-03-29 18:35:34</a:t>
             </a:r>
           </a:p>
         </p:txBody>
@@ -6182,7 +6214,7 @@
       </p:sp>
       <p:pic xmlns:a="http://schemas.openxmlformats.org/drawingml/2006/main" xmlns:r="http://schemas.openxmlformats.org/officeDocument/2006/relationships" xmlns:p="http://schemas.openxmlformats.org/presentationml/2006/main">
         <p:nvPicPr>
-          <p:cNvPr id="3" name="Content Placeholder 2"/>
+          <p:cNvPr id="3" name="Content Placeholder 2" descr=""/>
           <p:cNvPicPr>
             <a:picLocks noGrp="1"/>
           </p:cNvPicPr>
@@ -6236,6 +6268,8 @@
                 </a:solidFill>
                 <a:latin typeface="Calibri"/>
                 <a:cs typeface="Calibri"/>
+                <a:ea typeface="Calibri"/>
+                <a:sym typeface="Calibri"/>
               </a:rPr>
               <a:t>Bullet point with </a:t>
             </a:r>
@@ -6248,6 +6282,8 @@
                 </a:solidFill>
                 <a:latin typeface="Calibri"/>
                 <a:cs typeface="Calibri"/>
+                <a:ea typeface="Calibri"/>
+                <a:sym typeface="Calibri"/>
               </a:rPr>
               <a:t>bold</a:t>
             </a:r>
@@ -6260,6 +6296,8 @@
                 </a:solidFill>
                 <a:latin typeface="Calibri"/>
                 <a:cs typeface="Calibri"/>
+                <a:ea typeface="Calibri"/>
+                <a:sym typeface="Calibri"/>
               </a:rPr>
               <a:t> and </a:t>
             </a:r>
@@ -6272,6 +6310,8 @@
                 </a:solidFill>
                 <a:latin typeface="Calibri"/>
                 <a:cs typeface="Calibri"/>
+                <a:ea typeface="Calibri"/>
+                <a:sym typeface="Calibri"/>
               </a:rPr>
               <a:t>italic</a:t>
             </a:r>
@@ -6287,6 +6327,8 @@
                 </a:solidFill>
                 <a:latin typeface="Calibri"/>
                 <a:cs typeface="Calibri"/>
+                <a:ea typeface="Calibri"/>
+                <a:sym typeface="Calibri"/>
               </a:rPr>
               <a:t>Another bullet point</a:t>
             </a:r>
@@ -6302,6 +6344,8 @@
                 </a:solidFill>
                 <a:latin typeface="Calibri"/>
                 <a:cs typeface="Calibri"/>
+                <a:ea typeface="Calibri"/>
+                <a:sym typeface="Calibri"/>
               </a:rPr>
               <a:t>Indented by two spaces</a:t>
             </a:r>
@@ -6317,6 +6361,8 @@
                 </a:solidFill>
                 <a:latin typeface="Calibri"/>
                 <a:cs typeface="Calibri"/>
+                <a:ea typeface="Calibri"/>
+                <a:sym typeface="Calibri"/>
               </a:rPr>
               <a:t>Another one</a:t>
             </a:r>
@@ -6332,6 +6378,8 @@
                 </a:solidFill>
                 <a:latin typeface="Calibri"/>
                 <a:cs typeface="Calibri"/>
+                <a:ea typeface="Calibri"/>
+                <a:sym typeface="Calibri"/>
               </a:rPr>
               <a:t>And back to </a:t>
             </a:r>
@@ -6344,6 +6392,8 @@
                 </a:solidFill>
                 <a:latin typeface="Calibri"/>
                 <a:cs typeface="Calibri"/>
+                <a:ea typeface="Calibri"/>
+                <a:sym typeface="Calibri"/>
               </a:rPr>
               <a:t>really</a:t>
             </a:r>
@@ -6356,6 +6406,8 @@
                 </a:solidFill>
                 <a:latin typeface="Calibri"/>
                 <a:cs typeface="Calibri"/>
+                <a:ea typeface="Calibri"/>
+                <a:sym typeface="Calibri"/>
               </a:rPr>
               <a:t> outer</a:t>
             </a:r>
@@ -6368,6 +6420,8 @@
                 </a:solidFill>
                 <a:latin typeface="Calibri"/>
                 <a:cs typeface="Calibri"/>
+                <a:ea typeface="Calibri"/>
+                <a:sym typeface="Calibri"/>
               </a:rPr>
               <a:t> level</a:t>
             </a:r>
@@ -6383,6 +6437,8 @@
                 </a:solidFill>
                 <a:latin typeface="Calibri"/>
                 <a:cs typeface="Calibri"/>
+                <a:ea typeface="Calibri"/>
+                <a:sym typeface="Calibri"/>
               </a:rPr>
               <a:t>Some sort of formula </a:t>
             </a:r>
@@ -6395,6 +6451,8 @@
                 </a:solidFill>
                 <a:latin typeface="Consolas"/>
                 <a:cs typeface="Consolas"/>
+                <a:ea typeface="Consolas"/>
+                <a:sym typeface="Consolas"/>
               </a:rPr>
               <a:t>E</a:t>
             </a:r>
@@ -6407,6 +6465,8 @@
                 </a:solidFill>
                 <a:latin typeface="Consolas"/>
                 <a:cs typeface="Consolas"/>
+                <a:ea typeface="Consolas"/>
+                <a:sym typeface="Consolas"/>
               </a:rPr>
               <a:t>rel</a:t>
             </a:r>
@@ -6419,6 +6479,8 @@
                 </a:solidFill>
                 <a:latin typeface="Consolas"/>
                 <a:cs typeface="Consolas"/>
+                <a:ea typeface="Consolas"/>
+                <a:sym typeface="Consolas"/>
               </a:rPr>
               <a:t> = m*c</a:t>
             </a:r>
@@ -6431,6 +6493,8 @@
                 </a:solidFill>
                 <a:latin typeface="Consolas"/>
                 <a:cs typeface="Consolas"/>
+                <a:ea typeface="Consolas"/>
+                <a:sym typeface="Consolas"/>
               </a:rPr>
               <a:t>2</a:t>
             </a:r>
@@ -6459,7 +6523,7 @@
           <a:p>
             <a:r>
               <a:rPr/>
-              <a:t>script_IQSlidedeck.R | Date: 2021-10-15 12:45:16</a:t>
+              <a:t>script_IQSlidedeck.R | Date: 2022-03-29 18:35:35</a:t>
             </a:r>
           </a:p>
         </p:txBody>
@@ -6598,6 +6662,8 @@
                 </a:solidFill>
                 <a:latin typeface="Calibri"/>
                 <a:cs typeface="Calibri"/>
+                <a:ea typeface="Calibri"/>
+                <a:sym typeface="Calibri"/>
               </a:rPr>
               <a:t>A list of ggplot objects was created</a:t>
             </a:r>
@@ -6613,6 +6679,8 @@
                 </a:solidFill>
                 <a:latin typeface="Calibri"/>
                 <a:cs typeface="Calibri"/>
+                <a:ea typeface="Calibri"/>
+                <a:sym typeface="Calibri"/>
               </a:rPr>
               <a:t>Called </a:t>
             </a:r>
@@ -6625,6 +6693,8 @@
                 </a:solidFill>
                 <a:latin typeface="Consolas"/>
                 <a:cs typeface="Consolas"/>
+                <a:ea typeface="Consolas"/>
+                <a:sym typeface="Consolas"/>
               </a:rPr>
               <a:t>IQRoutputFigure</a:t>
             </a:r>
@@ -6637,6 +6707,8 @@
                 </a:solidFill>
                 <a:latin typeface="Calibri"/>
                 <a:cs typeface="Calibri"/>
+                <a:ea typeface="Calibri"/>
+                <a:sym typeface="Calibri"/>
               </a:rPr>
               <a:t> with arguments </a:t>
             </a:r>
@@ -6649,6 +6721,8 @@
                 </a:solidFill>
                 <a:latin typeface="Consolas"/>
                 <a:cs typeface="Consolas"/>
+                <a:ea typeface="Consolas"/>
+                <a:sym typeface="Consolas"/>
               </a:rPr>
               <a:t>nrow</a:t>
             </a:r>
@@ -6661,6 +6735,8 @@
                 </a:solidFill>
                 <a:latin typeface="Calibri"/>
                 <a:cs typeface="Calibri"/>
+                <a:ea typeface="Calibri"/>
+                <a:sym typeface="Calibri"/>
               </a:rPr>
               <a:t>, </a:t>
             </a:r>
@@ -6673,6 +6749,8 @@
                 </a:solidFill>
                 <a:latin typeface="Consolas"/>
                 <a:cs typeface="Consolas"/>
+                <a:ea typeface="Consolas"/>
+                <a:sym typeface="Consolas"/>
               </a:rPr>
               <a:t>ncol</a:t>
             </a:r>
@@ -6685,6 +6763,8 @@
                 </a:solidFill>
                 <a:latin typeface="Calibri"/>
                 <a:cs typeface="Calibri"/>
+                <a:ea typeface="Calibri"/>
+                <a:sym typeface="Calibri"/>
               </a:rPr>
               <a:t>, </a:t>
             </a:r>
@@ -6697,6 +6777,8 @@
                 </a:solidFill>
                 <a:latin typeface="Consolas"/>
                 <a:cs typeface="Consolas"/>
+                <a:ea typeface="Consolas"/>
+                <a:sym typeface="Consolas"/>
               </a:rPr>
               <a:t>footer</a:t>
             </a:r>
@@ -6709,6 +6791,8 @@
                 </a:solidFill>
                 <a:latin typeface="Calibri"/>
                 <a:cs typeface="Calibri"/>
+                <a:ea typeface="Calibri"/>
+                <a:sym typeface="Calibri"/>
               </a:rPr>
               <a:t> and </a:t>
             </a:r>
@@ -6721,6 +6805,8 @@
                 </a:solidFill>
                 <a:latin typeface="Consolas"/>
                 <a:cs typeface="Consolas"/>
+                <a:ea typeface="Consolas"/>
+                <a:sym typeface="Consolas"/>
               </a:rPr>
               <a:t>filename</a:t>
             </a:r>
@@ -6736,6 +6822,8 @@
                 </a:solidFill>
                 <a:latin typeface="Calibri"/>
                 <a:cs typeface="Calibri"/>
+                <a:ea typeface="Calibri"/>
+                <a:sym typeface="Calibri"/>
               </a:rPr>
               <a:t>Called </a:t>
             </a:r>
@@ -6748,6 +6836,8 @@
                 </a:solidFill>
                 <a:latin typeface="Consolas"/>
                 <a:cs typeface="Consolas"/>
+                <a:ea typeface="Consolas"/>
+                <a:sym typeface="Consolas"/>
               </a:rPr>
               <a:t>IQRoutputPPTX</a:t>
             </a:r>
@@ -6760,6 +6850,8 @@
                 </a:solidFill>
                 <a:latin typeface="Calibri"/>
                 <a:cs typeface="Calibri"/>
+                <a:ea typeface="Calibri"/>
+                <a:sym typeface="Calibri"/>
               </a:rPr>
               <a:t> with bullet point list and </a:t>
             </a:r>
@@ -6772,6 +6864,8 @@
                 </a:solidFill>
                 <a:latin typeface="Consolas"/>
                 <a:cs typeface="Consolas"/>
+                <a:ea typeface="Consolas"/>
+                <a:sym typeface="Consolas"/>
               </a:rPr>
               <a:t>IQRoutputFigure</a:t>
             </a:r>
@@ -6784,6 +6878,8 @@
                 </a:solidFill>
                 <a:latin typeface="Calibri"/>
                 <a:cs typeface="Calibri"/>
+                <a:ea typeface="Calibri"/>
+                <a:sym typeface="Calibri"/>
               </a:rPr>
               <a:t> object.</a:t>
             </a:r>
@@ -6792,7 +6888,7 @@
       </p:sp>
       <p:pic xmlns:a="http://schemas.openxmlformats.org/drawingml/2006/main" xmlns:r="http://schemas.openxmlformats.org/officeDocument/2006/relationships" xmlns:p="http://schemas.openxmlformats.org/presentationml/2006/main">
         <p:nvPicPr>
-          <p:cNvPr id="4" name="Content Placeholder 3"/>
+          <p:cNvPr id="4" name="Content Placeholder 3" descr=""/>
           <p:cNvPicPr>
             <a:picLocks noGrp="1"/>
           </p:cNvPicPr>
@@ -6865,7 +6961,7 @@
           <a:p>
             <a:r>
               <a:rPr/>
-              <a:t>IQSlidedeck_IQRobjects.R | Date: 2021-10-15 12:45:43</a:t>
+              <a:t>IQSlidedeck_IQRobjects.R | Date: 2022-03-29 18:36:04</a:t>
             </a:r>
           </a:p>
         </p:txBody>
@@ -6952,6 +7048,8 @@
                 </a:solidFill>
                 <a:latin typeface="Calibri"/>
                 <a:cs typeface="Calibri"/>
+                <a:ea typeface="Calibri"/>
+                <a:sym typeface="Calibri"/>
               </a:rPr>
               <a:t>A list of ggplot objects was created</a:t>
             </a:r>
@@ -6967,6 +7065,8 @@
                 </a:solidFill>
                 <a:latin typeface="Calibri"/>
                 <a:cs typeface="Calibri"/>
+                <a:ea typeface="Calibri"/>
+                <a:sym typeface="Calibri"/>
               </a:rPr>
               <a:t>Called </a:t>
             </a:r>
@@ -6979,6 +7079,8 @@
                 </a:solidFill>
                 <a:latin typeface="Consolas"/>
                 <a:cs typeface="Consolas"/>
+                <a:ea typeface="Consolas"/>
+                <a:sym typeface="Consolas"/>
               </a:rPr>
               <a:t>IQRoutputFigure</a:t>
             </a:r>
@@ -6991,6 +7093,8 @@
                 </a:solidFill>
                 <a:latin typeface="Calibri"/>
                 <a:cs typeface="Calibri"/>
+                <a:ea typeface="Calibri"/>
+                <a:sym typeface="Calibri"/>
               </a:rPr>
               <a:t> with arguments </a:t>
             </a:r>
@@ -7003,6 +7107,8 @@
                 </a:solidFill>
                 <a:latin typeface="Consolas"/>
                 <a:cs typeface="Consolas"/>
+                <a:ea typeface="Consolas"/>
+                <a:sym typeface="Consolas"/>
               </a:rPr>
               <a:t>nrow</a:t>
             </a:r>
@@ -7015,6 +7121,8 @@
                 </a:solidFill>
                 <a:latin typeface="Calibri"/>
                 <a:cs typeface="Calibri"/>
+                <a:ea typeface="Calibri"/>
+                <a:sym typeface="Calibri"/>
               </a:rPr>
               <a:t>, </a:t>
             </a:r>
@@ -7027,6 +7135,8 @@
                 </a:solidFill>
                 <a:latin typeface="Consolas"/>
                 <a:cs typeface="Consolas"/>
+                <a:ea typeface="Consolas"/>
+                <a:sym typeface="Consolas"/>
               </a:rPr>
               <a:t>ncol</a:t>
             </a:r>
@@ -7039,6 +7149,8 @@
                 </a:solidFill>
                 <a:latin typeface="Calibri"/>
                 <a:cs typeface="Calibri"/>
+                <a:ea typeface="Calibri"/>
+                <a:sym typeface="Calibri"/>
               </a:rPr>
               <a:t>, </a:t>
             </a:r>
@@ -7051,6 +7163,8 @@
                 </a:solidFill>
                 <a:latin typeface="Consolas"/>
                 <a:cs typeface="Consolas"/>
+                <a:ea typeface="Consolas"/>
+                <a:sym typeface="Consolas"/>
               </a:rPr>
               <a:t>footer</a:t>
             </a:r>
@@ -7063,6 +7177,8 @@
                 </a:solidFill>
                 <a:latin typeface="Calibri"/>
                 <a:cs typeface="Calibri"/>
+                <a:ea typeface="Calibri"/>
+                <a:sym typeface="Calibri"/>
               </a:rPr>
               <a:t> and </a:t>
             </a:r>
@@ -7075,6 +7191,8 @@
                 </a:solidFill>
                 <a:latin typeface="Consolas"/>
                 <a:cs typeface="Consolas"/>
+                <a:ea typeface="Consolas"/>
+                <a:sym typeface="Consolas"/>
               </a:rPr>
               <a:t>filename</a:t>
             </a:r>
@@ -7090,6 +7208,8 @@
                 </a:solidFill>
                 <a:latin typeface="Calibri"/>
                 <a:cs typeface="Calibri"/>
+                <a:ea typeface="Calibri"/>
+                <a:sym typeface="Calibri"/>
               </a:rPr>
               <a:t>Called </a:t>
             </a:r>
@@ -7102,6 +7222,8 @@
                 </a:solidFill>
                 <a:latin typeface="Consolas"/>
                 <a:cs typeface="Consolas"/>
+                <a:ea typeface="Consolas"/>
+                <a:sym typeface="Consolas"/>
               </a:rPr>
               <a:t>IQRoutputPPTX</a:t>
             </a:r>
@@ -7114,6 +7236,8 @@
                 </a:solidFill>
                 <a:latin typeface="Calibri"/>
                 <a:cs typeface="Calibri"/>
+                <a:ea typeface="Calibri"/>
+                <a:sym typeface="Calibri"/>
               </a:rPr>
               <a:t> with bullet point list and </a:t>
             </a:r>
@@ -7126,6 +7250,8 @@
                 </a:solidFill>
                 <a:latin typeface="Consolas"/>
                 <a:cs typeface="Consolas"/>
+                <a:ea typeface="Consolas"/>
+                <a:sym typeface="Consolas"/>
               </a:rPr>
               <a:t>IQRoutputFigure</a:t>
             </a:r>
@@ -7138,6 +7264,8 @@
                 </a:solidFill>
                 <a:latin typeface="Calibri"/>
                 <a:cs typeface="Calibri"/>
+                <a:ea typeface="Calibri"/>
+                <a:sym typeface="Calibri"/>
               </a:rPr>
               <a:t> object.</a:t>
             </a:r>
@@ -7146,7 +7274,7 @@
       </p:sp>
       <p:pic xmlns:a="http://schemas.openxmlformats.org/drawingml/2006/main" xmlns:r="http://schemas.openxmlformats.org/officeDocument/2006/relationships" xmlns:p="http://schemas.openxmlformats.org/presentationml/2006/main">
         <p:nvPicPr>
-          <p:cNvPr id="4" name="Content Placeholder 3"/>
+          <p:cNvPr id="4" name="Content Placeholder 3" descr=""/>
           <p:cNvPicPr>
             <a:picLocks noGrp="1"/>
           </p:cNvPicPr>
@@ -7219,7 +7347,7 @@
           <a:p>
             <a:r>
               <a:rPr/>
-              <a:t>IQSlidedeck_IQRobjects.R | Date: 2021-10-15 12:45:43</a:t>
+              <a:t>IQSlidedeck_IQRobjects.R | Date: 2022-03-29 18:36:04</a:t>
             </a:r>
           </a:p>
         </p:txBody>
@@ -7306,6 +7434,8 @@
                 </a:solidFill>
                 <a:latin typeface="Calibri"/>
                 <a:cs typeface="Calibri"/>
+                <a:ea typeface="Calibri"/>
+                <a:sym typeface="Calibri"/>
               </a:rPr>
               <a:t>A list of ggplot objects was created</a:t>
             </a:r>
@@ -7321,6 +7451,8 @@
                 </a:solidFill>
                 <a:latin typeface="Calibri"/>
                 <a:cs typeface="Calibri"/>
+                <a:ea typeface="Calibri"/>
+                <a:sym typeface="Calibri"/>
               </a:rPr>
               <a:t>Called </a:t>
             </a:r>
@@ -7333,6 +7465,8 @@
                 </a:solidFill>
                 <a:latin typeface="Consolas"/>
                 <a:cs typeface="Consolas"/>
+                <a:ea typeface="Consolas"/>
+                <a:sym typeface="Consolas"/>
               </a:rPr>
               <a:t>IQRoutputFigure</a:t>
             </a:r>
@@ -7345,6 +7479,8 @@
                 </a:solidFill>
                 <a:latin typeface="Calibri"/>
                 <a:cs typeface="Calibri"/>
+                <a:ea typeface="Calibri"/>
+                <a:sym typeface="Calibri"/>
               </a:rPr>
               <a:t> with arguments </a:t>
             </a:r>
@@ -7357,6 +7493,8 @@
                 </a:solidFill>
                 <a:latin typeface="Consolas"/>
                 <a:cs typeface="Consolas"/>
+                <a:ea typeface="Consolas"/>
+                <a:sym typeface="Consolas"/>
               </a:rPr>
               <a:t>nrow</a:t>
             </a:r>
@@ -7369,6 +7507,8 @@
                 </a:solidFill>
                 <a:latin typeface="Calibri"/>
                 <a:cs typeface="Calibri"/>
+                <a:ea typeface="Calibri"/>
+                <a:sym typeface="Calibri"/>
               </a:rPr>
               <a:t>, </a:t>
             </a:r>
@@ -7381,6 +7521,8 @@
                 </a:solidFill>
                 <a:latin typeface="Consolas"/>
                 <a:cs typeface="Consolas"/>
+                <a:ea typeface="Consolas"/>
+                <a:sym typeface="Consolas"/>
               </a:rPr>
               <a:t>ncol</a:t>
             </a:r>
@@ -7393,6 +7535,8 @@
                 </a:solidFill>
                 <a:latin typeface="Calibri"/>
                 <a:cs typeface="Calibri"/>
+                <a:ea typeface="Calibri"/>
+                <a:sym typeface="Calibri"/>
               </a:rPr>
               <a:t>, </a:t>
             </a:r>
@@ -7405,6 +7549,8 @@
                 </a:solidFill>
                 <a:latin typeface="Consolas"/>
                 <a:cs typeface="Consolas"/>
+                <a:ea typeface="Consolas"/>
+                <a:sym typeface="Consolas"/>
               </a:rPr>
               <a:t>footer</a:t>
             </a:r>
@@ -7417,6 +7563,8 @@
                 </a:solidFill>
                 <a:latin typeface="Calibri"/>
                 <a:cs typeface="Calibri"/>
+                <a:ea typeface="Calibri"/>
+                <a:sym typeface="Calibri"/>
               </a:rPr>
               <a:t> and </a:t>
             </a:r>
@@ -7429,6 +7577,8 @@
                 </a:solidFill>
                 <a:latin typeface="Consolas"/>
                 <a:cs typeface="Consolas"/>
+                <a:ea typeface="Consolas"/>
+                <a:sym typeface="Consolas"/>
               </a:rPr>
               <a:t>filename</a:t>
             </a:r>
@@ -7444,6 +7594,8 @@
                 </a:solidFill>
                 <a:latin typeface="Calibri"/>
                 <a:cs typeface="Calibri"/>
+                <a:ea typeface="Calibri"/>
+                <a:sym typeface="Calibri"/>
               </a:rPr>
               <a:t>Called </a:t>
             </a:r>
@@ -7456,6 +7608,8 @@
                 </a:solidFill>
                 <a:latin typeface="Consolas"/>
                 <a:cs typeface="Consolas"/>
+                <a:ea typeface="Consolas"/>
+                <a:sym typeface="Consolas"/>
               </a:rPr>
               <a:t>IQRoutputPPTX</a:t>
             </a:r>
@@ -7468,6 +7622,8 @@
                 </a:solidFill>
                 <a:latin typeface="Calibri"/>
                 <a:cs typeface="Calibri"/>
+                <a:ea typeface="Calibri"/>
+                <a:sym typeface="Calibri"/>
               </a:rPr>
               <a:t> with bullet point list and </a:t>
             </a:r>
@@ -7480,6 +7636,8 @@
                 </a:solidFill>
                 <a:latin typeface="Consolas"/>
                 <a:cs typeface="Consolas"/>
+                <a:ea typeface="Consolas"/>
+                <a:sym typeface="Consolas"/>
               </a:rPr>
               <a:t>IQRoutputFigure</a:t>
             </a:r>
@@ -7492,6 +7650,8 @@
                 </a:solidFill>
                 <a:latin typeface="Calibri"/>
                 <a:cs typeface="Calibri"/>
+                <a:ea typeface="Calibri"/>
+                <a:sym typeface="Calibri"/>
               </a:rPr>
               <a:t> object.</a:t>
             </a:r>
@@ -7500,7 +7660,7 @@
       </p:sp>
       <p:pic xmlns:a="http://schemas.openxmlformats.org/drawingml/2006/main" xmlns:r="http://schemas.openxmlformats.org/officeDocument/2006/relationships" xmlns:p="http://schemas.openxmlformats.org/presentationml/2006/main">
         <p:nvPicPr>
-          <p:cNvPr id="4" name="Content Placeholder 3"/>
+          <p:cNvPr id="4" name="Content Placeholder 3" descr=""/>
           <p:cNvPicPr>
             <a:picLocks noGrp="1"/>
           </p:cNvPicPr>
@@ -7573,7 +7733,7 @@
           <a:p>
             <a:r>
               <a:rPr/>
-              <a:t>IQSlidedeck_IQRobjects.R | Date: 2021-10-15 12:45:43</a:t>
+              <a:t>IQSlidedeck_IQRobjects.R | Date: 2022-03-29 18:36:04</a:t>
             </a:r>
           </a:p>
         </p:txBody>
@@ -7660,6 +7820,8 @@
                 </a:solidFill>
                 <a:latin typeface="Calibri"/>
                 <a:cs typeface="Calibri"/>
+                <a:ea typeface="Calibri"/>
+                <a:sym typeface="Calibri"/>
               </a:rPr>
               <a:t>Used well known standard data set </a:t>
             </a:r>
@@ -7672,6 +7834,8 @@
                 </a:solidFill>
                 <a:latin typeface="Consolas"/>
                 <a:cs typeface="Consolas"/>
+                <a:ea typeface="Consolas"/>
+                <a:sym typeface="Consolas"/>
               </a:rPr>
               <a:t>mtcars</a:t>
             </a:r>
@@ -7687,6 +7851,8 @@
                 </a:solidFill>
                 <a:latin typeface="Calibri"/>
                 <a:cs typeface="Calibri"/>
+                <a:ea typeface="Calibri"/>
+                <a:sym typeface="Calibri"/>
               </a:rPr>
               <a:t>Applied </a:t>
             </a:r>
@@ -7699,6 +7865,8 @@
                 </a:solidFill>
                 <a:latin typeface="Consolas"/>
                 <a:cs typeface="Consolas"/>
+                <a:ea typeface="Consolas"/>
+                <a:sym typeface="Consolas"/>
               </a:rPr>
               <a:t>IQRoutputTable</a:t>
             </a:r>
@@ -7711,6 +7879,8 @@
                 </a:solidFill>
                 <a:latin typeface="Calibri"/>
                 <a:cs typeface="Calibri"/>
+                <a:ea typeface="Calibri"/>
+                <a:sym typeface="Calibri"/>
               </a:rPr>
               <a:t> with arguments </a:t>
             </a:r>
@@ -7723,6 +7893,8 @@
                 </a:solidFill>
                 <a:latin typeface="Consolas"/>
                 <a:cs typeface="Consolas"/>
+                <a:ea typeface="Consolas"/>
+                <a:sym typeface="Consolas"/>
               </a:rPr>
               <a:t>xfooter</a:t>
             </a:r>
@@ -7735,6 +7907,8 @@
                 </a:solidFill>
                 <a:latin typeface="Calibri"/>
                 <a:cs typeface="Calibri"/>
+                <a:ea typeface="Calibri"/>
+                <a:sym typeface="Calibri"/>
               </a:rPr>
               <a:t> and </a:t>
             </a:r>
@@ -7747,6 +7921,8 @@
                 </a:solidFill>
                 <a:latin typeface="Consolas"/>
                 <a:cs typeface="Consolas"/>
+                <a:ea typeface="Consolas"/>
+                <a:sym typeface="Consolas"/>
               </a:rPr>
               <a:t>filename</a:t>
             </a:r>
@@ -7762,6 +7938,8 @@
                 </a:solidFill>
                 <a:latin typeface="Calibri"/>
                 <a:cs typeface="Calibri"/>
+                <a:ea typeface="Calibri"/>
+                <a:sym typeface="Calibri"/>
               </a:rPr>
               <a:t>Called </a:t>
             </a:r>
@@ -7774,6 +7952,8 @@
                 </a:solidFill>
                 <a:latin typeface="Consolas"/>
                 <a:cs typeface="Consolas"/>
+                <a:ea typeface="Consolas"/>
+                <a:sym typeface="Consolas"/>
               </a:rPr>
               <a:t>IQRoutputPPTX</a:t>
             </a:r>
@@ -7786,6 +7966,8 @@
                 </a:solidFill>
                 <a:latin typeface="Calibri"/>
                 <a:cs typeface="Calibri"/>
+                <a:ea typeface="Calibri"/>
+                <a:sym typeface="Calibri"/>
               </a:rPr>
               <a:t> with bullet point list and </a:t>
             </a:r>
@@ -7798,6 +7980,8 @@
                 </a:solidFill>
                 <a:latin typeface="Consolas"/>
                 <a:cs typeface="Consolas"/>
+                <a:ea typeface="Consolas"/>
+                <a:sym typeface="Consolas"/>
               </a:rPr>
               <a:t>IQRoutputTable</a:t>
             </a:r>
@@ -7810,6 +7994,8 @@
                 </a:solidFill>
                 <a:latin typeface="Calibri"/>
                 <a:cs typeface="Calibri"/>
+                <a:ea typeface="Calibri"/>
+                <a:sym typeface="Calibri"/>
               </a:rPr>
               <a:t> object</a:t>
             </a:r>
@@ -7818,7 +8004,7 @@
       </p:sp>
       <p:pic xmlns:a="http://schemas.openxmlformats.org/drawingml/2006/main" xmlns:r="http://schemas.openxmlformats.org/officeDocument/2006/relationships" xmlns:p="http://schemas.openxmlformats.org/presentationml/2006/main">
         <p:nvPicPr>
-          <p:cNvPr id="4" name="Content Placeholder 3"/>
+          <p:cNvPr id="4" name="Content Placeholder 3" descr=""/>
           <p:cNvPicPr>
             <a:picLocks noGrp="1"/>
           </p:cNvPicPr>
@@ -7892,7 +8078,7 @@
           <a:p>
             <a:r>
               <a:rPr/>
-              <a:t>IQSlidedeck_IQRobjects.R | Date: 2021-10-15 12:45:44</a:t>
+              <a:t>IQSlidedeck_IQRobjects.R | Date: 2022-03-29 18:36:05</a:t>
             </a:r>
           </a:p>
         </p:txBody>
@@ -7951,7 +8137,7 @@
       </p:sp>
       <p:pic xmlns:a="http://schemas.openxmlformats.org/drawingml/2006/main" xmlns:r="http://schemas.openxmlformats.org/officeDocument/2006/relationships" xmlns:p="http://schemas.openxmlformats.org/presentationml/2006/main">
         <p:nvPicPr>
-          <p:cNvPr id="3" name="Content Placeholder 2"/>
+          <p:cNvPr id="3" name="Content Placeholder 2" descr=""/>
           <p:cNvPicPr>
             <a:picLocks noGrp="1"/>
           </p:cNvPicPr>
@@ -8024,7 +8210,7 @@
           <a:p>
             <a:r>
               <a:rPr/>
-              <a:t>IQSlidedeck_IQRobjects.R | Date: 2021-10-15 12:45:46</a:t>
+              <a:t>IQSlidedeck_IQRobjects.R | Date: 2022-03-29 18:36:07</a:t>
             </a:r>
           </a:p>
         </p:txBody>
@@ -8083,7 +8269,7 @@
       </p:sp>
       <p:pic xmlns:a="http://schemas.openxmlformats.org/drawingml/2006/main" xmlns:r="http://schemas.openxmlformats.org/officeDocument/2006/relationships" xmlns:p="http://schemas.openxmlformats.org/presentationml/2006/main">
         <p:nvPicPr>
-          <p:cNvPr id="3" name="Content Placeholder 2"/>
+          <p:cNvPr id="3" name="Content Placeholder 2" descr=""/>
           <p:cNvPicPr>
             <a:picLocks noGrp="1"/>
           </p:cNvPicPr>
@@ -8157,7 +8343,7 @@
           <a:p>
             <a:r>
               <a:rPr/>
-              <a:t>IQSlidedeck_IQRobjects.R | Date: 2021-10-15 12:45:47</a:t>
+              <a:t>IQSlidedeck_IQRobjects.R | Date: 2022-03-29 18:36:08</a:t>
             </a:r>
           </a:p>
         </p:txBody>
@@ -8268,7 +8454,7 @@
       </p:sp>
       <p:pic xmlns:a="http://schemas.openxmlformats.org/drawingml/2006/main" xmlns:r="http://schemas.openxmlformats.org/officeDocument/2006/relationships" xmlns:p="http://schemas.openxmlformats.org/presentationml/2006/main">
         <p:nvPicPr>
-          <p:cNvPr id="3" name="Content Placeholder 2"/>
+          <p:cNvPr id="3" name="Content Placeholder 2" descr=""/>
           <p:cNvPicPr>
             <a:picLocks noGrp="1"/>
           </p:cNvPicPr>
@@ -8321,7 +8507,7 @@
       </p:sp>
       <p:pic xmlns:a="http://schemas.openxmlformats.org/drawingml/2006/main" xmlns:r="http://schemas.openxmlformats.org/officeDocument/2006/relationships" xmlns:p="http://schemas.openxmlformats.org/presentationml/2006/main">
         <p:nvPicPr>
-          <p:cNvPr id="5" name="Content Placeholder 3"/>
+          <p:cNvPr id="5" name="Content Placeholder 3" descr=""/>
           <p:cNvPicPr>
             <a:picLocks noGrp="1"/>
           </p:cNvPicPr>
@@ -8394,7 +8580,7 @@
           <a:p>
             <a:r>
               <a:rPr/>
-              <a:t>IQSlidedeck_IQRobjects.R | Date: 2021-10-15 12:45:48</a:t>
+              <a:t>IQSlidedeck_IQRobjects.R | Date: 2022-03-29 18:36:10</a:t>
             </a:r>
           </a:p>
         </p:txBody>
@@ -8506,7 +8692,7 @@
           <a:p>
             <a:r>
               <a:rPr/>
-              <a:t>script_IQSlidedeck.R | Date: 2021-10-15 12:45:13</a:t>
+              <a:t>script_IQSlidedeck.R | Date: 2022-03-29 18:35:31</a:t>
             </a:r>
           </a:p>
         </p:txBody>
@@ -8650,7 +8836,7 @@
       </p:sp>
       <p:pic xmlns:a="http://schemas.openxmlformats.org/drawingml/2006/main" xmlns:r="http://schemas.openxmlformats.org/officeDocument/2006/relationships" xmlns:p="http://schemas.openxmlformats.org/presentationml/2006/main">
         <p:nvPicPr>
-          <p:cNvPr id="4" name="Content Placeholder 3"/>
+          <p:cNvPr id="4" name="Content Placeholder 3" descr=""/>
           <p:cNvPicPr>
             <a:picLocks noGrp="1"/>
           </p:cNvPicPr>
@@ -8723,7 +8909,7 @@
           <a:p>
             <a:r>
               <a:rPr/>
-              <a:t>script_IQSlidedeck.R | Date: 2021-10-15 12:45:13</a:t>
+              <a:t>script_IQSlidedeck.R | Date: 2022-03-29 18:35:31</a:t>
             </a:r>
           </a:p>
         </p:txBody>
@@ -8782,7 +8968,7 @@
       </p:sp>
       <p:pic xmlns:a="http://schemas.openxmlformats.org/drawingml/2006/main" xmlns:r="http://schemas.openxmlformats.org/officeDocument/2006/relationships" xmlns:p="http://schemas.openxmlformats.org/presentationml/2006/main">
         <p:nvPicPr>
-          <p:cNvPr id="3" name="Content Placeholder 2"/>
+          <p:cNvPr id="3" name="Content Placeholder 2" descr=""/>
           <p:cNvPicPr>
             <a:picLocks noGrp="1"/>
           </p:cNvPicPr>
@@ -8828,7 +9014,7 @@
           <a:p>
             <a:r>
               <a:rPr/>
-              <a:t>script_IQSlidedeck.R | Date: 2021-10-15 12:45:16</a:t>
+              <a:t>script_IQSlidedeck.R | Date: 2022-03-29 18:35:36</a:t>
             </a:r>
           </a:p>
         </p:txBody>
@@ -8887,7 +9073,7 @@
       </p:sp>
       <p:pic xmlns:a="http://schemas.openxmlformats.org/drawingml/2006/main" xmlns:r="http://schemas.openxmlformats.org/officeDocument/2006/relationships" xmlns:p="http://schemas.openxmlformats.org/presentationml/2006/main">
         <p:nvPicPr>
-          <p:cNvPr id="3" name="Content Placeholder 2"/>
+          <p:cNvPr id="3" name="Content Placeholder 2" descr=""/>
           <p:cNvPicPr>
             <a:picLocks noGrp="1"/>
           </p:cNvPicPr>
@@ -8933,7 +9119,7 @@
           <a:p>
             <a:r>
               <a:rPr/>
-              <a:t>script_IQSlidedeck.R | Date: 2021-10-15 12:45:17</a:t>
+              <a:t>script_IQSlidedeck.R | Date: 2022-03-29 18:35:37</a:t>
             </a:r>
           </a:p>
         </p:txBody>
@@ -8992,7 +9178,7 @@
       </p:sp>
       <p:pic xmlns:a="http://schemas.openxmlformats.org/drawingml/2006/main" xmlns:r="http://schemas.openxmlformats.org/officeDocument/2006/relationships" xmlns:p="http://schemas.openxmlformats.org/presentationml/2006/main">
         <p:nvPicPr>
-          <p:cNvPr id="3" name="Content Placeholder 2"/>
+          <p:cNvPr id="3" name="Content Placeholder 2" descr=""/>
           <p:cNvPicPr>
             <a:picLocks noGrp="1"/>
           </p:cNvPicPr>
@@ -9038,7 +9224,7 @@
           <a:p>
             <a:r>
               <a:rPr/>
-              <a:t>script_IQSlidedeck.R | Date: 2021-10-15 12:45:23</a:t>
+              <a:t>script_IQSlidedeck.R | Date: 2022-03-29 18:35:42</a:t>
             </a:r>
           </a:p>
         </p:txBody>

--- a/tests/testresults/script_IQSlidedeck_IQobjects_Default_4_3.pptx
+++ b/tests/testresults/script_IQSlidedeck_IQobjects_Default_4_3.pptx
@@ -5649,7 +5649,7 @@
               <a:rPr/>
               <a:t>IQR Objects
 Daniel Kaschek, IntiQuan
-2022-03-29</a:t>
+2022-03-30</a:t>
             </a:r>
           </a:p>
         </p:txBody>
@@ -5787,7 +5787,7 @@
           <a:p>
             <a:r>
               <a:rPr/>
-              <a:t>script_IQSlidedeck.R | Date: 2022-03-29 18:35:32</a:t>
+              <a:t>script_IQSlidedeck.R | Date: 2022-03-30 13:33:14</a:t>
             </a:r>
           </a:p>
         </p:txBody>
@@ -6155,7 +6155,7 @@
           <a:p>
             <a:r>
               <a:rPr/>
-              <a:t>script_IQSlidedeck.R | Date: 2022-03-29 18:35:34</a:t>
+              <a:t>script_IQSlidedeck.R | Date: 2022-03-30 13:33:15</a:t>
             </a:r>
           </a:p>
         </p:txBody>
@@ -6523,7 +6523,7 @@
           <a:p>
             <a:r>
               <a:rPr/>
-              <a:t>script_IQSlidedeck.R | Date: 2022-03-29 18:35:35</a:t>
+              <a:t>script_IQSlidedeck.R | Date: 2022-03-30 13:33:16</a:t>
             </a:r>
           </a:p>
         </p:txBody>
@@ -6961,7 +6961,7 @@
           <a:p>
             <a:r>
               <a:rPr/>
-              <a:t>IQSlidedeck_IQRobjects.R | Date: 2022-03-29 18:36:04</a:t>
+              <a:t>IQSlidedeck_IQRobjects.R | Date: 2022-03-30 13:33:43</a:t>
             </a:r>
           </a:p>
         </p:txBody>
@@ -7347,7 +7347,7 @@
           <a:p>
             <a:r>
               <a:rPr/>
-              <a:t>IQSlidedeck_IQRobjects.R | Date: 2022-03-29 18:36:04</a:t>
+              <a:t>IQSlidedeck_IQRobjects.R | Date: 2022-03-30 13:33:43</a:t>
             </a:r>
           </a:p>
         </p:txBody>
@@ -7733,7 +7733,7 @@
           <a:p>
             <a:r>
               <a:rPr/>
-              <a:t>IQSlidedeck_IQRobjects.R | Date: 2022-03-29 18:36:04</a:t>
+              <a:t>IQSlidedeck_IQRobjects.R | Date: 2022-03-30 13:33:43</a:t>
             </a:r>
           </a:p>
         </p:txBody>
@@ -8078,7 +8078,7 @@
           <a:p>
             <a:r>
               <a:rPr/>
-              <a:t>IQSlidedeck_IQRobjects.R | Date: 2022-03-29 18:36:05</a:t>
+              <a:t>IQSlidedeck_IQRobjects.R | Date: 2022-03-30 13:33:44</a:t>
             </a:r>
           </a:p>
         </p:txBody>
@@ -8210,7 +8210,7 @@
           <a:p>
             <a:r>
               <a:rPr/>
-              <a:t>IQSlidedeck_IQRobjects.R | Date: 2022-03-29 18:36:07</a:t>
+              <a:t>IQSlidedeck_IQRobjects.R | Date: 2022-03-30 13:33:46</a:t>
             </a:r>
           </a:p>
         </p:txBody>
@@ -8343,7 +8343,7 @@
           <a:p>
             <a:r>
               <a:rPr/>
-              <a:t>IQSlidedeck_IQRobjects.R | Date: 2022-03-29 18:36:08</a:t>
+              <a:t>IQSlidedeck_IQRobjects.R | Date: 2022-03-30 13:33:48</a:t>
             </a:r>
           </a:p>
         </p:txBody>
@@ -8580,7 +8580,7 @@
           <a:p>
             <a:r>
               <a:rPr/>
-              <a:t>IQSlidedeck_IQRobjects.R | Date: 2022-03-29 18:36:10</a:t>
+              <a:t>IQSlidedeck_IQRobjects.R | Date: 2022-03-30 13:33:49</a:t>
             </a:r>
           </a:p>
         </p:txBody>
@@ -8692,7 +8692,7 @@
           <a:p>
             <a:r>
               <a:rPr/>
-              <a:t>script_IQSlidedeck.R | Date: 2022-03-29 18:35:31</a:t>
+              <a:t>script_IQSlidedeck.R | Date: 2022-03-30 13:33:13</a:t>
             </a:r>
           </a:p>
         </p:txBody>
@@ -8909,7 +8909,7 @@
           <a:p>
             <a:r>
               <a:rPr/>
-              <a:t>script_IQSlidedeck.R | Date: 2022-03-29 18:35:31</a:t>
+              <a:t>script_IQSlidedeck.R | Date: 2022-03-30 13:33:13</a:t>
             </a:r>
           </a:p>
         </p:txBody>
@@ -9014,7 +9014,7 @@
           <a:p>
             <a:r>
               <a:rPr/>
-              <a:t>script_IQSlidedeck.R | Date: 2022-03-29 18:35:36</a:t>
+              <a:t>script_IQSlidedeck.R | Date: 2022-03-30 13:33:17</a:t>
             </a:r>
           </a:p>
         </p:txBody>
@@ -9119,7 +9119,7 @@
           <a:p>
             <a:r>
               <a:rPr/>
-              <a:t>script_IQSlidedeck.R | Date: 2022-03-29 18:35:37</a:t>
+              <a:t>script_IQSlidedeck.R | Date: 2022-03-30 13:33:18</a:t>
             </a:r>
           </a:p>
         </p:txBody>
@@ -9224,7 +9224,7 @@
           <a:p>
             <a:r>
               <a:rPr/>
-              <a:t>script_IQSlidedeck.R | Date: 2022-03-29 18:35:42</a:t>
+              <a:t>script_IQSlidedeck.R | Date: 2022-03-30 13:33:23</a:t>
             </a:r>
           </a:p>
         </p:txBody>

--- a/tests/testresults/script_IQSlidedeck_IQobjects_Default_4_3.pptx
+++ b/tests/testresults/script_IQSlidedeck_IQobjects_Default_4_3.pptx
@@ -25,6 +25,11 @@
     <p:sldId id="273" r:id="rId23"/>
     <p:sldId id="274" r:id="rId24"/>
     <p:sldId id="275" r:id="rId25"/>
+    <p:sldId id="276" r:id="rId26"/>
+    <p:sldId id="277" r:id="rId27"/>
+    <p:sldId id="278" r:id="rId28"/>
+    <p:sldId id="279" r:id="rId29"/>
+    <p:sldId id="280" r:id="rId30"/>
   </p:sldIdLst>
   <p:sldSz cx="9144000" cy="6858000" type="screen4x3"/>
   <p:notesSz cx="6858000" cy="9144000"/>
@@ -289,7 +294,7 @@
           <a:p>
             <a:fld id="{7B272C57-2FA0-4A9D-99A4-6F756B65018B}" type="datetimeFigureOut">
               <a:rPr lang="en-US" smtClean="0"/>
-              <a:t>1/7/2022</a:t>
+              <a:t>5/17/2022</a:t>
             </a:fld>
             <a:endParaRPr lang="en-US"/>
           </a:p>
@@ -363,6 +368,380 @@
 </file>
 
 <file path=ppt/slideLayouts/slideLayout10.xml><?xml version="1.0" encoding="utf-8"?>
+<p:sldLayout xmlns:a="http://schemas.openxmlformats.org/drawingml/2006/main" xmlns:r="http://schemas.openxmlformats.org/officeDocument/2006/relationships" xmlns:p="http://schemas.openxmlformats.org/presentationml/2006/main" preserve="1" userDrawn="1">
+  <p:cSld name="Two Content and Caption Left">
+    <p:bg>
+      <p:bgPr>
+        <a:solidFill>
+          <a:schemeClr val="bg1"/>
+        </a:solidFill>
+        <a:effectLst/>
+      </p:bgPr>
+    </p:bg>
+    <p:spTree>
+      <p:nvGrpSpPr>
+        <p:cNvPr id="1" name=""/>
+        <p:cNvGrpSpPr/>
+        <p:nvPr/>
+      </p:nvGrpSpPr>
+      <p:grpSpPr>
+        <a:xfrm>
+          <a:off x="0" y="0"/>
+          <a:ext cx="0" cy="0"/>
+          <a:chOff x="0" y="0"/>
+          <a:chExt cx="0" cy="0"/>
+        </a:xfrm>
+      </p:grpSpPr>
+      <p:sp>
+        <p:nvSpPr>
+          <p:cNvPr id="5" name="Date Placeholder 4">
+            <a:extLst>
+              <a:ext uri="{FF2B5EF4-FFF2-40B4-BE49-F238E27FC236}">
+                <a16:creationId xmlns:a16="http://schemas.microsoft.com/office/drawing/2014/main" id="{985F3433-3055-4279-A232-CDB35C481677}"/>
+              </a:ext>
+            </a:extLst>
+          </p:cNvPr>
+          <p:cNvSpPr>
+            <a:spLocks noGrp="1"/>
+          </p:cNvSpPr>
+          <p:nvPr>
+            <p:ph type="dt" sz="half" idx="10"/>
+          </p:nvPr>
+        </p:nvSpPr>
+        <p:spPr/>
+        <p:txBody>
+          <a:bodyPr/>
+          <a:lstStyle/>
+          <a:p>
+            <a:fld id="{7B272C57-2FA0-4A9D-99A4-6F756B65018B}" type="datetimeFigureOut">
+              <a:rPr lang="en-US" smtClean="0"/>
+              <a:t>5/17/2022</a:t>
+            </a:fld>
+            <a:endParaRPr lang="en-US"/>
+          </a:p>
+        </p:txBody>
+      </p:sp>
+      <p:sp>
+        <p:nvSpPr>
+          <p:cNvPr id="6" name="Footer Placeholder 5">
+            <a:extLst>
+              <a:ext uri="{FF2B5EF4-FFF2-40B4-BE49-F238E27FC236}">
+                <a16:creationId xmlns:a16="http://schemas.microsoft.com/office/drawing/2014/main" id="{C4190A63-5D67-4FD5-97FD-79F7445B6A2E}"/>
+              </a:ext>
+            </a:extLst>
+          </p:cNvPr>
+          <p:cNvSpPr>
+            <a:spLocks noGrp="1"/>
+          </p:cNvSpPr>
+          <p:nvPr>
+            <p:ph type="ftr" sz="quarter" idx="11"/>
+          </p:nvPr>
+        </p:nvSpPr>
+        <p:spPr/>
+        <p:txBody>
+          <a:bodyPr/>
+          <a:lstStyle/>
+          <a:p>
+            <a:endParaRPr lang="en-US"/>
+          </a:p>
+        </p:txBody>
+      </p:sp>
+      <p:sp>
+        <p:nvSpPr>
+          <p:cNvPr id="7" name="Slide Number Placeholder 6">
+            <a:extLst>
+              <a:ext uri="{FF2B5EF4-FFF2-40B4-BE49-F238E27FC236}">
+                <a16:creationId xmlns:a16="http://schemas.microsoft.com/office/drawing/2014/main" id="{D2687DAE-A442-4DC3-8550-20F58B781EC7}"/>
+              </a:ext>
+            </a:extLst>
+          </p:cNvPr>
+          <p:cNvSpPr>
+            <a:spLocks noGrp="1"/>
+          </p:cNvSpPr>
+          <p:nvPr>
+            <p:ph type="sldNum" sz="quarter" idx="12"/>
+          </p:nvPr>
+        </p:nvSpPr>
+        <p:spPr/>
+        <p:txBody>
+          <a:bodyPr/>
+          <a:lstStyle/>
+          <a:p>
+            <a:fld id="{C064A79B-B315-413E-88BB-EFE0B5D603D0}" type="slidenum">
+              <a:rPr lang="en-US" smtClean="0"/>
+              <a:t>‹#›</a:t>
+            </a:fld>
+            <a:endParaRPr lang="en-US"/>
+          </a:p>
+        </p:txBody>
+      </p:sp>
+      <p:sp>
+        <p:nvSpPr>
+          <p:cNvPr id="9" name="Title 1">
+            <a:extLst>
+              <a:ext uri="{FF2B5EF4-FFF2-40B4-BE49-F238E27FC236}">
+                <a16:creationId xmlns:a16="http://schemas.microsoft.com/office/drawing/2014/main" id="{177E17F1-D3B2-42A6-9982-8788655386CF}"/>
+              </a:ext>
+            </a:extLst>
+          </p:cNvPr>
+          <p:cNvSpPr>
+            <a:spLocks noGrp="1"/>
+          </p:cNvSpPr>
+          <p:nvPr>
+            <p:ph type="title"/>
+          </p:nvPr>
+        </p:nvSpPr>
+        <p:spPr>
+          <a:xfrm>
+            <a:off x="0" y="1"/>
+            <a:ext cx="9144000" cy="1013635"/>
+          </a:xfrm>
+          <a:solidFill>
+            <a:srgbClr val="2E3640"/>
+          </a:solidFill>
+        </p:spPr>
+        <p:txBody>
+          <a:bodyPr/>
+          <a:lstStyle>
+            <a:lvl1pPr>
+              <a:defRPr lang="en-US" dirty="0"/>
+            </a:lvl1pPr>
+          </a:lstStyle>
+          <a:p>
+            <a:r>
+              <a:rPr lang="en-US" dirty="0"/>
+              <a:t>Click to edit Master title style</a:t>
+            </a:r>
+          </a:p>
+        </p:txBody>
+      </p:sp>
+      <p:sp>
+        <p:nvSpPr>
+          <p:cNvPr id="10" name="Content Placeholder 2">
+            <a:extLst>
+              <a:ext uri="{FF2B5EF4-FFF2-40B4-BE49-F238E27FC236}">
+                <a16:creationId xmlns:a16="http://schemas.microsoft.com/office/drawing/2014/main" id="{F1A58CC4-526C-4991-898F-C0879D5343E8}"/>
+              </a:ext>
+            </a:extLst>
+          </p:cNvPr>
+          <p:cNvSpPr>
+            <a:spLocks noGrp="1"/>
+          </p:cNvSpPr>
+          <p:nvPr>
+            <p:ph sz="half" idx="1"/>
+          </p:nvPr>
+        </p:nvSpPr>
+        <p:spPr>
+          <a:xfrm>
+            <a:off x="187891" y="1205547"/>
+            <a:ext cx="5545252" cy="4446906"/>
+          </a:xfrm>
+        </p:spPr>
+        <p:txBody>
+          <a:bodyPr/>
+          <a:lstStyle/>
+          <a:p>
+            <a:pPr lvl="0"/>
+            <a:r>
+              <a:rPr lang="en-US"/>
+              <a:t>Click to edit Master text styles</a:t>
+            </a:r>
+          </a:p>
+          <a:p>
+            <a:pPr lvl="1"/>
+            <a:r>
+              <a:rPr lang="en-US"/>
+              <a:t>Second level</a:t>
+            </a:r>
+          </a:p>
+          <a:p>
+            <a:pPr lvl="2"/>
+            <a:r>
+              <a:rPr lang="en-US"/>
+              <a:t>Third level</a:t>
+            </a:r>
+          </a:p>
+          <a:p>
+            <a:pPr lvl="3"/>
+            <a:r>
+              <a:rPr lang="en-US"/>
+              <a:t>Fourth level</a:t>
+            </a:r>
+          </a:p>
+          <a:p>
+            <a:pPr lvl="4"/>
+            <a:r>
+              <a:rPr lang="en-US"/>
+              <a:t>Fifth level</a:t>
+            </a:r>
+          </a:p>
+        </p:txBody>
+      </p:sp>
+      <p:sp>
+        <p:nvSpPr>
+          <p:cNvPr id="11" name="Content Placeholder 3">
+            <a:extLst>
+              <a:ext uri="{FF2B5EF4-FFF2-40B4-BE49-F238E27FC236}">
+                <a16:creationId xmlns:a16="http://schemas.microsoft.com/office/drawing/2014/main" id="{CB008E43-F727-4C47-9855-9440A412ACCB}"/>
+              </a:ext>
+            </a:extLst>
+          </p:cNvPr>
+          <p:cNvSpPr>
+            <a:spLocks noGrp="1"/>
+          </p:cNvSpPr>
+          <p:nvPr>
+            <p:ph sz="half" idx="2"/>
+          </p:nvPr>
+        </p:nvSpPr>
+        <p:spPr>
+          <a:xfrm>
+            <a:off x="5834743" y="1205548"/>
+            <a:ext cx="3090052" cy="5021670"/>
+          </a:xfrm>
+        </p:spPr>
+        <p:txBody>
+          <a:bodyPr/>
+          <a:lstStyle/>
+          <a:p>
+            <a:pPr lvl="0"/>
+            <a:r>
+              <a:rPr lang="en-US"/>
+              <a:t>Click to edit Master text styles</a:t>
+            </a:r>
+          </a:p>
+          <a:p>
+            <a:pPr lvl="1"/>
+            <a:r>
+              <a:rPr lang="en-US"/>
+              <a:t>Second level</a:t>
+            </a:r>
+          </a:p>
+          <a:p>
+            <a:pPr lvl="2"/>
+            <a:r>
+              <a:rPr lang="en-US"/>
+              <a:t>Third level</a:t>
+            </a:r>
+          </a:p>
+          <a:p>
+            <a:pPr lvl="3"/>
+            <a:r>
+              <a:rPr lang="en-US"/>
+              <a:t>Fourth level</a:t>
+            </a:r>
+          </a:p>
+          <a:p>
+            <a:pPr lvl="4"/>
+            <a:r>
+              <a:rPr lang="en-US"/>
+              <a:t>Fifth level</a:t>
+            </a:r>
+          </a:p>
+        </p:txBody>
+      </p:sp>
+      <p:sp>
+        <p:nvSpPr>
+          <p:cNvPr id="3" name="Text Placeholder 2">
+            <a:extLst>
+              <a:ext uri="{FF2B5EF4-FFF2-40B4-BE49-F238E27FC236}">
+                <a16:creationId xmlns:a16="http://schemas.microsoft.com/office/drawing/2014/main" id="{B6810FF5-0B9C-4441-B73D-B10146FB8996}"/>
+              </a:ext>
+            </a:extLst>
+          </p:cNvPr>
+          <p:cNvSpPr>
+            <a:spLocks noGrp="1"/>
+          </p:cNvSpPr>
+          <p:nvPr>
+            <p:ph type="body" sz="quarter" idx="13"/>
+          </p:nvPr>
+        </p:nvSpPr>
+        <p:spPr>
+          <a:xfrm>
+            <a:off x="187891" y="5781584"/>
+            <a:ext cx="5545252" cy="445634"/>
+          </a:xfrm>
+        </p:spPr>
+        <p:txBody>
+          <a:bodyPr/>
+          <a:lstStyle>
+            <a:lvl1pPr marL="0" indent="0">
+              <a:buFont typeface="Arial" panose="020B0604020202020204" pitchFamily="34" charset="0"/>
+              <a:buNone/>
+              <a:defRPr sz="900"/>
+            </a:lvl1pPr>
+            <a:lvl2pPr marL="342900" indent="0">
+              <a:buFont typeface="Arial" panose="020B0604020202020204" pitchFamily="34" charset="0"/>
+              <a:buNone/>
+              <a:defRPr sz="825"/>
+            </a:lvl2pPr>
+            <a:lvl3pPr marL="685800" indent="0">
+              <a:buFont typeface="Arial" panose="020B0604020202020204" pitchFamily="34" charset="0"/>
+              <a:buNone/>
+              <a:defRPr sz="788"/>
+            </a:lvl3pPr>
+            <a:lvl4pPr marL="1028700" indent="0">
+              <a:buFont typeface="Arial" panose="020B0604020202020204" pitchFamily="34" charset="0"/>
+              <a:buNone/>
+              <a:defRPr sz="750"/>
+            </a:lvl4pPr>
+            <a:lvl5pPr marL="1371600" indent="0">
+              <a:buFont typeface="Arial" panose="020B0604020202020204" pitchFamily="34" charset="0"/>
+              <a:buNone/>
+              <a:defRPr sz="750"/>
+            </a:lvl5pPr>
+          </a:lstStyle>
+          <a:p>
+            <a:pPr lvl="0"/>
+            <a:r>
+              <a:rPr lang="en-US" dirty="0"/>
+              <a:t>Click to edit Master text styles</a:t>
+            </a:r>
+          </a:p>
+          <a:p>
+            <a:pPr lvl="1"/>
+            <a:r>
+              <a:rPr lang="en-US" dirty="0"/>
+              <a:t>Second level</a:t>
+            </a:r>
+          </a:p>
+          <a:p>
+            <a:pPr lvl="2"/>
+            <a:r>
+              <a:rPr lang="en-US" dirty="0"/>
+              <a:t>Third level</a:t>
+            </a:r>
+          </a:p>
+          <a:p>
+            <a:pPr lvl="3"/>
+            <a:r>
+              <a:rPr lang="en-US" dirty="0"/>
+              <a:t>Fourth level</a:t>
+            </a:r>
+          </a:p>
+          <a:p>
+            <a:pPr lvl="4"/>
+            <a:r>
+              <a:rPr lang="en-US" dirty="0"/>
+              <a:t>Fifth level</a:t>
+            </a:r>
+            <a:endParaRPr lang="en-CH" dirty="0"/>
+          </a:p>
+        </p:txBody>
+      </p:sp>
+    </p:spTree>
+    <p:extLst>
+      <p:ext uri="{BB962C8B-B14F-4D97-AF65-F5344CB8AC3E}">
+        <p14:creationId xmlns:p14="http://schemas.microsoft.com/office/powerpoint/2010/main" val="3059227006"/>
+      </p:ext>
+    </p:extLst>
+  </p:cSld>
+  <p:clrMapOvr>
+    <a:masterClrMapping/>
+  </p:clrMapOvr>
+</p:sldLayout>
+</file>
+
+<file path=ppt/slideLayouts/slideLayout11.xml><?xml version="1.0" encoding="utf-8"?>
 <p:sldLayout xmlns:a="http://schemas.openxmlformats.org/drawingml/2006/main" xmlns:r="http://schemas.openxmlformats.org/officeDocument/2006/relationships" xmlns:p="http://schemas.openxmlformats.org/presentationml/2006/main" preserve="1" userDrawn="1">
   <p:cSld name="Two Content and Caption">
     <p:bg>
@@ -410,7 +789,7 @@
           <a:p>
             <a:fld id="{7B272C57-2FA0-4A9D-99A4-6F756B65018B}" type="datetimeFigureOut">
               <a:rPr lang="en-US" smtClean="0"/>
-              <a:t>1/7/2022</a:t>
+              <a:t>5/17/2022</a:t>
             </a:fld>
             <a:endParaRPr lang="en-US"/>
           </a:p>
@@ -827,7 +1206,7 @@
 </p:sldLayout>
 </file>
 
-<file path=ppt/slideLayouts/slideLayout11.xml><?xml version="1.0" encoding="utf-8"?>
+<file path=ppt/slideLayouts/slideLayout12.xml><?xml version="1.0" encoding="utf-8"?>
 <p:sldLayout xmlns:a="http://schemas.openxmlformats.org/drawingml/2006/main" xmlns:r="http://schemas.openxmlformats.org/officeDocument/2006/relationships" xmlns:p="http://schemas.openxmlformats.org/presentationml/2006/main" type="twoTxTwoObj" preserve="1">
   <p:cSld name="Comparison">
     <p:spTree>
@@ -1166,7 +1545,7 @@
           <a:p>
             <a:fld id="{7B272C57-2FA0-4A9D-99A4-6F756B65018B}" type="datetimeFigureOut">
               <a:rPr lang="en-US" smtClean="0"/>
-              <a:t>1/7/2022</a:t>
+              <a:t>5/17/2022</a:t>
             </a:fld>
             <a:endParaRPr lang="en-US"/>
           </a:p>
@@ -1239,7 +1618,7 @@
 </p:sldLayout>
 </file>
 
-<file path=ppt/slideLayouts/slideLayout12.xml><?xml version="1.0" encoding="utf-8"?>
+<file path=ppt/slideLayouts/slideLayout13.xml><?xml version="1.0" encoding="utf-8"?>
 <p:sldLayout xmlns:a="http://schemas.openxmlformats.org/drawingml/2006/main" xmlns:r="http://schemas.openxmlformats.org/officeDocument/2006/relationships" xmlns:p="http://schemas.openxmlformats.org/presentationml/2006/main" type="titleOnly" preserve="1">
   <p:cSld name="Title Only">
     <p:spTree>
@@ -1323,7 +1702,7 @@
           <a:p>
             <a:fld id="{7B272C57-2FA0-4A9D-99A4-6F756B65018B}" type="datetimeFigureOut">
               <a:rPr lang="en-US" smtClean="0"/>
-              <a:t>1/7/2022</a:t>
+              <a:t>5/17/2022</a:t>
             </a:fld>
             <a:endParaRPr lang="en-US"/>
           </a:p>
@@ -1396,7 +1775,7 @@
 </p:sldLayout>
 </file>
 
-<file path=ppt/slideLayouts/slideLayout13.xml><?xml version="1.0" encoding="utf-8"?>
+<file path=ppt/slideLayouts/slideLayout14.xml><?xml version="1.0" encoding="utf-8"?>
 <p:sldLayout xmlns:a="http://schemas.openxmlformats.org/drawingml/2006/main" xmlns:r="http://schemas.openxmlformats.org/officeDocument/2006/relationships" xmlns:p="http://schemas.openxmlformats.org/presentationml/2006/main" type="blank" preserve="1">
   <p:cSld name="Blank">
     <p:spTree>
@@ -1436,7 +1815,7 @@
           <a:p>
             <a:fld id="{7B272C57-2FA0-4A9D-99A4-6F756B65018B}" type="datetimeFigureOut">
               <a:rPr lang="en-US" smtClean="0"/>
-              <a:t>1/7/2022</a:t>
+              <a:t>5/17/2022</a:t>
             </a:fld>
             <a:endParaRPr lang="en-US"/>
           </a:p>
@@ -1509,7 +1888,7 @@
 </p:sldLayout>
 </file>
 
-<file path=ppt/slideLayouts/slideLayout14.xml><?xml version="1.0" encoding="utf-8"?>
+<file path=ppt/slideLayouts/slideLayout15.xml><?xml version="1.0" encoding="utf-8"?>
 <p:sldLayout xmlns:a="http://schemas.openxmlformats.org/drawingml/2006/main" xmlns:r="http://schemas.openxmlformats.org/officeDocument/2006/relationships" xmlns:p="http://schemas.openxmlformats.org/presentationml/2006/main" type="objTx" preserve="1">
   <p:cSld name="Content with Caption">
     <p:spTree>
@@ -1747,7 +2126,7 @@
           <a:p>
             <a:fld id="{7B272C57-2FA0-4A9D-99A4-6F756B65018B}" type="datetimeFigureOut">
               <a:rPr lang="en-US" smtClean="0"/>
-              <a:t>1/7/2022</a:t>
+              <a:t>5/17/2022</a:t>
             </a:fld>
             <a:endParaRPr lang="en-US"/>
           </a:p>
@@ -1820,7 +2199,7 @@
 </p:sldLayout>
 </file>
 
-<file path=ppt/slideLayouts/slideLayout15.xml><?xml version="1.0" encoding="utf-8"?>
+<file path=ppt/slideLayouts/slideLayout16.xml><?xml version="1.0" encoding="utf-8"?>
 <p:sldLayout xmlns:a="http://schemas.openxmlformats.org/drawingml/2006/main" xmlns:r="http://schemas.openxmlformats.org/officeDocument/2006/relationships" xmlns:p="http://schemas.openxmlformats.org/presentationml/2006/main" type="picTx" preserve="1">
   <p:cSld name="Picture with Caption">
     <p:spTree>
@@ -2035,7 +2414,7 @@
           <a:p>
             <a:fld id="{7B272C57-2FA0-4A9D-99A4-6F756B65018B}" type="datetimeFigureOut">
               <a:rPr lang="en-US" smtClean="0"/>
-              <a:t>1/7/2022</a:t>
+              <a:t>5/17/2022</a:t>
             </a:fld>
             <a:endParaRPr lang="en-US"/>
           </a:p>
@@ -2108,7 +2487,7 @@
 </p:sldLayout>
 </file>
 
-<file path=ppt/slideLayouts/slideLayout16.xml><?xml version="1.0" encoding="utf-8"?>
+<file path=ppt/slideLayouts/slideLayout17.xml><?xml version="1.0" encoding="utf-8"?>
 <p:sldLayout xmlns:a="http://schemas.openxmlformats.org/drawingml/2006/main" xmlns:r="http://schemas.openxmlformats.org/officeDocument/2006/relationships" xmlns:p="http://schemas.openxmlformats.org/presentationml/2006/main" type="vertTx" preserve="1">
   <p:cSld name="Title and Vertical Text">
     <p:spTree>
@@ -2233,7 +2612,7 @@
           <a:p>
             <a:fld id="{7B272C57-2FA0-4A9D-99A4-6F756B65018B}" type="datetimeFigureOut">
               <a:rPr lang="en-US" smtClean="0"/>
-              <a:t>1/7/2022</a:t>
+              <a:t>5/17/2022</a:t>
             </a:fld>
             <a:endParaRPr lang="en-US"/>
           </a:p>
@@ -2306,7 +2685,7 @@
 </p:sldLayout>
 </file>
 
-<file path=ppt/slideLayouts/slideLayout17.xml><?xml version="1.0" encoding="utf-8"?>
+<file path=ppt/slideLayouts/slideLayout18.xml><?xml version="1.0" encoding="utf-8"?>
 <p:sldLayout xmlns:a="http://schemas.openxmlformats.org/drawingml/2006/main" xmlns:r="http://schemas.openxmlformats.org/officeDocument/2006/relationships" xmlns:p="http://schemas.openxmlformats.org/presentationml/2006/main" type="vertTitleAndTx" preserve="1">
   <p:cSld name="Vertical Title and Text">
     <p:spTree>
@@ -2441,7 +2820,7 @@
           <a:p>
             <a:fld id="{7B272C57-2FA0-4A9D-99A4-6F756B65018B}" type="datetimeFigureOut">
               <a:rPr lang="en-US" smtClean="0"/>
-              <a:t>1/7/2022</a:t>
+              <a:t>5/17/2022</a:t>
             </a:fld>
             <a:endParaRPr lang="en-US"/>
           </a:p>
@@ -2644,7 +3023,7 @@
           <a:p>
             <a:fld id="{7B272C57-2FA0-4A9D-99A4-6F756B65018B}" type="datetimeFigureOut">
               <a:rPr lang="en-US" smtClean="0"/>
-              <a:t>1/7/2022</a:t>
+              <a:t>5/17/2022</a:t>
             </a:fld>
             <a:endParaRPr lang="en-US"/>
           </a:p>
@@ -2852,7 +3231,7 @@
           <a:p>
             <a:fld id="{7B272C57-2FA0-4A9D-99A4-6F756B65018B}" type="datetimeFigureOut">
               <a:rPr lang="en-US" smtClean="0"/>
-              <a:t>1/7/2022</a:t>
+              <a:t>5/17/2022</a:t>
             </a:fld>
             <a:endParaRPr lang="en-US"/>
           </a:p>
@@ -3125,7 +3504,7 @@
           <a:p>
             <a:fld id="{7B272C57-2FA0-4A9D-99A4-6F756B65018B}" type="datetimeFigureOut">
               <a:rPr lang="en-US" smtClean="0"/>
-              <a:t>1/7/2022</a:t>
+              <a:t>5/17/2022</a:t>
             </a:fld>
             <a:endParaRPr lang="en-US"/>
           </a:p>
@@ -3419,7 +3798,7 @@
           <a:p>
             <a:fld id="{7B272C57-2FA0-4A9D-99A4-6F756B65018B}" type="datetimeFigureOut">
               <a:rPr lang="en-US" smtClean="0"/>
-              <a:t>1/7/2022</a:t>
+              <a:t>5/17/2022</a:t>
             </a:fld>
             <a:endParaRPr lang="en-US"/>
           </a:p>
@@ -3845,7 +4224,7 @@
           <a:p>
             <a:fld id="{7B272C57-2FA0-4A9D-99A4-6F756B65018B}" type="datetimeFigureOut">
               <a:rPr lang="en-US" smtClean="0"/>
-              <a:t>1/7/2022</a:t>
+              <a:t>5/17/2022</a:t>
             </a:fld>
             <a:endParaRPr lang="en-US"/>
           </a:p>
@@ -3966,7 +4345,7 @@
           <a:p>
             <a:fld id="{7B272C57-2FA0-4A9D-99A4-6F756B65018B}" type="datetimeFigureOut">
               <a:rPr lang="en-US" smtClean="0"/>
-              <a:t>1/7/2022</a:t>
+              <a:t>5/17/2022</a:t>
             </a:fld>
             <a:endParaRPr lang="en-US"/>
           </a:p>
@@ -4204,6 +4583,309 @@
 </file>
 
 <file path=ppt/slideLayouts/slideLayout8.xml><?xml version="1.0" encoding="utf-8"?>
+<p:sldLayout xmlns:a="http://schemas.openxmlformats.org/drawingml/2006/main" xmlns:r="http://schemas.openxmlformats.org/officeDocument/2006/relationships" xmlns:p="http://schemas.openxmlformats.org/presentationml/2006/main" preserve="1" userDrawn="1">
+  <p:cSld name="Two Content Right Bigger">
+    <p:bg>
+      <p:bgPr>
+        <a:solidFill>
+          <a:schemeClr val="bg1"/>
+        </a:solidFill>
+        <a:effectLst/>
+      </p:bgPr>
+    </p:bg>
+    <p:spTree>
+      <p:nvGrpSpPr>
+        <p:cNvPr id="1" name=""/>
+        <p:cNvGrpSpPr/>
+        <p:nvPr/>
+      </p:nvGrpSpPr>
+      <p:grpSpPr>
+        <a:xfrm>
+          <a:off x="0" y="0"/>
+          <a:ext cx="0" cy="0"/>
+          <a:chOff x="0" y="0"/>
+          <a:chExt cx="0" cy="0"/>
+        </a:xfrm>
+      </p:grpSpPr>
+      <p:sp>
+        <p:nvSpPr>
+          <p:cNvPr id="5" name="Date Placeholder 4">
+            <a:extLst>
+              <a:ext uri="{FF2B5EF4-FFF2-40B4-BE49-F238E27FC236}">
+                <a16:creationId xmlns:a16="http://schemas.microsoft.com/office/drawing/2014/main" id="{985F3433-3055-4279-A232-CDB35C481677}"/>
+              </a:ext>
+            </a:extLst>
+          </p:cNvPr>
+          <p:cNvSpPr>
+            <a:spLocks noGrp="1"/>
+          </p:cNvSpPr>
+          <p:nvPr>
+            <p:ph type="dt" sz="half" idx="10"/>
+          </p:nvPr>
+        </p:nvSpPr>
+        <p:spPr/>
+        <p:txBody>
+          <a:bodyPr/>
+          <a:lstStyle/>
+          <a:p>
+            <a:fld id="{7B272C57-2FA0-4A9D-99A4-6F756B65018B}" type="datetimeFigureOut">
+              <a:rPr lang="en-US" smtClean="0"/>
+              <a:t>5/17/2022</a:t>
+            </a:fld>
+            <a:endParaRPr lang="en-US"/>
+          </a:p>
+        </p:txBody>
+      </p:sp>
+      <p:sp>
+        <p:nvSpPr>
+          <p:cNvPr id="6" name="Footer Placeholder 5">
+            <a:extLst>
+              <a:ext uri="{FF2B5EF4-FFF2-40B4-BE49-F238E27FC236}">
+                <a16:creationId xmlns:a16="http://schemas.microsoft.com/office/drawing/2014/main" id="{C4190A63-5D67-4FD5-97FD-79F7445B6A2E}"/>
+              </a:ext>
+            </a:extLst>
+          </p:cNvPr>
+          <p:cNvSpPr>
+            <a:spLocks noGrp="1"/>
+          </p:cNvSpPr>
+          <p:nvPr>
+            <p:ph type="ftr" sz="quarter" idx="11"/>
+          </p:nvPr>
+        </p:nvSpPr>
+        <p:spPr/>
+        <p:txBody>
+          <a:bodyPr/>
+          <a:lstStyle/>
+          <a:p>
+            <a:endParaRPr lang="en-US"/>
+          </a:p>
+        </p:txBody>
+      </p:sp>
+      <p:sp>
+        <p:nvSpPr>
+          <p:cNvPr id="7" name="Slide Number Placeholder 6">
+            <a:extLst>
+              <a:ext uri="{FF2B5EF4-FFF2-40B4-BE49-F238E27FC236}">
+                <a16:creationId xmlns:a16="http://schemas.microsoft.com/office/drawing/2014/main" id="{D2687DAE-A442-4DC3-8550-20F58B781EC7}"/>
+              </a:ext>
+            </a:extLst>
+          </p:cNvPr>
+          <p:cNvSpPr>
+            <a:spLocks noGrp="1"/>
+          </p:cNvSpPr>
+          <p:nvPr>
+            <p:ph type="sldNum" sz="quarter" idx="12"/>
+          </p:nvPr>
+        </p:nvSpPr>
+        <p:spPr/>
+        <p:txBody>
+          <a:bodyPr/>
+          <a:lstStyle/>
+          <a:p>
+            <a:fld id="{C064A79B-B315-413E-88BB-EFE0B5D603D0}" type="slidenum">
+              <a:rPr lang="en-US" smtClean="0"/>
+              <a:t>‹#›</a:t>
+            </a:fld>
+            <a:endParaRPr lang="en-US"/>
+          </a:p>
+        </p:txBody>
+      </p:sp>
+      <p:sp>
+        <p:nvSpPr>
+          <p:cNvPr id="9" name="Title 1">
+            <a:extLst>
+              <a:ext uri="{FF2B5EF4-FFF2-40B4-BE49-F238E27FC236}">
+                <a16:creationId xmlns:a16="http://schemas.microsoft.com/office/drawing/2014/main" id="{177E17F1-D3B2-42A6-9982-8788655386CF}"/>
+              </a:ext>
+            </a:extLst>
+          </p:cNvPr>
+          <p:cNvSpPr>
+            <a:spLocks noGrp="1"/>
+          </p:cNvSpPr>
+          <p:nvPr>
+            <p:ph type="title"/>
+          </p:nvPr>
+        </p:nvSpPr>
+        <p:spPr>
+          <a:xfrm>
+            <a:off x="0" y="1"/>
+            <a:ext cx="9144000" cy="1013635"/>
+          </a:xfrm>
+          <a:solidFill>
+            <a:srgbClr val="2E3640"/>
+          </a:solidFill>
+        </p:spPr>
+        <p:txBody>
+          <a:bodyPr/>
+          <a:lstStyle>
+            <a:lvl1pPr>
+              <a:defRPr lang="en-US" dirty="0"/>
+            </a:lvl1pPr>
+          </a:lstStyle>
+          <a:p>
+            <a:r>
+              <a:rPr lang="en-US" dirty="0"/>
+              <a:t>Click to edit Master title style</a:t>
+            </a:r>
+          </a:p>
+        </p:txBody>
+      </p:sp>
+      <p:sp>
+        <p:nvSpPr>
+          <p:cNvPr id="10" name="Content Placeholder 2">
+            <a:extLst>
+              <a:ext uri="{FF2B5EF4-FFF2-40B4-BE49-F238E27FC236}">
+                <a16:creationId xmlns:a16="http://schemas.microsoft.com/office/drawing/2014/main" id="{F1A58CC4-526C-4991-898F-C0879D5343E8}"/>
+              </a:ext>
+            </a:extLst>
+          </p:cNvPr>
+          <p:cNvSpPr>
+            <a:spLocks noGrp="1"/>
+          </p:cNvSpPr>
+          <p:nvPr>
+            <p:ph sz="half" idx="1"/>
+          </p:nvPr>
+        </p:nvSpPr>
+        <p:spPr>
+          <a:xfrm>
+            <a:off x="187892" y="1205547"/>
+            <a:ext cx="2170133" cy="4971416"/>
+          </a:xfrm>
+        </p:spPr>
+        <p:txBody>
+          <a:bodyPr>
+            <a:normAutofit/>
+          </a:bodyPr>
+          <a:lstStyle>
+            <a:lvl1pPr>
+              <a:defRPr sz="1400"/>
+            </a:lvl1pPr>
+            <a:lvl2pPr>
+              <a:defRPr sz="1100"/>
+            </a:lvl2pPr>
+            <a:lvl3pPr>
+              <a:defRPr sz="1050"/>
+            </a:lvl3pPr>
+            <a:lvl4pPr>
+              <a:defRPr sz="1000"/>
+            </a:lvl4pPr>
+            <a:lvl5pPr>
+              <a:defRPr sz="1000"/>
+            </a:lvl5pPr>
+          </a:lstStyle>
+          <a:p>
+            <a:pPr lvl="0"/>
+            <a:r>
+              <a:rPr lang="en-US" dirty="0"/>
+              <a:t>Click to edit Master text styles</a:t>
+            </a:r>
+          </a:p>
+          <a:p>
+            <a:pPr lvl="1"/>
+            <a:r>
+              <a:rPr lang="en-US" dirty="0"/>
+              <a:t>Second level</a:t>
+            </a:r>
+          </a:p>
+          <a:p>
+            <a:pPr lvl="2"/>
+            <a:r>
+              <a:rPr lang="en-US" dirty="0"/>
+              <a:t>Third level</a:t>
+            </a:r>
+          </a:p>
+          <a:p>
+            <a:pPr lvl="3"/>
+            <a:r>
+              <a:rPr lang="en-US" dirty="0"/>
+              <a:t>Fourth level</a:t>
+            </a:r>
+          </a:p>
+          <a:p>
+            <a:pPr lvl="4"/>
+            <a:r>
+              <a:rPr lang="en-US" dirty="0"/>
+              <a:t>Fifth level</a:t>
+            </a:r>
+          </a:p>
+        </p:txBody>
+      </p:sp>
+      <p:sp>
+        <p:nvSpPr>
+          <p:cNvPr id="11" name="Content Placeholder 3">
+            <a:extLst>
+              <a:ext uri="{FF2B5EF4-FFF2-40B4-BE49-F238E27FC236}">
+                <a16:creationId xmlns:a16="http://schemas.microsoft.com/office/drawing/2014/main" id="{CB008E43-F727-4C47-9855-9440A412ACCB}"/>
+              </a:ext>
+            </a:extLst>
+          </p:cNvPr>
+          <p:cNvSpPr>
+            <a:spLocks noGrp="1"/>
+          </p:cNvSpPr>
+          <p:nvPr>
+            <p:ph sz="half" idx="2"/>
+          </p:nvPr>
+        </p:nvSpPr>
+        <p:spPr>
+          <a:xfrm>
+            <a:off x="2419004" y="1205547"/>
+            <a:ext cx="6505792" cy="4971416"/>
+          </a:xfrm>
+        </p:spPr>
+        <p:txBody>
+          <a:bodyPr/>
+          <a:lstStyle/>
+          <a:p>
+            <a:pPr lvl="0"/>
+            <a:r>
+              <a:rPr lang="en-US" dirty="0"/>
+              <a:t>Click to edit Master text styles</a:t>
+            </a:r>
+          </a:p>
+          <a:p>
+            <a:pPr lvl="1"/>
+            <a:r>
+              <a:rPr lang="en-US" dirty="0"/>
+              <a:t>Second level</a:t>
+            </a:r>
+          </a:p>
+          <a:p>
+            <a:pPr lvl="2"/>
+            <a:r>
+              <a:rPr lang="en-US" dirty="0"/>
+              <a:t>Third level</a:t>
+            </a:r>
+          </a:p>
+          <a:p>
+            <a:pPr lvl="3"/>
+            <a:r>
+              <a:rPr lang="en-US" dirty="0"/>
+              <a:t>Fourth level</a:t>
+            </a:r>
+          </a:p>
+          <a:p>
+            <a:pPr lvl="4"/>
+            <a:r>
+              <a:rPr lang="en-US" dirty="0"/>
+              <a:t>Fifth level</a:t>
+            </a:r>
+          </a:p>
+        </p:txBody>
+      </p:sp>
+    </p:spTree>
+    <p:extLst>
+      <p:ext uri="{BB962C8B-B14F-4D97-AF65-F5344CB8AC3E}">
+        <p14:creationId xmlns:p14="http://schemas.microsoft.com/office/powerpoint/2010/main" val="1325753743"/>
+      </p:ext>
+    </p:extLst>
+  </p:cSld>
+  <p:clrMapOvr>
+    <a:masterClrMapping/>
+  </p:clrMapOvr>
+</p:sldLayout>
+</file>
+
+<file path=ppt/slideLayouts/slideLayout9.xml><?xml version="1.0" encoding="utf-8"?>
 <p:sldLayout xmlns:a="http://schemas.openxmlformats.org/drawingml/2006/main" xmlns:r="http://schemas.openxmlformats.org/officeDocument/2006/relationships" xmlns:p="http://schemas.openxmlformats.org/presentationml/2006/main" preserve="1" userDrawn="1">
   <p:cSld name="Two Content and Caption Right">
     <p:bg>
@@ -4251,7 +4933,7 @@
           <a:p>
             <a:fld id="{7B272C57-2FA0-4A9D-99A4-6F756B65018B}" type="datetimeFigureOut">
               <a:rPr lang="en-US" smtClean="0"/>
-              <a:t>1/7/2022</a:t>
+              <a:t>5/17/2022</a:t>
             </a:fld>
             <a:endParaRPr lang="en-US"/>
           </a:p>
@@ -4568,380 +5250,6 @@
     <p:extLst>
       <p:ext uri="{BB962C8B-B14F-4D97-AF65-F5344CB8AC3E}">
         <p14:creationId xmlns:p14="http://schemas.microsoft.com/office/powerpoint/2010/main" val="3584477701"/>
-      </p:ext>
-    </p:extLst>
-  </p:cSld>
-  <p:clrMapOvr>
-    <a:masterClrMapping/>
-  </p:clrMapOvr>
-</p:sldLayout>
-</file>
-
-<file path=ppt/slideLayouts/slideLayout9.xml><?xml version="1.0" encoding="utf-8"?>
-<p:sldLayout xmlns:a="http://schemas.openxmlformats.org/drawingml/2006/main" xmlns:r="http://schemas.openxmlformats.org/officeDocument/2006/relationships" xmlns:p="http://schemas.openxmlformats.org/presentationml/2006/main" preserve="1" userDrawn="1">
-  <p:cSld name="Two Content and Caption Left">
-    <p:bg>
-      <p:bgPr>
-        <a:solidFill>
-          <a:schemeClr val="bg1"/>
-        </a:solidFill>
-        <a:effectLst/>
-      </p:bgPr>
-    </p:bg>
-    <p:spTree>
-      <p:nvGrpSpPr>
-        <p:cNvPr id="1" name=""/>
-        <p:cNvGrpSpPr/>
-        <p:nvPr/>
-      </p:nvGrpSpPr>
-      <p:grpSpPr>
-        <a:xfrm>
-          <a:off x="0" y="0"/>
-          <a:ext cx="0" cy="0"/>
-          <a:chOff x="0" y="0"/>
-          <a:chExt cx="0" cy="0"/>
-        </a:xfrm>
-      </p:grpSpPr>
-      <p:sp>
-        <p:nvSpPr>
-          <p:cNvPr id="5" name="Date Placeholder 4">
-            <a:extLst>
-              <a:ext uri="{FF2B5EF4-FFF2-40B4-BE49-F238E27FC236}">
-                <a16:creationId xmlns:a16="http://schemas.microsoft.com/office/drawing/2014/main" id="{985F3433-3055-4279-A232-CDB35C481677}"/>
-              </a:ext>
-            </a:extLst>
-          </p:cNvPr>
-          <p:cNvSpPr>
-            <a:spLocks noGrp="1"/>
-          </p:cNvSpPr>
-          <p:nvPr>
-            <p:ph type="dt" sz="half" idx="10"/>
-          </p:nvPr>
-        </p:nvSpPr>
-        <p:spPr/>
-        <p:txBody>
-          <a:bodyPr/>
-          <a:lstStyle/>
-          <a:p>
-            <a:fld id="{7B272C57-2FA0-4A9D-99A4-6F756B65018B}" type="datetimeFigureOut">
-              <a:rPr lang="en-US" smtClean="0"/>
-              <a:t>1/7/2022</a:t>
-            </a:fld>
-            <a:endParaRPr lang="en-US"/>
-          </a:p>
-        </p:txBody>
-      </p:sp>
-      <p:sp>
-        <p:nvSpPr>
-          <p:cNvPr id="6" name="Footer Placeholder 5">
-            <a:extLst>
-              <a:ext uri="{FF2B5EF4-FFF2-40B4-BE49-F238E27FC236}">
-                <a16:creationId xmlns:a16="http://schemas.microsoft.com/office/drawing/2014/main" id="{C4190A63-5D67-4FD5-97FD-79F7445B6A2E}"/>
-              </a:ext>
-            </a:extLst>
-          </p:cNvPr>
-          <p:cNvSpPr>
-            <a:spLocks noGrp="1"/>
-          </p:cNvSpPr>
-          <p:nvPr>
-            <p:ph type="ftr" sz="quarter" idx="11"/>
-          </p:nvPr>
-        </p:nvSpPr>
-        <p:spPr/>
-        <p:txBody>
-          <a:bodyPr/>
-          <a:lstStyle/>
-          <a:p>
-            <a:endParaRPr lang="en-US"/>
-          </a:p>
-        </p:txBody>
-      </p:sp>
-      <p:sp>
-        <p:nvSpPr>
-          <p:cNvPr id="7" name="Slide Number Placeholder 6">
-            <a:extLst>
-              <a:ext uri="{FF2B5EF4-FFF2-40B4-BE49-F238E27FC236}">
-                <a16:creationId xmlns:a16="http://schemas.microsoft.com/office/drawing/2014/main" id="{D2687DAE-A442-4DC3-8550-20F58B781EC7}"/>
-              </a:ext>
-            </a:extLst>
-          </p:cNvPr>
-          <p:cNvSpPr>
-            <a:spLocks noGrp="1"/>
-          </p:cNvSpPr>
-          <p:nvPr>
-            <p:ph type="sldNum" sz="quarter" idx="12"/>
-          </p:nvPr>
-        </p:nvSpPr>
-        <p:spPr/>
-        <p:txBody>
-          <a:bodyPr/>
-          <a:lstStyle/>
-          <a:p>
-            <a:fld id="{C064A79B-B315-413E-88BB-EFE0B5D603D0}" type="slidenum">
-              <a:rPr lang="en-US" smtClean="0"/>
-              <a:t>‹#›</a:t>
-            </a:fld>
-            <a:endParaRPr lang="en-US"/>
-          </a:p>
-        </p:txBody>
-      </p:sp>
-      <p:sp>
-        <p:nvSpPr>
-          <p:cNvPr id="9" name="Title 1">
-            <a:extLst>
-              <a:ext uri="{FF2B5EF4-FFF2-40B4-BE49-F238E27FC236}">
-                <a16:creationId xmlns:a16="http://schemas.microsoft.com/office/drawing/2014/main" id="{177E17F1-D3B2-42A6-9982-8788655386CF}"/>
-              </a:ext>
-            </a:extLst>
-          </p:cNvPr>
-          <p:cNvSpPr>
-            <a:spLocks noGrp="1"/>
-          </p:cNvSpPr>
-          <p:nvPr>
-            <p:ph type="title"/>
-          </p:nvPr>
-        </p:nvSpPr>
-        <p:spPr>
-          <a:xfrm>
-            <a:off x="0" y="1"/>
-            <a:ext cx="9144000" cy="1013635"/>
-          </a:xfrm>
-          <a:solidFill>
-            <a:srgbClr val="2E3640"/>
-          </a:solidFill>
-        </p:spPr>
-        <p:txBody>
-          <a:bodyPr/>
-          <a:lstStyle>
-            <a:lvl1pPr>
-              <a:defRPr lang="en-US" dirty="0"/>
-            </a:lvl1pPr>
-          </a:lstStyle>
-          <a:p>
-            <a:r>
-              <a:rPr lang="en-US" dirty="0"/>
-              <a:t>Click to edit Master title style</a:t>
-            </a:r>
-          </a:p>
-        </p:txBody>
-      </p:sp>
-      <p:sp>
-        <p:nvSpPr>
-          <p:cNvPr id="10" name="Content Placeholder 2">
-            <a:extLst>
-              <a:ext uri="{FF2B5EF4-FFF2-40B4-BE49-F238E27FC236}">
-                <a16:creationId xmlns:a16="http://schemas.microsoft.com/office/drawing/2014/main" id="{F1A58CC4-526C-4991-898F-C0879D5343E8}"/>
-              </a:ext>
-            </a:extLst>
-          </p:cNvPr>
-          <p:cNvSpPr>
-            <a:spLocks noGrp="1"/>
-          </p:cNvSpPr>
-          <p:nvPr>
-            <p:ph sz="half" idx="1"/>
-          </p:nvPr>
-        </p:nvSpPr>
-        <p:spPr>
-          <a:xfrm>
-            <a:off x="187891" y="1205547"/>
-            <a:ext cx="5545252" cy="4446906"/>
-          </a:xfrm>
-        </p:spPr>
-        <p:txBody>
-          <a:bodyPr/>
-          <a:lstStyle/>
-          <a:p>
-            <a:pPr lvl="0"/>
-            <a:r>
-              <a:rPr lang="en-US"/>
-              <a:t>Click to edit Master text styles</a:t>
-            </a:r>
-          </a:p>
-          <a:p>
-            <a:pPr lvl="1"/>
-            <a:r>
-              <a:rPr lang="en-US"/>
-              <a:t>Second level</a:t>
-            </a:r>
-          </a:p>
-          <a:p>
-            <a:pPr lvl="2"/>
-            <a:r>
-              <a:rPr lang="en-US"/>
-              <a:t>Third level</a:t>
-            </a:r>
-          </a:p>
-          <a:p>
-            <a:pPr lvl="3"/>
-            <a:r>
-              <a:rPr lang="en-US"/>
-              <a:t>Fourth level</a:t>
-            </a:r>
-          </a:p>
-          <a:p>
-            <a:pPr lvl="4"/>
-            <a:r>
-              <a:rPr lang="en-US"/>
-              <a:t>Fifth level</a:t>
-            </a:r>
-          </a:p>
-        </p:txBody>
-      </p:sp>
-      <p:sp>
-        <p:nvSpPr>
-          <p:cNvPr id="11" name="Content Placeholder 3">
-            <a:extLst>
-              <a:ext uri="{FF2B5EF4-FFF2-40B4-BE49-F238E27FC236}">
-                <a16:creationId xmlns:a16="http://schemas.microsoft.com/office/drawing/2014/main" id="{CB008E43-F727-4C47-9855-9440A412ACCB}"/>
-              </a:ext>
-            </a:extLst>
-          </p:cNvPr>
-          <p:cNvSpPr>
-            <a:spLocks noGrp="1"/>
-          </p:cNvSpPr>
-          <p:nvPr>
-            <p:ph sz="half" idx="2"/>
-          </p:nvPr>
-        </p:nvSpPr>
-        <p:spPr>
-          <a:xfrm>
-            <a:off x="5834743" y="1205548"/>
-            <a:ext cx="3090052" cy="5021670"/>
-          </a:xfrm>
-        </p:spPr>
-        <p:txBody>
-          <a:bodyPr/>
-          <a:lstStyle/>
-          <a:p>
-            <a:pPr lvl="0"/>
-            <a:r>
-              <a:rPr lang="en-US"/>
-              <a:t>Click to edit Master text styles</a:t>
-            </a:r>
-          </a:p>
-          <a:p>
-            <a:pPr lvl="1"/>
-            <a:r>
-              <a:rPr lang="en-US"/>
-              <a:t>Second level</a:t>
-            </a:r>
-          </a:p>
-          <a:p>
-            <a:pPr lvl="2"/>
-            <a:r>
-              <a:rPr lang="en-US"/>
-              <a:t>Third level</a:t>
-            </a:r>
-          </a:p>
-          <a:p>
-            <a:pPr lvl="3"/>
-            <a:r>
-              <a:rPr lang="en-US"/>
-              <a:t>Fourth level</a:t>
-            </a:r>
-          </a:p>
-          <a:p>
-            <a:pPr lvl="4"/>
-            <a:r>
-              <a:rPr lang="en-US"/>
-              <a:t>Fifth level</a:t>
-            </a:r>
-          </a:p>
-        </p:txBody>
-      </p:sp>
-      <p:sp>
-        <p:nvSpPr>
-          <p:cNvPr id="3" name="Text Placeholder 2">
-            <a:extLst>
-              <a:ext uri="{FF2B5EF4-FFF2-40B4-BE49-F238E27FC236}">
-                <a16:creationId xmlns:a16="http://schemas.microsoft.com/office/drawing/2014/main" id="{B6810FF5-0B9C-4441-B73D-B10146FB8996}"/>
-              </a:ext>
-            </a:extLst>
-          </p:cNvPr>
-          <p:cNvSpPr>
-            <a:spLocks noGrp="1"/>
-          </p:cNvSpPr>
-          <p:nvPr>
-            <p:ph type="body" sz="quarter" idx="13"/>
-          </p:nvPr>
-        </p:nvSpPr>
-        <p:spPr>
-          <a:xfrm>
-            <a:off x="187891" y="5781584"/>
-            <a:ext cx="5545252" cy="445634"/>
-          </a:xfrm>
-        </p:spPr>
-        <p:txBody>
-          <a:bodyPr/>
-          <a:lstStyle>
-            <a:lvl1pPr marL="0" indent="0">
-              <a:buFont typeface="Arial" panose="020B0604020202020204" pitchFamily="34" charset="0"/>
-              <a:buNone/>
-              <a:defRPr sz="900"/>
-            </a:lvl1pPr>
-            <a:lvl2pPr marL="342900" indent="0">
-              <a:buFont typeface="Arial" panose="020B0604020202020204" pitchFamily="34" charset="0"/>
-              <a:buNone/>
-              <a:defRPr sz="825"/>
-            </a:lvl2pPr>
-            <a:lvl3pPr marL="685800" indent="0">
-              <a:buFont typeface="Arial" panose="020B0604020202020204" pitchFamily="34" charset="0"/>
-              <a:buNone/>
-              <a:defRPr sz="788"/>
-            </a:lvl3pPr>
-            <a:lvl4pPr marL="1028700" indent="0">
-              <a:buFont typeface="Arial" panose="020B0604020202020204" pitchFamily="34" charset="0"/>
-              <a:buNone/>
-              <a:defRPr sz="750"/>
-            </a:lvl4pPr>
-            <a:lvl5pPr marL="1371600" indent="0">
-              <a:buFont typeface="Arial" panose="020B0604020202020204" pitchFamily="34" charset="0"/>
-              <a:buNone/>
-              <a:defRPr sz="750"/>
-            </a:lvl5pPr>
-          </a:lstStyle>
-          <a:p>
-            <a:pPr lvl="0"/>
-            <a:r>
-              <a:rPr lang="en-US" dirty="0"/>
-              <a:t>Click to edit Master text styles</a:t>
-            </a:r>
-          </a:p>
-          <a:p>
-            <a:pPr lvl="1"/>
-            <a:r>
-              <a:rPr lang="en-US" dirty="0"/>
-              <a:t>Second level</a:t>
-            </a:r>
-          </a:p>
-          <a:p>
-            <a:pPr lvl="2"/>
-            <a:r>
-              <a:rPr lang="en-US" dirty="0"/>
-              <a:t>Third level</a:t>
-            </a:r>
-          </a:p>
-          <a:p>
-            <a:pPr lvl="3"/>
-            <a:r>
-              <a:rPr lang="en-US" dirty="0"/>
-              <a:t>Fourth level</a:t>
-            </a:r>
-          </a:p>
-          <a:p>
-            <a:pPr lvl="4"/>
-            <a:r>
-              <a:rPr lang="en-US" dirty="0"/>
-              <a:t>Fifth level</a:t>
-            </a:r>
-            <a:endParaRPr lang="en-CH" dirty="0"/>
-          </a:p>
-        </p:txBody>
-      </p:sp>
-    </p:spTree>
-    <p:extLst>
-      <p:ext uri="{BB962C8B-B14F-4D97-AF65-F5344CB8AC3E}">
-        <p14:creationId xmlns:p14="http://schemas.microsoft.com/office/powerpoint/2010/main" val="3059227006"/>
       </p:ext>
     </p:extLst>
   </p:cSld>
@@ -5125,7 +5433,7 @@
           <a:p>
             <a:fld id="{7B272C57-2FA0-4A9D-99A4-6F756B65018B}" type="datetimeFigureOut">
               <a:rPr lang="en-US" smtClean="0"/>
-              <a:t>1/7/2022</a:t>
+              <a:t>5/17/2022</a:t>
             </a:fld>
             <a:endParaRPr lang="en-US"/>
           </a:p>
@@ -5236,7 +5544,7 @@
           <p:nvPr userDrawn="1"/>
         </p:nvPicPr>
         <p:blipFill>
-          <a:blip r:embed="rId19"/>
+          <a:blip r:embed="rId20"/>
           <a:stretch>
             <a:fillRect/>
           </a:stretch>
@@ -5267,16 +5575,17 @@
     <p:sldLayoutId id="2147483665" r:id="rId5"/>
     <p:sldLayoutId id="2147483651" r:id="rId6"/>
     <p:sldLayoutId id="2147483652" r:id="rId7"/>
-    <p:sldLayoutId id="2147483661" r:id="rId8"/>
-    <p:sldLayoutId id="2147483662" r:id="rId9"/>
-    <p:sldLayoutId id="2147483663" r:id="rId10"/>
-    <p:sldLayoutId id="2147483653" r:id="rId11"/>
-    <p:sldLayoutId id="2147483654" r:id="rId12"/>
-    <p:sldLayoutId id="2147483655" r:id="rId13"/>
-    <p:sldLayoutId id="2147483656" r:id="rId14"/>
-    <p:sldLayoutId id="2147483657" r:id="rId15"/>
-    <p:sldLayoutId id="2147483658" r:id="rId16"/>
-    <p:sldLayoutId id="2147483659" r:id="rId17"/>
+    <p:sldLayoutId id="2147483666" r:id="rId8"/>
+    <p:sldLayoutId id="2147483661" r:id="rId9"/>
+    <p:sldLayoutId id="2147483662" r:id="rId10"/>
+    <p:sldLayoutId id="2147483663" r:id="rId11"/>
+    <p:sldLayoutId id="2147483653" r:id="rId12"/>
+    <p:sldLayoutId id="2147483654" r:id="rId13"/>
+    <p:sldLayoutId id="2147483655" r:id="rId14"/>
+    <p:sldLayoutId id="2147483656" r:id="rId15"/>
+    <p:sldLayoutId id="2147483657" r:id="rId16"/>
+    <p:sldLayoutId id="2147483658" r:id="rId17"/>
+    <p:sldLayoutId id="2147483659" r:id="rId18"/>
   </p:sldLayoutIdLst>
   <p:txStyles>
     <p:titleStyle>
@@ -5649,7 +5958,7 @@
               <a:rPr/>
               <a:t>IQR Objects
 Daniel Kaschek, IntiQuan
-2022-03-30</a:t>
+2022-05-17</a:t>
             </a:r>
           </a:p>
         </p:txBody>
@@ -5787,7 +6096,7 @@
           <a:p>
             <a:r>
               <a:rPr/>
-              <a:t>script_IQSlidedeck.R | Date: 2022-03-30 13:33:14</a:t>
+              <a:t>script_IQSlidedeck.R | Date: 2022-05-17 13:24:28</a:t>
             </a:r>
           </a:p>
         </p:txBody>
@@ -6155,7 +6464,7 @@
           <a:p>
             <a:r>
               <a:rPr/>
-              <a:t>script_IQSlidedeck.R | Date: 2022-03-30 13:33:15</a:t>
+              <a:t>script_IQSlidedeck.R | Date: 2022-05-17 13:24:29</a:t>
             </a:r>
           </a:p>
         </p:txBody>
@@ -6523,7 +6832,7 @@
           <a:p>
             <a:r>
               <a:rPr/>
-              <a:t>script_IQSlidedeck.R | Date: 2022-03-30 13:33:16</a:t>
+              <a:t>script_IQSlidedeck.R | Date: 2022-05-17 13:24:30</a:t>
             </a:r>
           </a:p>
         </p:txBody>
@@ -6575,7 +6884,7 @@
           <a:p>
             <a:r>
               <a:rPr/>
-              <a:t>Test IQR Objects</a:t>
+              <a:t>Layouts</a:t>
             </a:r>
           </a:p>
         </p:txBody>
@@ -6627,7 +6936,7 @@
           <a:p>
             <a:r>
               <a:rPr/>
-              <a:t>Plotting white noise (1)</a:t>
+              <a:t>Two Content Right Bigger</a:t>
             </a:r>
           </a:p>
         </p:txBody>
@@ -6644,244 +6953,23 @@
         </p:nvSpPr>
         <p:spPr>
           <a:xfrm>
-            <a:off x="187891" y="1205547"/>
-            <a:ext cx="2758509" cy="4971416"/>
-          </a:xfrm>
-        </p:spPr>
-        <p:txBody>
-          <a:bodyPr/>
-          <a:lstStyle/>
-          <a:p>
-            <a:pPr/>
-            <a:r>
-              <a:rPr cap="none" i="0" b="0" u="none">
-                <a:solidFill>
-                  <a:srgbClr val="000000">
-                    <a:alpha val="100000"/>
-                  </a:srgbClr>
-                </a:solidFill>
-                <a:latin typeface="Calibri"/>
-                <a:cs typeface="Calibri"/>
-                <a:ea typeface="Calibri"/>
-                <a:sym typeface="Calibri"/>
-              </a:rPr>
-              <a:t>A list of ggplot objects was created</a:t>
-            </a:r>
-          </a:p>
-          <a:p>
-            <a:pPr/>
-            <a:r>
-              <a:rPr cap="none" i="0" b="0" u="none">
-                <a:solidFill>
-                  <a:srgbClr val="000000">
-                    <a:alpha val="100000"/>
-                  </a:srgbClr>
-                </a:solidFill>
-                <a:latin typeface="Calibri"/>
-                <a:cs typeface="Calibri"/>
-                <a:ea typeface="Calibri"/>
-                <a:sym typeface="Calibri"/>
-              </a:rPr>
-              <a:t>Called </a:t>
-            </a:r>
-            <a:r>
-              <a:rPr cap="none" i="0" b="1" u="none">
-                <a:solidFill>
-                  <a:srgbClr val="000000">
-                    <a:alpha val="100000"/>
-                  </a:srgbClr>
-                </a:solidFill>
-                <a:latin typeface="Consolas"/>
-                <a:cs typeface="Consolas"/>
-                <a:ea typeface="Consolas"/>
-                <a:sym typeface="Consolas"/>
-              </a:rPr>
-              <a:t>IQRoutputFigure</a:t>
-            </a:r>
-            <a:r>
-              <a:rPr cap="none" i="0" b="0" u="none">
-                <a:solidFill>
-                  <a:srgbClr val="000000">
-                    <a:alpha val="100000"/>
-                  </a:srgbClr>
-                </a:solidFill>
-                <a:latin typeface="Calibri"/>
-                <a:cs typeface="Calibri"/>
-                <a:ea typeface="Calibri"/>
-                <a:sym typeface="Calibri"/>
-              </a:rPr>
-              <a:t> with arguments </a:t>
-            </a:r>
-            <a:r>
-              <a:rPr cap="none" i="0" b="0" u="none">
-                <a:solidFill>
-                  <a:srgbClr val="000000">
-                    <a:alpha val="100000"/>
-                  </a:srgbClr>
-                </a:solidFill>
-                <a:latin typeface="Consolas"/>
-                <a:cs typeface="Consolas"/>
-                <a:ea typeface="Consolas"/>
-                <a:sym typeface="Consolas"/>
-              </a:rPr>
-              <a:t>nrow</a:t>
-            </a:r>
-            <a:r>
-              <a:rPr cap="none" i="0" b="0" u="none">
-                <a:solidFill>
-                  <a:srgbClr val="000000">
-                    <a:alpha val="100000"/>
-                  </a:srgbClr>
-                </a:solidFill>
-                <a:latin typeface="Calibri"/>
-                <a:cs typeface="Calibri"/>
-                <a:ea typeface="Calibri"/>
-                <a:sym typeface="Calibri"/>
-              </a:rPr>
-              <a:t>, </a:t>
-            </a:r>
-            <a:r>
-              <a:rPr cap="none" i="0" b="0" u="none">
-                <a:solidFill>
-                  <a:srgbClr val="000000">
-                    <a:alpha val="100000"/>
-                  </a:srgbClr>
-                </a:solidFill>
-                <a:latin typeface="Consolas"/>
-                <a:cs typeface="Consolas"/>
-                <a:ea typeface="Consolas"/>
-                <a:sym typeface="Consolas"/>
-              </a:rPr>
-              <a:t>ncol</a:t>
-            </a:r>
-            <a:r>
-              <a:rPr cap="none" i="0" b="0" u="none">
-                <a:solidFill>
-                  <a:srgbClr val="000000">
-                    <a:alpha val="100000"/>
-                  </a:srgbClr>
-                </a:solidFill>
-                <a:latin typeface="Calibri"/>
-                <a:cs typeface="Calibri"/>
-                <a:ea typeface="Calibri"/>
-                <a:sym typeface="Calibri"/>
-              </a:rPr>
-              <a:t>, </a:t>
-            </a:r>
-            <a:r>
-              <a:rPr cap="none" i="0" b="0" u="none">
-                <a:solidFill>
-                  <a:srgbClr val="000000">
-                    <a:alpha val="100000"/>
-                  </a:srgbClr>
-                </a:solidFill>
-                <a:latin typeface="Consolas"/>
-                <a:cs typeface="Consolas"/>
-                <a:ea typeface="Consolas"/>
-                <a:sym typeface="Consolas"/>
-              </a:rPr>
-              <a:t>footer</a:t>
-            </a:r>
-            <a:r>
-              <a:rPr cap="none" i="0" b="0" u="none">
-                <a:solidFill>
-                  <a:srgbClr val="000000">
-                    <a:alpha val="100000"/>
-                  </a:srgbClr>
-                </a:solidFill>
-                <a:latin typeface="Calibri"/>
-                <a:cs typeface="Calibri"/>
-                <a:ea typeface="Calibri"/>
-                <a:sym typeface="Calibri"/>
-              </a:rPr>
-              <a:t> and </a:t>
-            </a:r>
-            <a:r>
-              <a:rPr cap="none" i="0" b="0" u="none">
-                <a:solidFill>
-                  <a:srgbClr val="000000">
-                    <a:alpha val="100000"/>
-                  </a:srgbClr>
-                </a:solidFill>
-                <a:latin typeface="Consolas"/>
-                <a:cs typeface="Consolas"/>
-                <a:ea typeface="Consolas"/>
-                <a:sym typeface="Consolas"/>
-              </a:rPr>
-              <a:t>filename</a:t>
-            </a:r>
-          </a:p>
-          <a:p>
-            <a:pPr/>
-            <a:r>
-              <a:rPr cap="none" i="0" b="0" u="none">
-                <a:solidFill>
-                  <a:srgbClr val="000000">
-                    <a:alpha val="100000"/>
-                  </a:srgbClr>
-                </a:solidFill>
-                <a:latin typeface="Calibri"/>
-                <a:cs typeface="Calibri"/>
-                <a:ea typeface="Calibri"/>
-                <a:sym typeface="Calibri"/>
-              </a:rPr>
-              <a:t>Called </a:t>
-            </a:r>
-            <a:r>
-              <a:rPr cap="none" i="0" b="0" u="none">
-                <a:solidFill>
-                  <a:srgbClr val="000000">
-                    <a:alpha val="100000"/>
-                  </a:srgbClr>
-                </a:solidFill>
-                <a:latin typeface="Consolas"/>
-                <a:cs typeface="Consolas"/>
-                <a:ea typeface="Consolas"/>
-                <a:sym typeface="Consolas"/>
-              </a:rPr>
-              <a:t>IQRoutputPPTX</a:t>
-            </a:r>
-            <a:r>
-              <a:rPr cap="none" i="0" b="0" u="none">
-                <a:solidFill>
-                  <a:srgbClr val="000000">
-                    <a:alpha val="100000"/>
-                  </a:srgbClr>
-                </a:solidFill>
-                <a:latin typeface="Calibri"/>
-                <a:cs typeface="Calibri"/>
-                <a:ea typeface="Calibri"/>
-                <a:sym typeface="Calibri"/>
-              </a:rPr>
-              <a:t> with bullet point list and </a:t>
-            </a:r>
-            <a:r>
-              <a:rPr cap="none" i="0" b="0" u="none">
-                <a:solidFill>
-                  <a:srgbClr val="000000">
-                    <a:alpha val="100000"/>
-                  </a:srgbClr>
-                </a:solidFill>
-                <a:latin typeface="Consolas"/>
-                <a:cs typeface="Consolas"/>
-                <a:ea typeface="Consolas"/>
-                <a:sym typeface="Consolas"/>
-              </a:rPr>
-              <a:t>IQRoutputFigure</a:t>
-            </a:r>
-            <a:r>
-              <a:rPr cap="none" i="0" b="0" u="none">
-                <a:solidFill>
-                  <a:srgbClr val="000000">
-                    <a:alpha val="100000"/>
-                  </a:srgbClr>
-                </a:solidFill>
-                <a:latin typeface="Calibri"/>
-                <a:cs typeface="Calibri"/>
-                <a:ea typeface="Calibri"/>
-                <a:sym typeface="Calibri"/>
-              </a:rPr>
-              <a:t> object.</a:t>
+            <a:off x="187892" y="1205547"/>
+            <a:ext cx="2170133" cy="4971416"/>
+          </a:xfrm>
+        </p:spPr>
+        <p:txBody>
+          <a:bodyPr/>
+          <a:lstStyle/>
+          <a:p>
+            <a:r>
+              <a:rPr/>
+              <a:t>Cars data set from R datasets</a:t>
+            </a:r>
+          </a:p>
+          <a:p>
+            <a:r>
+              <a:rPr/>
+              <a:t>The data vie the speed of cars and distances taken to stop</a:t>
             </a:r>
           </a:p>
         </p:txBody>
@@ -6904,8 +6992,8 @@
         </p:blipFill>
         <p:spPr>
           <a:xfrm>
-            <a:off x="3048000" y="1205548"/>
-            <a:ext cx="5876795" cy="4446906"/>
+            <a:off x="2419004" y="1205547"/>
+            <a:ext cx="6505792" cy="4971416"/>
           </a:xfrm>
           <a:prstGeom prst="rect">
             <a:avLst/>
@@ -6914,34 +7002,7 @@
       </p:pic>
       <p:sp xmlns:a="http://schemas.openxmlformats.org/drawingml/2006/main" xmlns:r="http://schemas.openxmlformats.org/officeDocument/2006/relationships" xmlns:p="http://schemas.openxmlformats.org/presentationml/2006/main">
         <p:nvSpPr>
-          <p:cNvPr id="5" name="Text Placeholder 2"/>
-          <p:cNvSpPr>
-            <a:spLocks noGrp="1"/>
-          </p:cNvSpPr>
-          <p:nvPr>
-            <p:ph type="body" sz="quarter" idx="13"/>
-          </p:nvPr>
-        </p:nvSpPr>
-        <p:spPr>
-          <a:xfrm>
-            <a:off x="3048001" y="5731330"/>
-            <a:ext cx="5876796" cy="445634"/>
-          </a:xfrm>
-        </p:spPr>
-        <p:txBody>
-          <a:bodyPr/>
-          <a:lstStyle/>
-          <a:p>
-            <a:r>
-              <a:rPr/>
-              <a:t>File: ../Output/01_test/normal_distributions.pdf</a:t>
-            </a:r>
-          </a:p>
-        </p:txBody>
-      </p:sp>
-      <p:sp xmlns:a="http://schemas.openxmlformats.org/drawingml/2006/main" xmlns:r="http://schemas.openxmlformats.org/officeDocument/2006/relationships" xmlns:p="http://schemas.openxmlformats.org/presentationml/2006/main">
-        <p:nvSpPr>
-          <p:cNvPr id="6" name="Footer Placeholder 5"/>
+          <p:cNvPr id="5" name="Footer Placeholder 5"/>
           <p:cNvSpPr>
             <a:spLocks noGrp="1"/>
           </p:cNvSpPr>
@@ -6961,7 +7022,7 @@
           <a:p>
             <a:r>
               <a:rPr/>
-              <a:t>IQSlidedeck_IQRobjects.R | Date: 2022-03-30 13:33:43</a:t>
+              <a:t>script_IQSlidedeck.R | Date: 2022-05-17 13:24:38</a:t>
             </a:r>
           </a:p>
         </p:txBody>
@@ -7013,273 +7074,19 @@
           <a:p>
             <a:r>
               <a:rPr/>
-              <a:t>Plotting white noise (2)</a:t>
-            </a:r>
-          </a:p>
-        </p:txBody>
-      </p:sp>
-      <p:sp xmlns:a="http://schemas.openxmlformats.org/drawingml/2006/main" xmlns:r="http://schemas.openxmlformats.org/officeDocument/2006/relationships" xmlns:p="http://schemas.openxmlformats.org/presentationml/2006/main">
-        <p:nvSpPr>
-          <p:cNvPr id="3" name="Content Placeholder 2"/>
-          <p:cNvSpPr>
-            <a:spLocks noGrp="1"/>
-          </p:cNvSpPr>
-          <p:nvPr>
-            <p:ph sz="half" idx="1"/>
-          </p:nvPr>
-        </p:nvSpPr>
-        <p:spPr>
-          <a:xfrm>
-            <a:off x="187891" y="1205547"/>
-            <a:ext cx="2758509" cy="4971416"/>
-          </a:xfrm>
-        </p:spPr>
-        <p:txBody>
-          <a:bodyPr/>
-          <a:lstStyle/>
-          <a:p>
-            <a:pPr/>
-            <a:r>
-              <a:rPr cap="none" i="0" b="0" u="none">
-                <a:solidFill>
-                  <a:srgbClr val="000000">
-                    <a:alpha val="100000"/>
-                  </a:srgbClr>
-                </a:solidFill>
-                <a:latin typeface="Calibri"/>
-                <a:cs typeface="Calibri"/>
-                <a:ea typeface="Calibri"/>
-                <a:sym typeface="Calibri"/>
-              </a:rPr>
-              <a:t>A list of ggplot objects was created</a:t>
-            </a:r>
-          </a:p>
-          <a:p>
-            <a:pPr/>
-            <a:r>
-              <a:rPr cap="none" i="0" b="0" u="none">
-                <a:solidFill>
-                  <a:srgbClr val="000000">
-                    <a:alpha val="100000"/>
-                  </a:srgbClr>
-                </a:solidFill>
-                <a:latin typeface="Calibri"/>
-                <a:cs typeface="Calibri"/>
-                <a:ea typeface="Calibri"/>
-                <a:sym typeface="Calibri"/>
-              </a:rPr>
-              <a:t>Called </a:t>
-            </a:r>
-            <a:r>
-              <a:rPr cap="none" i="0" b="1" u="none">
-                <a:solidFill>
-                  <a:srgbClr val="000000">
-                    <a:alpha val="100000"/>
-                  </a:srgbClr>
-                </a:solidFill>
-                <a:latin typeface="Consolas"/>
-                <a:cs typeface="Consolas"/>
-                <a:ea typeface="Consolas"/>
-                <a:sym typeface="Consolas"/>
-              </a:rPr>
-              <a:t>IQRoutputFigure</a:t>
-            </a:r>
-            <a:r>
-              <a:rPr cap="none" i="0" b="0" u="none">
-                <a:solidFill>
-                  <a:srgbClr val="000000">
-                    <a:alpha val="100000"/>
-                  </a:srgbClr>
-                </a:solidFill>
-                <a:latin typeface="Calibri"/>
-                <a:cs typeface="Calibri"/>
-                <a:ea typeface="Calibri"/>
-                <a:sym typeface="Calibri"/>
-              </a:rPr>
-              <a:t> with arguments </a:t>
-            </a:r>
-            <a:r>
-              <a:rPr cap="none" i="0" b="0" u="none">
-                <a:solidFill>
-                  <a:srgbClr val="000000">
-                    <a:alpha val="100000"/>
-                  </a:srgbClr>
-                </a:solidFill>
-                <a:latin typeface="Consolas"/>
-                <a:cs typeface="Consolas"/>
-                <a:ea typeface="Consolas"/>
-                <a:sym typeface="Consolas"/>
-              </a:rPr>
-              <a:t>nrow</a:t>
-            </a:r>
-            <a:r>
-              <a:rPr cap="none" i="0" b="0" u="none">
-                <a:solidFill>
-                  <a:srgbClr val="000000">
-                    <a:alpha val="100000"/>
-                  </a:srgbClr>
-                </a:solidFill>
-                <a:latin typeface="Calibri"/>
-                <a:cs typeface="Calibri"/>
-                <a:ea typeface="Calibri"/>
-                <a:sym typeface="Calibri"/>
-              </a:rPr>
-              <a:t>, </a:t>
-            </a:r>
-            <a:r>
-              <a:rPr cap="none" i="0" b="0" u="none">
-                <a:solidFill>
-                  <a:srgbClr val="000000">
-                    <a:alpha val="100000"/>
-                  </a:srgbClr>
-                </a:solidFill>
-                <a:latin typeface="Consolas"/>
-                <a:cs typeface="Consolas"/>
-                <a:ea typeface="Consolas"/>
-                <a:sym typeface="Consolas"/>
-              </a:rPr>
-              <a:t>ncol</a:t>
-            </a:r>
-            <a:r>
-              <a:rPr cap="none" i="0" b="0" u="none">
-                <a:solidFill>
-                  <a:srgbClr val="000000">
-                    <a:alpha val="100000"/>
-                  </a:srgbClr>
-                </a:solidFill>
-                <a:latin typeface="Calibri"/>
-                <a:cs typeface="Calibri"/>
-                <a:ea typeface="Calibri"/>
-                <a:sym typeface="Calibri"/>
-              </a:rPr>
-              <a:t>, </a:t>
-            </a:r>
-            <a:r>
-              <a:rPr cap="none" i="0" b="0" u="none">
-                <a:solidFill>
-                  <a:srgbClr val="000000">
-                    <a:alpha val="100000"/>
-                  </a:srgbClr>
-                </a:solidFill>
-                <a:latin typeface="Consolas"/>
-                <a:cs typeface="Consolas"/>
-                <a:ea typeface="Consolas"/>
-                <a:sym typeface="Consolas"/>
-              </a:rPr>
-              <a:t>footer</a:t>
-            </a:r>
-            <a:r>
-              <a:rPr cap="none" i="0" b="0" u="none">
-                <a:solidFill>
-                  <a:srgbClr val="000000">
-                    <a:alpha val="100000"/>
-                  </a:srgbClr>
-                </a:solidFill>
-                <a:latin typeface="Calibri"/>
-                <a:cs typeface="Calibri"/>
-                <a:ea typeface="Calibri"/>
-                <a:sym typeface="Calibri"/>
-              </a:rPr>
-              <a:t> and </a:t>
-            </a:r>
-            <a:r>
-              <a:rPr cap="none" i="0" b="0" u="none">
-                <a:solidFill>
-                  <a:srgbClr val="000000">
-                    <a:alpha val="100000"/>
-                  </a:srgbClr>
-                </a:solidFill>
-                <a:latin typeface="Consolas"/>
-                <a:cs typeface="Consolas"/>
-                <a:ea typeface="Consolas"/>
-                <a:sym typeface="Consolas"/>
-              </a:rPr>
-              <a:t>filename</a:t>
-            </a:r>
-          </a:p>
-          <a:p>
-            <a:pPr/>
-            <a:r>
-              <a:rPr cap="none" i="0" b="0" u="none">
-                <a:solidFill>
-                  <a:srgbClr val="000000">
-                    <a:alpha val="100000"/>
-                  </a:srgbClr>
-                </a:solidFill>
-                <a:latin typeface="Calibri"/>
-                <a:cs typeface="Calibri"/>
-                <a:ea typeface="Calibri"/>
-                <a:sym typeface="Calibri"/>
-              </a:rPr>
-              <a:t>Called </a:t>
-            </a:r>
-            <a:r>
-              <a:rPr cap="none" i="0" b="0" u="none">
-                <a:solidFill>
-                  <a:srgbClr val="000000">
-                    <a:alpha val="100000"/>
-                  </a:srgbClr>
-                </a:solidFill>
-                <a:latin typeface="Consolas"/>
-                <a:cs typeface="Consolas"/>
-                <a:ea typeface="Consolas"/>
-                <a:sym typeface="Consolas"/>
-              </a:rPr>
-              <a:t>IQRoutputPPTX</a:t>
-            </a:r>
-            <a:r>
-              <a:rPr cap="none" i="0" b="0" u="none">
-                <a:solidFill>
-                  <a:srgbClr val="000000">
-                    <a:alpha val="100000"/>
-                  </a:srgbClr>
-                </a:solidFill>
-                <a:latin typeface="Calibri"/>
-                <a:cs typeface="Calibri"/>
-                <a:ea typeface="Calibri"/>
-                <a:sym typeface="Calibri"/>
-              </a:rPr>
-              <a:t> with bullet point list and </a:t>
-            </a:r>
-            <a:r>
-              <a:rPr cap="none" i="0" b="0" u="none">
-                <a:solidFill>
-                  <a:srgbClr val="000000">
-                    <a:alpha val="100000"/>
-                  </a:srgbClr>
-                </a:solidFill>
-                <a:latin typeface="Consolas"/>
-                <a:cs typeface="Consolas"/>
-                <a:ea typeface="Consolas"/>
-                <a:sym typeface="Consolas"/>
-              </a:rPr>
-              <a:t>IQRoutputFigure</a:t>
-            </a:r>
-            <a:r>
-              <a:rPr cap="none" i="0" b="0" u="none">
-                <a:solidFill>
-                  <a:srgbClr val="000000">
-                    <a:alpha val="100000"/>
-                  </a:srgbClr>
-                </a:solidFill>
-                <a:latin typeface="Calibri"/>
-                <a:cs typeface="Calibri"/>
-                <a:ea typeface="Calibri"/>
-                <a:sym typeface="Calibri"/>
-              </a:rPr>
-              <a:t> object.</a:t>
+              <a:t>Two Content Right Bigger</a:t>
             </a:r>
           </a:p>
         </p:txBody>
       </p:sp>
       <p:pic xmlns:a="http://schemas.openxmlformats.org/drawingml/2006/main" xmlns:r="http://schemas.openxmlformats.org/officeDocument/2006/relationships" xmlns:p="http://schemas.openxmlformats.org/presentationml/2006/main">
         <p:nvPicPr>
-          <p:cNvPr id="4" name="Content Placeholder 3" descr=""/>
+          <p:cNvPr id="3" name="Content Placeholder 2" descr=""/>
           <p:cNvPicPr>
             <a:picLocks noGrp="1"/>
           </p:cNvPicPr>
           <p:nvPr>
-            <p:ph sz="half" idx="2"/>
+            <p:ph sz="half" idx="1"/>
           </p:nvPr>
         </p:nvPicPr>
         <p:blipFill>
@@ -7290,44 +7097,43 @@
         </p:blipFill>
         <p:spPr>
           <a:xfrm>
-            <a:off x="3048000" y="1205548"/>
-            <a:ext cx="5876795" cy="4446906"/>
+            <a:off x="187892" y="1205547"/>
+            <a:ext cx="2170133" cy="4971416"/>
           </a:xfrm>
           <a:prstGeom prst="rect">
             <a:avLst/>
           </a:prstGeom>
         </p:spPr>
       </p:pic>
+      <p:pic xmlns:a="http://schemas.openxmlformats.org/drawingml/2006/main" xmlns:r="http://schemas.openxmlformats.org/officeDocument/2006/relationships" xmlns:p="http://schemas.openxmlformats.org/presentationml/2006/main">
+        <p:nvPicPr>
+          <p:cNvPr id="4" name="Content Placeholder 3" descr=""/>
+          <p:cNvPicPr>
+            <a:picLocks noGrp="1"/>
+          </p:cNvPicPr>
+          <p:nvPr>
+            <p:ph sz="half" idx="2"/>
+          </p:nvPr>
+        </p:nvPicPr>
+        <p:blipFill>
+          <a:blip cstate="print" r:embed="rId3"/>
+          <a:stretch>
+            <a:fillRect/>
+          </a:stretch>
+        </p:blipFill>
+        <p:spPr>
+          <a:xfrm>
+            <a:off x="2419004" y="1205547"/>
+            <a:ext cx="6505792" cy="4971416"/>
+          </a:xfrm>
+          <a:prstGeom prst="rect">
+            <a:avLst/>
+          </a:prstGeom>
+        </p:spPr>
+      </p:pic>
       <p:sp xmlns:a="http://schemas.openxmlformats.org/drawingml/2006/main" xmlns:r="http://schemas.openxmlformats.org/officeDocument/2006/relationships" xmlns:p="http://schemas.openxmlformats.org/presentationml/2006/main">
         <p:nvSpPr>
-          <p:cNvPr id="5" name="Text Placeholder 2"/>
-          <p:cNvSpPr>
-            <a:spLocks noGrp="1"/>
-          </p:cNvSpPr>
-          <p:nvPr>
-            <p:ph type="body" sz="quarter" idx="13"/>
-          </p:nvPr>
-        </p:nvSpPr>
-        <p:spPr>
-          <a:xfrm>
-            <a:off x="3048001" y="5731330"/>
-            <a:ext cx="5876796" cy="445634"/>
-          </a:xfrm>
-        </p:spPr>
-        <p:txBody>
-          <a:bodyPr/>
-          <a:lstStyle/>
-          <a:p>
-            <a:r>
-              <a:rPr/>
-              <a:t>File: ../Output/01_test/normal_distributions.pdf</a:t>
-            </a:r>
-          </a:p>
-        </p:txBody>
-      </p:sp>
-      <p:sp xmlns:a="http://schemas.openxmlformats.org/drawingml/2006/main" xmlns:r="http://schemas.openxmlformats.org/officeDocument/2006/relationships" xmlns:p="http://schemas.openxmlformats.org/presentationml/2006/main">
-        <p:nvSpPr>
-          <p:cNvPr id="6" name="Footer Placeholder 5"/>
+          <p:cNvPr id="5" name="Footer Placeholder 5"/>
           <p:cNvSpPr>
             <a:spLocks noGrp="1"/>
           </p:cNvSpPr>
@@ -7347,7 +7153,7 @@
           <a:p>
             <a:r>
               <a:rPr/>
-              <a:t>IQSlidedeck_IQRobjects.R | Date: 2022-03-30 13:33:43</a:t>
+              <a:t>script_IQSlidedeck.R | Date: 2022-05-17 13:24:38</a:t>
             </a:r>
           </a:p>
         </p:txBody>
@@ -7399,273 +7205,19 @@
           <a:p>
             <a:r>
               <a:rPr/>
-              <a:t>Plotting white noise (3)</a:t>
-            </a:r>
-          </a:p>
-        </p:txBody>
-      </p:sp>
-      <p:sp xmlns:a="http://schemas.openxmlformats.org/drawingml/2006/main" xmlns:r="http://schemas.openxmlformats.org/officeDocument/2006/relationships" xmlns:p="http://schemas.openxmlformats.org/presentationml/2006/main">
-        <p:nvSpPr>
-          <p:cNvPr id="3" name="Content Placeholder 2"/>
-          <p:cNvSpPr>
-            <a:spLocks noGrp="1"/>
-          </p:cNvSpPr>
-          <p:nvPr>
-            <p:ph sz="half" idx="1"/>
-          </p:nvPr>
-        </p:nvSpPr>
-        <p:spPr>
-          <a:xfrm>
-            <a:off x="187891" y="1205547"/>
-            <a:ext cx="2758509" cy="4971416"/>
-          </a:xfrm>
-        </p:spPr>
-        <p:txBody>
-          <a:bodyPr/>
-          <a:lstStyle/>
-          <a:p>
-            <a:pPr/>
-            <a:r>
-              <a:rPr cap="none" i="0" b="0" u="none">
-                <a:solidFill>
-                  <a:srgbClr val="000000">
-                    <a:alpha val="100000"/>
-                  </a:srgbClr>
-                </a:solidFill>
-                <a:latin typeface="Calibri"/>
-                <a:cs typeface="Calibri"/>
-                <a:ea typeface="Calibri"/>
-                <a:sym typeface="Calibri"/>
-              </a:rPr>
-              <a:t>A list of ggplot objects was created</a:t>
-            </a:r>
-          </a:p>
-          <a:p>
-            <a:pPr/>
-            <a:r>
-              <a:rPr cap="none" i="0" b="0" u="none">
-                <a:solidFill>
-                  <a:srgbClr val="000000">
-                    <a:alpha val="100000"/>
-                  </a:srgbClr>
-                </a:solidFill>
-                <a:latin typeface="Calibri"/>
-                <a:cs typeface="Calibri"/>
-                <a:ea typeface="Calibri"/>
-                <a:sym typeface="Calibri"/>
-              </a:rPr>
-              <a:t>Called </a:t>
-            </a:r>
-            <a:r>
-              <a:rPr cap="none" i="0" b="1" u="none">
-                <a:solidFill>
-                  <a:srgbClr val="000000">
-                    <a:alpha val="100000"/>
-                  </a:srgbClr>
-                </a:solidFill>
-                <a:latin typeface="Consolas"/>
-                <a:cs typeface="Consolas"/>
-                <a:ea typeface="Consolas"/>
-                <a:sym typeface="Consolas"/>
-              </a:rPr>
-              <a:t>IQRoutputFigure</a:t>
-            </a:r>
-            <a:r>
-              <a:rPr cap="none" i="0" b="0" u="none">
-                <a:solidFill>
-                  <a:srgbClr val="000000">
-                    <a:alpha val="100000"/>
-                  </a:srgbClr>
-                </a:solidFill>
-                <a:latin typeface="Calibri"/>
-                <a:cs typeface="Calibri"/>
-                <a:ea typeface="Calibri"/>
-                <a:sym typeface="Calibri"/>
-              </a:rPr>
-              <a:t> with arguments </a:t>
-            </a:r>
-            <a:r>
-              <a:rPr cap="none" i="0" b="0" u="none">
-                <a:solidFill>
-                  <a:srgbClr val="000000">
-                    <a:alpha val="100000"/>
-                  </a:srgbClr>
-                </a:solidFill>
-                <a:latin typeface="Consolas"/>
-                <a:cs typeface="Consolas"/>
-                <a:ea typeface="Consolas"/>
-                <a:sym typeface="Consolas"/>
-              </a:rPr>
-              <a:t>nrow</a:t>
-            </a:r>
-            <a:r>
-              <a:rPr cap="none" i="0" b="0" u="none">
-                <a:solidFill>
-                  <a:srgbClr val="000000">
-                    <a:alpha val="100000"/>
-                  </a:srgbClr>
-                </a:solidFill>
-                <a:latin typeface="Calibri"/>
-                <a:cs typeface="Calibri"/>
-                <a:ea typeface="Calibri"/>
-                <a:sym typeface="Calibri"/>
-              </a:rPr>
-              <a:t>, </a:t>
-            </a:r>
-            <a:r>
-              <a:rPr cap="none" i="0" b="0" u="none">
-                <a:solidFill>
-                  <a:srgbClr val="000000">
-                    <a:alpha val="100000"/>
-                  </a:srgbClr>
-                </a:solidFill>
-                <a:latin typeface="Consolas"/>
-                <a:cs typeface="Consolas"/>
-                <a:ea typeface="Consolas"/>
-                <a:sym typeface="Consolas"/>
-              </a:rPr>
-              <a:t>ncol</a:t>
-            </a:r>
-            <a:r>
-              <a:rPr cap="none" i="0" b="0" u="none">
-                <a:solidFill>
-                  <a:srgbClr val="000000">
-                    <a:alpha val="100000"/>
-                  </a:srgbClr>
-                </a:solidFill>
-                <a:latin typeface="Calibri"/>
-                <a:cs typeface="Calibri"/>
-                <a:ea typeface="Calibri"/>
-                <a:sym typeface="Calibri"/>
-              </a:rPr>
-              <a:t>, </a:t>
-            </a:r>
-            <a:r>
-              <a:rPr cap="none" i="0" b="0" u="none">
-                <a:solidFill>
-                  <a:srgbClr val="000000">
-                    <a:alpha val="100000"/>
-                  </a:srgbClr>
-                </a:solidFill>
-                <a:latin typeface="Consolas"/>
-                <a:cs typeface="Consolas"/>
-                <a:ea typeface="Consolas"/>
-                <a:sym typeface="Consolas"/>
-              </a:rPr>
-              <a:t>footer</a:t>
-            </a:r>
-            <a:r>
-              <a:rPr cap="none" i="0" b="0" u="none">
-                <a:solidFill>
-                  <a:srgbClr val="000000">
-                    <a:alpha val="100000"/>
-                  </a:srgbClr>
-                </a:solidFill>
-                <a:latin typeface="Calibri"/>
-                <a:cs typeface="Calibri"/>
-                <a:ea typeface="Calibri"/>
-                <a:sym typeface="Calibri"/>
-              </a:rPr>
-              <a:t> and </a:t>
-            </a:r>
-            <a:r>
-              <a:rPr cap="none" i="0" b="0" u="none">
-                <a:solidFill>
-                  <a:srgbClr val="000000">
-                    <a:alpha val="100000"/>
-                  </a:srgbClr>
-                </a:solidFill>
-                <a:latin typeface="Consolas"/>
-                <a:cs typeface="Consolas"/>
-                <a:ea typeface="Consolas"/>
-                <a:sym typeface="Consolas"/>
-              </a:rPr>
-              <a:t>filename</a:t>
-            </a:r>
-          </a:p>
-          <a:p>
-            <a:pPr/>
-            <a:r>
-              <a:rPr cap="none" i="0" b="0" u="none">
-                <a:solidFill>
-                  <a:srgbClr val="000000">
-                    <a:alpha val="100000"/>
-                  </a:srgbClr>
-                </a:solidFill>
-                <a:latin typeface="Calibri"/>
-                <a:cs typeface="Calibri"/>
-                <a:ea typeface="Calibri"/>
-                <a:sym typeface="Calibri"/>
-              </a:rPr>
-              <a:t>Called </a:t>
-            </a:r>
-            <a:r>
-              <a:rPr cap="none" i="0" b="0" u="none">
-                <a:solidFill>
-                  <a:srgbClr val="000000">
-                    <a:alpha val="100000"/>
-                  </a:srgbClr>
-                </a:solidFill>
-                <a:latin typeface="Consolas"/>
-                <a:cs typeface="Consolas"/>
-                <a:ea typeface="Consolas"/>
-                <a:sym typeface="Consolas"/>
-              </a:rPr>
-              <a:t>IQRoutputPPTX</a:t>
-            </a:r>
-            <a:r>
-              <a:rPr cap="none" i="0" b="0" u="none">
-                <a:solidFill>
-                  <a:srgbClr val="000000">
-                    <a:alpha val="100000"/>
-                  </a:srgbClr>
-                </a:solidFill>
-                <a:latin typeface="Calibri"/>
-                <a:cs typeface="Calibri"/>
-                <a:ea typeface="Calibri"/>
-                <a:sym typeface="Calibri"/>
-              </a:rPr>
-              <a:t> with bullet point list and </a:t>
-            </a:r>
-            <a:r>
-              <a:rPr cap="none" i="0" b="0" u="none">
-                <a:solidFill>
-                  <a:srgbClr val="000000">
-                    <a:alpha val="100000"/>
-                  </a:srgbClr>
-                </a:solidFill>
-                <a:latin typeface="Consolas"/>
-                <a:cs typeface="Consolas"/>
-                <a:ea typeface="Consolas"/>
-                <a:sym typeface="Consolas"/>
-              </a:rPr>
-              <a:t>IQRoutputFigure</a:t>
-            </a:r>
-            <a:r>
-              <a:rPr cap="none" i="0" b="0" u="none">
-                <a:solidFill>
-                  <a:srgbClr val="000000">
-                    <a:alpha val="100000"/>
-                  </a:srgbClr>
-                </a:solidFill>
-                <a:latin typeface="Calibri"/>
-                <a:cs typeface="Calibri"/>
-                <a:ea typeface="Calibri"/>
-                <a:sym typeface="Calibri"/>
-              </a:rPr>
-              <a:t> object.</a:t>
+              <a:t>Two Content Right Bigger</a:t>
             </a:r>
           </a:p>
         </p:txBody>
       </p:sp>
       <p:pic xmlns:a="http://schemas.openxmlformats.org/drawingml/2006/main" xmlns:r="http://schemas.openxmlformats.org/officeDocument/2006/relationships" xmlns:p="http://schemas.openxmlformats.org/presentationml/2006/main">
         <p:nvPicPr>
-          <p:cNvPr id="4" name="Content Placeholder 3" descr=""/>
+          <p:cNvPr id="3" name="Content Placeholder 2" descr=""/>
           <p:cNvPicPr>
             <a:picLocks noGrp="1"/>
           </p:cNvPicPr>
           <p:nvPr>
-            <p:ph sz="half" idx="2"/>
+            <p:ph sz="half" idx="1"/>
           </p:nvPr>
         </p:nvPicPr>
         <p:blipFill>
@@ -7676,8 +7228,8 @@
         </p:blipFill>
         <p:spPr>
           <a:xfrm>
-            <a:off x="3048000" y="1205548"/>
-            <a:ext cx="5876795" cy="4446906"/>
+            <a:off x="187892" y="1205547"/>
+            <a:ext cx="2170133" cy="4971416"/>
           </a:xfrm>
           <a:prstGeom prst="rect">
             <a:avLst/>
@@ -7686,34 +7238,62 @@
       </p:pic>
       <p:sp xmlns:a="http://schemas.openxmlformats.org/drawingml/2006/main" xmlns:r="http://schemas.openxmlformats.org/officeDocument/2006/relationships" xmlns:p="http://schemas.openxmlformats.org/presentationml/2006/main">
         <p:nvSpPr>
-          <p:cNvPr id="5" name="Text Placeholder 2"/>
-          <p:cNvSpPr>
-            <a:spLocks noGrp="1"/>
-          </p:cNvSpPr>
-          <p:nvPr>
-            <p:ph type="body" sz="quarter" idx="13"/>
-          </p:nvPr>
-        </p:nvSpPr>
-        <p:spPr>
-          <a:xfrm>
-            <a:off x="3048001" y="5731330"/>
-            <a:ext cx="5876796" cy="445634"/>
-          </a:xfrm>
-        </p:spPr>
-        <p:txBody>
-          <a:bodyPr/>
-          <a:lstStyle/>
-          <a:p>
-            <a:r>
-              <a:rPr/>
-              <a:t>File: ../Output/01_test/normal_distributions.pdf</a:t>
+          <p:cNvPr id="4" name="Content Placeholder 3"/>
+          <p:cNvSpPr>
+            <a:spLocks noGrp="1"/>
+          </p:cNvSpPr>
+          <p:nvPr>
+            <p:ph sz="half" idx="2"/>
+          </p:nvPr>
+        </p:nvSpPr>
+        <p:spPr>
+          <a:xfrm>
+            <a:off x="2419004" y="1205547"/>
+            <a:ext cx="6505792" cy="4971416"/>
+          </a:xfrm>
+        </p:spPr>
+        <p:txBody>
+          <a:bodyPr/>
+          <a:lstStyle/>
+          <a:p>
+            <a:pPr/>
+            <a:r>
+              <a:rPr cap="none" i="0" b="0" u="none">
+                <a:solidFill>
+                  <a:srgbClr val="000000">
+                    <a:alpha val="100000"/>
+                  </a:srgbClr>
+                </a:solidFill>
+                <a:latin typeface="Calibri"/>
+                <a:cs typeface="Calibri"/>
+                <a:ea typeface="Calibri"/>
+                <a:sym typeface="Calibri"/>
+              </a:rPr>
+              <a:t>Cars data set from R datasets</a:t>
+            </a:r>
+          </a:p>
+          <a:p>
+            <a:pPr/>
+            <a:r>
+              <a:rPr cap="none" i="0" b="0" u="none">
+                <a:solidFill>
+                  <a:srgbClr val="000000">
+                    <a:alpha val="100000"/>
+                  </a:srgbClr>
+                </a:solidFill>
+                <a:latin typeface="Calibri"/>
+                <a:cs typeface="Calibri"/>
+                <a:ea typeface="Calibri"/>
+                <a:sym typeface="Calibri"/>
+              </a:rPr>
+              <a:t>The data vie the speed of cars and distances taken to stop</a:t>
             </a:r>
           </a:p>
         </p:txBody>
       </p:sp>
       <p:sp xmlns:a="http://schemas.openxmlformats.org/drawingml/2006/main" xmlns:r="http://schemas.openxmlformats.org/officeDocument/2006/relationships" xmlns:p="http://schemas.openxmlformats.org/presentationml/2006/main">
         <p:nvSpPr>
-          <p:cNvPr id="6" name="Footer Placeholder 5"/>
+          <p:cNvPr id="5" name="Footer Placeholder 5"/>
           <p:cNvSpPr>
             <a:spLocks noGrp="1"/>
           </p:cNvSpPr>
@@ -7733,7 +7313,7 @@
           <a:p>
             <a:r>
               <a:rPr/>
-              <a:t>IQSlidedeck_IQRobjects.R | Date: 2022-03-30 13:33:43</a:t>
+              <a:t>script_IQSlidedeck.R | Date: 2022-05-17 13:24:38</a:t>
             </a:r>
           </a:p>
         </p:txBody>
@@ -7785,7 +7365,7 @@
           <a:p>
             <a:r>
               <a:rPr/>
-              <a:t>Well-known table</a:t>
+              <a:t>Two Content Right Bigger</a:t>
             </a:r>
           </a:p>
         </p:txBody>
@@ -7802,202 +7382,23 @@
         </p:nvSpPr>
         <p:spPr>
           <a:xfrm>
-            <a:off x="187891" y="1205547"/>
-            <a:ext cx="2758509" cy="4971416"/>
-          </a:xfrm>
-        </p:spPr>
-        <p:txBody>
-          <a:bodyPr/>
-          <a:lstStyle/>
-          <a:p>
-            <a:pPr/>
-            <a:r>
-              <a:rPr cap="none" i="0" b="0" u="none">
-                <a:solidFill>
-                  <a:srgbClr val="000000">
-                    <a:alpha val="100000"/>
-                  </a:srgbClr>
-                </a:solidFill>
-                <a:latin typeface="Calibri"/>
-                <a:cs typeface="Calibri"/>
-                <a:ea typeface="Calibri"/>
-                <a:sym typeface="Calibri"/>
-              </a:rPr>
-              <a:t>Used well known standard data set </a:t>
-            </a:r>
-            <a:r>
-              <a:rPr cap="none" i="0" b="0" u="none">
-                <a:solidFill>
-                  <a:srgbClr val="000000">
-                    <a:alpha val="100000"/>
-                  </a:srgbClr>
-                </a:solidFill>
-                <a:latin typeface="Consolas"/>
-                <a:cs typeface="Consolas"/>
-                <a:ea typeface="Consolas"/>
-                <a:sym typeface="Consolas"/>
-              </a:rPr>
-              <a:t>mtcars</a:t>
-            </a:r>
-          </a:p>
-          <a:p>
-            <a:pPr/>
-            <a:r>
-              <a:rPr cap="none" i="0" b="0" u="none">
-                <a:solidFill>
-                  <a:srgbClr val="000000">
-                    <a:alpha val="100000"/>
-                  </a:srgbClr>
-                </a:solidFill>
-                <a:latin typeface="Calibri"/>
-                <a:cs typeface="Calibri"/>
-                <a:ea typeface="Calibri"/>
-                <a:sym typeface="Calibri"/>
-              </a:rPr>
-              <a:t>Applied </a:t>
-            </a:r>
-            <a:r>
-              <a:rPr cap="none" i="0" b="1" u="none">
-                <a:solidFill>
-                  <a:srgbClr val="000000">
-                    <a:alpha val="100000"/>
-                  </a:srgbClr>
-                </a:solidFill>
-                <a:latin typeface="Consolas"/>
-                <a:cs typeface="Consolas"/>
-                <a:ea typeface="Consolas"/>
-                <a:sym typeface="Consolas"/>
-              </a:rPr>
-              <a:t>IQRoutputTable</a:t>
-            </a:r>
-            <a:r>
-              <a:rPr cap="none" i="0" b="0" u="none">
-                <a:solidFill>
-                  <a:srgbClr val="000000">
-                    <a:alpha val="100000"/>
-                  </a:srgbClr>
-                </a:solidFill>
-                <a:latin typeface="Calibri"/>
-                <a:cs typeface="Calibri"/>
-                <a:ea typeface="Calibri"/>
-                <a:sym typeface="Calibri"/>
-              </a:rPr>
-              <a:t> with arguments </a:t>
-            </a:r>
-            <a:r>
-              <a:rPr cap="none" i="0" b="0" u="none">
-                <a:solidFill>
-                  <a:srgbClr val="000000">
-                    <a:alpha val="100000"/>
-                  </a:srgbClr>
-                </a:solidFill>
-                <a:latin typeface="Consolas"/>
-                <a:cs typeface="Consolas"/>
-                <a:ea typeface="Consolas"/>
-                <a:sym typeface="Consolas"/>
-              </a:rPr>
-              <a:t>xfooter</a:t>
-            </a:r>
-            <a:r>
-              <a:rPr cap="none" i="0" b="0" u="none">
-                <a:solidFill>
-                  <a:srgbClr val="000000">
-                    <a:alpha val="100000"/>
-                  </a:srgbClr>
-                </a:solidFill>
-                <a:latin typeface="Calibri"/>
-                <a:cs typeface="Calibri"/>
-                <a:ea typeface="Calibri"/>
-                <a:sym typeface="Calibri"/>
-              </a:rPr>
-              <a:t> and </a:t>
-            </a:r>
-            <a:r>
-              <a:rPr cap="none" i="0" b="0" u="none">
-                <a:solidFill>
-                  <a:srgbClr val="000000">
-                    <a:alpha val="100000"/>
-                  </a:srgbClr>
-                </a:solidFill>
-                <a:latin typeface="Consolas"/>
-                <a:cs typeface="Consolas"/>
-                <a:ea typeface="Consolas"/>
-                <a:sym typeface="Consolas"/>
-              </a:rPr>
-              <a:t>filename</a:t>
-            </a:r>
-          </a:p>
-          <a:p>
-            <a:pPr/>
-            <a:r>
-              <a:rPr cap="none" i="0" b="0" u="none">
-                <a:solidFill>
-                  <a:srgbClr val="000000">
-                    <a:alpha val="100000"/>
-                  </a:srgbClr>
-                </a:solidFill>
-                <a:latin typeface="Calibri"/>
-                <a:cs typeface="Calibri"/>
-                <a:ea typeface="Calibri"/>
-                <a:sym typeface="Calibri"/>
-              </a:rPr>
-              <a:t>Called </a:t>
-            </a:r>
-            <a:r>
-              <a:rPr cap="none" i="0" b="0" u="none">
-                <a:solidFill>
-                  <a:srgbClr val="000000">
-                    <a:alpha val="100000"/>
-                  </a:srgbClr>
-                </a:solidFill>
-                <a:latin typeface="Consolas"/>
-                <a:cs typeface="Consolas"/>
-                <a:ea typeface="Consolas"/>
-                <a:sym typeface="Consolas"/>
-              </a:rPr>
-              <a:t>IQRoutputPPTX</a:t>
-            </a:r>
-            <a:r>
-              <a:rPr cap="none" i="0" b="0" u="none">
-                <a:solidFill>
-                  <a:srgbClr val="000000">
-                    <a:alpha val="100000"/>
-                  </a:srgbClr>
-                </a:solidFill>
-                <a:latin typeface="Calibri"/>
-                <a:cs typeface="Calibri"/>
-                <a:ea typeface="Calibri"/>
-                <a:sym typeface="Calibri"/>
-              </a:rPr>
-              <a:t> with bullet point list and </a:t>
-            </a:r>
-            <a:r>
-              <a:rPr cap="none" i="0" b="0" u="none">
-                <a:solidFill>
-                  <a:srgbClr val="000000">
-                    <a:alpha val="100000"/>
-                  </a:srgbClr>
-                </a:solidFill>
-                <a:latin typeface="Consolas"/>
-                <a:cs typeface="Consolas"/>
-                <a:ea typeface="Consolas"/>
-                <a:sym typeface="Consolas"/>
-              </a:rPr>
-              <a:t>IQRoutputTable</a:t>
-            </a:r>
-            <a:r>
-              <a:rPr cap="none" i="0" b="0" u="none">
-                <a:solidFill>
-                  <a:srgbClr val="000000">
-                    <a:alpha val="100000"/>
-                  </a:srgbClr>
-                </a:solidFill>
-                <a:latin typeface="Calibri"/>
-                <a:cs typeface="Calibri"/>
-                <a:ea typeface="Calibri"/>
-                <a:sym typeface="Calibri"/>
-              </a:rPr>
-              <a:t> object</a:t>
+            <a:off x="187892" y="1205547"/>
+            <a:ext cx="2170133" cy="4971416"/>
+          </a:xfrm>
+        </p:spPr>
+        <p:txBody>
+          <a:bodyPr/>
+          <a:lstStyle/>
+          <a:p>
+            <a:r>
+              <a:rPr/>
+              <a:t>Cars data set from R datasets</a:t>
+            </a:r>
+          </a:p>
+          <a:p>
+            <a:r>
+              <a:rPr/>
+              <a:t>The data vie the speed of cars and distances taken to stop</a:t>
             </a:r>
           </a:p>
         </p:txBody>
@@ -8020,8 +7421,8 @@
         </p:blipFill>
         <p:spPr>
           <a:xfrm>
-            <a:off x="3048000" y="1205548"/>
-            <a:ext cx="5876795" cy="4446906"/>
+            <a:off x="2419004" y="1205547"/>
+            <a:ext cx="6505792" cy="4971416"/>
           </a:xfrm>
           <a:prstGeom prst="rect">
             <a:avLst/>
@@ -8030,35 +7431,7 @@
       </p:pic>
       <p:sp xmlns:a="http://schemas.openxmlformats.org/drawingml/2006/main" xmlns:r="http://schemas.openxmlformats.org/officeDocument/2006/relationships" xmlns:p="http://schemas.openxmlformats.org/presentationml/2006/main">
         <p:nvSpPr>
-          <p:cNvPr id="5" name="Text Placeholder 2"/>
-          <p:cNvSpPr>
-            <a:spLocks noGrp="1"/>
-          </p:cNvSpPr>
-          <p:nvPr>
-            <p:ph type="body" sz="quarter" idx="13"/>
-          </p:nvPr>
-        </p:nvSpPr>
-        <p:spPr>
-          <a:xfrm>
-            <a:off x="3048001" y="5731330"/>
-            <a:ext cx="5876796" cy="445634"/>
-          </a:xfrm>
-        </p:spPr>
-        <p:txBody>
-          <a:bodyPr/>
-          <a:lstStyle/>
-          <a:p>
-            <a:r>
-              <a:rPr/>
-              <a:t>See R datasets::mtcars
-File: ../Output/01_test/cars_table.txt</a:t>
-            </a:r>
-          </a:p>
-        </p:txBody>
-      </p:sp>
-      <p:sp xmlns:a="http://schemas.openxmlformats.org/drawingml/2006/main" xmlns:r="http://schemas.openxmlformats.org/officeDocument/2006/relationships" xmlns:p="http://schemas.openxmlformats.org/presentationml/2006/main">
-        <p:nvSpPr>
-          <p:cNvPr id="6" name="Footer Placeholder 5"/>
+          <p:cNvPr id="5" name="Footer Placeholder 5"/>
           <p:cNvSpPr>
             <a:spLocks noGrp="1"/>
           </p:cNvSpPr>
@@ -8078,7 +7451,7 @@
           <a:p>
             <a:r>
               <a:rPr/>
-              <a:t>IQSlidedeck_IQRobjects.R | Date: 2022-03-30 13:33:44</a:t>
+              <a:t>script_IQSlidedeck.R | Date: 2022-05-17 13:24:38</a:t>
             </a:r>
           </a:p>
         </p:txBody>
@@ -8120,8 +7493,8 @@
         </p:nvSpPr>
         <p:spPr>
           <a:xfrm>
-            <a:off x="-1" y="1"/>
-            <a:ext cx="3600000" cy="6857999"/>
+            <a:off x="0" y="2212522"/>
+            <a:ext cx="6435247" cy="1506735"/>
           </a:xfrm>
         </p:spPr>
         <p:txBody>
@@ -8130,87 +7503,7 @@
           <a:p>
             <a:r>
               <a:rPr/>
-              <a:t>Plotting white noise and testing the wide title layout</a:t>
-            </a:r>
-          </a:p>
-        </p:txBody>
-      </p:sp>
-      <p:pic xmlns:a="http://schemas.openxmlformats.org/drawingml/2006/main" xmlns:r="http://schemas.openxmlformats.org/officeDocument/2006/relationships" xmlns:p="http://schemas.openxmlformats.org/presentationml/2006/main">
-        <p:nvPicPr>
-          <p:cNvPr id="3" name="Content Placeholder 2" descr=""/>
-          <p:cNvPicPr>
-            <a:picLocks noGrp="1"/>
-          </p:cNvPicPr>
-          <p:nvPr>
-            <p:ph idx="1"/>
-          </p:nvPr>
-        </p:nvPicPr>
-        <p:blipFill>
-          <a:blip cstate="print" r:embed="rId2"/>
-          <a:stretch>
-            <a:fillRect/>
-          </a:stretch>
-        </p:blipFill>
-        <p:spPr>
-          <a:xfrm>
-            <a:off x="3716215" y="136524"/>
-            <a:ext cx="5208581" cy="5570313"/>
-          </a:xfrm>
-          <a:prstGeom prst="rect">
-            <a:avLst/>
-          </a:prstGeom>
-        </p:spPr>
-      </p:pic>
-      <p:sp xmlns:a="http://schemas.openxmlformats.org/drawingml/2006/main" xmlns:r="http://schemas.openxmlformats.org/officeDocument/2006/relationships" xmlns:p="http://schemas.openxmlformats.org/presentationml/2006/main">
-        <p:nvSpPr>
-          <p:cNvPr id="4" name="Text Placeholder 8"/>
-          <p:cNvSpPr>
-            <a:spLocks noGrp="1"/>
-          </p:cNvSpPr>
-          <p:nvPr>
-            <p:ph type="body" sz="quarter" idx="13"/>
-          </p:nvPr>
-        </p:nvSpPr>
-        <p:spPr>
-          <a:xfrm>
-            <a:off x="3716215" y="5816375"/>
-            <a:ext cx="5208581" cy="365125"/>
-          </a:xfrm>
-        </p:spPr>
-        <p:txBody>
-          <a:bodyPr/>
-          <a:lstStyle/>
-          <a:p>
-            <a:r>
-              <a:rPr/>
-              <a:t>File: ../Output/01_test/subset_normal_distributions.pdf</a:t>
-            </a:r>
-          </a:p>
-        </p:txBody>
-      </p:sp>
-      <p:sp xmlns:a="http://schemas.openxmlformats.org/drawingml/2006/main" xmlns:r="http://schemas.openxmlformats.org/officeDocument/2006/relationships" xmlns:p="http://schemas.openxmlformats.org/presentationml/2006/main">
-        <p:nvSpPr>
-          <p:cNvPr id="5" name="Footer Placeholder 4"/>
-          <p:cNvSpPr>
-            <a:spLocks noGrp="1"/>
-          </p:cNvSpPr>
-          <p:nvPr>
-            <p:ph type="ftr" sz="quarter" idx="11"/>
-          </p:nvPr>
-        </p:nvSpPr>
-        <p:spPr>
-          <a:xfrm>
-            <a:off x="3695178" y="6356350"/>
-            <a:ext cx="4353577" cy="365125"/>
-          </a:xfrm>
-        </p:spPr>
-        <p:txBody>
-          <a:bodyPr/>
-          <a:lstStyle/>
-          <a:p>
-            <a:r>
-              <a:rPr/>
-              <a:t>IQSlidedeck_IQRobjects.R | Date: 2022-03-30 13:33:46</a:t>
+              <a:t>Test IQR Objects</a:t>
             </a:r>
           </a:p>
         </p:txBody>
@@ -8262,19 +7555,273 @@
           <a:p>
             <a:r>
               <a:rPr/>
-              <a:t>Cars data set</a:t>
+              <a:t>Plotting white noise (1)</a:t>
+            </a:r>
+          </a:p>
+        </p:txBody>
+      </p:sp>
+      <p:sp xmlns:a="http://schemas.openxmlformats.org/drawingml/2006/main" xmlns:r="http://schemas.openxmlformats.org/officeDocument/2006/relationships" xmlns:p="http://schemas.openxmlformats.org/presentationml/2006/main">
+        <p:nvSpPr>
+          <p:cNvPr id="3" name="Content Placeholder 2"/>
+          <p:cNvSpPr>
+            <a:spLocks noGrp="1"/>
+          </p:cNvSpPr>
+          <p:nvPr>
+            <p:ph sz="half" idx="1"/>
+          </p:nvPr>
+        </p:nvSpPr>
+        <p:spPr>
+          <a:xfrm>
+            <a:off x="187891" y="1205547"/>
+            <a:ext cx="2758509" cy="4971416"/>
+          </a:xfrm>
+        </p:spPr>
+        <p:txBody>
+          <a:bodyPr/>
+          <a:lstStyle/>
+          <a:p>
+            <a:pPr/>
+            <a:r>
+              <a:rPr cap="none" i="0" b="0" u="none">
+                <a:solidFill>
+                  <a:srgbClr val="000000">
+                    <a:alpha val="100000"/>
+                  </a:srgbClr>
+                </a:solidFill>
+                <a:latin typeface="Calibri"/>
+                <a:cs typeface="Calibri"/>
+                <a:ea typeface="Calibri"/>
+                <a:sym typeface="Calibri"/>
+              </a:rPr>
+              <a:t>A list of ggplot objects was created</a:t>
+            </a:r>
+          </a:p>
+          <a:p>
+            <a:pPr/>
+            <a:r>
+              <a:rPr cap="none" i="0" b="0" u="none">
+                <a:solidFill>
+                  <a:srgbClr val="000000">
+                    <a:alpha val="100000"/>
+                  </a:srgbClr>
+                </a:solidFill>
+                <a:latin typeface="Calibri"/>
+                <a:cs typeface="Calibri"/>
+                <a:ea typeface="Calibri"/>
+                <a:sym typeface="Calibri"/>
+              </a:rPr>
+              <a:t>Called </a:t>
+            </a:r>
+            <a:r>
+              <a:rPr cap="none" i="0" b="1" u="none">
+                <a:solidFill>
+                  <a:srgbClr val="000000">
+                    <a:alpha val="100000"/>
+                  </a:srgbClr>
+                </a:solidFill>
+                <a:latin typeface="Consolas"/>
+                <a:cs typeface="Consolas"/>
+                <a:ea typeface="Consolas"/>
+                <a:sym typeface="Consolas"/>
+              </a:rPr>
+              <a:t>IQRoutputFigure</a:t>
+            </a:r>
+            <a:r>
+              <a:rPr cap="none" i="0" b="0" u="none">
+                <a:solidFill>
+                  <a:srgbClr val="000000">
+                    <a:alpha val="100000"/>
+                  </a:srgbClr>
+                </a:solidFill>
+                <a:latin typeface="Calibri"/>
+                <a:cs typeface="Calibri"/>
+                <a:ea typeface="Calibri"/>
+                <a:sym typeface="Calibri"/>
+              </a:rPr>
+              <a:t> with arguments </a:t>
+            </a:r>
+            <a:r>
+              <a:rPr cap="none" i="0" b="0" u="none">
+                <a:solidFill>
+                  <a:srgbClr val="000000">
+                    <a:alpha val="100000"/>
+                  </a:srgbClr>
+                </a:solidFill>
+                <a:latin typeface="Consolas"/>
+                <a:cs typeface="Consolas"/>
+                <a:ea typeface="Consolas"/>
+                <a:sym typeface="Consolas"/>
+              </a:rPr>
+              <a:t>nrow</a:t>
+            </a:r>
+            <a:r>
+              <a:rPr cap="none" i="0" b="0" u="none">
+                <a:solidFill>
+                  <a:srgbClr val="000000">
+                    <a:alpha val="100000"/>
+                  </a:srgbClr>
+                </a:solidFill>
+                <a:latin typeface="Calibri"/>
+                <a:cs typeface="Calibri"/>
+                <a:ea typeface="Calibri"/>
+                <a:sym typeface="Calibri"/>
+              </a:rPr>
+              <a:t>, </a:t>
+            </a:r>
+            <a:r>
+              <a:rPr cap="none" i="0" b="0" u="none">
+                <a:solidFill>
+                  <a:srgbClr val="000000">
+                    <a:alpha val="100000"/>
+                  </a:srgbClr>
+                </a:solidFill>
+                <a:latin typeface="Consolas"/>
+                <a:cs typeface="Consolas"/>
+                <a:ea typeface="Consolas"/>
+                <a:sym typeface="Consolas"/>
+              </a:rPr>
+              <a:t>ncol</a:t>
+            </a:r>
+            <a:r>
+              <a:rPr cap="none" i="0" b="0" u="none">
+                <a:solidFill>
+                  <a:srgbClr val="000000">
+                    <a:alpha val="100000"/>
+                  </a:srgbClr>
+                </a:solidFill>
+                <a:latin typeface="Calibri"/>
+                <a:cs typeface="Calibri"/>
+                <a:ea typeface="Calibri"/>
+                <a:sym typeface="Calibri"/>
+              </a:rPr>
+              <a:t>, </a:t>
+            </a:r>
+            <a:r>
+              <a:rPr cap="none" i="0" b="0" u="none">
+                <a:solidFill>
+                  <a:srgbClr val="000000">
+                    <a:alpha val="100000"/>
+                  </a:srgbClr>
+                </a:solidFill>
+                <a:latin typeface="Consolas"/>
+                <a:cs typeface="Consolas"/>
+                <a:ea typeface="Consolas"/>
+                <a:sym typeface="Consolas"/>
+              </a:rPr>
+              <a:t>footer</a:t>
+            </a:r>
+            <a:r>
+              <a:rPr cap="none" i="0" b="0" u="none">
+                <a:solidFill>
+                  <a:srgbClr val="000000">
+                    <a:alpha val="100000"/>
+                  </a:srgbClr>
+                </a:solidFill>
+                <a:latin typeface="Calibri"/>
+                <a:cs typeface="Calibri"/>
+                <a:ea typeface="Calibri"/>
+                <a:sym typeface="Calibri"/>
+              </a:rPr>
+              <a:t> and </a:t>
+            </a:r>
+            <a:r>
+              <a:rPr cap="none" i="0" b="0" u="none">
+                <a:solidFill>
+                  <a:srgbClr val="000000">
+                    <a:alpha val="100000"/>
+                  </a:srgbClr>
+                </a:solidFill>
+                <a:latin typeface="Consolas"/>
+                <a:cs typeface="Consolas"/>
+                <a:ea typeface="Consolas"/>
+                <a:sym typeface="Consolas"/>
+              </a:rPr>
+              <a:t>filename</a:t>
+            </a:r>
+          </a:p>
+          <a:p>
+            <a:pPr/>
+            <a:r>
+              <a:rPr cap="none" i="0" b="0" u="none">
+                <a:solidFill>
+                  <a:srgbClr val="000000">
+                    <a:alpha val="100000"/>
+                  </a:srgbClr>
+                </a:solidFill>
+                <a:latin typeface="Calibri"/>
+                <a:cs typeface="Calibri"/>
+                <a:ea typeface="Calibri"/>
+                <a:sym typeface="Calibri"/>
+              </a:rPr>
+              <a:t>Called </a:t>
+            </a:r>
+            <a:r>
+              <a:rPr cap="none" i="0" b="0" u="none">
+                <a:solidFill>
+                  <a:srgbClr val="000000">
+                    <a:alpha val="100000"/>
+                  </a:srgbClr>
+                </a:solidFill>
+                <a:latin typeface="Consolas"/>
+                <a:cs typeface="Consolas"/>
+                <a:ea typeface="Consolas"/>
+                <a:sym typeface="Consolas"/>
+              </a:rPr>
+              <a:t>IQRoutputPPTX</a:t>
+            </a:r>
+            <a:r>
+              <a:rPr cap="none" i="0" b="0" u="none">
+                <a:solidFill>
+                  <a:srgbClr val="000000">
+                    <a:alpha val="100000"/>
+                  </a:srgbClr>
+                </a:solidFill>
+                <a:latin typeface="Calibri"/>
+                <a:cs typeface="Calibri"/>
+                <a:ea typeface="Calibri"/>
+                <a:sym typeface="Calibri"/>
+              </a:rPr>
+              <a:t> with bullet point list and </a:t>
+            </a:r>
+            <a:r>
+              <a:rPr cap="none" i="0" b="0" u="none">
+                <a:solidFill>
+                  <a:srgbClr val="000000">
+                    <a:alpha val="100000"/>
+                  </a:srgbClr>
+                </a:solidFill>
+                <a:latin typeface="Consolas"/>
+                <a:cs typeface="Consolas"/>
+                <a:ea typeface="Consolas"/>
+                <a:sym typeface="Consolas"/>
+              </a:rPr>
+              <a:t>IQRoutputFigure</a:t>
+            </a:r>
+            <a:r>
+              <a:rPr cap="none" i="0" b="0" u="none">
+                <a:solidFill>
+                  <a:srgbClr val="000000">
+                    <a:alpha val="100000"/>
+                  </a:srgbClr>
+                </a:solidFill>
+                <a:latin typeface="Calibri"/>
+                <a:cs typeface="Calibri"/>
+                <a:ea typeface="Calibri"/>
+                <a:sym typeface="Calibri"/>
+              </a:rPr>
+              <a:t> object.</a:t>
             </a:r>
           </a:p>
         </p:txBody>
       </p:sp>
       <p:pic xmlns:a="http://schemas.openxmlformats.org/drawingml/2006/main" xmlns:r="http://schemas.openxmlformats.org/officeDocument/2006/relationships" xmlns:p="http://schemas.openxmlformats.org/presentationml/2006/main">
         <p:nvPicPr>
-          <p:cNvPr id="3" name="Content Placeholder 2" descr=""/>
+          <p:cNvPr id="4" name="Content Placeholder 3" descr=""/>
           <p:cNvPicPr>
             <a:picLocks noGrp="1"/>
           </p:cNvPicPr>
           <p:nvPr>
-            <p:ph idx="1"/>
+            <p:ph sz="half" idx="2"/>
           </p:nvPr>
         </p:nvPicPr>
         <p:blipFill>
@@ -8285,8 +7832,8 @@
         </p:blipFill>
         <p:spPr>
           <a:xfrm>
-            <a:off x="187891" y="1227552"/>
-            <a:ext cx="8736905" cy="4479285"/>
+            <a:off x="3048000" y="1205548"/>
+            <a:ext cx="5876795" cy="4446906"/>
           </a:xfrm>
           <a:prstGeom prst="rect">
             <a:avLst/>
@@ -8295,7 +7842,7 @@
       </p:pic>
       <p:sp xmlns:a="http://schemas.openxmlformats.org/drawingml/2006/main" xmlns:r="http://schemas.openxmlformats.org/officeDocument/2006/relationships" xmlns:p="http://schemas.openxmlformats.org/presentationml/2006/main">
         <p:nvSpPr>
-          <p:cNvPr id="4" name="Text Placeholder 8"/>
+          <p:cNvPr id="5" name="Text Placeholder 2"/>
           <p:cNvSpPr>
             <a:spLocks noGrp="1"/>
           </p:cNvSpPr>
@@ -8305,8 +7852,8 @@
         </p:nvSpPr>
         <p:spPr>
           <a:xfrm>
-            <a:off x="187891" y="5816375"/>
-            <a:ext cx="8736905" cy="365125"/>
+            <a:off x="3048001" y="5731330"/>
+            <a:ext cx="5876796" cy="445634"/>
           </a:xfrm>
         </p:spPr>
         <p:txBody>
@@ -8315,15 +7862,14 @@
           <a:p>
             <a:r>
               <a:rPr/>
-              <a:t>See R datasets::mtcars
-File: ../Output/01_test/cars_table.txt</a:t>
+              <a:t>File: ../Output/01_test/normal_distributions.pdf</a:t>
             </a:r>
           </a:p>
         </p:txBody>
       </p:sp>
       <p:sp xmlns:a="http://schemas.openxmlformats.org/drawingml/2006/main" xmlns:r="http://schemas.openxmlformats.org/officeDocument/2006/relationships" xmlns:p="http://schemas.openxmlformats.org/presentationml/2006/main">
         <p:nvSpPr>
-          <p:cNvPr id="5" name="Footer Placeholder 4"/>
+          <p:cNvPr id="6" name="Footer Placeholder 5"/>
           <p:cNvSpPr>
             <a:spLocks noGrp="1"/>
           </p:cNvSpPr>
@@ -8343,7 +7889,7 @@
           <a:p>
             <a:r>
               <a:rPr/>
-              <a:t>IQSlidedeck_IQRobjects.R | Date: 2022-03-30 13:33:48</a:t>
+              <a:t>IQSlidedeck_IQRobjects.R | Date: 2022-05-17 13:25:20</a:t>
             </a:r>
           </a:p>
         </p:txBody>
@@ -8447,19 +7993,273 @@
           <a:p>
             <a:r>
               <a:rPr/>
-              <a:t/>
+              <a:t>Plotting white noise (2)</a:t>
+            </a:r>
+          </a:p>
+        </p:txBody>
+      </p:sp>
+      <p:sp xmlns:a="http://schemas.openxmlformats.org/drawingml/2006/main" xmlns:r="http://schemas.openxmlformats.org/officeDocument/2006/relationships" xmlns:p="http://schemas.openxmlformats.org/presentationml/2006/main">
+        <p:nvSpPr>
+          <p:cNvPr id="3" name="Content Placeholder 2"/>
+          <p:cNvSpPr>
+            <a:spLocks noGrp="1"/>
+          </p:cNvSpPr>
+          <p:nvPr>
+            <p:ph sz="half" idx="1"/>
+          </p:nvPr>
+        </p:nvSpPr>
+        <p:spPr>
+          <a:xfrm>
+            <a:off x="187891" y="1205547"/>
+            <a:ext cx="2758509" cy="4971416"/>
+          </a:xfrm>
+        </p:spPr>
+        <p:txBody>
+          <a:bodyPr/>
+          <a:lstStyle/>
+          <a:p>
+            <a:pPr/>
+            <a:r>
+              <a:rPr cap="none" i="0" b="0" u="none">
+                <a:solidFill>
+                  <a:srgbClr val="000000">
+                    <a:alpha val="100000"/>
+                  </a:srgbClr>
+                </a:solidFill>
+                <a:latin typeface="Calibri"/>
+                <a:cs typeface="Calibri"/>
+                <a:ea typeface="Calibri"/>
+                <a:sym typeface="Calibri"/>
+              </a:rPr>
+              <a:t>A list of ggplot objects was created</a:t>
+            </a:r>
+          </a:p>
+          <a:p>
+            <a:pPr/>
+            <a:r>
+              <a:rPr cap="none" i="0" b="0" u="none">
+                <a:solidFill>
+                  <a:srgbClr val="000000">
+                    <a:alpha val="100000"/>
+                  </a:srgbClr>
+                </a:solidFill>
+                <a:latin typeface="Calibri"/>
+                <a:cs typeface="Calibri"/>
+                <a:ea typeface="Calibri"/>
+                <a:sym typeface="Calibri"/>
+              </a:rPr>
+              <a:t>Called </a:t>
+            </a:r>
+            <a:r>
+              <a:rPr cap="none" i="0" b="1" u="none">
+                <a:solidFill>
+                  <a:srgbClr val="000000">
+                    <a:alpha val="100000"/>
+                  </a:srgbClr>
+                </a:solidFill>
+                <a:latin typeface="Consolas"/>
+                <a:cs typeface="Consolas"/>
+                <a:ea typeface="Consolas"/>
+                <a:sym typeface="Consolas"/>
+              </a:rPr>
+              <a:t>IQRoutputFigure</a:t>
+            </a:r>
+            <a:r>
+              <a:rPr cap="none" i="0" b="0" u="none">
+                <a:solidFill>
+                  <a:srgbClr val="000000">
+                    <a:alpha val="100000"/>
+                  </a:srgbClr>
+                </a:solidFill>
+                <a:latin typeface="Calibri"/>
+                <a:cs typeface="Calibri"/>
+                <a:ea typeface="Calibri"/>
+                <a:sym typeface="Calibri"/>
+              </a:rPr>
+              <a:t> with arguments </a:t>
+            </a:r>
+            <a:r>
+              <a:rPr cap="none" i="0" b="0" u="none">
+                <a:solidFill>
+                  <a:srgbClr val="000000">
+                    <a:alpha val="100000"/>
+                  </a:srgbClr>
+                </a:solidFill>
+                <a:latin typeface="Consolas"/>
+                <a:cs typeface="Consolas"/>
+                <a:ea typeface="Consolas"/>
+                <a:sym typeface="Consolas"/>
+              </a:rPr>
+              <a:t>nrow</a:t>
+            </a:r>
+            <a:r>
+              <a:rPr cap="none" i="0" b="0" u="none">
+                <a:solidFill>
+                  <a:srgbClr val="000000">
+                    <a:alpha val="100000"/>
+                  </a:srgbClr>
+                </a:solidFill>
+                <a:latin typeface="Calibri"/>
+                <a:cs typeface="Calibri"/>
+                <a:ea typeface="Calibri"/>
+                <a:sym typeface="Calibri"/>
+              </a:rPr>
+              <a:t>, </a:t>
+            </a:r>
+            <a:r>
+              <a:rPr cap="none" i="0" b="0" u="none">
+                <a:solidFill>
+                  <a:srgbClr val="000000">
+                    <a:alpha val="100000"/>
+                  </a:srgbClr>
+                </a:solidFill>
+                <a:latin typeface="Consolas"/>
+                <a:cs typeface="Consolas"/>
+                <a:ea typeface="Consolas"/>
+                <a:sym typeface="Consolas"/>
+              </a:rPr>
+              <a:t>ncol</a:t>
+            </a:r>
+            <a:r>
+              <a:rPr cap="none" i="0" b="0" u="none">
+                <a:solidFill>
+                  <a:srgbClr val="000000">
+                    <a:alpha val="100000"/>
+                  </a:srgbClr>
+                </a:solidFill>
+                <a:latin typeface="Calibri"/>
+                <a:cs typeface="Calibri"/>
+                <a:ea typeface="Calibri"/>
+                <a:sym typeface="Calibri"/>
+              </a:rPr>
+              <a:t>, </a:t>
+            </a:r>
+            <a:r>
+              <a:rPr cap="none" i="0" b="0" u="none">
+                <a:solidFill>
+                  <a:srgbClr val="000000">
+                    <a:alpha val="100000"/>
+                  </a:srgbClr>
+                </a:solidFill>
+                <a:latin typeface="Consolas"/>
+                <a:cs typeface="Consolas"/>
+                <a:ea typeface="Consolas"/>
+                <a:sym typeface="Consolas"/>
+              </a:rPr>
+              <a:t>footer</a:t>
+            </a:r>
+            <a:r>
+              <a:rPr cap="none" i="0" b="0" u="none">
+                <a:solidFill>
+                  <a:srgbClr val="000000">
+                    <a:alpha val="100000"/>
+                  </a:srgbClr>
+                </a:solidFill>
+                <a:latin typeface="Calibri"/>
+                <a:cs typeface="Calibri"/>
+                <a:ea typeface="Calibri"/>
+                <a:sym typeface="Calibri"/>
+              </a:rPr>
+              <a:t> and </a:t>
+            </a:r>
+            <a:r>
+              <a:rPr cap="none" i="0" b="0" u="none">
+                <a:solidFill>
+                  <a:srgbClr val="000000">
+                    <a:alpha val="100000"/>
+                  </a:srgbClr>
+                </a:solidFill>
+                <a:latin typeface="Consolas"/>
+                <a:cs typeface="Consolas"/>
+                <a:ea typeface="Consolas"/>
+                <a:sym typeface="Consolas"/>
+              </a:rPr>
+              <a:t>filename</a:t>
+            </a:r>
+          </a:p>
+          <a:p>
+            <a:pPr/>
+            <a:r>
+              <a:rPr cap="none" i="0" b="0" u="none">
+                <a:solidFill>
+                  <a:srgbClr val="000000">
+                    <a:alpha val="100000"/>
+                  </a:srgbClr>
+                </a:solidFill>
+                <a:latin typeface="Calibri"/>
+                <a:cs typeface="Calibri"/>
+                <a:ea typeface="Calibri"/>
+                <a:sym typeface="Calibri"/>
+              </a:rPr>
+              <a:t>Called </a:t>
+            </a:r>
+            <a:r>
+              <a:rPr cap="none" i="0" b="0" u="none">
+                <a:solidFill>
+                  <a:srgbClr val="000000">
+                    <a:alpha val="100000"/>
+                  </a:srgbClr>
+                </a:solidFill>
+                <a:latin typeface="Consolas"/>
+                <a:cs typeface="Consolas"/>
+                <a:ea typeface="Consolas"/>
+                <a:sym typeface="Consolas"/>
+              </a:rPr>
+              <a:t>IQRoutputPPTX</a:t>
+            </a:r>
+            <a:r>
+              <a:rPr cap="none" i="0" b="0" u="none">
+                <a:solidFill>
+                  <a:srgbClr val="000000">
+                    <a:alpha val="100000"/>
+                  </a:srgbClr>
+                </a:solidFill>
+                <a:latin typeface="Calibri"/>
+                <a:cs typeface="Calibri"/>
+                <a:ea typeface="Calibri"/>
+                <a:sym typeface="Calibri"/>
+              </a:rPr>
+              <a:t> with bullet point list and </a:t>
+            </a:r>
+            <a:r>
+              <a:rPr cap="none" i="0" b="0" u="none">
+                <a:solidFill>
+                  <a:srgbClr val="000000">
+                    <a:alpha val="100000"/>
+                  </a:srgbClr>
+                </a:solidFill>
+                <a:latin typeface="Consolas"/>
+                <a:cs typeface="Consolas"/>
+                <a:ea typeface="Consolas"/>
+                <a:sym typeface="Consolas"/>
+              </a:rPr>
+              <a:t>IQRoutputFigure</a:t>
+            </a:r>
+            <a:r>
+              <a:rPr cap="none" i="0" b="0" u="none">
+                <a:solidFill>
+                  <a:srgbClr val="000000">
+                    <a:alpha val="100000"/>
+                  </a:srgbClr>
+                </a:solidFill>
+                <a:latin typeface="Calibri"/>
+                <a:cs typeface="Calibri"/>
+                <a:ea typeface="Calibri"/>
+                <a:sym typeface="Calibri"/>
+              </a:rPr>
+              <a:t> object.</a:t>
             </a:r>
           </a:p>
         </p:txBody>
       </p:sp>
       <p:pic xmlns:a="http://schemas.openxmlformats.org/drawingml/2006/main" xmlns:r="http://schemas.openxmlformats.org/officeDocument/2006/relationships" xmlns:p="http://schemas.openxmlformats.org/presentationml/2006/main">
         <p:nvPicPr>
-          <p:cNvPr id="3" name="Content Placeholder 2" descr=""/>
+          <p:cNvPr id="4" name="Content Placeholder 3" descr=""/>
           <p:cNvPicPr>
             <a:picLocks noGrp="1"/>
           </p:cNvPicPr>
           <p:nvPr>
-            <p:ph sz="half" idx="1"/>
+            <p:ph sz="half" idx="2"/>
           </p:nvPr>
         </p:nvPicPr>
         <p:blipFill>
@@ -8470,6 +8270,1134 @@
         </p:blipFill>
         <p:spPr>
           <a:xfrm>
+            <a:off x="3048000" y="1205548"/>
+            <a:ext cx="5876795" cy="4446906"/>
+          </a:xfrm>
+          <a:prstGeom prst="rect">
+            <a:avLst/>
+          </a:prstGeom>
+        </p:spPr>
+      </p:pic>
+      <p:sp xmlns:a="http://schemas.openxmlformats.org/drawingml/2006/main" xmlns:r="http://schemas.openxmlformats.org/officeDocument/2006/relationships" xmlns:p="http://schemas.openxmlformats.org/presentationml/2006/main">
+        <p:nvSpPr>
+          <p:cNvPr id="5" name="Text Placeholder 2"/>
+          <p:cNvSpPr>
+            <a:spLocks noGrp="1"/>
+          </p:cNvSpPr>
+          <p:nvPr>
+            <p:ph type="body" sz="quarter" idx="13"/>
+          </p:nvPr>
+        </p:nvSpPr>
+        <p:spPr>
+          <a:xfrm>
+            <a:off x="3048001" y="5731330"/>
+            <a:ext cx="5876796" cy="445634"/>
+          </a:xfrm>
+        </p:spPr>
+        <p:txBody>
+          <a:bodyPr/>
+          <a:lstStyle/>
+          <a:p>
+            <a:r>
+              <a:rPr/>
+              <a:t>File: ../Output/01_test/normal_distributions.pdf</a:t>
+            </a:r>
+          </a:p>
+        </p:txBody>
+      </p:sp>
+      <p:sp xmlns:a="http://schemas.openxmlformats.org/drawingml/2006/main" xmlns:r="http://schemas.openxmlformats.org/officeDocument/2006/relationships" xmlns:p="http://schemas.openxmlformats.org/presentationml/2006/main">
+        <p:nvSpPr>
+          <p:cNvPr id="6" name="Footer Placeholder 5"/>
+          <p:cNvSpPr>
+            <a:spLocks noGrp="1"/>
+          </p:cNvSpPr>
+          <p:nvPr>
+            <p:ph type="ftr" sz="quarter" idx="11"/>
+          </p:nvPr>
+        </p:nvSpPr>
+        <p:spPr>
+          <a:xfrm>
+            <a:off x="2358025" y="6356351"/>
+            <a:ext cx="4382072" cy="365125"/>
+          </a:xfrm>
+        </p:spPr>
+        <p:txBody>
+          <a:bodyPr/>
+          <a:lstStyle/>
+          <a:p>
+            <a:r>
+              <a:rPr/>
+              <a:t>IQSlidedeck_IQRobjects.R | Date: 2022-05-17 13:25:20</a:t>
+            </a:r>
+          </a:p>
+        </p:txBody>
+      </p:sp>
+    </p:spTree>
+  </p:cSld>
+  <p:clrMapOvr>
+    <a:masterClrMapping/>
+  </p:clrMapOvr>
+</p:sld>
+</file>
+
+<file path=ppt/slides/slide21.xml><?xml version="1.0" encoding="utf-8"?>
+<p:sld xmlns:a="http://schemas.openxmlformats.org/drawingml/2006/main" xmlns:r="http://schemas.openxmlformats.org/officeDocument/2006/relationships" xmlns:p="http://schemas.openxmlformats.org/presentationml/2006/main">
+  <p:cSld>
+    <p:spTree>
+      <p:nvGrpSpPr>
+        <p:cNvPr id="1" name=""/>
+        <p:cNvGrpSpPr/>
+        <p:nvPr/>
+      </p:nvGrpSpPr>
+      <p:grpSpPr>
+        <a:xfrm>
+          <a:off x="0" y="0"/>
+          <a:ext cx="0" cy="0"/>
+          <a:chOff x="0" y="0"/>
+          <a:chExt cx="0" cy="0"/>
+        </a:xfrm>
+      </p:grpSpPr>
+      <p:sp xmlns:a="http://schemas.openxmlformats.org/drawingml/2006/main" xmlns:r="http://schemas.openxmlformats.org/officeDocument/2006/relationships" xmlns:p="http://schemas.openxmlformats.org/presentationml/2006/main">
+        <p:nvSpPr>
+          <p:cNvPr id="2" name="Title 1"/>
+          <p:cNvSpPr>
+            <a:spLocks noGrp="1"/>
+          </p:cNvSpPr>
+          <p:nvPr>
+            <p:ph type="title"/>
+          </p:nvPr>
+        </p:nvSpPr>
+        <p:spPr>
+          <a:xfrm>
+            <a:off x="0" y="1"/>
+            <a:ext cx="9144000" cy="1013635"/>
+          </a:xfrm>
+        </p:spPr>
+        <p:txBody>
+          <a:bodyPr/>
+          <a:lstStyle/>
+          <a:p>
+            <a:r>
+              <a:rPr/>
+              <a:t>Plotting white noise (3)</a:t>
+            </a:r>
+          </a:p>
+        </p:txBody>
+      </p:sp>
+      <p:sp xmlns:a="http://schemas.openxmlformats.org/drawingml/2006/main" xmlns:r="http://schemas.openxmlformats.org/officeDocument/2006/relationships" xmlns:p="http://schemas.openxmlformats.org/presentationml/2006/main">
+        <p:nvSpPr>
+          <p:cNvPr id="3" name="Content Placeholder 2"/>
+          <p:cNvSpPr>
+            <a:spLocks noGrp="1"/>
+          </p:cNvSpPr>
+          <p:nvPr>
+            <p:ph sz="half" idx="1"/>
+          </p:nvPr>
+        </p:nvSpPr>
+        <p:spPr>
+          <a:xfrm>
+            <a:off x="187891" y="1205547"/>
+            <a:ext cx="2758509" cy="4971416"/>
+          </a:xfrm>
+        </p:spPr>
+        <p:txBody>
+          <a:bodyPr/>
+          <a:lstStyle/>
+          <a:p>
+            <a:pPr/>
+            <a:r>
+              <a:rPr cap="none" i="0" b="0" u="none">
+                <a:solidFill>
+                  <a:srgbClr val="000000">
+                    <a:alpha val="100000"/>
+                  </a:srgbClr>
+                </a:solidFill>
+                <a:latin typeface="Calibri"/>
+                <a:cs typeface="Calibri"/>
+                <a:ea typeface="Calibri"/>
+                <a:sym typeface="Calibri"/>
+              </a:rPr>
+              <a:t>A list of ggplot objects was created</a:t>
+            </a:r>
+          </a:p>
+          <a:p>
+            <a:pPr/>
+            <a:r>
+              <a:rPr cap="none" i="0" b="0" u="none">
+                <a:solidFill>
+                  <a:srgbClr val="000000">
+                    <a:alpha val="100000"/>
+                  </a:srgbClr>
+                </a:solidFill>
+                <a:latin typeface="Calibri"/>
+                <a:cs typeface="Calibri"/>
+                <a:ea typeface="Calibri"/>
+                <a:sym typeface="Calibri"/>
+              </a:rPr>
+              <a:t>Called </a:t>
+            </a:r>
+            <a:r>
+              <a:rPr cap="none" i="0" b="1" u="none">
+                <a:solidFill>
+                  <a:srgbClr val="000000">
+                    <a:alpha val="100000"/>
+                  </a:srgbClr>
+                </a:solidFill>
+                <a:latin typeface="Consolas"/>
+                <a:cs typeface="Consolas"/>
+                <a:ea typeface="Consolas"/>
+                <a:sym typeface="Consolas"/>
+              </a:rPr>
+              <a:t>IQRoutputFigure</a:t>
+            </a:r>
+            <a:r>
+              <a:rPr cap="none" i="0" b="0" u="none">
+                <a:solidFill>
+                  <a:srgbClr val="000000">
+                    <a:alpha val="100000"/>
+                  </a:srgbClr>
+                </a:solidFill>
+                <a:latin typeface="Calibri"/>
+                <a:cs typeface="Calibri"/>
+                <a:ea typeface="Calibri"/>
+                <a:sym typeface="Calibri"/>
+              </a:rPr>
+              <a:t> with arguments </a:t>
+            </a:r>
+            <a:r>
+              <a:rPr cap="none" i="0" b="0" u="none">
+                <a:solidFill>
+                  <a:srgbClr val="000000">
+                    <a:alpha val="100000"/>
+                  </a:srgbClr>
+                </a:solidFill>
+                <a:latin typeface="Consolas"/>
+                <a:cs typeface="Consolas"/>
+                <a:ea typeface="Consolas"/>
+                <a:sym typeface="Consolas"/>
+              </a:rPr>
+              <a:t>nrow</a:t>
+            </a:r>
+            <a:r>
+              <a:rPr cap="none" i="0" b="0" u="none">
+                <a:solidFill>
+                  <a:srgbClr val="000000">
+                    <a:alpha val="100000"/>
+                  </a:srgbClr>
+                </a:solidFill>
+                <a:latin typeface="Calibri"/>
+                <a:cs typeface="Calibri"/>
+                <a:ea typeface="Calibri"/>
+                <a:sym typeface="Calibri"/>
+              </a:rPr>
+              <a:t>, </a:t>
+            </a:r>
+            <a:r>
+              <a:rPr cap="none" i="0" b="0" u="none">
+                <a:solidFill>
+                  <a:srgbClr val="000000">
+                    <a:alpha val="100000"/>
+                  </a:srgbClr>
+                </a:solidFill>
+                <a:latin typeface="Consolas"/>
+                <a:cs typeface="Consolas"/>
+                <a:ea typeface="Consolas"/>
+                <a:sym typeface="Consolas"/>
+              </a:rPr>
+              <a:t>ncol</a:t>
+            </a:r>
+            <a:r>
+              <a:rPr cap="none" i="0" b="0" u="none">
+                <a:solidFill>
+                  <a:srgbClr val="000000">
+                    <a:alpha val="100000"/>
+                  </a:srgbClr>
+                </a:solidFill>
+                <a:latin typeface="Calibri"/>
+                <a:cs typeface="Calibri"/>
+                <a:ea typeface="Calibri"/>
+                <a:sym typeface="Calibri"/>
+              </a:rPr>
+              <a:t>, </a:t>
+            </a:r>
+            <a:r>
+              <a:rPr cap="none" i="0" b="0" u="none">
+                <a:solidFill>
+                  <a:srgbClr val="000000">
+                    <a:alpha val="100000"/>
+                  </a:srgbClr>
+                </a:solidFill>
+                <a:latin typeface="Consolas"/>
+                <a:cs typeface="Consolas"/>
+                <a:ea typeface="Consolas"/>
+                <a:sym typeface="Consolas"/>
+              </a:rPr>
+              <a:t>footer</a:t>
+            </a:r>
+            <a:r>
+              <a:rPr cap="none" i="0" b="0" u="none">
+                <a:solidFill>
+                  <a:srgbClr val="000000">
+                    <a:alpha val="100000"/>
+                  </a:srgbClr>
+                </a:solidFill>
+                <a:latin typeface="Calibri"/>
+                <a:cs typeface="Calibri"/>
+                <a:ea typeface="Calibri"/>
+                <a:sym typeface="Calibri"/>
+              </a:rPr>
+              <a:t> and </a:t>
+            </a:r>
+            <a:r>
+              <a:rPr cap="none" i="0" b="0" u="none">
+                <a:solidFill>
+                  <a:srgbClr val="000000">
+                    <a:alpha val="100000"/>
+                  </a:srgbClr>
+                </a:solidFill>
+                <a:latin typeface="Consolas"/>
+                <a:cs typeface="Consolas"/>
+                <a:ea typeface="Consolas"/>
+                <a:sym typeface="Consolas"/>
+              </a:rPr>
+              <a:t>filename</a:t>
+            </a:r>
+          </a:p>
+          <a:p>
+            <a:pPr/>
+            <a:r>
+              <a:rPr cap="none" i="0" b="0" u="none">
+                <a:solidFill>
+                  <a:srgbClr val="000000">
+                    <a:alpha val="100000"/>
+                  </a:srgbClr>
+                </a:solidFill>
+                <a:latin typeface="Calibri"/>
+                <a:cs typeface="Calibri"/>
+                <a:ea typeface="Calibri"/>
+                <a:sym typeface="Calibri"/>
+              </a:rPr>
+              <a:t>Called </a:t>
+            </a:r>
+            <a:r>
+              <a:rPr cap="none" i="0" b="0" u="none">
+                <a:solidFill>
+                  <a:srgbClr val="000000">
+                    <a:alpha val="100000"/>
+                  </a:srgbClr>
+                </a:solidFill>
+                <a:latin typeface="Consolas"/>
+                <a:cs typeface="Consolas"/>
+                <a:ea typeface="Consolas"/>
+                <a:sym typeface="Consolas"/>
+              </a:rPr>
+              <a:t>IQRoutputPPTX</a:t>
+            </a:r>
+            <a:r>
+              <a:rPr cap="none" i="0" b="0" u="none">
+                <a:solidFill>
+                  <a:srgbClr val="000000">
+                    <a:alpha val="100000"/>
+                  </a:srgbClr>
+                </a:solidFill>
+                <a:latin typeface="Calibri"/>
+                <a:cs typeface="Calibri"/>
+                <a:ea typeface="Calibri"/>
+                <a:sym typeface="Calibri"/>
+              </a:rPr>
+              <a:t> with bullet point list and </a:t>
+            </a:r>
+            <a:r>
+              <a:rPr cap="none" i="0" b="0" u="none">
+                <a:solidFill>
+                  <a:srgbClr val="000000">
+                    <a:alpha val="100000"/>
+                  </a:srgbClr>
+                </a:solidFill>
+                <a:latin typeface="Consolas"/>
+                <a:cs typeface="Consolas"/>
+                <a:ea typeface="Consolas"/>
+                <a:sym typeface="Consolas"/>
+              </a:rPr>
+              <a:t>IQRoutputFigure</a:t>
+            </a:r>
+            <a:r>
+              <a:rPr cap="none" i="0" b="0" u="none">
+                <a:solidFill>
+                  <a:srgbClr val="000000">
+                    <a:alpha val="100000"/>
+                  </a:srgbClr>
+                </a:solidFill>
+                <a:latin typeface="Calibri"/>
+                <a:cs typeface="Calibri"/>
+                <a:ea typeface="Calibri"/>
+                <a:sym typeface="Calibri"/>
+              </a:rPr>
+              <a:t> object.</a:t>
+            </a:r>
+          </a:p>
+        </p:txBody>
+      </p:sp>
+      <p:pic xmlns:a="http://schemas.openxmlformats.org/drawingml/2006/main" xmlns:r="http://schemas.openxmlformats.org/officeDocument/2006/relationships" xmlns:p="http://schemas.openxmlformats.org/presentationml/2006/main">
+        <p:nvPicPr>
+          <p:cNvPr id="4" name="Content Placeholder 3" descr=""/>
+          <p:cNvPicPr>
+            <a:picLocks noGrp="1"/>
+          </p:cNvPicPr>
+          <p:nvPr>
+            <p:ph sz="half" idx="2"/>
+          </p:nvPr>
+        </p:nvPicPr>
+        <p:blipFill>
+          <a:blip cstate="print" r:embed="rId2"/>
+          <a:stretch>
+            <a:fillRect/>
+          </a:stretch>
+        </p:blipFill>
+        <p:spPr>
+          <a:xfrm>
+            <a:off x="3048000" y="1205548"/>
+            <a:ext cx="5876795" cy="4446906"/>
+          </a:xfrm>
+          <a:prstGeom prst="rect">
+            <a:avLst/>
+          </a:prstGeom>
+        </p:spPr>
+      </p:pic>
+      <p:sp xmlns:a="http://schemas.openxmlformats.org/drawingml/2006/main" xmlns:r="http://schemas.openxmlformats.org/officeDocument/2006/relationships" xmlns:p="http://schemas.openxmlformats.org/presentationml/2006/main">
+        <p:nvSpPr>
+          <p:cNvPr id="5" name="Text Placeholder 2"/>
+          <p:cNvSpPr>
+            <a:spLocks noGrp="1"/>
+          </p:cNvSpPr>
+          <p:nvPr>
+            <p:ph type="body" sz="quarter" idx="13"/>
+          </p:nvPr>
+        </p:nvSpPr>
+        <p:spPr>
+          <a:xfrm>
+            <a:off x="3048001" y="5731330"/>
+            <a:ext cx="5876796" cy="445634"/>
+          </a:xfrm>
+        </p:spPr>
+        <p:txBody>
+          <a:bodyPr/>
+          <a:lstStyle/>
+          <a:p>
+            <a:r>
+              <a:rPr/>
+              <a:t>File: ../Output/01_test/normal_distributions.pdf</a:t>
+            </a:r>
+          </a:p>
+        </p:txBody>
+      </p:sp>
+      <p:sp xmlns:a="http://schemas.openxmlformats.org/drawingml/2006/main" xmlns:r="http://schemas.openxmlformats.org/officeDocument/2006/relationships" xmlns:p="http://schemas.openxmlformats.org/presentationml/2006/main">
+        <p:nvSpPr>
+          <p:cNvPr id="6" name="Footer Placeholder 5"/>
+          <p:cNvSpPr>
+            <a:spLocks noGrp="1"/>
+          </p:cNvSpPr>
+          <p:nvPr>
+            <p:ph type="ftr" sz="quarter" idx="11"/>
+          </p:nvPr>
+        </p:nvSpPr>
+        <p:spPr>
+          <a:xfrm>
+            <a:off x="2358025" y="6356351"/>
+            <a:ext cx="4382072" cy="365125"/>
+          </a:xfrm>
+        </p:spPr>
+        <p:txBody>
+          <a:bodyPr/>
+          <a:lstStyle/>
+          <a:p>
+            <a:r>
+              <a:rPr/>
+              <a:t>IQSlidedeck_IQRobjects.R | Date: 2022-05-17 13:25:20</a:t>
+            </a:r>
+          </a:p>
+        </p:txBody>
+      </p:sp>
+    </p:spTree>
+  </p:cSld>
+  <p:clrMapOvr>
+    <a:masterClrMapping/>
+  </p:clrMapOvr>
+</p:sld>
+</file>
+
+<file path=ppt/slides/slide22.xml><?xml version="1.0" encoding="utf-8"?>
+<p:sld xmlns:a="http://schemas.openxmlformats.org/drawingml/2006/main" xmlns:r="http://schemas.openxmlformats.org/officeDocument/2006/relationships" xmlns:p="http://schemas.openxmlformats.org/presentationml/2006/main">
+  <p:cSld>
+    <p:spTree>
+      <p:nvGrpSpPr>
+        <p:cNvPr id="1" name=""/>
+        <p:cNvGrpSpPr/>
+        <p:nvPr/>
+      </p:nvGrpSpPr>
+      <p:grpSpPr>
+        <a:xfrm>
+          <a:off x="0" y="0"/>
+          <a:ext cx="0" cy="0"/>
+          <a:chOff x="0" y="0"/>
+          <a:chExt cx="0" cy="0"/>
+        </a:xfrm>
+      </p:grpSpPr>
+      <p:sp xmlns:a="http://schemas.openxmlformats.org/drawingml/2006/main" xmlns:r="http://schemas.openxmlformats.org/officeDocument/2006/relationships" xmlns:p="http://schemas.openxmlformats.org/presentationml/2006/main">
+        <p:nvSpPr>
+          <p:cNvPr id="2" name="Title 1"/>
+          <p:cNvSpPr>
+            <a:spLocks noGrp="1"/>
+          </p:cNvSpPr>
+          <p:nvPr>
+            <p:ph type="title"/>
+          </p:nvPr>
+        </p:nvSpPr>
+        <p:spPr>
+          <a:xfrm>
+            <a:off x="0" y="1"/>
+            <a:ext cx="9144000" cy="1013635"/>
+          </a:xfrm>
+        </p:spPr>
+        <p:txBody>
+          <a:bodyPr/>
+          <a:lstStyle/>
+          <a:p>
+            <a:r>
+              <a:rPr/>
+              <a:t>Well-known table</a:t>
+            </a:r>
+          </a:p>
+        </p:txBody>
+      </p:sp>
+      <p:sp xmlns:a="http://schemas.openxmlformats.org/drawingml/2006/main" xmlns:r="http://schemas.openxmlformats.org/officeDocument/2006/relationships" xmlns:p="http://schemas.openxmlformats.org/presentationml/2006/main">
+        <p:nvSpPr>
+          <p:cNvPr id="3" name="Content Placeholder 2"/>
+          <p:cNvSpPr>
+            <a:spLocks noGrp="1"/>
+          </p:cNvSpPr>
+          <p:nvPr>
+            <p:ph sz="half" idx="1"/>
+          </p:nvPr>
+        </p:nvSpPr>
+        <p:spPr>
+          <a:xfrm>
+            <a:off x="187891" y="1205547"/>
+            <a:ext cx="2758509" cy="4971416"/>
+          </a:xfrm>
+        </p:spPr>
+        <p:txBody>
+          <a:bodyPr/>
+          <a:lstStyle/>
+          <a:p>
+            <a:pPr/>
+            <a:r>
+              <a:rPr cap="none" i="0" b="0" u="none">
+                <a:solidFill>
+                  <a:srgbClr val="000000">
+                    <a:alpha val="100000"/>
+                  </a:srgbClr>
+                </a:solidFill>
+                <a:latin typeface="Calibri"/>
+                <a:cs typeface="Calibri"/>
+                <a:ea typeface="Calibri"/>
+                <a:sym typeface="Calibri"/>
+              </a:rPr>
+              <a:t>Used well known standard data set </a:t>
+            </a:r>
+            <a:r>
+              <a:rPr cap="none" i="0" b="0" u="none">
+                <a:solidFill>
+                  <a:srgbClr val="000000">
+                    <a:alpha val="100000"/>
+                  </a:srgbClr>
+                </a:solidFill>
+                <a:latin typeface="Consolas"/>
+                <a:cs typeface="Consolas"/>
+                <a:ea typeface="Consolas"/>
+                <a:sym typeface="Consolas"/>
+              </a:rPr>
+              <a:t>mtcars</a:t>
+            </a:r>
+          </a:p>
+          <a:p>
+            <a:pPr/>
+            <a:r>
+              <a:rPr cap="none" i="0" b="0" u="none">
+                <a:solidFill>
+                  <a:srgbClr val="000000">
+                    <a:alpha val="100000"/>
+                  </a:srgbClr>
+                </a:solidFill>
+                <a:latin typeface="Calibri"/>
+                <a:cs typeface="Calibri"/>
+                <a:ea typeface="Calibri"/>
+                <a:sym typeface="Calibri"/>
+              </a:rPr>
+              <a:t>Applied </a:t>
+            </a:r>
+            <a:r>
+              <a:rPr cap="none" i="0" b="1" u="none">
+                <a:solidFill>
+                  <a:srgbClr val="000000">
+                    <a:alpha val="100000"/>
+                  </a:srgbClr>
+                </a:solidFill>
+                <a:latin typeface="Consolas"/>
+                <a:cs typeface="Consolas"/>
+                <a:ea typeface="Consolas"/>
+                <a:sym typeface="Consolas"/>
+              </a:rPr>
+              <a:t>IQRoutputTable</a:t>
+            </a:r>
+            <a:r>
+              <a:rPr cap="none" i="0" b="0" u="none">
+                <a:solidFill>
+                  <a:srgbClr val="000000">
+                    <a:alpha val="100000"/>
+                  </a:srgbClr>
+                </a:solidFill>
+                <a:latin typeface="Calibri"/>
+                <a:cs typeface="Calibri"/>
+                <a:ea typeface="Calibri"/>
+                <a:sym typeface="Calibri"/>
+              </a:rPr>
+              <a:t> with arguments </a:t>
+            </a:r>
+            <a:r>
+              <a:rPr cap="none" i="0" b="0" u="none">
+                <a:solidFill>
+                  <a:srgbClr val="000000">
+                    <a:alpha val="100000"/>
+                  </a:srgbClr>
+                </a:solidFill>
+                <a:latin typeface="Consolas"/>
+                <a:cs typeface="Consolas"/>
+                <a:ea typeface="Consolas"/>
+                <a:sym typeface="Consolas"/>
+              </a:rPr>
+              <a:t>xfooter</a:t>
+            </a:r>
+            <a:r>
+              <a:rPr cap="none" i="0" b="0" u="none">
+                <a:solidFill>
+                  <a:srgbClr val="000000">
+                    <a:alpha val="100000"/>
+                  </a:srgbClr>
+                </a:solidFill>
+                <a:latin typeface="Calibri"/>
+                <a:cs typeface="Calibri"/>
+                <a:ea typeface="Calibri"/>
+                <a:sym typeface="Calibri"/>
+              </a:rPr>
+              <a:t> and </a:t>
+            </a:r>
+            <a:r>
+              <a:rPr cap="none" i="0" b="0" u="none">
+                <a:solidFill>
+                  <a:srgbClr val="000000">
+                    <a:alpha val="100000"/>
+                  </a:srgbClr>
+                </a:solidFill>
+                <a:latin typeface="Consolas"/>
+                <a:cs typeface="Consolas"/>
+                <a:ea typeface="Consolas"/>
+                <a:sym typeface="Consolas"/>
+              </a:rPr>
+              <a:t>filename</a:t>
+            </a:r>
+          </a:p>
+          <a:p>
+            <a:pPr/>
+            <a:r>
+              <a:rPr cap="none" i="0" b="0" u="none">
+                <a:solidFill>
+                  <a:srgbClr val="000000">
+                    <a:alpha val="100000"/>
+                  </a:srgbClr>
+                </a:solidFill>
+                <a:latin typeface="Calibri"/>
+                <a:cs typeface="Calibri"/>
+                <a:ea typeface="Calibri"/>
+                <a:sym typeface="Calibri"/>
+              </a:rPr>
+              <a:t>Called </a:t>
+            </a:r>
+            <a:r>
+              <a:rPr cap="none" i="0" b="0" u="none">
+                <a:solidFill>
+                  <a:srgbClr val="000000">
+                    <a:alpha val="100000"/>
+                  </a:srgbClr>
+                </a:solidFill>
+                <a:latin typeface="Consolas"/>
+                <a:cs typeface="Consolas"/>
+                <a:ea typeface="Consolas"/>
+                <a:sym typeface="Consolas"/>
+              </a:rPr>
+              <a:t>IQRoutputPPTX</a:t>
+            </a:r>
+            <a:r>
+              <a:rPr cap="none" i="0" b="0" u="none">
+                <a:solidFill>
+                  <a:srgbClr val="000000">
+                    <a:alpha val="100000"/>
+                  </a:srgbClr>
+                </a:solidFill>
+                <a:latin typeface="Calibri"/>
+                <a:cs typeface="Calibri"/>
+                <a:ea typeface="Calibri"/>
+                <a:sym typeface="Calibri"/>
+              </a:rPr>
+              <a:t> with bullet point list and </a:t>
+            </a:r>
+            <a:r>
+              <a:rPr cap="none" i="0" b="0" u="none">
+                <a:solidFill>
+                  <a:srgbClr val="000000">
+                    <a:alpha val="100000"/>
+                  </a:srgbClr>
+                </a:solidFill>
+                <a:latin typeface="Consolas"/>
+                <a:cs typeface="Consolas"/>
+                <a:ea typeface="Consolas"/>
+                <a:sym typeface="Consolas"/>
+              </a:rPr>
+              <a:t>IQRoutputTable</a:t>
+            </a:r>
+            <a:r>
+              <a:rPr cap="none" i="0" b="0" u="none">
+                <a:solidFill>
+                  <a:srgbClr val="000000">
+                    <a:alpha val="100000"/>
+                  </a:srgbClr>
+                </a:solidFill>
+                <a:latin typeface="Calibri"/>
+                <a:cs typeface="Calibri"/>
+                <a:ea typeface="Calibri"/>
+                <a:sym typeface="Calibri"/>
+              </a:rPr>
+              <a:t> object</a:t>
+            </a:r>
+          </a:p>
+        </p:txBody>
+      </p:sp>
+      <p:pic xmlns:a="http://schemas.openxmlformats.org/drawingml/2006/main" xmlns:r="http://schemas.openxmlformats.org/officeDocument/2006/relationships" xmlns:p="http://schemas.openxmlformats.org/presentationml/2006/main">
+        <p:nvPicPr>
+          <p:cNvPr id="4" name="Content Placeholder 3" descr=""/>
+          <p:cNvPicPr>
+            <a:picLocks noGrp="1"/>
+          </p:cNvPicPr>
+          <p:nvPr>
+            <p:ph sz="half" idx="2"/>
+          </p:nvPr>
+        </p:nvPicPr>
+        <p:blipFill>
+          <a:blip cstate="print" r:embed="rId2"/>
+          <a:stretch>
+            <a:fillRect/>
+          </a:stretch>
+        </p:blipFill>
+        <p:spPr>
+          <a:xfrm>
+            <a:off x="3048000" y="1205548"/>
+            <a:ext cx="5876795" cy="4446906"/>
+          </a:xfrm>
+          <a:prstGeom prst="rect">
+            <a:avLst/>
+          </a:prstGeom>
+        </p:spPr>
+      </p:pic>
+      <p:sp xmlns:a="http://schemas.openxmlformats.org/drawingml/2006/main" xmlns:r="http://schemas.openxmlformats.org/officeDocument/2006/relationships" xmlns:p="http://schemas.openxmlformats.org/presentationml/2006/main">
+        <p:nvSpPr>
+          <p:cNvPr id="5" name="Text Placeholder 2"/>
+          <p:cNvSpPr>
+            <a:spLocks noGrp="1"/>
+          </p:cNvSpPr>
+          <p:nvPr>
+            <p:ph type="body" sz="quarter" idx="13"/>
+          </p:nvPr>
+        </p:nvSpPr>
+        <p:spPr>
+          <a:xfrm>
+            <a:off x="3048001" y="5731330"/>
+            <a:ext cx="5876796" cy="445634"/>
+          </a:xfrm>
+        </p:spPr>
+        <p:txBody>
+          <a:bodyPr/>
+          <a:lstStyle/>
+          <a:p>
+            <a:r>
+              <a:rPr/>
+              <a:t>See R datasets::mtcars
+File: ../Output/01_test/cars_table.txt</a:t>
+            </a:r>
+          </a:p>
+        </p:txBody>
+      </p:sp>
+      <p:sp xmlns:a="http://schemas.openxmlformats.org/drawingml/2006/main" xmlns:r="http://schemas.openxmlformats.org/officeDocument/2006/relationships" xmlns:p="http://schemas.openxmlformats.org/presentationml/2006/main">
+        <p:nvSpPr>
+          <p:cNvPr id="6" name="Footer Placeholder 5"/>
+          <p:cNvSpPr>
+            <a:spLocks noGrp="1"/>
+          </p:cNvSpPr>
+          <p:nvPr>
+            <p:ph type="ftr" sz="quarter" idx="11"/>
+          </p:nvPr>
+        </p:nvSpPr>
+        <p:spPr>
+          <a:xfrm>
+            <a:off x="2358025" y="6356351"/>
+            <a:ext cx="4382072" cy="365125"/>
+          </a:xfrm>
+        </p:spPr>
+        <p:txBody>
+          <a:bodyPr/>
+          <a:lstStyle/>
+          <a:p>
+            <a:r>
+              <a:rPr/>
+              <a:t>IQSlidedeck_IQRobjects.R | Date: 2022-05-17 13:25:22</a:t>
+            </a:r>
+          </a:p>
+        </p:txBody>
+      </p:sp>
+    </p:spTree>
+  </p:cSld>
+  <p:clrMapOvr>
+    <a:masterClrMapping/>
+  </p:clrMapOvr>
+</p:sld>
+</file>
+
+<file path=ppt/slides/slide23.xml><?xml version="1.0" encoding="utf-8"?>
+<p:sld xmlns:a="http://schemas.openxmlformats.org/drawingml/2006/main" xmlns:r="http://schemas.openxmlformats.org/officeDocument/2006/relationships" xmlns:p="http://schemas.openxmlformats.org/presentationml/2006/main">
+  <p:cSld>
+    <p:spTree>
+      <p:nvGrpSpPr>
+        <p:cNvPr id="1" name=""/>
+        <p:cNvGrpSpPr/>
+        <p:nvPr/>
+      </p:nvGrpSpPr>
+      <p:grpSpPr>
+        <a:xfrm>
+          <a:off x="0" y="0"/>
+          <a:ext cx="0" cy="0"/>
+          <a:chOff x="0" y="0"/>
+          <a:chExt cx="0" cy="0"/>
+        </a:xfrm>
+      </p:grpSpPr>
+      <p:sp xmlns:a="http://schemas.openxmlformats.org/drawingml/2006/main" xmlns:r="http://schemas.openxmlformats.org/officeDocument/2006/relationships" xmlns:p="http://schemas.openxmlformats.org/presentationml/2006/main">
+        <p:nvSpPr>
+          <p:cNvPr id="2" name="Title 1"/>
+          <p:cNvSpPr>
+            <a:spLocks noGrp="1"/>
+          </p:cNvSpPr>
+          <p:nvPr>
+            <p:ph type="title"/>
+          </p:nvPr>
+        </p:nvSpPr>
+        <p:spPr>
+          <a:xfrm>
+            <a:off x="-1" y="1"/>
+            <a:ext cx="3600000" cy="6857999"/>
+          </a:xfrm>
+        </p:spPr>
+        <p:txBody>
+          <a:bodyPr/>
+          <a:lstStyle/>
+          <a:p>
+            <a:r>
+              <a:rPr/>
+              <a:t>Plotting white noise and testing the wide title layout</a:t>
+            </a:r>
+          </a:p>
+        </p:txBody>
+      </p:sp>
+      <p:pic xmlns:a="http://schemas.openxmlformats.org/drawingml/2006/main" xmlns:r="http://schemas.openxmlformats.org/officeDocument/2006/relationships" xmlns:p="http://schemas.openxmlformats.org/presentationml/2006/main">
+        <p:nvPicPr>
+          <p:cNvPr id="3" name="Content Placeholder 2" descr=""/>
+          <p:cNvPicPr>
+            <a:picLocks noGrp="1"/>
+          </p:cNvPicPr>
+          <p:nvPr>
+            <p:ph idx="1"/>
+          </p:nvPr>
+        </p:nvPicPr>
+        <p:blipFill>
+          <a:blip cstate="print" r:embed="rId2"/>
+          <a:stretch>
+            <a:fillRect/>
+          </a:stretch>
+        </p:blipFill>
+        <p:spPr>
+          <a:xfrm>
+            <a:off x="3716215" y="136524"/>
+            <a:ext cx="5208581" cy="5570313"/>
+          </a:xfrm>
+          <a:prstGeom prst="rect">
+            <a:avLst/>
+          </a:prstGeom>
+        </p:spPr>
+      </p:pic>
+      <p:sp xmlns:a="http://schemas.openxmlformats.org/drawingml/2006/main" xmlns:r="http://schemas.openxmlformats.org/officeDocument/2006/relationships" xmlns:p="http://schemas.openxmlformats.org/presentationml/2006/main">
+        <p:nvSpPr>
+          <p:cNvPr id="4" name="Text Placeholder 8"/>
+          <p:cNvSpPr>
+            <a:spLocks noGrp="1"/>
+          </p:cNvSpPr>
+          <p:nvPr>
+            <p:ph type="body" sz="quarter" idx="13"/>
+          </p:nvPr>
+        </p:nvSpPr>
+        <p:spPr>
+          <a:xfrm>
+            <a:off x="3716215" y="5816375"/>
+            <a:ext cx="5208581" cy="365125"/>
+          </a:xfrm>
+        </p:spPr>
+        <p:txBody>
+          <a:bodyPr/>
+          <a:lstStyle/>
+          <a:p>
+            <a:r>
+              <a:rPr/>
+              <a:t>File: ../Output/01_test/subset_normal_distributions.pdf</a:t>
+            </a:r>
+          </a:p>
+        </p:txBody>
+      </p:sp>
+      <p:sp xmlns:a="http://schemas.openxmlformats.org/drawingml/2006/main" xmlns:r="http://schemas.openxmlformats.org/officeDocument/2006/relationships" xmlns:p="http://schemas.openxmlformats.org/presentationml/2006/main">
+        <p:nvSpPr>
+          <p:cNvPr id="5" name="Footer Placeholder 4"/>
+          <p:cNvSpPr>
+            <a:spLocks noGrp="1"/>
+          </p:cNvSpPr>
+          <p:nvPr>
+            <p:ph type="ftr" sz="quarter" idx="11"/>
+          </p:nvPr>
+        </p:nvSpPr>
+        <p:spPr>
+          <a:xfrm>
+            <a:off x="3695178" y="6356350"/>
+            <a:ext cx="4353577" cy="365125"/>
+          </a:xfrm>
+        </p:spPr>
+        <p:txBody>
+          <a:bodyPr/>
+          <a:lstStyle/>
+          <a:p>
+            <a:r>
+              <a:rPr/>
+              <a:t>IQSlidedeck_IQRobjects.R | Date: 2022-05-17 13:25:23</a:t>
+            </a:r>
+          </a:p>
+        </p:txBody>
+      </p:sp>
+    </p:spTree>
+  </p:cSld>
+  <p:clrMapOvr>
+    <a:masterClrMapping/>
+  </p:clrMapOvr>
+</p:sld>
+</file>
+
+<file path=ppt/slides/slide24.xml><?xml version="1.0" encoding="utf-8"?>
+<p:sld xmlns:a="http://schemas.openxmlformats.org/drawingml/2006/main" xmlns:r="http://schemas.openxmlformats.org/officeDocument/2006/relationships" xmlns:p="http://schemas.openxmlformats.org/presentationml/2006/main">
+  <p:cSld>
+    <p:spTree>
+      <p:nvGrpSpPr>
+        <p:cNvPr id="1" name=""/>
+        <p:cNvGrpSpPr/>
+        <p:nvPr/>
+      </p:nvGrpSpPr>
+      <p:grpSpPr>
+        <a:xfrm>
+          <a:off x="0" y="0"/>
+          <a:ext cx="0" cy="0"/>
+          <a:chOff x="0" y="0"/>
+          <a:chExt cx="0" cy="0"/>
+        </a:xfrm>
+      </p:grpSpPr>
+      <p:sp xmlns:a="http://schemas.openxmlformats.org/drawingml/2006/main" xmlns:r="http://schemas.openxmlformats.org/officeDocument/2006/relationships" xmlns:p="http://schemas.openxmlformats.org/presentationml/2006/main">
+        <p:nvSpPr>
+          <p:cNvPr id="2" name="Title 1"/>
+          <p:cNvSpPr>
+            <a:spLocks noGrp="1"/>
+          </p:cNvSpPr>
+          <p:nvPr>
+            <p:ph type="title"/>
+          </p:nvPr>
+        </p:nvSpPr>
+        <p:spPr>
+          <a:xfrm>
+            <a:off x="0" y="1"/>
+            <a:ext cx="9144000" cy="1013635"/>
+          </a:xfrm>
+        </p:spPr>
+        <p:txBody>
+          <a:bodyPr/>
+          <a:lstStyle/>
+          <a:p>
+            <a:r>
+              <a:rPr/>
+              <a:t>Cars data set</a:t>
+            </a:r>
+          </a:p>
+        </p:txBody>
+      </p:sp>
+      <p:pic xmlns:a="http://schemas.openxmlformats.org/drawingml/2006/main" xmlns:r="http://schemas.openxmlformats.org/officeDocument/2006/relationships" xmlns:p="http://schemas.openxmlformats.org/presentationml/2006/main">
+        <p:nvPicPr>
+          <p:cNvPr id="3" name="Content Placeholder 2" descr=""/>
+          <p:cNvPicPr>
+            <a:picLocks noGrp="1"/>
+          </p:cNvPicPr>
+          <p:nvPr>
+            <p:ph idx="1"/>
+          </p:nvPr>
+        </p:nvPicPr>
+        <p:blipFill>
+          <a:blip cstate="print" r:embed="rId2"/>
+          <a:stretch>
+            <a:fillRect/>
+          </a:stretch>
+        </p:blipFill>
+        <p:spPr>
+          <a:xfrm>
+            <a:off x="187891" y="1227552"/>
+            <a:ext cx="8736905" cy="4479285"/>
+          </a:xfrm>
+          <a:prstGeom prst="rect">
+            <a:avLst/>
+          </a:prstGeom>
+        </p:spPr>
+      </p:pic>
+      <p:sp xmlns:a="http://schemas.openxmlformats.org/drawingml/2006/main" xmlns:r="http://schemas.openxmlformats.org/officeDocument/2006/relationships" xmlns:p="http://schemas.openxmlformats.org/presentationml/2006/main">
+        <p:nvSpPr>
+          <p:cNvPr id="4" name="Text Placeholder 8"/>
+          <p:cNvSpPr>
+            <a:spLocks noGrp="1"/>
+          </p:cNvSpPr>
+          <p:nvPr>
+            <p:ph type="body" sz="quarter" idx="13"/>
+          </p:nvPr>
+        </p:nvSpPr>
+        <p:spPr>
+          <a:xfrm>
+            <a:off x="187891" y="5816375"/>
+            <a:ext cx="8736905" cy="365125"/>
+          </a:xfrm>
+        </p:spPr>
+        <p:txBody>
+          <a:bodyPr/>
+          <a:lstStyle/>
+          <a:p>
+            <a:r>
+              <a:rPr/>
+              <a:t>See R datasets::mtcars
+File: ../Output/01_test/cars_table.txt</a:t>
+            </a:r>
+          </a:p>
+        </p:txBody>
+      </p:sp>
+      <p:sp xmlns:a="http://schemas.openxmlformats.org/drawingml/2006/main" xmlns:r="http://schemas.openxmlformats.org/officeDocument/2006/relationships" xmlns:p="http://schemas.openxmlformats.org/presentationml/2006/main">
+        <p:nvSpPr>
+          <p:cNvPr id="5" name="Footer Placeholder 4"/>
+          <p:cNvSpPr>
+            <a:spLocks noGrp="1"/>
+          </p:cNvSpPr>
+          <p:nvPr>
+            <p:ph type="ftr" sz="quarter" idx="11"/>
+          </p:nvPr>
+        </p:nvSpPr>
+        <p:spPr>
+          <a:xfrm>
+            <a:off x="2358025" y="6356351"/>
+            <a:ext cx="4382072" cy="365125"/>
+          </a:xfrm>
+        </p:spPr>
+        <p:txBody>
+          <a:bodyPr/>
+          <a:lstStyle/>
+          <a:p>
+            <a:r>
+              <a:rPr/>
+              <a:t>IQSlidedeck_IQRobjects.R | Date: 2022-05-17 13:25:24</a:t>
+            </a:r>
+          </a:p>
+        </p:txBody>
+      </p:sp>
+    </p:spTree>
+  </p:cSld>
+  <p:clrMapOvr>
+    <a:masterClrMapping/>
+  </p:clrMapOvr>
+</p:sld>
+</file>
+
+<file path=ppt/slides/slide25.xml><?xml version="1.0" encoding="utf-8"?>
+<p:sld xmlns:a="http://schemas.openxmlformats.org/drawingml/2006/main" xmlns:r="http://schemas.openxmlformats.org/officeDocument/2006/relationships" xmlns:p="http://schemas.openxmlformats.org/presentationml/2006/main">
+  <p:cSld>
+    <p:spTree>
+      <p:nvGrpSpPr>
+        <p:cNvPr id="1" name=""/>
+        <p:cNvGrpSpPr/>
+        <p:nvPr/>
+      </p:nvGrpSpPr>
+      <p:grpSpPr>
+        <a:xfrm>
+          <a:off x="0" y="0"/>
+          <a:ext cx="0" cy="0"/>
+          <a:chOff x="0" y="0"/>
+          <a:chExt cx="0" cy="0"/>
+        </a:xfrm>
+      </p:grpSpPr>
+      <p:sp xmlns:a="http://schemas.openxmlformats.org/drawingml/2006/main" xmlns:r="http://schemas.openxmlformats.org/officeDocument/2006/relationships" xmlns:p="http://schemas.openxmlformats.org/presentationml/2006/main">
+        <p:nvSpPr>
+          <p:cNvPr id="2" name="Title 1"/>
+          <p:cNvSpPr>
+            <a:spLocks noGrp="1"/>
+          </p:cNvSpPr>
+          <p:nvPr>
+            <p:ph type="title"/>
+          </p:nvPr>
+        </p:nvSpPr>
+        <p:spPr>
+          <a:xfrm>
+            <a:off x="0" y="1"/>
+            <a:ext cx="9144000" cy="1013635"/>
+          </a:xfrm>
+        </p:spPr>
+        <p:txBody>
+          <a:bodyPr/>
+          <a:lstStyle/>
+          <a:p>
+            <a:r>
+              <a:rPr/>
+              <a:t/>
+            </a:r>
+          </a:p>
+        </p:txBody>
+      </p:sp>
+      <p:pic xmlns:a="http://schemas.openxmlformats.org/drawingml/2006/main" xmlns:r="http://schemas.openxmlformats.org/officeDocument/2006/relationships" xmlns:p="http://schemas.openxmlformats.org/presentationml/2006/main">
+        <p:nvPicPr>
+          <p:cNvPr id="3" name="Content Placeholder 2" descr=""/>
+          <p:cNvPicPr>
+            <a:picLocks noGrp="1"/>
+          </p:cNvPicPr>
+          <p:nvPr>
+            <p:ph sz="half" idx="1"/>
+          </p:nvPr>
+        </p:nvPicPr>
+        <p:blipFill>
+          <a:blip cstate="print" r:embed="rId2"/>
+          <a:stretch>
+            <a:fillRect/>
+          </a:stretch>
+        </p:blipFill>
+        <p:spPr>
+          <a:xfrm>
             <a:off x="187891" y="1205547"/>
             <a:ext cx="4326959" cy="4446906"/>
           </a:xfrm>
@@ -8580,7 +9508,7 @@
           <a:p>
             <a:r>
               <a:rPr/>
-              <a:t>IQSlidedeck_IQRobjects.R | Date: 2022-03-30 13:33:49</a:t>
+              <a:t>IQSlidedeck_IQRobjects.R | Date: 2022-05-17 13:25:25</a:t>
             </a:r>
           </a:p>
         </p:txBody>
@@ -8692,7 +9620,7 @@
           <a:p>
             <a:r>
               <a:rPr/>
-              <a:t>script_IQSlidedeck.R | Date: 2022-03-30 13:33:13</a:t>
+              <a:t>script_IQSlidedeck.R | Date: 2022-05-17 13:24:27</a:t>
             </a:r>
           </a:p>
         </p:txBody>
@@ -8909,7 +9837,7 @@
           <a:p>
             <a:r>
               <a:rPr/>
-              <a:t>script_IQSlidedeck.R | Date: 2022-03-30 13:33:13</a:t>
+              <a:t>script_IQSlidedeck.R | Date: 2022-05-17 13:24:27</a:t>
             </a:r>
           </a:p>
         </p:txBody>
@@ -9014,7 +9942,7 @@
           <a:p>
             <a:r>
               <a:rPr/>
-              <a:t>script_IQSlidedeck.R | Date: 2022-03-30 13:33:17</a:t>
+              <a:t>script_IQSlidedeck.R | Date: 2022-05-17 13:24:31</a:t>
             </a:r>
           </a:p>
         </p:txBody>
@@ -9119,7 +10047,7 @@
           <a:p>
             <a:r>
               <a:rPr/>
-              <a:t>script_IQSlidedeck.R | Date: 2022-03-30 13:33:18</a:t>
+              <a:t>script_IQSlidedeck.R | Date: 2022-05-17 13:24:32</a:t>
             </a:r>
           </a:p>
         </p:txBody>
@@ -9224,7 +10152,7 @@
           <a:p>
             <a:r>
               <a:rPr/>
-              <a:t>script_IQSlidedeck.R | Date: 2022-03-30 13:33:23</a:t>
+              <a:t>script_IQSlidedeck.R | Date: 2022-05-17 13:24:37</a:t>
             </a:r>
           </a:p>
         </p:txBody>

--- a/tests/testresults/script_IQSlidedeck_IQobjects_Default_4_3.pptx
+++ b/tests/testresults/script_IQSlidedeck_IQobjects_Default_4_3.pptx
@@ -6096,7 +6096,7 @@
           <a:p>
             <a:r>
               <a:rPr/>
-              <a:t>script_IQSlidedeck.R | Date: 2022-05-17 13:24:28</a:t>
+              <a:t>script_IQSlidedeck.R | Date: 2022-05-17 15:28:26</a:t>
             </a:r>
           </a:p>
         </p:txBody>
@@ -6464,7 +6464,7 @@
           <a:p>
             <a:r>
               <a:rPr/>
-              <a:t>script_IQSlidedeck.R | Date: 2022-05-17 13:24:29</a:t>
+              <a:t>script_IQSlidedeck.R | Date: 2022-05-17 15:28:27</a:t>
             </a:r>
           </a:p>
         </p:txBody>
@@ -6832,7 +6832,7 @@
           <a:p>
             <a:r>
               <a:rPr/>
-              <a:t>script_IQSlidedeck.R | Date: 2022-05-17 13:24:30</a:t>
+              <a:t>script_IQSlidedeck.R | Date: 2022-05-17 15:28:28</a:t>
             </a:r>
           </a:p>
         </p:txBody>
@@ -7022,7 +7022,7 @@
           <a:p>
             <a:r>
               <a:rPr/>
-              <a:t>script_IQSlidedeck.R | Date: 2022-05-17 13:24:38</a:t>
+              <a:t>script_IQSlidedeck.R | Date: 2022-05-17 15:28:35</a:t>
             </a:r>
           </a:p>
         </p:txBody>
@@ -7153,7 +7153,7 @@
           <a:p>
             <a:r>
               <a:rPr/>
-              <a:t>script_IQSlidedeck.R | Date: 2022-05-17 13:24:38</a:t>
+              <a:t>script_IQSlidedeck.R | Date: 2022-05-17 15:28:35</a:t>
             </a:r>
           </a:p>
         </p:txBody>
@@ -7313,7 +7313,7 @@
           <a:p>
             <a:r>
               <a:rPr/>
-              <a:t>script_IQSlidedeck.R | Date: 2022-05-17 13:24:38</a:t>
+              <a:t>script_IQSlidedeck.R | Date: 2022-05-17 15:28:35</a:t>
             </a:r>
           </a:p>
         </p:txBody>
@@ -7451,7 +7451,7 @@
           <a:p>
             <a:r>
               <a:rPr/>
-              <a:t>script_IQSlidedeck.R | Date: 2022-05-17 13:24:38</a:t>
+              <a:t>script_IQSlidedeck.R | Date: 2022-05-17 15:28:35</a:t>
             </a:r>
           </a:p>
         </p:txBody>
@@ -7889,7 +7889,7 @@
           <a:p>
             <a:r>
               <a:rPr/>
-              <a:t>IQSlidedeck_IQRobjects.R | Date: 2022-05-17 13:25:20</a:t>
+              <a:t>IQSlidedeck_IQRobjects.R | Date: 2022-05-17 15:28:55</a:t>
             </a:r>
           </a:p>
         </p:txBody>
@@ -8327,7 +8327,7 @@
           <a:p>
             <a:r>
               <a:rPr/>
-              <a:t>IQSlidedeck_IQRobjects.R | Date: 2022-05-17 13:25:20</a:t>
+              <a:t>IQSlidedeck_IQRobjects.R | Date: 2022-05-17 15:28:55</a:t>
             </a:r>
           </a:p>
         </p:txBody>
@@ -8713,7 +8713,7 @@
           <a:p>
             <a:r>
               <a:rPr/>
-              <a:t>IQSlidedeck_IQRobjects.R | Date: 2022-05-17 13:25:20</a:t>
+              <a:t>IQSlidedeck_IQRobjects.R | Date: 2022-05-17 15:28:55</a:t>
             </a:r>
           </a:p>
         </p:txBody>
@@ -9058,7 +9058,7 @@
           <a:p>
             <a:r>
               <a:rPr/>
-              <a:t>IQSlidedeck_IQRobjects.R | Date: 2022-05-17 13:25:22</a:t>
+              <a:t>IQSlidedeck_IQRobjects.R | Date: 2022-05-17 15:28:56</a:t>
             </a:r>
           </a:p>
         </p:txBody>
@@ -9190,7 +9190,7 @@
           <a:p>
             <a:r>
               <a:rPr/>
-              <a:t>IQSlidedeck_IQRobjects.R | Date: 2022-05-17 13:25:23</a:t>
+              <a:t>IQSlidedeck_IQRobjects.R | Date: 2022-05-17 15:28:58</a:t>
             </a:r>
           </a:p>
         </p:txBody>
@@ -9323,7 +9323,7 @@
           <a:p>
             <a:r>
               <a:rPr/>
-              <a:t>IQSlidedeck_IQRobjects.R | Date: 2022-05-17 13:25:24</a:t>
+              <a:t>IQSlidedeck_IQRobjects.R | Date: 2022-05-17 15:28:59</a:t>
             </a:r>
           </a:p>
         </p:txBody>
@@ -9508,7 +9508,7 @@
           <a:p>
             <a:r>
               <a:rPr/>
-              <a:t>IQSlidedeck_IQRobjects.R | Date: 2022-05-17 13:25:25</a:t>
+              <a:t>IQSlidedeck_IQRobjects.R | Date: 2022-05-17 15:29:00</a:t>
             </a:r>
           </a:p>
         </p:txBody>
@@ -9620,7 +9620,7 @@
           <a:p>
             <a:r>
               <a:rPr/>
-              <a:t>script_IQSlidedeck.R | Date: 2022-05-17 13:24:27</a:t>
+              <a:t>script_IQSlidedeck.R | Date: 2022-05-17 15:28:25</a:t>
             </a:r>
           </a:p>
         </p:txBody>
@@ -9837,7 +9837,7 @@
           <a:p>
             <a:r>
               <a:rPr/>
-              <a:t>script_IQSlidedeck.R | Date: 2022-05-17 13:24:27</a:t>
+              <a:t>script_IQSlidedeck.R | Date: 2022-05-17 15:28:25</a:t>
             </a:r>
           </a:p>
         </p:txBody>
@@ -9942,7 +9942,7 @@
           <a:p>
             <a:r>
               <a:rPr/>
-              <a:t>script_IQSlidedeck.R | Date: 2022-05-17 13:24:31</a:t>
+              <a:t>script_IQSlidedeck.R | Date: 2022-05-17 15:28:29</a:t>
             </a:r>
           </a:p>
         </p:txBody>
@@ -10047,7 +10047,7 @@
           <a:p>
             <a:r>
               <a:rPr/>
-              <a:t>script_IQSlidedeck.R | Date: 2022-05-17 13:24:32</a:t>
+              <a:t>script_IQSlidedeck.R | Date: 2022-05-17 15:28:30</a:t>
             </a:r>
           </a:p>
         </p:txBody>
@@ -10152,7 +10152,7 @@
           <a:p>
             <a:r>
               <a:rPr/>
-              <a:t>script_IQSlidedeck.R | Date: 2022-05-17 13:24:37</a:t>
+              <a:t>script_IQSlidedeck.R | Date: 2022-05-17 15:28:34</a:t>
             </a:r>
           </a:p>
         </p:txBody>

--- a/tests/testresults/script_IQSlidedeck_IQobjects_Default_4_3.pptx
+++ b/tests/testresults/script_IQSlidedeck_IQobjects_Default_4_3.pptx
@@ -5956,9 +5956,9 @@
           <a:p>
             <a:r>
               <a:rPr/>
-              <a:t>IQR Objects
+              <a:t>IQR Objects (non-QCed)
 Daniel Kaschek, IntiQuan
-2022-05-17</a:t>
+2023-12-22</a:t>
             </a:r>
           </a:p>
         </p:txBody>
@@ -6096,7 +6096,7 @@
           <a:p>
             <a:r>
               <a:rPr/>
-              <a:t>script_IQSlidedeck.R | Date: 2022-05-17 15:28:26</a:t>
+              <a:t>script_IQSlidedeck.R | Date: 2023-12-22 14:50:27</a:t>
             </a:r>
           </a:p>
         </p:txBody>
@@ -6464,7 +6464,7 @@
           <a:p>
             <a:r>
               <a:rPr/>
-              <a:t>script_IQSlidedeck.R | Date: 2022-05-17 15:28:27</a:t>
+              <a:t>script_IQSlidedeck.R | Date: 2023-12-22 14:50:28</a:t>
             </a:r>
           </a:p>
         </p:txBody>
@@ -6832,7 +6832,7 @@
           <a:p>
             <a:r>
               <a:rPr/>
-              <a:t>script_IQSlidedeck.R | Date: 2022-05-17 15:28:28</a:t>
+              <a:t>script_IQSlidedeck.R | Date: 2023-12-22 14:50:30</a:t>
             </a:r>
           </a:p>
         </p:txBody>
@@ -7022,7 +7022,7 @@
           <a:p>
             <a:r>
               <a:rPr/>
-              <a:t>script_IQSlidedeck.R | Date: 2022-05-17 15:28:35</a:t>
+              <a:t>script_IQSlidedeck.R | Date: 2023-12-22 14:50:39</a:t>
             </a:r>
           </a:p>
         </p:txBody>
@@ -7153,7 +7153,7 @@
           <a:p>
             <a:r>
               <a:rPr/>
-              <a:t>script_IQSlidedeck.R | Date: 2022-05-17 15:28:35</a:t>
+              <a:t>script_IQSlidedeck.R | Date: 2023-12-22 14:50:39</a:t>
             </a:r>
           </a:p>
         </p:txBody>
@@ -7313,7 +7313,7 @@
           <a:p>
             <a:r>
               <a:rPr/>
-              <a:t>script_IQSlidedeck.R | Date: 2022-05-17 15:28:35</a:t>
+              <a:t>script_IQSlidedeck.R | Date: 2023-12-22 14:50:39</a:t>
             </a:r>
           </a:p>
         </p:txBody>
@@ -7451,7 +7451,7 @@
           <a:p>
             <a:r>
               <a:rPr/>
-              <a:t>script_IQSlidedeck.R | Date: 2022-05-17 15:28:35</a:t>
+              <a:t>script_IQSlidedeck.R | Date: 2023-12-22 14:50:39</a:t>
             </a:r>
           </a:p>
         </p:txBody>
@@ -7889,7 +7889,7 @@
           <a:p>
             <a:r>
               <a:rPr/>
-              <a:t>IQSlidedeck_IQRobjects.R | Date: 2022-05-17 15:28:55</a:t>
+              <a:t>IQSlidedeck_IQRobjects.R | Date: 2023-12-22 14:51:09</a:t>
             </a:r>
           </a:p>
         </p:txBody>
@@ -8327,7 +8327,7 @@
           <a:p>
             <a:r>
               <a:rPr/>
-              <a:t>IQSlidedeck_IQRobjects.R | Date: 2022-05-17 15:28:55</a:t>
+              <a:t>IQSlidedeck_IQRobjects.R | Date: 2023-12-22 14:51:09</a:t>
             </a:r>
           </a:p>
         </p:txBody>
@@ -8713,7 +8713,7 @@
           <a:p>
             <a:r>
               <a:rPr/>
-              <a:t>IQSlidedeck_IQRobjects.R | Date: 2022-05-17 15:28:55</a:t>
+              <a:t>IQSlidedeck_IQRobjects.R | Date: 2023-12-22 14:51:09</a:t>
             </a:r>
           </a:p>
         </p:txBody>
@@ -9058,7 +9058,7 @@
           <a:p>
             <a:r>
               <a:rPr/>
-              <a:t>IQSlidedeck_IQRobjects.R | Date: 2022-05-17 15:28:56</a:t>
+              <a:t>IQSlidedeck_IQRobjects.R | Date: 2023-12-22 14:51:10</a:t>
             </a:r>
           </a:p>
         </p:txBody>
@@ -9190,7 +9190,7 @@
           <a:p>
             <a:r>
               <a:rPr/>
-              <a:t>IQSlidedeck_IQRobjects.R | Date: 2022-05-17 15:28:58</a:t>
+              <a:t>IQSlidedeck_IQRobjects.R | Date: 2023-12-22 14:51:12</a:t>
             </a:r>
           </a:p>
         </p:txBody>
@@ -9323,7 +9323,7 @@
           <a:p>
             <a:r>
               <a:rPr/>
-              <a:t>IQSlidedeck_IQRobjects.R | Date: 2022-05-17 15:28:59</a:t>
+              <a:t>IQSlidedeck_IQRobjects.R | Date: 2023-12-22 14:51:13</a:t>
             </a:r>
           </a:p>
         </p:txBody>
@@ -9508,7 +9508,7 @@
           <a:p>
             <a:r>
               <a:rPr/>
-              <a:t>IQSlidedeck_IQRobjects.R | Date: 2022-05-17 15:29:00</a:t>
+              <a:t>IQSlidedeck_IQRobjects.R | Date: 2023-12-22 14:51:15</a:t>
             </a:r>
           </a:p>
         </p:txBody>
@@ -9620,7 +9620,7 @@
           <a:p>
             <a:r>
               <a:rPr/>
-              <a:t>script_IQSlidedeck.R | Date: 2022-05-17 15:28:25</a:t>
+              <a:t>script_IQSlidedeck.R | Date: 2023-12-22 14:50:26</a:t>
             </a:r>
           </a:p>
         </p:txBody>
@@ -9837,7 +9837,7 @@
           <a:p>
             <a:r>
               <a:rPr/>
-              <a:t>script_IQSlidedeck.R | Date: 2022-05-17 15:28:25</a:t>
+              <a:t>script_IQSlidedeck.R | Date: 2023-12-22 14:50:26</a:t>
             </a:r>
           </a:p>
         </p:txBody>
@@ -9942,7 +9942,7 @@
           <a:p>
             <a:r>
               <a:rPr/>
-              <a:t>script_IQSlidedeck.R | Date: 2022-05-17 15:28:29</a:t>
+              <a:t>script_IQSlidedeck.R | Date: 2023-12-22 14:50:30</a:t>
             </a:r>
           </a:p>
         </p:txBody>
@@ -10047,7 +10047,7 @@
           <a:p>
             <a:r>
               <a:rPr/>
-              <a:t>script_IQSlidedeck.R | Date: 2022-05-17 15:28:30</a:t>
+              <a:t>script_IQSlidedeck.R | Date: 2023-12-22 14:50:31</a:t>
             </a:r>
           </a:p>
         </p:txBody>
@@ -10152,7 +10152,7 @@
           <a:p>
             <a:r>
               <a:rPr/>
-              <a:t>script_IQSlidedeck.R | Date: 2022-05-17 15:28:34</a:t>
+              <a:t>script_IQSlidedeck.R | Date: 2023-12-22 14:50:38</a:t>
             </a:r>
           </a:p>
         </p:txBody>

--- a/tests/testresults/script_IQSlidedeck_IQobjects_Default_4_3.pptx
+++ b/tests/testresults/script_IQSlidedeck_IQobjects_Default_4_3.pptx
@@ -5958,7 +5958,7 @@
               <a:rPr/>
               <a:t>IQR Objects (non-QCed)
 Daniel Kaschek, IntiQuan
-2023-12-22</a:t>
+2024-01-12</a:t>
             </a:r>
           </a:p>
         </p:txBody>
@@ -6096,7 +6096,7 @@
           <a:p>
             <a:r>
               <a:rPr/>
-              <a:t>script_IQSlidedeck.R | Date: 2023-12-22 14:50:27</a:t>
+              <a:t>script_IQSlidedeck.R | Date: 2024-01-12 17:01:57</a:t>
             </a:r>
           </a:p>
         </p:txBody>
@@ -6464,7 +6464,7 @@
           <a:p>
             <a:r>
               <a:rPr/>
-              <a:t>script_IQSlidedeck.R | Date: 2023-12-22 14:50:28</a:t>
+              <a:t>script_IQSlidedeck.R | Date: 2024-01-12 17:01:58</a:t>
             </a:r>
           </a:p>
         </p:txBody>
@@ -6832,7 +6832,7 @@
           <a:p>
             <a:r>
               <a:rPr/>
-              <a:t>script_IQSlidedeck.R | Date: 2023-12-22 14:50:30</a:t>
+              <a:t>script_IQSlidedeck.R | Date: 2024-01-12 17:01:59</a:t>
             </a:r>
           </a:p>
         </p:txBody>
@@ -7022,7 +7022,7 @@
           <a:p>
             <a:r>
               <a:rPr/>
-              <a:t>script_IQSlidedeck.R | Date: 2023-12-22 14:50:39</a:t>
+              <a:t>script_IQSlidedeck.R | Date: 2024-01-12 17:02:08</a:t>
             </a:r>
           </a:p>
         </p:txBody>
@@ -7153,7 +7153,7 @@
           <a:p>
             <a:r>
               <a:rPr/>
-              <a:t>script_IQSlidedeck.R | Date: 2023-12-22 14:50:39</a:t>
+              <a:t>script_IQSlidedeck.R | Date: 2024-01-12 17:02:08</a:t>
             </a:r>
           </a:p>
         </p:txBody>
@@ -7313,7 +7313,7 @@
           <a:p>
             <a:r>
               <a:rPr/>
-              <a:t>script_IQSlidedeck.R | Date: 2023-12-22 14:50:39</a:t>
+              <a:t>script_IQSlidedeck.R | Date: 2024-01-12 17:02:08</a:t>
             </a:r>
           </a:p>
         </p:txBody>
@@ -7451,7 +7451,7 @@
           <a:p>
             <a:r>
               <a:rPr/>
-              <a:t>script_IQSlidedeck.R | Date: 2023-12-22 14:50:39</a:t>
+              <a:t>script_IQSlidedeck.R | Date: 2024-01-12 17:02:08</a:t>
             </a:r>
           </a:p>
         </p:txBody>
@@ -7889,7 +7889,7 @@
           <a:p>
             <a:r>
               <a:rPr/>
-              <a:t>IQSlidedeck_IQRobjects.R | Date: 2023-12-22 14:51:09</a:t>
+              <a:t>IQSlidedeck_IQRobjects.R | Date: 2024-01-12 17:02:37</a:t>
             </a:r>
           </a:p>
         </p:txBody>
@@ -8327,7 +8327,7 @@
           <a:p>
             <a:r>
               <a:rPr/>
-              <a:t>IQSlidedeck_IQRobjects.R | Date: 2023-12-22 14:51:09</a:t>
+              <a:t>IQSlidedeck_IQRobjects.R | Date: 2024-01-12 17:02:37</a:t>
             </a:r>
           </a:p>
         </p:txBody>
@@ -8713,7 +8713,7 @@
           <a:p>
             <a:r>
               <a:rPr/>
-              <a:t>IQSlidedeck_IQRobjects.R | Date: 2023-12-22 14:51:09</a:t>
+              <a:t>IQSlidedeck_IQRobjects.R | Date: 2024-01-12 17:02:37</a:t>
             </a:r>
           </a:p>
         </p:txBody>
@@ -9058,7 +9058,7 @@
           <a:p>
             <a:r>
               <a:rPr/>
-              <a:t>IQSlidedeck_IQRobjects.R | Date: 2023-12-22 14:51:10</a:t>
+              <a:t>IQSlidedeck_IQRobjects.R | Date: 2024-01-12 17:02:38</a:t>
             </a:r>
           </a:p>
         </p:txBody>
@@ -9190,7 +9190,7 @@
           <a:p>
             <a:r>
               <a:rPr/>
-              <a:t>IQSlidedeck_IQRobjects.R | Date: 2023-12-22 14:51:12</a:t>
+              <a:t>IQSlidedeck_IQRobjects.R | Date: 2024-01-12 17:02:40</a:t>
             </a:r>
           </a:p>
         </p:txBody>
@@ -9323,7 +9323,7 @@
           <a:p>
             <a:r>
               <a:rPr/>
-              <a:t>IQSlidedeck_IQRobjects.R | Date: 2023-12-22 14:51:13</a:t>
+              <a:t>IQSlidedeck_IQRobjects.R | Date: 2024-01-12 17:02:41</a:t>
             </a:r>
           </a:p>
         </p:txBody>
@@ -9508,7 +9508,7 @@
           <a:p>
             <a:r>
               <a:rPr/>
-              <a:t>IQSlidedeck_IQRobjects.R | Date: 2023-12-22 14:51:15</a:t>
+              <a:t>IQSlidedeck_IQRobjects.R | Date: 2024-01-12 17:02:42</a:t>
             </a:r>
           </a:p>
         </p:txBody>
@@ -9620,7 +9620,7 @@
           <a:p>
             <a:r>
               <a:rPr/>
-              <a:t>script_IQSlidedeck.R | Date: 2023-12-22 14:50:26</a:t>
+              <a:t>script_IQSlidedeck.R | Date: 2024-01-12 17:01:55</a:t>
             </a:r>
           </a:p>
         </p:txBody>
@@ -9837,7 +9837,7 @@
           <a:p>
             <a:r>
               <a:rPr/>
-              <a:t>script_IQSlidedeck.R | Date: 2023-12-22 14:50:26</a:t>
+              <a:t>script_IQSlidedeck.R | Date: 2024-01-12 17:01:55</a:t>
             </a:r>
           </a:p>
         </p:txBody>
@@ -9942,7 +9942,7 @@
           <a:p>
             <a:r>
               <a:rPr/>
-              <a:t>script_IQSlidedeck.R | Date: 2023-12-22 14:50:30</a:t>
+              <a:t>script_IQSlidedeck.R | Date: 2024-01-12 17:02:00</a:t>
             </a:r>
           </a:p>
         </p:txBody>
@@ -10047,7 +10047,7 @@
           <a:p>
             <a:r>
               <a:rPr/>
-              <a:t>script_IQSlidedeck.R | Date: 2023-12-22 14:50:31</a:t>
+              <a:t>script_IQSlidedeck.R | Date: 2024-01-12 17:02:01</a:t>
             </a:r>
           </a:p>
         </p:txBody>
@@ -10152,7 +10152,7 @@
           <a:p>
             <a:r>
               <a:rPr/>
-              <a:t>script_IQSlidedeck.R | Date: 2023-12-22 14:50:38</a:t>
+              <a:t>script_IQSlidedeck.R | Date: 2024-01-12 17:02:07</a:t>
             </a:r>
           </a:p>
         </p:txBody>

--- a/tests/testresults/script_IQSlidedeck_IQobjects_Default_4_3.pptx
+++ b/tests/testresults/script_IQSlidedeck_IQobjects_Default_4_3.pptx
@@ -6096,7 +6096,7 @@
           <a:p>
             <a:r>
               <a:rPr/>
-              <a:t>script_IQSlidedeck.R | Date: 2024-01-12 17:01:57</a:t>
+              <a:t>script_IQSlidedeck.R | Date: 2024-01-12 18:15:22</a:t>
             </a:r>
           </a:p>
         </p:txBody>
@@ -6464,7 +6464,7 @@
           <a:p>
             <a:r>
               <a:rPr/>
-              <a:t>script_IQSlidedeck.R | Date: 2024-01-12 17:01:58</a:t>
+              <a:t>script_IQSlidedeck.R | Date: 2024-01-12 18:15:24</a:t>
             </a:r>
           </a:p>
         </p:txBody>
@@ -6832,7 +6832,7 @@
           <a:p>
             <a:r>
               <a:rPr/>
-              <a:t>script_IQSlidedeck.R | Date: 2024-01-12 17:01:59</a:t>
+              <a:t>script_IQSlidedeck.R | Date: 2024-01-12 18:15:25</a:t>
             </a:r>
           </a:p>
         </p:txBody>
@@ -7022,7 +7022,7 @@
           <a:p>
             <a:r>
               <a:rPr/>
-              <a:t>script_IQSlidedeck.R | Date: 2024-01-12 17:02:08</a:t>
+              <a:t>script_IQSlidedeck.R | Date: 2024-01-12 18:15:34</a:t>
             </a:r>
           </a:p>
         </p:txBody>
@@ -7153,7 +7153,7 @@
           <a:p>
             <a:r>
               <a:rPr/>
-              <a:t>script_IQSlidedeck.R | Date: 2024-01-12 17:02:08</a:t>
+              <a:t>script_IQSlidedeck.R | Date: 2024-01-12 18:15:34</a:t>
             </a:r>
           </a:p>
         </p:txBody>
@@ -7313,7 +7313,7 @@
           <a:p>
             <a:r>
               <a:rPr/>
-              <a:t>script_IQSlidedeck.R | Date: 2024-01-12 17:02:08</a:t>
+              <a:t>script_IQSlidedeck.R | Date: 2024-01-12 18:15:34</a:t>
             </a:r>
           </a:p>
         </p:txBody>
@@ -7451,7 +7451,7 @@
           <a:p>
             <a:r>
               <a:rPr/>
-              <a:t>script_IQSlidedeck.R | Date: 2024-01-12 17:02:08</a:t>
+              <a:t>script_IQSlidedeck.R | Date: 2024-01-12 18:15:34</a:t>
             </a:r>
           </a:p>
         </p:txBody>
@@ -7862,7 +7862,8 @@
           <a:p>
             <a:r>
               <a:rPr/>
-              <a:t>File: ../Output/01_test/normal_distributions.pdf</a:t>
+              <a:t>Normally distributed random numbers were used.
+File: ../Output/01_test/normal_distributions.pdf</a:t>
             </a:r>
           </a:p>
         </p:txBody>
@@ -7889,7 +7890,7 @@
           <a:p>
             <a:r>
               <a:rPr/>
-              <a:t>IQSlidedeck_IQRobjects.R | Date: 2024-01-12 17:02:37</a:t>
+              <a:t>IQSlidedeck_IQRobjects.R | Date: 2024-01-12 18:16:04</a:t>
             </a:r>
           </a:p>
         </p:txBody>
@@ -8300,7 +8301,8 @@
           <a:p>
             <a:r>
               <a:rPr/>
-              <a:t>File: ../Output/01_test/normal_distributions.pdf</a:t>
+              <a:t>Normally distributed random numbers were used.
+File: ../Output/01_test/normal_distributions.pdf</a:t>
             </a:r>
           </a:p>
         </p:txBody>
@@ -8327,7 +8329,7 @@
           <a:p>
             <a:r>
               <a:rPr/>
-              <a:t>IQSlidedeck_IQRobjects.R | Date: 2024-01-12 17:02:37</a:t>
+              <a:t>IQSlidedeck_IQRobjects.R | Date: 2024-01-12 18:16:04</a:t>
             </a:r>
           </a:p>
         </p:txBody>
@@ -8686,7 +8688,8 @@
           <a:p>
             <a:r>
               <a:rPr/>
-              <a:t>File: ../Output/01_test/normal_distributions.pdf</a:t>
+              <a:t>Normally distributed random numbers were used.
+File: ../Output/01_test/normal_distributions.pdf</a:t>
             </a:r>
           </a:p>
         </p:txBody>
@@ -8713,7 +8716,7 @@
           <a:p>
             <a:r>
               <a:rPr/>
-              <a:t>IQSlidedeck_IQRobjects.R | Date: 2024-01-12 17:02:37</a:t>
+              <a:t>IQSlidedeck_IQRobjects.R | Date: 2024-01-12 18:16:04</a:t>
             </a:r>
           </a:p>
         </p:txBody>
@@ -9058,7 +9061,7 @@
           <a:p>
             <a:r>
               <a:rPr/>
-              <a:t>IQSlidedeck_IQRobjects.R | Date: 2024-01-12 17:02:38</a:t>
+              <a:t>IQSlidedeck_IQRobjects.R | Date: 2024-01-12 18:16:05</a:t>
             </a:r>
           </a:p>
         </p:txBody>
@@ -9163,7 +9166,8 @@
           <a:p>
             <a:r>
               <a:rPr/>
-              <a:t>File: ../Output/01_test/subset_normal_distributions.pdf</a:t>
+              <a:t>
+File: ../Output/01_test/subset_normal_distributions.pdf</a:t>
             </a:r>
           </a:p>
         </p:txBody>
@@ -9190,7 +9194,7 @@
           <a:p>
             <a:r>
               <a:rPr/>
-              <a:t>IQSlidedeck_IQRobjects.R | Date: 2024-01-12 17:02:40</a:t>
+              <a:t>IQSlidedeck_IQRobjects.R | Date: 2024-01-12 18:16:07</a:t>
             </a:r>
           </a:p>
         </p:txBody>
@@ -9323,7 +9327,7 @@
           <a:p>
             <a:r>
               <a:rPr/>
-              <a:t>IQSlidedeck_IQRobjects.R | Date: 2024-01-12 17:02:41</a:t>
+              <a:t>IQSlidedeck_IQRobjects.R | Date: 2024-01-12 18:16:09</a:t>
             </a:r>
           </a:p>
         </p:txBody>
@@ -9428,7 +9432,8 @@
           <a:p>
             <a:r>
               <a:rPr/>
-              <a:t>File: ../Output/01_test/normal_distributions_longlist.pdf</a:t>
+              <a:t>Normally distributed random numbers were used.
+File: ../Output/01_test/normal_distributions_longlist.pdf</a:t>
             </a:r>
           </a:p>
         </p:txBody>
@@ -9481,7 +9486,8 @@
           <a:p>
             <a:r>
               <a:rPr/>
-              <a:t>File: ../Output/01_test/normal_distributions_longlist.pdf</a:t>
+              <a:t>Normally distributed random numbers were used.
+File: ../Output/01_test/normal_distributions_longlist.pdf</a:t>
             </a:r>
           </a:p>
         </p:txBody>
@@ -9508,7 +9514,7 @@
           <a:p>
             <a:r>
               <a:rPr/>
-              <a:t>IQSlidedeck_IQRobjects.R | Date: 2024-01-12 17:02:42</a:t>
+              <a:t>IQSlidedeck_IQRobjects.R | Date: 2024-01-12 18:16:10</a:t>
             </a:r>
           </a:p>
         </p:txBody>
@@ -9620,7 +9626,7 @@
           <a:p>
             <a:r>
               <a:rPr/>
-              <a:t>script_IQSlidedeck.R | Date: 2024-01-12 17:01:55</a:t>
+              <a:t>script_IQSlidedeck.R | Date: 2024-01-12 18:15:21</a:t>
             </a:r>
           </a:p>
         </p:txBody>
@@ -9837,7 +9843,7 @@
           <a:p>
             <a:r>
               <a:rPr/>
-              <a:t>script_IQSlidedeck.R | Date: 2024-01-12 17:01:55</a:t>
+              <a:t>script_IQSlidedeck.R | Date: 2024-01-12 18:15:21</a:t>
             </a:r>
           </a:p>
         </p:txBody>
@@ -9942,7 +9948,7 @@
           <a:p>
             <a:r>
               <a:rPr/>
-              <a:t>script_IQSlidedeck.R | Date: 2024-01-12 17:02:00</a:t>
+              <a:t>script_IQSlidedeck.R | Date: 2024-01-12 18:15:26</a:t>
             </a:r>
           </a:p>
         </p:txBody>
@@ -10047,7 +10053,7 @@
           <a:p>
             <a:r>
               <a:rPr/>
-              <a:t>script_IQSlidedeck.R | Date: 2024-01-12 17:02:01</a:t>
+              <a:t>script_IQSlidedeck.R | Date: 2024-01-12 18:15:27</a:t>
             </a:r>
           </a:p>
         </p:txBody>
@@ -10152,7 +10158,7 @@
           <a:p>
             <a:r>
               <a:rPr/>
-              <a:t>script_IQSlidedeck.R | Date: 2024-01-12 17:02:07</a:t>
+              <a:t>script_IQSlidedeck.R | Date: 2024-01-12 18:15:33</a:t>
             </a:r>
           </a:p>
         </p:txBody>

--- a/tests/testresults/script_IQSlidedeck_IQobjects_Default_4_3.pptx
+++ b/tests/testresults/script_IQSlidedeck_IQobjects_Default_4_3.pptx
@@ -4,7 +4,7 @@
   <p:sldMasterIdLst>
     <p:sldMasterId id="2147483648" r:id="rId1"/>
   </p:sldMasterIdLst>
-  <p:sldIdLst xmlns:a="http://schemas.openxmlformats.org/drawingml/2006/main" xmlns:r="http://schemas.openxmlformats.org/officeDocument/2006/relationships" xmlns:p="http://schemas.openxmlformats.org/presentationml/2006/main">
+  <p:sldIdLst>
     <p:sldId id="256" r:id="rId6"/>
     <p:sldId id="257" r:id="rId7"/>
     <p:sldId id="258" r:id="rId8"/>
@@ -5907,7 +5907,7 @@
           <a:chExt cx="0" cy="0"/>
         </a:xfrm>
       </p:grpSpPr>
-      <p:sp xmlns:a="http://schemas.openxmlformats.org/drawingml/2006/main" xmlns:r="http://schemas.openxmlformats.org/officeDocument/2006/relationships" xmlns:p="http://schemas.openxmlformats.org/presentationml/2006/main">
+      <p:sp>
         <p:nvSpPr>
           <p:cNvPr id="2" name="Title 1"/>
           <p:cNvSpPr>
@@ -5934,7 +5934,7 @@
           </a:p>
         </p:txBody>
       </p:sp>
-      <p:sp xmlns:a="http://schemas.openxmlformats.org/drawingml/2006/main" xmlns:r="http://schemas.openxmlformats.org/officeDocument/2006/relationships" xmlns:p="http://schemas.openxmlformats.org/presentationml/2006/main">
+      <p:sp>
         <p:nvSpPr>
           <p:cNvPr id="3" name="Subtitle 2"/>
           <p:cNvSpPr>
@@ -5958,7 +5958,7 @@
               <a:rPr/>
               <a:t>IQR Objects (non-QCed)
 Daniel Kaschek, IntiQuan
-2024-01-12</a:t>
+2024-10-03</a:t>
             </a:r>
           </a:p>
         </p:txBody>
@@ -5988,7 +5988,7 @@
           <a:chExt cx="0" cy="0"/>
         </a:xfrm>
       </p:grpSpPr>
-      <p:sp xmlns:a="http://schemas.openxmlformats.org/drawingml/2006/main" xmlns:r="http://schemas.openxmlformats.org/officeDocument/2006/relationships" xmlns:p="http://schemas.openxmlformats.org/presentationml/2006/main">
+      <p:sp>
         <p:nvSpPr>
           <p:cNvPr id="2" name="Title 1"/>
           <p:cNvSpPr>
@@ -6015,7 +6015,7 @@
           </a:p>
         </p:txBody>
       </p:sp>
-      <p:sp xmlns:a="http://schemas.openxmlformats.org/drawingml/2006/main" xmlns:r="http://schemas.openxmlformats.org/officeDocument/2006/relationships" xmlns:p="http://schemas.openxmlformats.org/presentationml/2006/main">
+      <p:sp>
         <p:nvSpPr>
           <p:cNvPr id="3" name="Content Placeholder 2"/>
           <p:cNvSpPr>
@@ -6048,7 +6048,7 @@
           </a:p>
         </p:txBody>
       </p:sp>
-      <p:pic xmlns:a="http://schemas.openxmlformats.org/drawingml/2006/main" xmlns:r="http://schemas.openxmlformats.org/officeDocument/2006/relationships" xmlns:p="http://schemas.openxmlformats.org/presentationml/2006/main">
+      <p:pic>
         <p:nvPicPr>
           <p:cNvPr id="4" name="Content Placeholder 3" descr=""/>
           <p:cNvPicPr>
@@ -6074,7 +6074,7 @@
           </a:prstGeom>
         </p:spPr>
       </p:pic>
-      <p:sp xmlns:a="http://schemas.openxmlformats.org/drawingml/2006/main" xmlns:r="http://schemas.openxmlformats.org/officeDocument/2006/relationships" xmlns:p="http://schemas.openxmlformats.org/presentationml/2006/main">
+      <p:sp>
         <p:nvSpPr>
           <p:cNvPr id="5" name="Footer Placeholder 5"/>
           <p:cNvSpPr>
@@ -6096,7 +6096,7 @@
           <a:p>
             <a:r>
               <a:rPr/>
-              <a:t>script_IQSlidedeck.R | Date: 2024-01-12 18:15:22</a:t>
+              <a:t>script_IQSlidedeck.R | Date: 2024-10-03 11:57:36.691939</a:t>
             </a:r>
           </a:p>
         </p:txBody>
@@ -6126,7 +6126,7 @@
           <a:chExt cx="0" cy="0"/>
         </a:xfrm>
       </p:grpSpPr>
-      <p:sp xmlns:a="http://schemas.openxmlformats.org/drawingml/2006/main" xmlns:r="http://schemas.openxmlformats.org/officeDocument/2006/relationships" xmlns:p="http://schemas.openxmlformats.org/presentationml/2006/main">
+      <p:sp>
         <p:nvSpPr>
           <p:cNvPr id="2" name="Title 1"/>
           <p:cNvSpPr>
@@ -6153,7 +6153,7 @@
           </a:p>
         </p:txBody>
       </p:sp>
-      <p:sp xmlns:a="http://schemas.openxmlformats.org/drawingml/2006/main" xmlns:r="http://schemas.openxmlformats.org/officeDocument/2006/relationships" xmlns:p="http://schemas.openxmlformats.org/presentationml/2006/main">
+      <p:sp>
         <p:nvSpPr>
           <p:cNvPr id="3" name="Content Placeholder 2"/>
           <p:cNvSpPr>
@@ -6416,7 +6416,7 @@
           </a:p>
         </p:txBody>
       </p:sp>
-      <p:pic xmlns:a="http://schemas.openxmlformats.org/drawingml/2006/main" xmlns:r="http://schemas.openxmlformats.org/officeDocument/2006/relationships" xmlns:p="http://schemas.openxmlformats.org/presentationml/2006/main">
+      <p:pic>
         <p:nvPicPr>
           <p:cNvPr id="4" name="Content Placeholder 3" descr=""/>
           <p:cNvPicPr>
@@ -6442,7 +6442,7 @@
           </a:prstGeom>
         </p:spPr>
       </p:pic>
-      <p:sp xmlns:a="http://schemas.openxmlformats.org/drawingml/2006/main" xmlns:r="http://schemas.openxmlformats.org/officeDocument/2006/relationships" xmlns:p="http://schemas.openxmlformats.org/presentationml/2006/main">
+      <p:sp>
         <p:nvSpPr>
           <p:cNvPr id="5" name="Footer Placeholder 5"/>
           <p:cNvSpPr>
@@ -6464,7 +6464,7 @@
           <a:p>
             <a:r>
               <a:rPr/>
-              <a:t>script_IQSlidedeck.R | Date: 2024-01-12 18:15:24</a:t>
+              <a:t>script_IQSlidedeck.R | Date: 2024-10-03 11:57:37.544605</a:t>
             </a:r>
           </a:p>
         </p:txBody>
@@ -6494,7 +6494,7 @@
           <a:chExt cx="0" cy="0"/>
         </a:xfrm>
       </p:grpSpPr>
-      <p:sp xmlns:a="http://schemas.openxmlformats.org/drawingml/2006/main" xmlns:r="http://schemas.openxmlformats.org/officeDocument/2006/relationships" xmlns:p="http://schemas.openxmlformats.org/presentationml/2006/main">
+      <p:sp>
         <p:nvSpPr>
           <p:cNvPr id="2" name="Title 1"/>
           <p:cNvSpPr>
@@ -6521,7 +6521,7 @@
           </a:p>
         </p:txBody>
       </p:sp>
-      <p:pic xmlns:a="http://schemas.openxmlformats.org/drawingml/2006/main" xmlns:r="http://schemas.openxmlformats.org/officeDocument/2006/relationships" xmlns:p="http://schemas.openxmlformats.org/presentationml/2006/main">
+      <p:pic>
         <p:nvPicPr>
           <p:cNvPr id="3" name="Content Placeholder 2" descr=""/>
           <p:cNvPicPr>
@@ -6547,7 +6547,7 @@
           </a:prstGeom>
         </p:spPr>
       </p:pic>
-      <p:sp xmlns:a="http://schemas.openxmlformats.org/drawingml/2006/main" xmlns:r="http://schemas.openxmlformats.org/officeDocument/2006/relationships" xmlns:p="http://schemas.openxmlformats.org/presentationml/2006/main">
+      <p:sp>
         <p:nvSpPr>
           <p:cNvPr id="4" name="Content Placeholder 3"/>
           <p:cNvSpPr>
@@ -6810,7 +6810,7 @@
           </a:p>
         </p:txBody>
       </p:sp>
-      <p:sp xmlns:a="http://schemas.openxmlformats.org/drawingml/2006/main" xmlns:r="http://schemas.openxmlformats.org/officeDocument/2006/relationships" xmlns:p="http://schemas.openxmlformats.org/presentationml/2006/main">
+      <p:sp>
         <p:nvSpPr>
           <p:cNvPr id="5" name="Footer Placeholder 5"/>
           <p:cNvSpPr>
@@ -6832,7 +6832,7 @@
           <a:p>
             <a:r>
               <a:rPr/>
-              <a:t>script_IQSlidedeck.R | Date: 2024-01-12 18:15:25</a:t>
+              <a:t>script_IQSlidedeck.R | Date: 2024-10-03 11:57:38.573462</a:t>
             </a:r>
           </a:p>
         </p:txBody>
@@ -6862,7 +6862,7 @@
           <a:chExt cx="0" cy="0"/>
         </a:xfrm>
       </p:grpSpPr>
-      <p:sp xmlns:a="http://schemas.openxmlformats.org/drawingml/2006/main" xmlns:r="http://schemas.openxmlformats.org/officeDocument/2006/relationships" xmlns:p="http://schemas.openxmlformats.org/presentationml/2006/main">
+      <p:sp>
         <p:nvSpPr>
           <p:cNvPr id="2" name="Title 1"/>
           <p:cNvSpPr>
@@ -6914,7 +6914,7 @@
           <a:chExt cx="0" cy="0"/>
         </a:xfrm>
       </p:grpSpPr>
-      <p:sp xmlns:a="http://schemas.openxmlformats.org/drawingml/2006/main" xmlns:r="http://schemas.openxmlformats.org/officeDocument/2006/relationships" xmlns:p="http://schemas.openxmlformats.org/presentationml/2006/main">
+      <p:sp>
         <p:nvSpPr>
           <p:cNvPr id="2" name="Title 1"/>
           <p:cNvSpPr>
@@ -6941,7 +6941,7 @@
           </a:p>
         </p:txBody>
       </p:sp>
-      <p:sp xmlns:a="http://schemas.openxmlformats.org/drawingml/2006/main" xmlns:r="http://schemas.openxmlformats.org/officeDocument/2006/relationships" xmlns:p="http://schemas.openxmlformats.org/presentationml/2006/main">
+      <p:sp>
         <p:nvSpPr>
           <p:cNvPr id="3" name="Content Placeholder 2"/>
           <p:cNvSpPr>
@@ -6974,7 +6974,7 @@
           </a:p>
         </p:txBody>
       </p:sp>
-      <p:pic xmlns:a="http://schemas.openxmlformats.org/drawingml/2006/main" xmlns:r="http://schemas.openxmlformats.org/officeDocument/2006/relationships" xmlns:p="http://schemas.openxmlformats.org/presentationml/2006/main">
+      <p:pic>
         <p:nvPicPr>
           <p:cNvPr id="4" name="Content Placeholder 3" descr=""/>
           <p:cNvPicPr>
@@ -7000,7 +7000,7 @@
           </a:prstGeom>
         </p:spPr>
       </p:pic>
-      <p:sp xmlns:a="http://schemas.openxmlformats.org/drawingml/2006/main" xmlns:r="http://schemas.openxmlformats.org/officeDocument/2006/relationships" xmlns:p="http://schemas.openxmlformats.org/presentationml/2006/main">
+      <p:sp>
         <p:nvSpPr>
           <p:cNvPr id="5" name="Footer Placeholder 5"/>
           <p:cNvSpPr>
@@ -7022,7 +7022,7 @@
           <a:p>
             <a:r>
               <a:rPr/>
-              <a:t>script_IQSlidedeck.R | Date: 2024-01-12 18:15:34</a:t>
+              <a:t>script_IQSlidedeck.R | Date: 2024-10-03 11:57:47.755544</a:t>
             </a:r>
           </a:p>
         </p:txBody>
@@ -7052,7 +7052,7 @@
           <a:chExt cx="0" cy="0"/>
         </a:xfrm>
       </p:grpSpPr>
-      <p:sp xmlns:a="http://schemas.openxmlformats.org/drawingml/2006/main" xmlns:r="http://schemas.openxmlformats.org/officeDocument/2006/relationships" xmlns:p="http://schemas.openxmlformats.org/presentationml/2006/main">
+      <p:sp>
         <p:nvSpPr>
           <p:cNvPr id="2" name="Title 1"/>
           <p:cNvSpPr>
@@ -7079,7 +7079,7 @@
           </a:p>
         </p:txBody>
       </p:sp>
-      <p:pic xmlns:a="http://schemas.openxmlformats.org/drawingml/2006/main" xmlns:r="http://schemas.openxmlformats.org/officeDocument/2006/relationships" xmlns:p="http://schemas.openxmlformats.org/presentationml/2006/main">
+      <p:pic>
         <p:nvPicPr>
           <p:cNvPr id="3" name="Content Placeholder 2" descr=""/>
           <p:cNvPicPr>
@@ -7105,7 +7105,7 @@
           </a:prstGeom>
         </p:spPr>
       </p:pic>
-      <p:pic xmlns:a="http://schemas.openxmlformats.org/drawingml/2006/main" xmlns:r="http://schemas.openxmlformats.org/officeDocument/2006/relationships" xmlns:p="http://schemas.openxmlformats.org/presentationml/2006/main">
+      <p:pic>
         <p:nvPicPr>
           <p:cNvPr id="4" name="Content Placeholder 3" descr=""/>
           <p:cNvPicPr>
@@ -7131,7 +7131,7 @@
           </a:prstGeom>
         </p:spPr>
       </p:pic>
-      <p:sp xmlns:a="http://schemas.openxmlformats.org/drawingml/2006/main" xmlns:r="http://schemas.openxmlformats.org/officeDocument/2006/relationships" xmlns:p="http://schemas.openxmlformats.org/presentationml/2006/main">
+      <p:sp>
         <p:nvSpPr>
           <p:cNvPr id="5" name="Footer Placeholder 5"/>
           <p:cNvSpPr>
@@ -7153,7 +7153,7 @@
           <a:p>
             <a:r>
               <a:rPr/>
-              <a:t>script_IQSlidedeck.R | Date: 2024-01-12 18:15:34</a:t>
+              <a:t>script_IQSlidedeck.R | Date: 2024-10-03 11:57:47.794485</a:t>
             </a:r>
           </a:p>
         </p:txBody>
@@ -7183,7 +7183,7 @@
           <a:chExt cx="0" cy="0"/>
         </a:xfrm>
       </p:grpSpPr>
-      <p:sp xmlns:a="http://schemas.openxmlformats.org/drawingml/2006/main" xmlns:r="http://schemas.openxmlformats.org/officeDocument/2006/relationships" xmlns:p="http://schemas.openxmlformats.org/presentationml/2006/main">
+      <p:sp>
         <p:nvSpPr>
           <p:cNvPr id="2" name="Title 1"/>
           <p:cNvSpPr>
@@ -7210,7 +7210,7 @@
           </a:p>
         </p:txBody>
       </p:sp>
-      <p:pic xmlns:a="http://schemas.openxmlformats.org/drawingml/2006/main" xmlns:r="http://schemas.openxmlformats.org/officeDocument/2006/relationships" xmlns:p="http://schemas.openxmlformats.org/presentationml/2006/main">
+      <p:pic>
         <p:nvPicPr>
           <p:cNvPr id="3" name="Content Placeholder 2" descr=""/>
           <p:cNvPicPr>
@@ -7236,7 +7236,7 @@
           </a:prstGeom>
         </p:spPr>
       </p:pic>
-      <p:sp xmlns:a="http://schemas.openxmlformats.org/drawingml/2006/main" xmlns:r="http://schemas.openxmlformats.org/officeDocument/2006/relationships" xmlns:p="http://schemas.openxmlformats.org/presentationml/2006/main">
+      <p:sp>
         <p:nvSpPr>
           <p:cNvPr id="4" name="Content Placeholder 3"/>
           <p:cNvSpPr>
@@ -7291,7 +7291,7 @@
           </a:p>
         </p:txBody>
       </p:sp>
-      <p:sp xmlns:a="http://schemas.openxmlformats.org/drawingml/2006/main" xmlns:r="http://schemas.openxmlformats.org/officeDocument/2006/relationships" xmlns:p="http://schemas.openxmlformats.org/presentationml/2006/main">
+      <p:sp>
         <p:nvSpPr>
           <p:cNvPr id="5" name="Footer Placeholder 5"/>
           <p:cNvSpPr>
@@ -7313,7 +7313,7 @@
           <a:p>
             <a:r>
               <a:rPr/>
-              <a:t>script_IQSlidedeck.R | Date: 2024-01-12 18:15:34</a:t>
+              <a:t>script_IQSlidedeck.R | Date: 2024-10-03 11:57:47.830845</a:t>
             </a:r>
           </a:p>
         </p:txBody>
@@ -7343,7 +7343,7 @@
           <a:chExt cx="0" cy="0"/>
         </a:xfrm>
       </p:grpSpPr>
-      <p:sp xmlns:a="http://schemas.openxmlformats.org/drawingml/2006/main" xmlns:r="http://schemas.openxmlformats.org/officeDocument/2006/relationships" xmlns:p="http://schemas.openxmlformats.org/presentationml/2006/main">
+      <p:sp>
         <p:nvSpPr>
           <p:cNvPr id="2" name="Title 1"/>
           <p:cNvSpPr>
@@ -7370,7 +7370,7 @@
           </a:p>
         </p:txBody>
       </p:sp>
-      <p:sp xmlns:a="http://schemas.openxmlformats.org/drawingml/2006/main" xmlns:r="http://schemas.openxmlformats.org/officeDocument/2006/relationships" xmlns:p="http://schemas.openxmlformats.org/presentationml/2006/main">
+      <p:sp>
         <p:nvSpPr>
           <p:cNvPr id="3" name="Content Placeholder 2"/>
           <p:cNvSpPr>
@@ -7403,7 +7403,7 @@
           </a:p>
         </p:txBody>
       </p:sp>
-      <p:pic xmlns:a="http://schemas.openxmlformats.org/drawingml/2006/main" xmlns:r="http://schemas.openxmlformats.org/officeDocument/2006/relationships" xmlns:p="http://schemas.openxmlformats.org/presentationml/2006/main">
+      <p:pic>
         <p:nvPicPr>
           <p:cNvPr id="4" name="Content Placeholder 3" descr=""/>
           <p:cNvPicPr>
@@ -7429,7 +7429,7 @@
           </a:prstGeom>
         </p:spPr>
       </p:pic>
-      <p:sp xmlns:a="http://schemas.openxmlformats.org/drawingml/2006/main" xmlns:r="http://schemas.openxmlformats.org/officeDocument/2006/relationships" xmlns:p="http://schemas.openxmlformats.org/presentationml/2006/main">
+      <p:sp>
         <p:nvSpPr>
           <p:cNvPr id="5" name="Footer Placeholder 5"/>
           <p:cNvSpPr>
@@ -7451,7 +7451,7 @@
           <a:p>
             <a:r>
               <a:rPr/>
-              <a:t>script_IQSlidedeck.R | Date: 2024-01-12 18:15:34</a:t>
+              <a:t>script_IQSlidedeck.R | Date: 2024-10-03 11:57:47.865052</a:t>
             </a:r>
           </a:p>
         </p:txBody>
@@ -7481,7 +7481,7 @@
           <a:chExt cx="0" cy="0"/>
         </a:xfrm>
       </p:grpSpPr>
-      <p:sp xmlns:a="http://schemas.openxmlformats.org/drawingml/2006/main" xmlns:r="http://schemas.openxmlformats.org/officeDocument/2006/relationships" xmlns:p="http://schemas.openxmlformats.org/presentationml/2006/main">
+      <p:sp>
         <p:nvSpPr>
           <p:cNvPr id="2" name="Title 1"/>
           <p:cNvSpPr>
@@ -7533,7 +7533,7 @@
           <a:chExt cx="0" cy="0"/>
         </a:xfrm>
       </p:grpSpPr>
-      <p:sp xmlns:a="http://schemas.openxmlformats.org/drawingml/2006/main" xmlns:r="http://schemas.openxmlformats.org/officeDocument/2006/relationships" xmlns:p="http://schemas.openxmlformats.org/presentationml/2006/main">
+      <p:sp>
         <p:nvSpPr>
           <p:cNvPr id="2" name="Title 1"/>
           <p:cNvSpPr>
@@ -7560,7 +7560,7 @@
           </a:p>
         </p:txBody>
       </p:sp>
-      <p:sp xmlns:a="http://schemas.openxmlformats.org/drawingml/2006/main" xmlns:r="http://schemas.openxmlformats.org/officeDocument/2006/relationships" xmlns:p="http://schemas.openxmlformats.org/presentationml/2006/main">
+      <p:sp>
         <p:nvSpPr>
           <p:cNvPr id="3" name="Content Placeholder 2"/>
           <p:cNvSpPr>
@@ -7814,7 +7814,7 @@
           </a:p>
         </p:txBody>
       </p:sp>
-      <p:pic xmlns:a="http://schemas.openxmlformats.org/drawingml/2006/main" xmlns:r="http://schemas.openxmlformats.org/officeDocument/2006/relationships" xmlns:p="http://schemas.openxmlformats.org/presentationml/2006/main">
+      <p:pic>
         <p:nvPicPr>
           <p:cNvPr id="4" name="Content Placeholder 3" descr=""/>
           <p:cNvPicPr>
@@ -7840,7 +7840,7 @@
           </a:prstGeom>
         </p:spPr>
       </p:pic>
-      <p:sp xmlns:a="http://schemas.openxmlformats.org/drawingml/2006/main" xmlns:r="http://schemas.openxmlformats.org/officeDocument/2006/relationships" xmlns:p="http://schemas.openxmlformats.org/presentationml/2006/main">
+      <p:sp>
         <p:nvSpPr>
           <p:cNvPr id="5" name="Text Placeholder 2"/>
           <p:cNvSpPr>
@@ -7868,7 +7868,7 @@
           </a:p>
         </p:txBody>
       </p:sp>
-      <p:sp xmlns:a="http://schemas.openxmlformats.org/drawingml/2006/main" xmlns:r="http://schemas.openxmlformats.org/officeDocument/2006/relationships" xmlns:p="http://schemas.openxmlformats.org/presentationml/2006/main">
+      <p:sp>
         <p:nvSpPr>
           <p:cNvPr id="6" name="Footer Placeholder 5"/>
           <p:cNvSpPr>
@@ -7890,7 +7890,7 @@
           <a:p>
             <a:r>
               <a:rPr/>
-              <a:t>IQSlidedeck_IQRobjects.R | Date: 2024-01-12 18:16:04</a:t>
+              <a:t>IQSlidedeck_IQRobjects.R | Date: 2024-10-03 11:58:19.273812</a:t>
             </a:r>
           </a:p>
         </p:txBody>
@@ -7920,7 +7920,7 @@
           <a:chExt cx="0" cy="0"/>
         </a:xfrm>
       </p:grpSpPr>
-      <p:sp xmlns:a="http://schemas.openxmlformats.org/drawingml/2006/main" xmlns:r="http://schemas.openxmlformats.org/officeDocument/2006/relationships" xmlns:p="http://schemas.openxmlformats.org/presentationml/2006/main">
+      <p:sp>
         <p:nvSpPr>
           <p:cNvPr id="2" name="Title 1"/>
           <p:cNvSpPr>
@@ -7972,7 +7972,7 @@
           <a:chExt cx="0" cy="0"/>
         </a:xfrm>
       </p:grpSpPr>
-      <p:sp xmlns:a="http://schemas.openxmlformats.org/drawingml/2006/main" xmlns:r="http://schemas.openxmlformats.org/officeDocument/2006/relationships" xmlns:p="http://schemas.openxmlformats.org/presentationml/2006/main">
+      <p:sp>
         <p:nvSpPr>
           <p:cNvPr id="2" name="Title 1"/>
           <p:cNvSpPr>
@@ -7999,7 +7999,7 @@
           </a:p>
         </p:txBody>
       </p:sp>
-      <p:sp xmlns:a="http://schemas.openxmlformats.org/drawingml/2006/main" xmlns:r="http://schemas.openxmlformats.org/officeDocument/2006/relationships" xmlns:p="http://schemas.openxmlformats.org/presentationml/2006/main">
+      <p:sp>
         <p:nvSpPr>
           <p:cNvPr id="3" name="Content Placeholder 2"/>
           <p:cNvSpPr>
@@ -8253,7 +8253,7 @@
           </a:p>
         </p:txBody>
       </p:sp>
-      <p:pic xmlns:a="http://schemas.openxmlformats.org/drawingml/2006/main" xmlns:r="http://schemas.openxmlformats.org/officeDocument/2006/relationships" xmlns:p="http://schemas.openxmlformats.org/presentationml/2006/main">
+      <p:pic>
         <p:nvPicPr>
           <p:cNvPr id="4" name="Content Placeholder 3" descr=""/>
           <p:cNvPicPr>
@@ -8279,7 +8279,7 @@
           </a:prstGeom>
         </p:spPr>
       </p:pic>
-      <p:sp xmlns:a="http://schemas.openxmlformats.org/drawingml/2006/main" xmlns:r="http://schemas.openxmlformats.org/officeDocument/2006/relationships" xmlns:p="http://schemas.openxmlformats.org/presentationml/2006/main">
+      <p:sp>
         <p:nvSpPr>
           <p:cNvPr id="5" name="Text Placeholder 2"/>
           <p:cNvSpPr>
@@ -8307,7 +8307,7 @@
           </a:p>
         </p:txBody>
       </p:sp>
-      <p:sp xmlns:a="http://schemas.openxmlformats.org/drawingml/2006/main" xmlns:r="http://schemas.openxmlformats.org/officeDocument/2006/relationships" xmlns:p="http://schemas.openxmlformats.org/presentationml/2006/main">
+      <p:sp>
         <p:nvSpPr>
           <p:cNvPr id="6" name="Footer Placeholder 5"/>
           <p:cNvSpPr>
@@ -8329,7 +8329,7 @@
           <a:p>
             <a:r>
               <a:rPr/>
-              <a:t>IQSlidedeck_IQRobjects.R | Date: 2024-01-12 18:16:04</a:t>
+              <a:t>IQSlidedeck_IQRobjects.R | Date: 2024-10-03 11:58:19.546171</a:t>
             </a:r>
           </a:p>
         </p:txBody>
@@ -8359,7 +8359,7 @@
           <a:chExt cx="0" cy="0"/>
         </a:xfrm>
       </p:grpSpPr>
-      <p:sp xmlns:a="http://schemas.openxmlformats.org/drawingml/2006/main" xmlns:r="http://schemas.openxmlformats.org/officeDocument/2006/relationships" xmlns:p="http://schemas.openxmlformats.org/presentationml/2006/main">
+      <p:sp>
         <p:nvSpPr>
           <p:cNvPr id="2" name="Title 1"/>
           <p:cNvSpPr>
@@ -8386,7 +8386,7 @@
           </a:p>
         </p:txBody>
       </p:sp>
-      <p:sp xmlns:a="http://schemas.openxmlformats.org/drawingml/2006/main" xmlns:r="http://schemas.openxmlformats.org/officeDocument/2006/relationships" xmlns:p="http://schemas.openxmlformats.org/presentationml/2006/main">
+      <p:sp>
         <p:nvSpPr>
           <p:cNvPr id="3" name="Content Placeholder 2"/>
           <p:cNvSpPr>
@@ -8640,7 +8640,7 @@
           </a:p>
         </p:txBody>
       </p:sp>
-      <p:pic xmlns:a="http://schemas.openxmlformats.org/drawingml/2006/main" xmlns:r="http://schemas.openxmlformats.org/officeDocument/2006/relationships" xmlns:p="http://schemas.openxmlformats.org/presentationml/2006/main">
+      <p:pic>
         <p:nvPicPr>
           <p:cNvPr id="4" name="Content Placeholder 3" descr=""/>
           <p:cNvPicPr>
@@ -8666,7 +8666,7 @@
           </a:prstGeom>
         </p:spPr>
       </p:pic>
-      <p:sp xmlns:a="http://schemas.openxmlformats.org/drawingml/2006/main" xmlns:r="http://schemas.openxmlformats.org/officeDocument/2006/relationships" xmlns:p="http://schemas.openxmlformats.org/presentationml/2006/main">
+      <p:sp>
         <p:nvSpPr>
           <p:cNvPr id="5" name="Text Placeholder 2"/>
           <p:cNvSpPr>
@@ -8694,7 +8694,7 @@
           </a:p>
         </p:txBody>
       </p:sp>
-      <p:sp xmlns:a="http://schemas.openxmlformats.org/drawingml/2006/main" xmlns:r="http://schemas.openxmlformats.org/officeDocument/2006/relationships" xmlns:p="http://schemas.openxmlformats.org/presentationml/2006/main">
+      <p:sp>
         <p:nvSpPr>
           <p:cNvPr id="6" name="Footer Placeholder 5"/>
           <p:cNvSpPr>
@@ -8716,7 +8716,7 @@
           <a:p>
             <a:r>
               <a:rPr/>
-              <a:t>IQSlidedeck_IQRobjects.R | Date: 2024-01-12 18:16:04</a:t>
+              <a:t>IQSlidedeck_IQRobjects.R | Date: 2024-10-03 11:58:19.796632</a:t>
             </a:r>
           </a:p>
         </p:txBody>
@@ -8746,7 +8746,7 @@
           <a:chExt cx="0" cy="0"/>
         </a:xfrm>
       </p:grpSpPr>
-      <p:sp xmlns:a="http://schemas.openxmlformats.org/drawingml/2006/main" xmlns:r="http://schemas.openxmlformats.org/officeDocument/2006/relationships" xmlns:p="http://schemas.openxmlformats.org/presentationml/2006/main">
+      <p:sp>
         <p:nvSpPr>
           <p:cNvPr id="2" name="Title 1"/>
           <p:cNvSpPr>
@@ -8773,7 +8773,7 @@
           </a:p>
         </p:txBody>
       </p:sp>
-      <p:sp xmlns:a="http://schemas.openxmlformats.org/drawingml/2006/main" xmlns:r="http://schemas.openxmlformats.org/officeDocument/2006/relationships" xmlns:p="http://schemas.openxmlformats.org/presentationml/2006/main">
+      <p:sp>
         <p:nvSpPr>
           <p:cNvPr id="3" name="Content Placeholder 2"/>
           <p:cNvSpPr>
@@ -8985,7 +8985,7 @@
           </a:p>
         </p:txBody>
       </p:sp>
-      <p:pic xmlns:a="http://schemas.openxmlformats.org/drawingml/2006/main" xmlns:r="http://schemas.openxmlformats.org/officeDocument/2006/relationships" xmlns:p="http://schemas.openxmlformats.org/presentationml/2006/main">
+      <p:pic>
         <p:nvPicPr>
           <p:cNvPr id="4" name="Content Placeholder 3" descr=""/>
           <p:cNvPicPr>
@@ -9011,7 +9011,7 @@
           </a:prstGeom>
         </p:spPr>
       </p:pic>
-      <p:sp xmlns:a="http://schemas.openxmlformats.org/drawingml/2006/main" xmlns:r="http://schemas.openxmlformats.org/officeDocument/2006/relationships" xmlns:p="http://schemas.openxmlformats.org/presentationml/2006/main">
+      <p:sp>
         <p:nvSpPr>
           <p:cNvPr id="5" name="Text Placeholder 2"/>
           <p:cNvSpPr>
@@ -9039,7 +9039,7 @@
           </a:p>
         </p:txBody>
       </p:sp>
-      <p:sp xmlns:a="http://schemas.openxmlformats.org/drawingml/2006/main" xmlns:r="http://schemas.openxmlformats.org/officeDocument/2006/relationships" xmlns:p="http://schemas.openxmlformats.org/presentationml/2006/main">
+      <p:sp>
         <p:nvSpPr>
           <p:cNvPr id="6" name="Footer Placeholder 5"/>
           <p:cNvSpPr>
@@ -9061,7 +9061,7 @@
           <a:p>
             <a:r>
               <a:rPr/>
-              <a:t>IQSlidedeck_IQRobjects.R | Date: 2024-01-12 18:16:05</a:t>
+              <a:t>IQSlidedeck_IQRobjects.R | Date: 2024-10-03 11:58:20.942075</a:t>
             </a:r>
           </a:p>
         </p:txBody>
@@ -9091,7 +9091,7 @@
           <a:chExt cx="0" cy="0"/>
         </a:xfrm>
       </p:grpSpPr>
-      <p:sp xmlns:a="http://schemas.openxmlformats.org/drawingml/2006/main" xmlns:r="http://schemas.openxmlformats.org/officeDocument/2006/relationships" xmlns:p="http://schemas.openxmlformats.org/presentationml/2006/main">
+      <p:sp>
         <p:nvSpPr>
           <p:cNvPr id="2" name="Title 1"/>
           <p:cNvSpPr>
@@ -9118,7 +9118,7 @@
           </a:p>
         </p:txBody>
       </p:sp>
-      <p:pic xmlns:a="http://schemas.openxmlformats.org/drawingml/2006/main" xmlns:r="http://schemas.openxmlformats.org/officeDocument/2006/relationships" xmlns:p="http://schemas.openxmlformats.org/presentationml/2006/main">
+      <p:pic>
         <p:nvPicPr>
           <p:cNvPr id="3" name="Content Placeholder 2" descr=""/>
           <p:cNvPicPr>
@@ -9144,7 +9144,7 @@
           </a:prstGeom>
         </p:spPr>
       </p:pic>
-      <p:sp xmlns:a="http://schemas.openxmlformats.org/drawingml/2006/main" xmlns:r="http://schemas.openxmlformats.org/officeDocument/2006/relationships" xmlns:p="http://schemas.openxmlformats.org/presentationml/2006/main">
+      <p:sp>
         <p:nvSpPr>
           <p:cNvPr id="4" name="Text Placeholder 8"/>
           <p:cNvSpPr>
@@ -9172,7 +9172,7 @@
           </a:p>
         </p:txBody>
       </p:sp>
-      <p:sp xmlns:a="http://schemas.openxmlformats.org/drawingml/2006/main" xmlns:r="http://schemas.openxmlformats.org/officeDocument/2006/relationships" xmlns:p="http://schemas.openxmlformats.org/presentationml/2006/main">
+      <p:sp>
         <p:nvSpPr>
           <p:cNvPr id="5" name="Footer Placeholder 4"/>
           <p:cNvSpPr>
@@ -9194,7 +9194,7 @@
           <a:p>
             <a:r>
               <a:rPr/>
-              <a:t>IQSlidedeck_IQRobjects.R | Date: 2024-01-12 18:16:07</a:t>
+              <a:t>IQSlidedeck_IQRobjects.R | Date: 2024-10-03 11:58:22.526746</a:t>
             </a:r>
           </a:p>
         </p:txBody>
@@ -9224,7 +9224,7 @@
           <a:chExt cx="0" cy="0"/>
         </a:xfrm>
       </p:grpSpPr>
-      <p:sp xmlns:a="http://schemas.openxmlformats.org/drawingml/2006/main" xmlns:r="http://schemas.openxmlformats.org/officeDocument/2006/relationships" xmlns:p="http://schemas.openxmlformats.org/presentationml/2006/main">
+      <p:sp>
         <p:nvSpPr>
           <p:cNvPr id="2" name="Title 1"/>
           <p:cNvSpPr>
@@ -9251,7 +9251,7 @@
           </a:p>
         </p:txBody>
       </p:sp>
-      <p:pic xmlns:a="http://schemas.openxmlformats.org/drawingml/2006/main" xmlns:r="http://schemas.openxmlformats.org/officeDocument/2006/relationships" xmlns:p="http://schemas.openxmlformats.org/presentationml/2006/main">
+      <p:pic>
         <p:nvPicPr>
           <p:cNvPr id="3" name="Content Placeholder 2" descr=""/>
           <p:cNvPicPr>
@@ -9277,7 +9277,7 @@
           </a:prstGeom>
         </p:spPr>
       </p:pic>
-      <p:sp xmlns:a="http://schemas.openxmlformats.org/drawingml/2006/main" xmlns:r="http://schemas.openxmlformats.org/officeDocument/2006/relationships" xmlns:p="http://schemas.openxmlformats.org/presentationml/2006/main">
+      <p:sp>
         <p:nvSpPr>
           <p:cNvPr id="4" name="Text Placeholder 8"/>
           <p:cNvSpPr>
@@ -9305,7 +9305,7 @@
           </a:p>
         </p:txBody>
       </p:sp>
-      <p:sp xmlns:a="http://schemas.openxmlformats.org/drawingml/2006/main" xmlns:r="http://schemas.openxmlformats.org/officeDocument/2006/relationships" xmlns:p="http://schemas.openxmlformats.org/presentationml/2006/main">
+      <p:sp>
         <p:nvSpPr>
           <p:cNvPr id="5" name="Footer Placeholder 4"/>
           <p:cNvSpPr>
@@ -9327,7 +9327,7 @@
           <a:p>
             <a:r>
               <a:rPr/>
-              <a:t>IQSlidedeck_IQRobjects.R | Date: 2024-01-12 18:16:09</a:t>
+              <a:t>IQSlidedeck_IQRobjects.R | Date: 2024-10-03 11:58:23.673422</a:t>
             </a:r>
           </a:p>
         </p:txBody>
@@ -9357,7 +9357,7 @@
           <a:chExt cx="0" cy="0"/>
         </a:xfrm>
       </p:grpSpPr>
-      <p:sp xmlns:a="http://schemas.openxmlformats.org/drawingml/2006/main" xmlns:r="http://schemas.openxmlformats.org/officeDocument/2006/relationships" xmlns:p="http://schemas.openxmlformats.org/presentationml/2006/main">
+      <p:sp>
         <p:nvSpPr>
           <p:cNvPr id="2" name="Title 1"/>
           <p:cNvSpPr>
@@ -9384,7 +9384,7 @@
           </a:p>
         </p:txBody>
       </p:sp>
-      <p:pic xmlns:a="http://schemas.openxmlformats.org/drawingml/2006/main" xmlns:r="http://schemas.openxmlformats.org/officeDocument/2006/relationships" xmlns:p="http://schemas.openxmlformats.org/presentationml/2006/main">
+      <p:pic>
         <p:nvPicPr>
           <p:cNvPr id="3" name="Content Placeholder 2" descr=""/>
           <p:cNvPicPr>
@@ -9410,7 +9410,7 @@
           </a:prstGeom>
         </p:spPr>
       </p:pic>
-      <p:sp xmlns:a="http://schemas.openxmlformats.org/drawingml/2006/main" xmlns:r="http://schemas.openxmlformats.org/officeDocument/2006/relationships" xmlns:p="http://schemas.openxmlformats.org/presentationml/2006/main">
+      <p:sp>
         <p:nvSpPr>
           <p:cNvPr id="4" name="Text Placeholder 2"/>
           <p:cNvSpPr>
@@ -9438,7 +9438,7 @@
           </a:p>
         </p:txBody>
       </p:sp>
-      <p:pic xmlns:a="http://schemas.openxmlformats.org/drawingml/2006/main" xmlns:r="http://schemas.openxmlformats.org/officeDocument/2006/relationships" xmlns:p="http://schemas.openxmlformats.org/presentationml/2006/main">
+      <p:pic>
         <p:nvPicPr>
           <p:cNvPr id="5" name="Content Placeholder 3" descr=""/>
           <p:cNvPicPr>
@@ -9464,7 +9464,7 @@
           </a:prstGeom>
         </p:spPr>
       </p:pic>
-      <p:sp xmlns:a="http://schemas.openxmlformats.org/drawingml/2006/main" xmlns:r="http://schemas.openxmlformats.org/officeDocument/2006/relationships" xmlns:p="http://schemas.openxmlformats.org/presentationml/2006/main">
+      <p:sp>
         <p:nvSpPr>
           <p:cNvPr id="6" name="Text Placeholder 3"/>
           <p:cNvSpPr>
@@ -9492,7 +9492,7 @@
           </a:p>
         </p:txBody>
       </p:sp>
-      <p:sp xmlns:a="http://schemas.openxmlformats.org/drawingml/2006/main" xmlns:r="http://schemas.openxmlformats.org/officeDocument/2006/relationships" xmlns:p="http://schemas.openxmlformats.org/presentationml/2006/main">
+      <p:sp>
         <p:nvSpPr>
           <p:cNvPr id="7" name="Footer Placeholder 5"/>
           <p:cNvSpPr>
@@ -9514,7 +9514,7 @@
           <a:p>
             <a:r>
               <a:rPr/>
-              <a:t>IQSlidedeck_IQRobjects.R | Date: 2024-01-12 18:16:10</a:t>
+              <a:t>IQSlidedeck_IQRobjects.R | Date: 2024-10-03 11:58:24.739042</a:t>
             </a:r>
           </a:p>
         </p:txBody>
@@ -9544,7 +9544,7 @@
           <a:chExt cx="0" cy="0"/>
         </a:xfrm>
       </p:grpSpPr>
-      <p:sp xmlns:a="http://schemas.openxmlformats.org/drawingml/2006/main" xmlns:r="http://schemas.openxmlformats.org/officeDocument/2006/relationships" xmlns:p="http://schemas.openxmlformats.org/presentationml/2006/main">
+      <p:sp>
         <p:nvSpPr>
           <p:cNvPr id="2" name="Title 1"/>
           <p:cNvSpPr>
@@ -9571,7 +9571,7 @@
           </a:p>
         </p:txBody>
       </p:sp>
-      <p:sp xmlns:a="http://schemas.openxmlformats.org/drawingml/2006/main" xmlns:r="http://schemas.openxmlformats.org/officeDocument/2006/relationships" xmlns:p="http://schemas.openxmlformats.org/presentationml/2006/main">
+      <p:sp>
         <p:nvSpPr>
           <p:cNvPr id="3" name="Content Placeholder 2"/>
           <p:cNvSpPr>
@@ -9604,7 +9604,7 @@
           </a:p>
         </p:txBody>
       </p:sp>
-      <p:sp xmlns:a="http://schemas.openxmlformats.org/drawingml/2006/main" xmlns:r="http://schemas.openxmlformats.org/officeDocument/2006/relationships" xmlns:p="http://schemas.openxmlformats.org/presentationml/2006/main">
+      <p:sp>
         <p:nvSpPr>
           <p:cNvPr id="4" name="Footer Placeholder 4"/>
           <p:cNvSpPr>
@@ -9626,7 +9626,7 @@
           <a:p>
             <a:r>
               <a:rPr/>
-              <a:t>script_IQSlidedeck.R | Date: 2024-01-12 18:15:21</a:t>
+              <a:t>script_IQSlidedeck.R | Date: 2024-10-03 11:57:35.957633</a:t>
             </a:r>
           </a:p>
         </p:txBody>
@@ -9656,7 +9656,7 @@
           <a:chExt cx="0" cy="0"/>
         </a:xfrm>
       </p:grpSpPr>
-      <p:sp xmlns:a="http://schemas.openxmlformats.org/drawingml/2006/main" xmlns:r="http://schemas.openxmlformats.org/officeDocument/2006/relationships" xmlns:p="http://schemas.openxmlformats.org/presentationml/2006/main">
+      <p:sp>
         <p:nvSpPr>
           <p:cNvPr id="2" name="Title 1"/>
           <p:cNvSpPr>
@@ -9708,7 +9708,7 @@
           <a:chExt cx="0" cy="0"/>
         </a:xfrm>
       </p:grpSpPr>
-      <p:sp xmlns:a="http://schemas.openxmlformats.org/drawingml/2006/main" xmlns:r="http://schemas.openxmlformats.org/officeDocument/2006/relationships" xmlns:p="http://schemas.openxmlformats.org/presentationml/2006/main">
+      <p:sp>
         <p:nvSpPr>
           <p:cNvPr id="2" name="Title 1"/>
           <p:cNvSpPr>
@@ -9735,7 +9735,7 @@
           </a:p>
         </p:txBody>
       </p:sp>
-      <p:sp xmlns:a="http://schemas.openxmlformats.org/drawingml/2006/main" xmlns:r="http://schemas.openxmlformats.org/officeDocument/2006/relationships" xmlns:p="http://schemas.openxmlformats.org/presentationml/2006/main">
+      <p:sp>
         <p:nvSpPr>
           <p:cNvPr id="3" name="Content Placeholder 2"/>
           <p:cNvSpPr>
@@ -9768,7 +9768,7 @@
           </a:p>
         </p:txBody>
       </p:sp>
-      <p:pic xmlns:a="http://schemas.openxmlformats.org/drawingml/2006/main" xmlns:r="http://schemas.openxmlformats.org/officeDocument/2006/relationships" xmlns:p="http://schemas.openxmlformats.org/presentationml/2006/main">
+      <p:pic>
         <p:nvPicPr>
           <p:cNvPr id="4" name="Content Placeholder 3" descr=""/>
           <p:cNvPicPr>
@@ -9794,7 +9794,7 @@
           </a:prstGeom>
         </p:spPr>
       </p:pic>
-      <p:sp xmlns:a="http://schemas.openxmlformats.org/drawingml/2006/main" xmlns:r="http://schemas.openxmlformats.org/officeDocument/2006/relationships" xmlns:p="http://schemas.openxmlformats.org/presentationml/2006/main">
+      <p:sp>
         <p:nvSpPr>
           <p:cNvPr id="5" name="Text Placeholder 2"/>
           <p:cNvSpPr>
@@ -9821,7 +9821,7 @@
           </a:p>
         </p:txBody>
       </p:sp>
-      <p:sp xmlns:a="http://schemas.openxmlformats.org/drawingml/2006/main" xmlns:r="http://schemas.openxmlformats.org/officeDocument/2006/relationships" xmlns:p="http://schemas.openxmlformats.org/presentationml/2006/main">
+      <p:sp>
         <p:nvSpPr>
           <p:cNvPr id="6" name="Footer Placeholder 5"/>
           <p:cNvSpPr>
@@ -9843,7 +9843,7 @@
           <a:p>
             <a:r>
               <a:rPr/>
-              <a:t>script_IQSlidedeck.R | Date: 2024-01-12 18:15:21</a:t>
+              <a:t>script_IQSlidedeck.R | Date: 2024-10-03 11:57:36.096123</a:t>
             </a:r>
           </a:p>
         </p:txBody>
@@ -9873,7 +9873,7 @@
           <a:chExt cx="0" cy="0"/>
         </a:xfrm>
       </p:grpSpPr>
-      <p:sp xmlns:a="http://schemas.openxmlformats.org/drawingml/2006/main" xmlns:r="http://schemas.openxmlformats.org/officeDocument/2006/relationships" xmlns:p="http://schemas.openxmlformats.org/presentationml/2006/main">
+      <p:sp>
         <p:nvSpPr>
           <p:cNvPr id="2" name="Title 1"/>
           <p:cNvSpPr>
@@ -9900,7 +9900,7 @@
           </a:p>
         </p:txBody>
       </p:sp>
-      <p:pic xmlns:a="http://schemas.openxmlformats.org/drawingml/2006/main" xmlns:r="http://schemas.openxmlformats.org/officeDocument/2006/relationships" xmlns:p="http://schemas.openxmlformats.org/presentationml/2006/main">
+      <p:pic>
         <p:nvPicPr>
           <p:cNvPr id="3" name="Content Placeholder 2" descr=""/>
           <p:cNvPicPr>
@@ -9926,7 +9926,7 @@
           </a:prstGeom>
         </p:spPr>
       </p:pic>
-      <p:sp xmlns:a="http://schemas.openxmlformats.org/drawingml/2006/main" xmlns:r="http://schemas.openxmlformats.org/officeDocument/2006/relationships" xmlns:p="http://schemas.openxmlformats.org/presentationml/2006/main">
+      <p:sp>
         <p:nvSpPr>
           <p:cNvPr id="4" name="Footer Placeholder 4"/>
           <p:cNvSpPr>
@@ -9948,7 +9948,7 @@
           <a:p>
             <a:r>
               <a:rPr/>
-              <a:t>script_IQSlidedeck.R | Date: 2024-01-12 18:15:26</a:t>
+              <a:t>script_IQSlidedeck.R | Date: 2024-10-03 11:57:39.334171</a:t>
             </a:r>
           </a:p>
         </p:txBody>
@@ -9978,7 +9978,7 @@
           <a:chExt cx="0" cy="0"/>
         </a:xfrm>
       </p:grpSpPr>
-      <p:sp xmlns:a="http://schemas.openxmlformats.org/drawingml/2006/main" xmlns:r="http://schemas.openxmlformats.org/officeDocument/2006/relationships" xmlns:p="http://schemas.openxmlformats.org/presentationml/2006/main">
+      <p:sp>
         <p:nvSpPr>
           <p:cNvPr id="2" name="Title 1"/>
           <p:cNvSpPr>
@@ -10005,7 +10005,7 @@
           </a:p>
         </p:txBody>
       </p:sp>
-      <p:pic xmlns:a="http://schemas.openxmlformats.org/drawingml/2006/main" xmlns:r="http://schemas.openxmlformats.org/officeDocument/2006/relationships" xmlns:p="http://schemas.openxmlformats.org/presentationml/2006/main">
+      <p:pic>
         <p:nvPicPr>
           <p:cNvPr id="3" name="Content Placeholder 2" descr=""/>
           <p:cNvPicPr>
@@ -10031,7 +10031,7 @@
           </a:prstGeom>
         </p:spPr>
       </p:pic>
-      <p:sp xmlns:a="http://schemas.openxmlformats.org/drawingml/2006/main" xmlns:r="http://schemas.openxmlformats.org/officeDocument/2006/relationships" xmlns:p="http://schemas.openxmlformats.org/presentationml/2006/main">
+      <p:sp>
         <p:nvSpPr>
           <p:cNvPr id="4" name="Footer Placeholder 4"/>
           <p:cNvSpPr>
@@ -10053,7 +10053,7 @@
           <a:p>
             <a:r>
               <a:rPr/>
-              <a:t>script_IQSlidedeck.R | Date: 2024-01-12 18:15:27</a:t>
+              <a:t>script_IQSlidedeck.R | Date: 2024-10-03 11:57:40.800531</a:t>
             </a:r>
           </a:p>
         </p:txBody>
@@ -10083,7 +10083,7 @@
           <a:chExt cx="0" cy="0"/>
         </a:xfrm>
       </p:grpSpPr>
-      <p:sp xmlns:a="http://schemas.openxmlformats.org/drawingml/2006/main" xmlns:r="http://schemas.openxmlformats.org/officeDocument/2006/relationships" xmlns:p="http://schemas.openxmlformats.org/presentationml/2006/main">
+      <p:sp>
         <p:nvSpPr>
           <p:cNvPr id="2" name="Title 1"/>
           <p:cNvSpPr>
@@ -10110,7 +10110,7 @@
           </a:p>
         </p:txBody>
       </p:sp>
-      <p:pic xmlns:a="http://schemas.openxmlformats.org/drawingml/2006/main" xmlns:r="http://schemas.openxmlformats.org/officeDocument/2006/relationships" xmlns:p="http://schemas.openxmlformats.org/presentationml/2006/main">
+      <p:pic>
         <p:nvPicPr>
           <p:cNvPr id="3" name="Content Placeholder 2" descr=""/>
           <p:cNvPicPr>
@@ -10136,7 +10136,7 @@
           </a:prstGeom>
         </p:spPr>
       </p:pic>
-      <p:sp xmlns:a="http://schemas.openxmlformats.org/drawingml/2006/main" xmlns:r="http://schemas.openxmlformats.org/officeDocument/2006/relationships" xmlns:p="http://schemas.openxmlformats.org/presentationml/2006/main">
+      <p:sp>
         <p:nvSpPr>
           <p:cNvPr id="4" name="Footer Placeholder 4"/>
           <p:cNvSpPr>
@@ -10158,7 +10158,7 @@
           <a:p>
             <a:r>
               <a:rPr/>
-              <a:t>script_IQSlidedeck.R | Date: 2024-01-12 18:15:33</a:t>
+              <a:t>script_IQSlidedeck.R | Date: 2024-10-03 11:57:47.295396</a:t>
             </a:r>
           </a:p>
         </p:txBody>
@@ -10188,7 +10188,7 @@
           <a:chExt cx="0" cy="0"/>
         </a:xfrm>
       </p:grpSpPr>
-      <p:sp xmlns:a="http://schemas.openxmlformats.org/drawingml/2006/main" xmlns:r="http://schemas.openxmlformats.org/officeDocument/2006/relationships" xmlns:p="http://schemas.openxmlformats.org/presentationml/2006/main">
+      <p:sp>
         <p:nvSpPr>
           <p:cNvPr id="2" name="Title 1"/>
           <p:cNvSpPr>

--- a/tests/testresults/script_IQSlidedeck_IQobjects_Default_4_3.pptx
+++ b/tests/testresults/script_IQSlidedeck_IQobjects_Default_4_3.pptx
@@ -4,7 +4,7 @@
   <p:sldMasterIdLst>
     <p:sldMasterId id="2147483648" r:id="rId1"/>
   </p:sldMasterIdLst>
-  <p:sldIdLst>
+  <p:sldIdLst xmlns:a="http://schemas.openxmlformats.org/drawingml/2006/main" xmlns:r="http://schemas.openxmlformats.org/officeDocument/2006/relationships" xmlns:p="http://schemas.openxmlformats.org/presentationml/2006/main">
     <p:sldId id="256" r:id="rId6"/>
     <p:sldId id="257" r:id="rId7"/>
     <p:sldId id="258" r:id="rId8"/>
@@ -5907,7 +5907,7 @@
           <a:chExt cx="0" cy="0"/>
         </a:xfrm>
       </p:grpSpPr>
-      <p:sp>
+      <p:sp xmlns:a="http://schemas.openxmlformats.org/drawingml/2006/main" xmlns:r="http://schemas.openxmlformats.org/officeDocument/2006/relationships" xmlns:p="http://schemas.openxmlformats.org/presentationml/2006/main">
         <p:nvSpPr>
           <p:cNvPr id="2" name="Title 1"/>
           <p:cNvSpPr>
@@ -5934,7 +5934,7 @@
           </a:p>
         </p:txBody>
       </p:sp>
-      <p:sp>
+      <p:sp xmlns:a="http://schemas.openxmlformats.org/drawingml/2006/main" xmlns:r="http://schemas.openxmlformats.org/officeDocument/2006/relationships" xmlns:p="http://schemas.openxmlformats.org/presentationml/2006/main">
         <p:nvSpPr>
           <p:cNvPr id="3" name="Subtitle 2"/>
           <p:cNvSpPr>
@@ -5958,7 +5958,7 @@
               <a:rPr/>
               <a:t>IQR Objects (non-QCed)
 Daniel Kaschek, IntiQuan
-2024-10-03</a:t>
+2024-10-25</a:t>
             </a:r>
           </a:p>
         </p:txBody>
@@ -5988,7 +5988,7 @@
           <a:chExt cx="0" cy="0"/>
         </a:xfrm>
       </p:grpSpPr>
-      <p:sp>
+      <p:sp xmlns:a="http://schemas.openxmlformats.org/drawingml/2006/main" xmlns:r="http://schemas.openxmlformats.org/officeDocument/2006/relationships" xmlns:p="http://schemas.openxmlformats.org/presentationml/2006/main">
         <p:nvSpPr>
           <p:cNvPr id="2" name="Title 1"/>
           <p:cNvSpPr>
@@ -6015,7 +6015,7 @@
           </a:p>
         </p:txBody>
       </p:sp>
-      <p:sp>
+      <p:sp xmlns:a="http://schemas.openxmlformats.org/drawingml/2006/main" xmlns:r="http://schemas.openxmlformats.org/officeDocument/2006/relationships" xmlns:p="http://schemas.openxmlformats.org/presentationml/2006/main">
         <p:nvSpPr>
           <p:cNvPr id="3" name="Content Placeholder 2"/>
           <p:cNvSpPr>
@@ -6048,7 +6048,7 @@
           </a:p>
         </p:txBody>
       </p:sp>
-      <p:pic>
+      <p:pic xmlns:a="http://schemas.openxmlformats.org/drawingml/2006/main" xmlns:r="http://schemas.openxmlformats.org/officeDocument/2006/relationships" xmlns:p="http://schemas.openxmlformats.org/presentationml/2006/main">
         <p:nvPicPr>
           <p:cNvPr id="4" name="Content Placeholder 3" descr=""/>
           <p:cNvPicPr>
@@ -6074,7 +6074,7 @@
           </a:prstGeom>
         </p:spPr>
       </p:pic>
-      <p:sp>
+      <p:sp xmlns:a="http://schemas.openxmlformats.org/drawingml/2006/main" xmlns:r="http://schemas.openxmlformats.org/officeDocument/2006/relationships" xmlns:p="http://schemas.openxmlformats.org/presentationml/2006/main">
         <p:nvSpPr>
           <p:cNvPr id="5" name="Footer Placeholder 5"/>
           <p:cNvSpPr>
@@ -6096,7 +6096,7 @@
           <a:p>
             <a:r>
               <a:rPr/>
-              <a:t>script_IQSlidedeck.R | Date: 2024-10-03 11:57:36.691939</a:t>
+              <a:t>script_IQSlidedeck.R | Date: 2024-10-25 09:13:49</a:t>
             </a:r>
           </a:p>
         </p:txBody>
@@ -6126,7 +6126,7 @@
           <a:chExt cx="0" cy="0"/>
         </a:xfrm>
       </p:grpSpPr>
-      <p:sp>
+      <p:sp xmlns:a="http://schemas.openxmlformats.org/drawingml/2006/main" xmlns:r="http://schemas.openxmlformats.org/officeDocument/2006/relationships" xmlns:p="http://schemas.openxmlformats.org/presentationml/2006/main">
         <p:nvSpPr>
           <p:cNvPr id="2" name="Title 1"/>
           <p:cNvSpPr>
@@ -6153,7 +6153,7 @@
           </a:p>
         </p:txBody>
       </p:sp>
-      <p:sp>
+      <p:sp xmlns:a="http://schemas.openxmlformats.org/drawingml/2006/main" xmlns:r="http://schemas.openxmlformats.org/officeDocument/2006/relationships" xmlns:p="http://schemas.openxmlformats.org/presentationml/2006/main">
         <p:nvSpPr>
           <p:cNvPr id="3" name="Content Placeholder 2"/>
           <p:cNvSpPr>
@@ -6416,7 +6416,7 @@
           </a:p>
         </p:txBody>
       </p:sp>
-      <p:pic>
+      <p:pic xmlns:a="http://schemas.openxmlformats.org/drawingml/2006/main" xmlns:r="http://schemas.openxmlformats.org/officeDocument/2006/relationships" xmlns:p="http://schemas.openxmlformats.org/presentationml/2006/main">
         <p:nvPicPr>
           <p:cNvPr id="4" name="Content Placeholder 3" descr=""/>
           <p:cNvPicPr>
@@ -6442,7 +6442,7 @@
           </a:prstGeom>
         </p:spPr>
       </p:pic>
-      <p:sp>
+      <p:sp xmlns:a="http://schemas.openxmlformats.org/drawingml/2006/main" xmlns:r="http://schemas.openxmlformats.org/officeDocument/2006/relationships" xmlns:p="http://schemas.openxmlformats.org/presentationml/2006/main">
         <p:nvSpPr>
           <p:cNvPr id="5" name="Footer Placeholder 5"/>
           <p:cNvSpPr>
@@ -6464,7 +6464,7 @@
           <a:p>
             <a:r>
               <a:rPr/>
-              <a:t>script_IQSlidedeck.R | Date: 2024-10-03 11:57:37.544605</a:t>
+              <a:t>script_IQSlidedeck.R | Date: 2024-10-25 09:13:51</a:t>
             </a:r>
           </a:p>
         </p:txBody>
@@ -6494,7 +6494,7 @@
           <a:chExt cx="0" cy="0"/>
         </a:xfrm>
       </p:grpSpPr>
-      <p:sp>
+      <p:sp xmlns:a="http://schemas.openxmlformats.org/drawingml/2006/main" xmlns:r="http://schemas.openxmlformats.org/officeDocument/2006/relationships" xmlns:p="http://schemas.openxmlformats.org/presentationml/2006/main">
         <p:nvSpPr>
           <p:cNvPr id="2" name="Title 1"/>
           <p:cNvSpPr>
@@ -6521,7 +6521,7 @@
           </a:p>
         </p:txBody>
       </p:sp>
-      <p:pic>
+      <p:pic xmlns:a="http://schemas.openxmlformats.org/drawingml/2006/main" xmlns:r="http://schemas.openxmlformats.org/officeDocument/2006/relationships" xmlns:p="http://schemas.openxmlformats.org/presentationml/2006/main">
         <p:nvPicPr>
           <p:cNvPr id="3" name="Content Placeholder 2" descr=""/>
           <p:cNvPicPr>
@@ -6547,7 +6547,7 @@
           </a:prstGeom>
         </p:spPr>
       </p:pic>
-      <p:sp>
+      <p:sp xmlns:a="http://schemas.openxmlformats.org/drawingml/2006/main" xmlns:r="http://schemas.openxmlformats.org/officeDocument/2006/relationships" xmlns:p="http://schemas.openxmlformats.org/presentationml/2006/main">
         <p:nvSpPr>
           <p:cNvPr id="4" name="Content Placeholder 3"/>
           <p:cNvSpPr>
@@ -6810,7 +6810,7 @@
           </a:p>
         </p:txBody>
       </p:sp>
-      <p:sp>
+      <p:sp xmlns:a="http://schemas.openxmlformats.org/drawingml/2006/main" xmlns:r="http://schemas.openxmlformats.org/officeDocument/2006/relationships" xmlns:p="http://schemas.openxmlformats.org/presentationml/2006/main">
         <p:nvSpPr>
           <p:cNvPr id="5" name="Footer Placeholder 5"/>
           <p:cNvSpPr>
@@ -6832,7 +6832,7 @@
           <a:p>
             <a:r>
               <a:rPr/>
-              <a:t>script_IQSlidedeck.R | Date: 2024-10-03 11:57:38.573462</a:t>
+              <a:t>script_IQSlidedeck.R | Date: 2024-10-25 09:13:52</a:t>
             </a:r>
           </a:p>
         </p:txBody>
@@ -6862,7 +6862,7 @@
           <a:chExt cx="0" cy="0"/>
         </a:xfrm>
       </p:grpSpPr>
-      <p:sp>
+      <p:sp xmlns:a="http://schemas.openxmlformats.org/drawingml/2006/main" xmlns:r="http://schemas.openxmlformats.org/officeDocument/2006/relationships" xmlns:p="http://schemas.openxmlformats.org/presentationml/2006/main">
         <p:nvSpPr>
           <p:cNvPr id="2" name="Title 1"/>
           <p:cNvSpPr>
@@ -6914,7 +6914,7 @@
           <a:chExt cx="0" cy="0"/>
         </a:xfrm>
       </p:grpSpPr>
-      <p:sp>
+      <p:sp xmlns:a="http://schemas.openxmlformats.org/drawingml/2006/main" xmlns:r="http://schemas.openxmlformats.org/officeDocument/2006/relationships" xmlns:p="http://schemas.openxmlformats.org/presentationml/2006/main">
         <p:nvSpPr>
           <p:cNvPr id="2" name="Title 1"/>
           <p:cNvSpPr>
@@ -6941,7 +6941,7 @@
           </a:p>
         </p:txBody>
       </p:sp>
-      <p:sp>
+      <p:sp xmlns:a="http://schemas.openxmlformats.org/drawingml/2006/main" xmlns:r="http://schemas.openxmlformats.org/officeDocument/2006/relationships" xmlns:p="http://schemas.openxmlformats.org/presentationml/2006/main">
         <p:nvSpPr>
           <p:cNvPr id="3" name="Content Placeholder 2"/>
           <p:cNvSpPr>
@@ -6974,7 +6974,7 @@
           </a:p>
         </p:txBody>
       </p:sp>
-      <p:pic>
+      <p:pic xmlns:a="http://schemas.openxmlformats.org/drawingml/2006/main" xmlns:r="http://schemas.openxmlformats.org/officeDocument/2006/relationships" xmlns:p="http://schemas.openxmlformats.org/presentationml/2006/main">
         <p:nvPicPr>
           <p:cNvPr id="4" name="Content Placeholder 3" descr=""/>
           <p:cNvPicPr>
@@ -7000,7 +7000,7 @@
           </a:prstGeom>
         </p:spPr>
       </p:pic>
-      <p:sp>
+      <p:sp xmlns:a="http://schemas.openxmlformats.org/drawingml/2006/main" xmlns:r="http://schemas.openxmlformats.org/officeDocument/2006/relationships" xmlns:p="http://schemas.openxmlformats.org/presentationml/2006/main">
         <p:nvSpPr>
           <p:cNvPr id="5" name="Footer Placeholder 5"/>
           <p:cNvSpPr>
@@ -7022,7 +7022,7 @@
           <a:p>
             <a:r>
               <a:rPr/>
-              <a:t>script_IQSlidedeck.R | Date: 2024-10-03 11:57:47.755544</a:t>
+              <a:t>script_IQSlidedeck.R | Date: 2024-10-25 09:14:00</a:t>
             </a:r>
           </a:p>
         </p:txBody>
@@ -7052,7 +7052,7 @@
           <a:chExt cx="0" cy="0"/>
         </a:xfrm>
       </p:grpSpPr>
-      <p:sp>
+      <p:sp xmlns:a="http://schemas.openxmlformats.org/drawingml/2006/main" xmlns:r="http://schemas.openxmlformats.org/officeDocument/2006/relationships" xmlns:p="http://schemas.openxmlformats.org/presentationml/2006/main">
         <p:nvSpPr>
           <p:cNvPr id="2" name="Title 1"/>
           <p:cNvSpPr>
@@ -7079,7 +7079,7 @@
           </a:p>
         </p:txBody>
       </p:sp>
-      <p:pic>
+      <p:pic xmlns:a="http://schemas.openxmlformats.org/drawingml/2006/main" xmlns:r="http://schemas.openxmlformats.org/officeDocument/2006/relationships" xmlns:p="http://schemas.openxmlformats.org/presentationml/2006/main">
         <p:nvPicPr>
           <p:cNvPr id="3" name="Content Placeholder 2" descr=""/>
           <p:cNvPicPr>
@@ -7105,7 +7105,7 @@
           </a:prstGeom>
         </p:spPr>
       </p:pic>
-      <p:pic>
+      <p:pic xmlns:a="http://schemas.openxmlformats.org/drawingml/2006/main" xmlns:r="http://schemas.openxmlformats.org/officeDocument/2006/relationships" xmlns:p="http://schemas.openxmlformats.org/presentationml/2006/main">
         <p:nvPicPr>
           <p:cNvPr id="4" name="Content Placeholder 3" descr=""/>
           <p:cNvPicPr>
@@ -7131,7 +7131,7 @@
           </a:prstGeom>
         </p:spPr>
       </p:pic>
-      <p:sp>
+      <p:sp xmlns:a="http://schemas.openxmlformats.org/drawingml/2006/main" xmlns:r="http://schemas.openxmlformats.org/officeDocument/2006/relationships" xmlns:p="http://schemas.openxmlformats.org/presentationml/2006/main">
         <p:nvSpPr>
           <p:cNvPr id="5" name="Footer Placeholder 5"/>
           <p:cNvSpPr>
@@ -7153,7 +7153,7 @@
           <a:p>
             <a:r>
               <a:rPr/>
-              <a:t>script_IQSlidedeck.R | Date: 2024-10-03 11:57:47.794485</a:t>
+              <a:t>script_IQSlidedeck.R | Date: 2024-10-25 09:14:00</a:t>
             </a:r>
           </a:p>
         </p:txBody>
@@ -7183,7 +7183,7 @@
           <a:chExt cx="0" cy="0"/>
         </a:xfrm>
       </p:grpSpPr>
-      <p:sp>
+      <p:sp xmlns:a="http://schemas.openxmlformats.org/drawingml/2006/main" xmlns:r="http://schemas.openxmlformats.org/officeDocument/2006/relationships" xmlns:p="http://schemas.openxmlformats.org/presentationml/2006/main">
         <p:nvSpPr>
           <p:cNvPr id="2" name="Title 1"/>
           <p:cNvSpPr>
@@ -7210,7 +7210,7 @@
           </a:p>
         </p:txBody>
       </p:sp>
-      <p:pic>
+      <p:pic xmlns:a="http://schemas.openxmlformats.org/drawingml/2006/main" xmlns:r="http://schemas.openxmlformats.org/officeDocument/2006/relationships" xmlns:p="http://schemas.openxmlformats.org/presentationml/2006/main">
         <p:nvPicPr>
           <p:cNvPr id="3" name="Content Placeholder 2" descr=""/>
           <p:cNvPicPr>
@@ -7236,7 +7236,7 @@
           </a:prstGeom>
         </p:spPr>
       </p:pic>
-      <p:sp>
+      <p:sp xmlns:a="http://schemas.openxmlformats.org/drawingml/2006/main" xmlns:r="http://schemas.openxmlformats.org/officeDocument/2006/relationships" xmlns:p="http://schemas.openxmlformats.org/presentationml/2006/main">
         <p:nvSpPr>
           <p:cNvPr id="4" name="Content Placeholder 3"/>
           <p:cNvSpPr>
@@ -7291,7 +7291,7 @@
           </a:p>
         </p:txBody>
       </p:sp>
-      <p:sp>
+      <p:sp xmlns:a="http://schemas.openxmlformats.org/drawingml/2006/main" xmlns:r="http://schemas.openxmlformats.org/officeDocument/2006/relationships" xmlns:p="http://schemas.openxmlformats.org/presentationml/2006/main">
         <p:nvSpPr>
           <p:cNvPr id="5" name="Footer Placeholder 5"/>
           <p:cNvSpPr>
@@ -7313,7 +7313,7 @@
           <a:p>
             <a:r>
               <a:rPr/>
-              <a:t>script_IQSlidedeck.R | Date: 2024-10-03 11:57:47.830845</a:t>
+              <a:t>script_IQSlidedeck.R | Date: 2024-10-25 09:14:00</a:t>
             </a:r>
           </a:p>
         </p:txBody>
@@ -7343,7 +7343,7 @@
           <a:chExt cx="0" cy="0"/>
         </a:xfrm>
       </p:grpSpPr>
-      <p:sp>
+      <p:sp xmlns:a="http://schemas.openxmlformats.org/drawingml/2006/main" xmlns:r="http://schemas.openxmlformats.org/officeDocument/2006/relationships" xmlns:p="http://schemas.openxmlformats.org/presentationml/2006/main">
         <p:nvSpPr>
           <p:cNvPr id="2" name="Title 1"/>
           <p:cNvSpPr>
@@ -7370,7 +7370,7 @@
           </a:p>
         </p:txBody>
       </p:sp>
-      <p:sp>
+      <p:sp xmlns:a="http://schemas.openxmlformats.org/drawingml/2006/main" xmlns:r="http://schemas.openxmlformats.org/officeDocument/2006/relationships" xmlns:p="http://schemas.openxmlformats.org/presentationml/2006/main">
         <p:nvSpPr>
           <p:cNvPr id="3" name="Content Placeholder 2"/>
           <p:cNvSpPr>
@@ -7403,7 +7403,7 @@
           </a:p>
         </p:txBody>
       </p:sp>
-      <p:pic>
+      <p:pic xmlns:a="http://schemas.openxmlformats.org/drawingml/2006/main" xmlns:r="http://schemas.openxmlformats.org/officeDocument/2006/relationships" xmlns:p="http://schemas.openxmlformats.org/presentationml/2006/main">
         <p:nvPicPr>
           <p:cNvPr id="4" name="Content Placeholder 3" descr=""/>
           <p:cNvPicPr>
@@ -7429,7 +7429,7 @@
           </a:prstGeom>
         </p:spPr>
       </p:pic>
-      <p:sp>
+      <p:sp xmlns:a="http://schemas.openxmlformats.org/drawingml/2006/main" xmlns:r="http://schemas.openxmlformats.org/officeDocument/2006/relationships" xmlns:p="http://schemas.openxmlformats.org/presentationml/2006/main">
         <p:nvSpPr>
           <p:cNvPr id="5" name="Footer Placeholder 5"/>
           <p:cNvSpPr>
@@ -7451,7 +7451,7 @@
           <a:p>
             <a:r>
               <a:rPr/>
-              <a:t>script_IQSlidedeck.R | Date: 2024-10-03 11:57:47.865052</a:t>
+              <a:t>script_IQSlidedeck.R | Date: 2024-10-25 09:14:00</a:t>
             </a:r>
           </a:p>
         </p:txBody>
@@ -7481,7 +7481,7 @@
           <a:chExt cx="0" cy="0"/>
         </a:xfrm>
       </p:grpSpPr>
-      <p:sp>
+      <p:sp xmlns:a="http://schemas.openxmlformats.org/drawingml/2006/main" xmlns:r="http://schemas.openxmlformats.org/officeDocument/2006/relationships" xmlns:p="http://schemas.openxmlformats.org/presentationml/2006/main">
         <p:nvSpPr>
           <p:cNvPr id="2" name="Title 1"/>
           <p:cNvSpPr>
@@ -7533,7 +7533,7 @@
           <a:chExt cx="0" cy="0"/>
         </a:xfrm>
       </p:grpSpPr>
-      <p:sp>
+      <p:sp xmlns:a="http://schemas.openxmlformats.org/drawingml/2006/main" xmlns:r="http://schemas.openxmlformats.org/officeDocument/2006/relationships" xmlns:p="http://schemas.openxmlformats.org/presentationml/2006/main">
         <p:nvSpPr>
           <p:cNvPr id="2" name="Title 1"/>
           <p:cNvSpPr>
@@ -7560,7 +7560,7 @@
           </a:p>
         </p:txBody>
       </p:sp>
-      <p:sp>
+      <p:sp xmlns:a="http://schemas.openxmlformats.org/drawingml/2006/main" xmlns:r="http://schemas.openxmlformats.org/officeDocument/2006/relationships" xmlns:p="http://schemas.openxmlformats.org/presentationml/2006/main">
         <p:nvSpPr>
           <p:cNvPr id="3" name="Content Placeholder 2"/>
           <p:cNvSpPr>
@@ -7814,7 +7814,7 @@
           </a:p>
         </p:txBody>
       </p:sp>
-      <p:pic>
+      <p:pic xmlns:a="http://schemas.openxmlformats.org/drawingml/2006/main" xmlns:r="http://schemas.openxmlformats.org/officeDocument/2006/relationships" xmlns:p="http://schemas.openxmlformats.org/presentationml/2006/main">
         <p:nvPicPr>
           <p:cNvPr id="4" name="Content Placeholder 3" descr=""/>
           <p:cNvPicPr>
@@ -7840,7 +7840,7 @@
           </a:prstGeom>
         </p:spPr>
       </p:pic>
-      <p:sp>
+      <p:sp xmlns:a="http://schemas.openxmlformats.org/drawingml/2006/main" xmlns:r="http://schemas.openxmlformats.org/officeDocument/2006/relationships" xmlns:p="http://schemas.openxmlformats.org/presentationml/2006/main">
         <p:nvSpPr>
           <p:cNvPr id="5" name="Text Placeholder 2"/>
           <p:cNvSpPr>
@@ -7868,7 +7868,7 @@
           </a:p>
         </p:txBody>
       </p:sp>
-      <p:sp>
+      <p:sp xmlns:a="http://schemas.openxmlformats.org/drawingml/2006/main" xmlns:r="http://schemas.openxmlformats.org/officeDocument/2006/relationships" xmlns:p="http://schemas.openxmlformats.org/presentationml/2006/main">
         <p:nvSpPr>
           <p:cNvPr id="6" name="Footer Placeholder 5"/>
           <p:cNvSpPr>
@@ -7890,7 +7890,7 @@
           <a:p>
             <a:r>
               <a:rPr/>
-              <a:t>IQSlidedeck_IQRobjects.R | Date: 2024-10-03 11:58:19.273812</a:t>
+              <a:t>IQSlidedeck_IQRobjects.R | Date: 2024-10-25 09:14:28</a:t>
             </a:r>
           </a:p>
         </p:txBody>
@@ -7920,7 +7920,7 @@
           <a:chExt cx="0" cy="0"/>
         </a:xfrm>
       </p:grpSpPr>
-      <p:sp>
+      <p:sp xmlns:a="http://schemas.openxmlformats.org/drawingml/2006/main" xmlns:r="http://schemas.openxmlformats.org/officeDocument/2006/relationships" xmlns:p="http://schemas.openxmlformats.org/presentationml/2006/main">
         <p:nvSpPr>
           <p:cNvPr id="2" name="Title 1"/>
           <p:cNvSpPr>
@@ -7972,7 +7972,7 @@
           <a:chExt cx="0" cy="0"/>
         </a:xfrm>
       </p:grpSpPr>
-      <p:sp>
+      <p:sp xmlns:a="http://schemas.openxmlformats.org/drawingml/2006/main" xmlns:r="http://schemas.openxmlformats.org/officeDocument/2006/relationships" xmlns:p="http://schemas.openxmlformats.org/presentationml/2006/main">
         <p:nvSpPr>
           <p:cNvPr id="2" name="Title 1"/>
           <p:cNvSpPr>
@@ -7999,7 +7999,7 @@
           </a:p>
         </p:txBody>
       </p:sp>
-      <p:sp>
+      <p:sp xmlns:a="http://schemas.openxmlformats.org/drawingml/2006/main" xmlns:r="http://schemas.openxmlformats.org/officeDocument/2006/relationships" xmlns:p="http://schemas.openxmlformats.org/presentationml/2006/main">
         <p:nvSpPr>
           <p:cNvPr id="3" name="Content Placeholder 2"/>
           <p:cNvSpPr>
@@ -8253,7 +8253,7 @@
           </a:p>
         </p:txBody>
       </p:sp>
-      <p:pic>
+      <p:pic xmlns:a="http://schemas.openxmlformats.org/drawingml/2006/main" xmlns:r="http://schemas.openxmlformats.org/officeDocument/2006/relationships" xmlns:p="http://schemas.openxmlformats.org/presentationml/2006/main">
         <p:nvPicPr>
           <p:cNvPr id="4" name="Content Placeholder 3" descr=""/>
           <p:cNvPicPr>
@@ -8279,7 +8279,7 @@
           </a:prstGeom>
         </p:spPr>
       </p:pic>
-      <p:sp>
+      <p:sp xmlns:a="http://schemas.openxmlformats.org/drawingml/2006/main" xmlns:r="http://schemas.openxmlformats.org/officeDocument/2006/relationships" xmlns:p="http://schemas.openxmlformats.org/presentationml/2006/main">
         <p:nvSpPr>
           <p:cNvPr id="5" name="Text Placeholder 2"/>
           <p:cNvSpPr>
@@ -8307,7 +8307,7 @@
           </a:p>
         </p:txBody>
       </p:sp>
-      <p:sp>
+      <p:sp xmlns:a="http://schemas.openxmlformats.org/drawingml/2006/main" xmlns:r="http://schemas.openxmlformats.org/officeDocument/2006/relationships" xmlns:p="http://schemas.openxmlformats.org/presentationml/2006/main">
         <p:nvSpPr>
           <p:cNvPr id="6" name="Footer Placeholder 5"/>
           <p:cNvSpPr>
@@ -8329,7 +8329,7 @@
           <a:p>
             <a:r>
               <a:rPr/>
-              <a:t>IQSlidedeck_IQRobjects.R | Date: 2024-10-03 11:58:19.546171</a:t>
+              <a:t>IQSlidedeck_IQRobjects.R | Date: 2024-10-25 09:14:28</a:t>
             </a:r>
           </a:p>
         </p:txBody>
@@ -8359,7 +8359,7 @@
           <a:chExt cx="0" cy="0"/>
         </a:xfrm>
       </p:grpSpPr>
-      <p:sp>
+      <p:sp xmlns:a="http://schemas.openxmlformats.org/drawingml/2006/main" xmlns:r="http://schemas.openxmlformats.org/officeDocument/2006/relationships" xmlns:p="http://schemas.openxmlformats.org/presentationml/2006/main">
         <p:nvSpPr>
           <p:cNvPr id="2" name="Title 1"/>
           <p:cNvSpPr>
@@ -8386,7 +8386,7 @@
           </a:p>
         </p:txBody>
       </p:sp>
-      <p:sp>
+      <p:sp xmlns:a="http://schemas.openxmlformats.org/drawingml/2006/main" xmlns:r="http://schemas.openxmlformats.org/officeDocument/2006/relationships" xmlns:p="http://schemas.openxmlformats.org/presentationml/2006/main">
         <p:nvSpPr>
           <p:cNvPr id="3" name="Content Placeholder 2"/>
           <p:cNvSpPr>
@@ -8640,7 +8640,7 @@
           </a:p>
         </p:txBody>
       </p:sp>
-      <p:pic>
+      <p:pic xmlns:a="http://schemas.openxmlformats.org/drawingml/2006/main" xmlns:r="http://schemas.openxmlformats.org/officeDocument/2006/relationships" xmlns:p="http://schemas.openxmlformats.org/presentationml/2006/main">
         <p:nvPicPr>
           <p:cNvPr id="4" name="Content Placeholder 3" descr=""/>
           <p:cNvPicPr>
@@ -8666,7 +8666,7 @@
           </a:prstGeom>
         </p:spPr>
       </p:pic>
-      <p:sp>
+      <p:sp xmlns:a="http://schemas.openxmlformats.org/drawingml/2006/main" xmlns:r="http://schemas.openxmlformats.org/officeDocument/2006/relationships" xmlns:p="http://schemas.openxmlformats.org/presentationml/2006/main">
         <p:nvSpPr>
           <p:cNvPr id="5" name="Text Placeholder 2"/>
           <p:cNvSpPr>
@@ -8694,7 +8694,7 @@
           </a:p>
         </p:txBody>
       </p:sp>
-      <p:sp>
+      <p:sp xmlns:a="http://schemas.openxmlformats.org/drawingml/2006/main" xmlns:r="http://schemas.openxmlformats.org/officeDocument/2006/relationships" xmlns:p="http://schemas.openxmlformats.org/presentationml/2006/main">
         <p:nvSpPr>
           <p:cNvPr id="6" name="Footer Placeholder 5"/>
           <p:cNvSpPr>
@@ -8716,7 +8716,7 @@
           <a:p>
             <a:r>
               <a:rPr/>
-              <a:t>IQSlidedeck_IQRobjects.R | Date: 2024-10-03 11:58:19.796632</a:t>
+              <a:t>IQSlidedeck_IQRobjects.R | Date: 2024-10-25 09:14:28</a:t>
             </a:r>
           </a:p>
         </p:txBody>
@@ -8746,7 +8746,7 @@
           <a:chExt cx="0" cy="0"/>
         </a:xfrm>
       </p:grpSpPr>
-      <p:sp>
+      <p:sp xmlns:a="http://schemas.openxmlformats.org/drawingml/2006/main" xmlns:r="http://schemas.openxmlformats.org/officeDocument/2006/relationships" xmlns:p="http://schemas.openxmlformats.org/presentationml/2006/main">
         <p:nvSpPr>
           <p:cNvPr id="2" name="Title 1"/>
           <p:cNvSpPr>
@@ -8773,7 +8773,7 @@
           </a:p>
         </p:txBody>
       </p:sp>
-      <p:sp>
+      <p:sp xmlns:a="http://schemas.openxmlformats.org/drawingml/2006/main" xmlns:r="http://schemas.openxmlformats.org/officeDocument/2006/relationships" xmlns:p="http://schemas.openxmlformats.org/presentationml/2006/main">
         <p:nvSpPr>
           <p:cNvPr id="3" name="Content Placeholder 2"/>
           <p:cNvSpPr>
@@ -8985,7 +8985,7 @@
           </a:p>
         </p:txBody>
       </p:sp>
-      <p:pic>
+      <p:pic xmlns:a="http://schemas.openxmlformats.org/drawingml/2006/main" xmlns:r="http://schemas.openxmlformats.org/officeDocument/2006/relationships" xmlns:p="http://schemas.openxmlformats.org/presentationml/2006/main">
         <p:nvPicPr>
           <p:cNvPr id="4" name="Content Placeholder 3" descr=""/>
           <p:cNvPicPr>
@@ -9011,7 +9011,7 @@
           </a:prstGeom>
         </p:spPr>
       </p:pic>
-      <p:sp>
+      <p:sp xmlns:a="http://schemas.openxmlformats.org/drawingml/2006/main" xmlns:r="http://schemas.openxmlformats.org/officeDocument/2006/relationships" xmlns:p="http://schemas.openxmlformats.org/presentationml/2006/main">
         <p:nvSpPr>
           <p:cNvPr id="5" name="Text Placeholder 2"/>
           <p:cNvSpPr>
@@ -9039,7 +9039,7 @@
           </a:p>
         </p:txBody>
       </p:sp>
-      <p:sp>
+      <p:sp xmlns:a="http://schemas.openxmlformats.org/drawingml/2006/main" xmlns:r="http://schemas.openxmlformats.org/officeDocument/2006/relationships" xmlns:p="http://schemas.openxmlformats.org/presentationml/2006/main">
         <p:nvSpPr>
           <p:cNvPr id="6" name="Footer Placeholder 5"/>
           <p:cNvSpPr>
@@ -9061,7 +9061,7 @@
           <a:p>
             <a:r>
               <a:rPr/>
-              <a:t>IQSlidedeck_IQRobjects.R | Date: 2024-10-03 11:58:20.942075</a:t>
+              <a:t>IQSlidedeck_IQRobjects.R | Date: 2024-10-25 09:14:29</a:t>
             </a:r>
           </a:p>
         </p:txBody>
@@ -9091,7 +9091,7 @@
           <a:chExt cx="0" cy="0"/>
         </a:xfrm>
       </p:grpSpPr>
-      <p:sp>
+      <p:sp xmlns:a="http://schemas.openxmlformats.org/drawingml/2006/main" xmlns:r="http://schemas.openxmlformats.org/officeDocument/2006/relationships" xmlns:p="http://schemas.openxmlformats.org/presentationml/2006/main">
         <p:nvSpPr>
           <p:cNvPr id="2" name="Title 1"/>
           <p:cNvSpPr>
@@ -9118,7 +9118,7 @@
           </a:p>
         </p:txBody>
       </p:sp>
-      <p:pic>
+      <p:pic xmlns:a="http://schemas.openxmlformats.org/drawingml/2006/main" xmlns:r="http://schemas.openxmlformats.org/officeDocument/2006/relationships" xmlns:p="http://schemas.openxmlformats.org/presentationml/2006/main">
         <p:nvPicPr>
           <p:cNvPr id="3" name="Content Placeholder 2" descr=""/>
           <p:cNvPicPr>
@@ -9144,7 +9144,7 @@
           </a:prstGeom>
         </p:spPr>
       </p:pic>
-      <p:sp>
+      <p:sp xmlns:a="http://schemas.openxmlformats.org/drawingml/2006/main" xmlns:r="http://schemas.openxmlformats.org/officeDocument/2006/relationships" xmlns:p="http://schemas.openxmlformats.org/presentationml/2006/main">
         <p:nvSpPr>
           <p:cNvPr id="4" name="Text Placeholder 8"/>
           <p:cNvSpPr>
@@ -9172,7 +9172,7 @@
           </a:p>
         </p:txBody>
       </p:sp>
-      <p:sp>
+      <p:sp xmlns:a="http://schemas.openxmlformats.org/drawingml/2006/main" xmlns:r="http://schemas.openxmlformats.org/officeDocument/2006/relationships" xmlns:p="http://schemas.openxmlformats.org/presentationml/2006/main">
         <p:nvSpPr>
           <p:cNvPr id="5" name="Footer Placeholder 4"/>
           <p:cNvSpPr>
@@ -9194,7 +9194,7 @@
           <a:p>
             <a:r>
               <a:rPr/>
-              <a:t>IQSlidedeck_IQRobjects.R | Date: 2024-10-03 11:58:22.526746</a:t>
+              <a:t>IQSlidedeck_IQRobjects.R | Date: 2024-10-25 09:14:31</a:t>
             </a:r>
           </a:p>
         </p:txBody>
@@ -9224,7 +9224,7 @@
           <a:chExt cx="0" cy="0"/>
         </a:xfrm>
       </p:grpSpPr>
-      <p:sp>
+      <p:sp xmlns:a="http://schemas.openxmlformats.org/drawingml/2006/main" xmlns:r="http://schemas.openxmlformats.org/officeDocument/2006/relationships" xmlns:p="http://schemas.openxmlformats.org/presentationml/2006/main">
         <p:nvSpPr>
           <p:cNvPr id="2" name="Title 1"/>
           <p:cNvSpPr>
@@ -9251,7 +9251,7 @@
           </a:p>
         </p:txBody>
       </p:sp>
-      <p:pic>
+      <p:pic xmlns:a="http://schemas.openxmlformats.org/drawingml/2006/main" xmlns:r="http://schemas.openxmlformats.org/officeDocument/2006/relationships" xmlns:p="http://schemas.openxmlformats.org/presentationml/2006/main">
         <p:nvPicPr>
           <p:cNvPr id="3" name="Content Placeholder 2" descr=""/>
           <p:cNvPicPr>
@@ -9277,7 +9277,7 @@
           </a:prstGeom>
         </p:spPr>
       </p:pic>
-      <p:sp>
+      <p:sp xmlns:a="http://schemas.openxmlformats.org/drawingml/2006/main" xmlns:r="http://schemas.openxmlformats.org/officeDocument/2006/relationships" xmlns:p="http://schemas.openxmlformats.org/presentationml/2006/main">
         <p:nvSpPr>
           <p:cNvPr id="4" name="Text Placeholder 8"/>
           <p:cNvSpPr>
@@ -9305,7 +9305,7 @@
           </a:p>
         </p:txBody>
       </p:sp>
-      <p:sp>
+      <p:sp xmlns:a="http://schemas.openxmlformats.org/drawingml/2006/main" xmlns:r="http://schemas.openxmlformats.org/officeDocument/2006/relationships" xmlns:p="http://schemas.openxmlformats.org/presentationml/2006/main">
         <p:nvSpPr>
           <p:cNvPr id="5" name="Footer Placeholder 4"/>
           <p:cNvSpPr>
@@ -9327,7 +9327,7 @@
           <a:p>
             <a:r>
               <a:rPr/>
-              <a:t>IQSlidedeck_IQRobjects.R | Date: 2024-10-03 11:58:23.673422</a:t>
+              <a:t>IQSlidedeck_IQRobjects.R | Date: 2024-10-25 09:14:32</a:t>
             </a:r>
           </a:p>
         </p:txBody>
@@ -9357,7 +9357,7 @@
           <a:chExt cx="0" cy="0"/>
         </a:xfrm>
       </p:grpSpPr>
-      <p:sp>
+      <p:sp xmlns:a="http://schemas.openxmlformats.org/drawingml/2006/main" xmlns:r="http://schemas.openxmlformats.org/officeDocument/2006/relationships" xmlns:p="http://schemas.openxmlformats.org/presentationml/2006/main">
         <p:nvSpPr>
           <p:cNvPr id="2" name="Title 1"/>
           <p:cNvSpPr>
@@ -9384,7 +9384,7 @@
           </a:p>
         </p:txBody>
       </p:sp>
-      <p:pic>
+      <p:pic xmlns:a="http://schemas.openxmlformats.org/drawingml/2006/main" xmlns:r="http://schemas.openxmlformats.org/officeDocument/2006/relationships" xmlns:p="http://schemas.openxmlformats.org/presentationml/2006/main">
         <p:nvPicPr>
           <p:cNvPr id="3" name="Content Placeholder 2" descr=""/>
           <p:cNvPicPr>
@@ -9410,7 +9410,7 @@
           </a:prstGeom>
         </p:spPr>
       </p:pic>
-      <p:sp>
+      <p:sp xmlns:a="http://schemas.openxmlformats.org/drawingml/2006/main" xmlns:r="http://schemas.openxmlformats.org/officeDocument/2006/relationships" xmlns:p="http://schemas.openxmlformats.org/presentationml/2006/main">
         <p:nvSpPr>
           <p:cNvPr id="4" name="Text Placeholder 2"/>
           <p:cNvSpPr>
@@ -9438,7 +9438,7 @@
           </a:p>
         </p:txBody>
       </p:sp>
-      <p:pic>
+      <p:pic xmlns:a="http://schemas.openxmlformats.org/drawingml/2006/main" xmlns:r="http://schemas.openxmlformats.org/officeDocument/2006/relationships" xmlns:p="http://schemas.openxmlformats.org/presentationml/2006/main">
         <p:nvPicPr>
           <p:cNvPr id="5" name="Content Placeholder 3" descr=""/>
           <p:cNvPicPr>
@@ -9464,7 +9464,7 @@
           </a:prstGeom>
         </p:spPr>
       </p:pic>
-      <p:sp>
+      <p:sp xmlns:a="http://schemas.openxmlformats.org/drawingml/2006/main" xmlns:r="http://schemas.openxmlformats.org/officeDocument/2006/relationships" xmlns:p="http://schemas.openxmlformats.org/presentationml/2006/main">
         <p:nvSpPr>
           <p:cNvPr id="6" name="Text Placeholder 3"/>
           <p:cNvSpPr>
@@ -9492,7 +9492,7 @@
           </a:p>
         </p:txBody>
       </p:sp>
-      <p:sp>
+      <p:sp xmlns:a="http://schemas.openxmlformats.org/drawingml/2006/main" xmlns:r="http://schemas.openxmlformats.org/officeDocument/2006/relationships" xmlns:p="http://schemas.openxmlformats.org/presentationml/2006/main">
         <p:nvSpPr>
           <p:cNvPr id="7" name="Footer Placeholder 5"/>
           <p:cNvSpPr>
@@ -9514,7 +9514,7 @@
           <a:p>
             <a:r>
               <a:rPr/>
-              <a:t>IQSlidedeck_IQRobjects.R | Date: 2024-10-03 11:58:24.739042</a:t>
+              <a:t>IQSlidedeck_IQRobjects.R | Date: 2024-10-25 09:14:34</a:t>
             </a:r>
           </a:p>
         </p:txBody>
@@ -9544,7 +9544,7 @@
           <a:chExt cx="0" cy="0"/>
         </a:xfrm>
       </p:grpSpPr>
-      <p:sp>
+      <p:sp xmlns:a="http://schemas.openxmlformats.org/drawingml/2006/main" xmlns:r="http://schemas.openxmlformats.org/officeDocument/2006/relationships" xmlns:p="http://schemas.openxmlformats.org/presentationml/2006/main">
         <p:nvSpPr>
           <p:cNvPr id="2" name="Title 1"/>
           <p:cNvSpPr>
@@ -9571,7 +9571,7 @@
           </a:p>
         </p:txBody>
       </p:sp>
-      <p:sp>
+      <p:sp xmlns:a="http://schemas.openxmlformats.org/drawingml/2006/main" xmlns:r="http://schemas.openxmlformats.org/officeDocument/2006/relationships" xmlns:p="http://schemas.openxmlformats.org/presentationml/2006/main">
         <p:nvSpPr>
           <p:cNvPr id="3" name="Content Placeholder 2"/>
           <p:cNvSpPr>
@@ -9604,7 +9604,7 @@
           </a:p>
         </p:txBody>
       </p:sp>
-      <p:sp>
+      <p:sp xmlns:a="http://schemas.openxmlformats.org/drawingml/2006/main" xmlns:r="http://schemas.openxmlformats.org/officeDocument/2006/relationships" xmlns:p="http://schemas.openxmlformats.org/presentationml/2006/main">
         <p:nvSpPr>
           <p:cNvPr id="4" name="Footer Placeholder 4"/>
           <p:cNvSpPr>
@@ -9626,7 +9626,7 @@
           <a:p>
             <a:r>
               <a:rPr/>
-              <a:t>script_IQSlidedeck.R | Date: 2024-10-03 11:57:35.957633</a:t>
+              <a:t>script_IQSlidedeck.R | Date: 2024-10-25 09:13:48</a:t>
             </a:r>
           </a:p>
         </p:txBody>
@@ -9656,7 +9656,7 @@
           <a:chExt cx="0" cy="0"/>
         </a:xfrm>
       </p:grpSpPr>
-      <p:sp>
+      <p:sp xmlns:a="http://schemas.openxmlformats.org/drawingml/2006/main" xmlns:r="http://schemas.openxmlformats.org/officeDocument/2006/relationships" xmlns:p="http://schemas.openxmlformats.org/presentationml/2006/main">
         <p:nvSpPr>
           <p:cNvPr id="2" name="Title 1"/>
           <p:cNvSpPr>
@@ -9708,7 +9708,7 @@
           <a:chExt cx="0" cy="0"/>
         </a:xfrm>
       </p:grpSpPr>
-      <p:sp>
+      <p:sp xmlns:a="http://schemas.openxmlformats.org/drawingml/2006/main" xmlns:r="http://schemas.openxmlformats.org/officeDocument/2006/relationships" xmlns:p="http://schemas.openxmlformats.org/presentationml/2006/main">
         <p:nvSpPr>
           <p:cNvPr id="2" name="Title 1"/>
           <p:cNvSpPr>
@@ -9735,7 +9735,7 @@
           </a:p>
         </p:txBody>
       </p:sp>
-      <p:sp>
+      <p:sp xmlns:a="http://schemas.openxmlformats.org/drawingml/2006/main" xmlns:r="http://schemas.openxmlformats.org/officeDocument/2006/relationships" xmlns:p="http://schemas.openxmlformats.org/presentationml/2006/main">
         <p:nvSpPr>
           <p:cNvPr id="3" name="Content Placeholder 2"/>
           <p:cNvSpPr>
@@ -9768,7 +9768,7 @@
           </a:p>
         </p:txBody>
       </p:sp>
-      <p:pic>
+      <p:pic xmlns:a="http://schemas.openxmlformats.org/drawingml/2006/main" xmlns:r="http://schemas.openxmlformats.org/officeDocument/2006/relationships" xmlns:p="http://schemas.openxmlformats.org/presentationml/2006/main">
         <p:nvPicPr>
           <p:cNvPr id="4" name="Content Placeholder 3" descr=""/>
           <p:cNvPicPr>
@@ -9794,7 +9794,7 @@
           </a:prstGeom>
         </p:spPr>
       </p:pic>
-      <p:sp>
+      <p:sp xmlns:a="http://schemas.openxmlformats.org/drawingml/2006/main" xmlns:r="http://schemas.openxmlformats.org/officeDocument/2006/relationships" xmlns:p="http://schemas.openxmlformats.org/presentationml/2006/main">
         <p:nvSpPr>
           <p:cNvPr id="5" name="Text Placeholder 2"/>
           <p:cNvSpPr>
@@ -9821,7 +9821,7 @@
           </a:p>
         </p:txBody>
       </p:sp>
-      <p:sp>
+      <p:sp xmlns:a="http://schemas.openxmlformats.org/drawingml/2006/main" xmlns:r="http://schemas.openxmlformats.org/officeDocument/2006/relationships" xmlns:p="http://schemas.openxmlformats.org/presentationml/2006/main">
         <p:nvSpPr>
           <p:cNvPr id="6" name="Footer Placeholder 5"/>
           <p:cNvSpPr>
@@ -9843,7 +9843,7 @@
           <a:p>
             <a:r>
               <a:rPr/>
-              <a:t>script_IQSlidedeck.R | Date: 2024-10-03 11:57:36.096123</a:t>
+              <a:t>script_IQSlidedeck.R | Date: 2024-10-25 09:13:48</a:t>
             </a:r>
           </a:p>
         </p:txBody>
@@ -9873,7 +9873,7 @@
           <a:chExt cx="0" cy="0"/>
         </a:xfrm>
       </p:grpSpPr>
-      <p:sp>
+      <p:sp xmlns:a="http://schemas.openxmlformats.org/drawingml/2006/main" xmlns:r="http://schemas.openxmlformats.org/officeDocument/2006/relationships" xmlns:p="http://schemas.openxmlformats.org/presentationml/2006/main">
         <p:nvSpPr>
           <p:cNvPr id="2" name="Title 1"/>
           <p:cNvSpPr>
@@ -9900,7 +9900,7 @@
           </a:p>
         </p:txBody>
       </p:sp>
-      <p:pic>
+      <p:pic xmlns:a="http://schemas.openxmlformats.org/drawingml/2006/main" xmlns:r="http://schemas.openxmlformats.org/officeDocument/2006/relationships" xmlns:p="http://schemas.openxmlformats.org/presentationml/2006/main">
         <p:nvPicPr>
           <p:cNvPr id="3" name="Content Placeholder 2" descr=""/>
           <p:cNvPicPr>
@@ -9926,7 +9926,7 @@
           </a:prstGeom>
         </p:spPr>
       </p:pic>
-      <p:sp>
+      <p:sp xmlns:a="http://schemas.openxmlformats.org/drawingml/2006/main" xmlns:r="http://schemas.openxmlformats.org/officeDocument/2006/relationships" xmlns:p="http://schemas.openxmlformats.org/presentationml/2006/main">
         <p:nvSpPr>
           <p:cNvPr id="4" name="Footer Placeholder 4"/>
           <p:cNvSpPr>
@@ -9948,7 +9948,7 @@
           <a:p>
             <a:r>
               <a:rPr/>
-              <a:t>script_IQSlidedeck.R | Date: 2024-10-03 11:57:39.334171</a:t>
+              <a:t>script_IQSlidedeck.R | Date: 2024-10-25 09:13:53</a:t>
             </a:r>
           </a:p>
         </p:txBody>
@@ -9978,7 +9978,7 @@
           <a:chExt cx="0" cy="0"/>
         </a:xfrm>
       </p:grpSpPr>
-      <p:sp>
+      <p:sp xmlns:a="http://schemas.openxmlformats.org/drawingml/2006/main" xmlns:r="http://schemas.openxmlformats.org/officeDocument/2006/relationships" xmlns:p="http://schemas.openxmlformats.org/presentationml/2006/main">
         <p:nvSpPr>
           <p:cNvPr id="2" name="Title 1"/>
           <p:cNvSpPr>
@@ -10005,7 +10005,7 @@
           </a:p>
         </p:txBody>
       </p:sp>
-      <p:pic>
+      <p:pic xmlns:a="http://schemas.openxmlformats.org/drawingml/2006/main" xmlns:r="http://schemas.openxmlformats.org/officeDocument/2006/relationships" xmlns:p="http://schemas.openxmlformats.org/presentationml/2006/main">
         <p:nvPicPr>
           <p:cNvPr id="3" name="Content Placeholder 2" descr=""/>
           <p:cNvPicPr>
@@ -10031,7 +10031,7 @@
           </a:prstGeom>
         </p:spPr>
       </p:pic>
-      <p:sp>
+      <p:sp xmlns:a="http://schemas.openxmlformats.org/drawingml/2006/main" xmlns:r="http://schemas.openxmlformats.org/officeDocument/2006/relationships" xmlns:p="http://schemas.openxmlformats.org/presentationml/2006/main">
         <p:nvSpPr>
           <p:cNvPr id="4" name="Footer Placeholder 4"/>
           <p:cNvSpPr>
@@ -10053,7 +10053,7 @@
           <a:p>
             <a:r>
               <a:rPr/>
-              <a:t>script_IQSlidedeck.R | Date: 2024-10-03 11:57:40.800531</a:t>
+              <a:t>script_IQSlidedeck.R | Date: 2024-10-25 09:13:53</a:t>
             </a:r>
           </a:p>
         </p:txBody>
@@ -10083,7 +10083,7 @@
           <a:chExt cx="0" cy="0"/>
         </a:xfrm>
       </p:grpSpPr>
-      <p:sp>
+      <p:sp xmlns:a="http://schemas.openxmlformats.org/drawingml/2006/main" xmlns:r="http://schemas.openxmlformats.org/officeDocument/2006/relationships" xmlns:p="http://schemas.openxmlformats.org/presentationml/2006/main">
         <p:nvSpPr>
           <p:cNvPr id="2" name="Title 1"/>
           <p:cNvSpPr>
@@ -10110,7 +10110,7 @@
           </a:p>
         </p:txBody>
       </p:sp>
-      <p:pic>
+      <p:pic xmlns:a="http://schemas.openxmlformats.org/drawingml/2006/main" xmlns:r="http://schemas.openxmlformats.org/officeDocument/2006/relationships" xmlns:p="http://schemas.openxmlformats.org/presentationml/2006/main">
         <p:nvPicPr>
           <p:cNvPr id="3" name="Content Placeholder 2" descr=""/>
           <p:cNvPicPr>
@@ -10136,7 +10136,7 @@
           </a:prstGeom>
         </p:spPr>
       </p:pic>
-      <p:sp>
+      <p:sp xmlns:a="http://schemas.openxmlformats.org/drawingml/2006/main" xmlns:r="http://schemas.openxmlformats.org/officeDocument/2006/relationships" xmlns:p="http://schemas.openxmlformats.org/presentationml/2006/main">
         <p:nvSpPr>
           <p:cNvPr id="4" name="Footer Placeholder 4"/>
           <p:cNvSpPr>
@@ -10158,7 +10158,7 @@
           <a:p>
             <a:r>
               <a:rPr/>
-              <a:t>script_IQSlidedeck.R | Date: 2024-10-03 11:57:47.295396</a:t>
+              <a:t>script_IQSlidedeck.R | Date: 2024-10-25 09:13:59</a:t>
             </a:r>
           </a:p>
         </p:txBody>
@@ -10188,7 +10188,7 @@
           <a:chExt cx="0" cy="0"/>
         </a:xfrm>
       </p:grpSpPr>
-      <p:sp>
+      <p:sp xmlns:a="http://schemas.openxmlformats.org/drawingml/2006/main" xmlns:r="http://schemas.openxmlformats.org/officeDocument/2006/relationships" xmlns:p="http://schemas.openxmlformats.org/presentationml/2006/main">
         <p:nvSpPr>
           <p:cNvPr id="2" name="Title 1"/>
           <p:cNvSpPr>

--- a/tests/testresults/script_IQSlidedeck_IQobjects_Default_4_3.pptx
+++ b/tests/testresults/script_IQSlidedeck_IQobjects_Default_4_3.pptx
@@ -4,7 +4,7 @@
   <p:sldMasterIdLst>
     <p:sldMasterId id="2147483648" r:id="rId1"/>
   </p:sldMasterIdLst>
-  <p:sldIdLst xmlns:a="http://schemas.openxmlformats.org/drawingml/2006/main" xmlns:r="http://schemas.openxmlformats.org/officeDocument/2006/relationships" xmlns:p="http://schemas.openxmlformats.org/presentationml/2006/main">
+  <p:sldIdLst>
     <p:sldId id="256" r:id="rId6"/>
     <p:sldId id="257" r:id="rId7"/>
     <p:sldId id="258" r:id="rId8"/>
@@ -5907,7 +5907,7 @@
           <a:chExt cx="0" cy="0"/>
         </a:xfrm>
       </p:grpSpPr>
-      <p:sp xmlns:a="http://schemas.openxmlformats.org/drawingml/2006/main" xmlns:r="http://schemas.openxmlformats.org/officeDocument/2006/relationships" xmlns:p="http://schemas.openxmlformats.org/presentationml/2006/main">
+      <p:sp>
         <p:nvSpPr>
           <p:cNvPr id="2" name="Title 1"/>
           <p:cNvSpPr>
@@ -5934,7 +5934,7 @@
           </a:p>
         </p:txBody>
       </p:sp>
-      <p:sp xmlns:a="http://schemas.openxmlformats.org/drawingml/2006/main" xmlns:r="http://schemas.openxmlformats.org/officeDocument/2006/relationships" xmlns:p="http://schemas.openxmlformats.org/presentationml/2006/main">
+      <p:sp>
         <p:nvSpPr>
           <p:cNvPr id="3" name="Subtitle 2"/>
           <p:cNvSpPr>
@@ -5958,7 +5958,7 @@
               <a:rPr/>
               <a:t>IQR Objects (non-QCed)
 Daniel Kaschek, IntiQuan
-2024-10-25</a:t>
+2025-04-23</a:t>
             </a:r>
           </a:p>
         </p:txBody>
@@ -5988,7 +5988,7 @@
           <a:chExt cx="0" cy="0"/>
         </a:xfrm>
       </p:grpSpPr>
-      <p:sp xmlns:a="http://schemas.openxmlformats.org/drawingml/2006/main" xmlns:r="http://schemas.openxmlformats.org/officeDocument/2006/relationships" xmlns:p="http://schemas.openxmlformats.org/presentationml/2006/main">
+      <p:sp>
         <p:nvSpPr>
           <p:cNvPr id="2" name="Title 1"/>
           <p:cNvSpPr>
@@ -6015,7 +6015,7 @@
           </a:p>
         </p:txBody>
       </p:sp>
-      <p:sp xmlns:a="http://schemas.openxmlformats.org/drawingml/2006/main" xmlns:r="http://schemas.openxmlformats.org/officeDocument/2006/relationships" xmlns:p="http://schemas.openxmlformats.org/presentationml/2006/main">
+      <p:sp>
         <p:nvSpPr>
           <p:cNvPr id="3" name="Content Placeholder 2"/>
           <p:cNvSpPr>
@@ -6048,7 +6048,7 @@
           </a:p>
         </p:txBody>
       </p:sp>
-      <p:pic xmlns:a="http://schemas.openxmlformats.org/drawingml/2006/main" xmlns:r="http://schemas.openxmlformats.org/officeDocument/2006/relationships" xmlns:p="http://schemas.openxmlformats.org/presentationml/2006/main">
+      <p:pic>
         <p:nvPicPr>
           <p:cNvPr id="4" name="Content Placeholder 3" descr=""/>
           <p:cNvPicPr>
@@ -6074,7 +6074,7 @@
           </a:prstGeom>
         </p:spPr>
       </p:pic>
-      <p:sp xmlns:a="http://schemas.openxmlformats.org/drawingml/2006/main" xmlns:r="http://schemas.openxmlformats.org/officeDocument/2006/relationships" xmlns:p="http://schemas.openxmlformats.org/presentationml/2006/main">
+      <p:sp>
         <p:nvSpPr>
           <p:cNvPr id="5" name="Footer Placeholder 5"/>
           <p:cNvSpPr>
@@ -6096,7 +6096,7 @@
           <a:p>
             <a:r>
               <a:rPr/>
-              <a:t>script_IQSlidedeck.R | Date: 2024-10-25 09:13:49</a:t>
+              <a:t>script_IQSlidedeck.R | Date: 2025-04-23 16:52:02.697434</a:t>
             </a:r>
           </a:p>
         </p:txBody>
@@ -6126,7 +6126,7 @@
           <a:chExt cx="0" cy="0"/>
         </a:xfrm>
       </p:grpSpPr>
-      <p:sp xmlns:a="http://schemas.openxmlformats.org/drawingml/2006/main" xmlns:r="http://schemas.openxmlformats.org/officeDocument/2006/relationships" xmlns:p="http://schemas.openxmlformats.org/presentationml/2006/main">
+      <p:sp>
         <p:nvSpPr>
           <p:cNvPr id="2" name="Title 1"/>
           <p:cNvSpPr>
@@ -6153,7 +6153,7 @@
           </a:p>
         </p:txBody>
       </p:sp>
-      <p:sp xmlns:a="http://schemas.openxmlformats.org/drawingml/2006/main" xmlns:r="http://schemas.openxmlformats.org/officeDocument/2006/relationships" xmlns:p="http://schemas.openxmlformats.org/presentationml/2006/main">
+      <p:sp>
         <p:nvSpPr>
           <p:cNvPr id="3" name="Content Placeholder 2"/>
           <p:cNvSpPr>
@@ -6416,7 +6416,7 @@
           </a:p>
         </p:txBody>
       </p:sp>
-      <p:pic xmlns:a="http://schemas.openxmlformats.org/drawingml/2006/main" xmlns:r="http://schemas.openxmlformats.org/officeDocument/2006/relationships" xmlns:p="http://schemas.openxmlformats.org/presentationml/2006/main">
+      <p:pic>
         <p:nvPicPr>
           <p:cNvPr id="4" name="Content Placeholder 3" descr=""/>
           <p:cNvPicPr>
@@ -6442,7 +6442,7 @@
           </a:prstGeom>
         </p:spPr>
       </p:pic>
-      <p:sp xmlns:a="http://schemas.openxmlformats.org/drawingml/2006/main" xmlns:r="http://schemas.openxmlformats.org/officeDocument/2006/relationships" xmlns:p="http://schemas.openxmlformats.org/presentationml/2006/main">
+      <p:sp>
         <p:nvSpPr>
           <p:cNvPr id="5" name="Footer Placeholder 5"/>
           <p:cNvSpPr>
@@ -6464,7 +6464,7 @@
           <a:p>
             <a:r>
               <a:rPr/>
-              <a:t>script_IQSlidedeck.R | Date: 2024-10-25 09:13:51</a:t>
+              <a:t>script_IQSlidedeck.R | Date: 2025-04-23 16:52:03.538924</a:t>
             </a:r>
           </a:p>
         </p:txBody>
@@ -6494,7 +6494,7 @@
           <a:chExt cx="0" cy="0"/>
         </a:xfrm>
       </p:grpSpPr>
-      <p:sp xmlns:a="http://schemas.openxmlformats.org/drawingml/2006/main" xmlns:r="http://schemas.openxmlformats.org/officeDocument/2006/relationships" xmlns:p="http://schemas.openxmlformats.org/presentationml/2006/main">
+      <p:sp>
         <p:nvSpPr>
           <p:cNvPr id="2" name="Title 1"/>
           <p:cNvSpPr>
@@ -6521,7 +6521,7 @@
           </a:p>
         </p:txBody>
       </p:sp>
-      <p:pic xmlns:a="http://schemas.openxmlformats.org/drawingml/2006/main" xmlns:r="http://schemas.openxmlformats.org/officeDocument/2006/relationships" xmlns:p="http://schemas.openxmlformats.org/presentationml/2006/main">
+      <p:pic>
         <p:nvPicPr>
           <p:cNvPr id="3" name="Content Placeholder 2" descr=""/>
           <p:cNvPicPr>
@@ -6547,7 +6547,7 @@
           </a:prstGeom>
         </p:spPr>
       </p:pic>
-      <p:sp xmlns:a="http://schemas.openxmlformats.org/drawingml/2006/main" xmlns:r="http://schemas.openxmlformats.org/officeDocument/2006/relationships" xmlns:p="http://schemas.openxmlformats.org/presentationml/2006/main">
+      <p:sp>
         <p:nvSpPr>
           <p:cNvPr id="4" name="Content Placeholder 3"/>
           <p:cNvSpPr>
@@ -6810,7 +6810,7 @@
           </a:p>
         </p:txBody>
       </p:sp>
-      <p:sp xmlns:a="http://schemas.openxmlformats.org/drawingml/2006/main" xmlns:r="http://schemas.openxmlformats.org/officeDocument/2006/relationships" xmlns:p="http://schemas.openxmlformats.org/presentationml/2006/main">
+      <p:sp>
         <p:nvSpPr>
           <p:cNvPr id="5" name="Footer Placeholder 5"/>
           <p:cNvSpPr>
@@ -6832,7 +6832,7 @@
           <a:p>
             <a:r>
               <a:rPr/>
-              <a:t>script_IQSlidedeck.R | Date: 2024-10-25 09:13:52</a:t>
+              <a:t>script_IQSlidedeck.R | Date: 2025-04-23 16:52:04.421185</a:t>
             </a:r>
           </a:p>
         </p:txBody>
@@ -6862,7 +6862,7 @@
           <a:chExt cx="0" cy="0"/>
         </a:xfrm>
       </p:grpSpPr>
-      <p:sp xmlns:a="http://schemas.openxmlformats.org/drawingml/2006/main" xmlns:r="http://schemas.openxmlformats.org/officeDocument/2006/relationships" xmlns:p="http://schemas.openxmlformats.org/presentationml/2006/main">
+      <p:sp>
         <p:nvSpPr>
           <p:cNvPr id="2" name="Title 1"/>
           <p:cNvSpPr>
@@ -6914,7 +6914,7 @@
           <a:chExt cx="0" cy="0"/>
         </a:xfrm>
       </p:grpSpPr>
-      <p:sp xmlns:a="http://schemas.openxmlformats.org/drawingml/2006/main" xmlns:r="http://schemas.openxmlformats.org/officeDocument/2006/relationships" xmlns:p="http://schemas.openxmlformats.org/presentationml/2006/main">
+      <p:sp>
         <p:nvSpPr>
           <p:cNvPr id="2" name="Title 1"/>
           <p:cNvSpPr>
@@ -6941,7 +6941,7 @@
           </a:p>
         </p:txBody>
       </p:sp>
-      <p:sp xmlns:a="http://schemas.openxmlformats.org/drawingml/2006/main" xmlns:r="http://schemas.openxmlformats.org/officeDocument/2006/relationships" xmlns:p="http://schemas.openxmlformats.org/presentationml/2006/main">
+      <p:sp>
         <p:nvSpPr>
           <p:cNvPr id="3" name="Content Placeholder 2"/>
           <p:cNvSpPr>
@@ -6974,7 +6974,7 @@
           </a:p>
         </p:txBody>
       </p:sp>
-      <p:pic xmlns:a="http://schemas.openxmlformats.org/drawingml/2006/main" xmlns:r="http://schemas.openxmlformats.org/officeDocument/2006/relationships" xmlns:p="http://schemas.openxmlformats.org/presentationml/2006/main">
+      <p:pic>
         <p:nvPicPr>
           <p:cNvPr id="4" name="Content Placeholder 3" descr=""/>
           <p:cNvPicPr>
@@ -7000,7 +7000,7 @@
           </a:prstGeom>
         </p:spPr>
       </p:pic>
-      <p:sp xmlns:a="http://schemas.openxmlformats.org/drawingml/2006/main" xmlns:r="http://schemas.openxmlformats.org/officeDocument/2006/relationships" xmlns:p="http://schemas.openxmlformats.org/presentationml/2006/main">
+      <p:sp>
         <p:nvSpPr>
           <p:cNvPr id="5" name="Footer Placeholder 5"/>
           <p:cNvSpPr>
@@ -7022,7 +7022,7 @@
           <a:p>
             <a:r>
               <a:rPr/>
-              <a:t>script_IQSlidedeck.R | Date: 2024-10-25 09:14:00</a:t>
+              <a:t>script_IQSlidedeck.R | Date: 2025-04-23 16:52:11.97824</a:t>
             </a:r>
           </a:p>
         </p:txBody>
@@ -7052,7 +7052,7 @@
           <a:chExt cx="0" cy="0"/>
         </a:xfrm>
       </p:grpSpPr>
-      <p:sp xmlns:a="http://schemas.openxmlformats.org/drawingml/2006/main" xmlns:r="http://schemas.openxmlformats.org/officeDocument/2006/relationships" xmlns:p="http://schemas.openxmlformats.org/presentationml/2006/main">
+      <p:sp>
         <p:nvSpPr>
           <p:cNvPr id="2" name="Title 1"/>
           <p:cNvSpPr>
@@ -7079,7 +7079,7 @@
           </a:p>
         </p:txBody>
       </p:sp>
-      <p:pic xmlns:a="http://schemas.openxmlformats.org/drawingml/2006/main" xmlns:r="http://schemas.openxmlformats.org/officeDocument/2006/relationships" xmlns:p="http://schemas.openxmlformats.org/presentationml/2006/main">
+      <p:pic>
         <p:nvPicPr>
           <p:cNvPr id="3" name="Content Placeholder 2" descr=""/>
           <p:cNvPicPr>
@@ -7105,7 +7105,7 @@
           </a:prstGeom>
         </p:spPr>
       </p:pic>
-      <p:pic xmlns:a="http://schemas.openxmlformats.org/drawingml/2006/main" xmlns:r="http://schemas.openxmlformats.org/officeDocument/2006/relationships" xmlns:p="http://schemas.openxmlformats.org/presentationml/2006/main">
+      <p:pic>
         <p:nvPicPr>
           <p:cNvPr id="4" name="Content Placeholder 3" descr=""/>
           <p:cNvPicPr>
@@ -7131,7 +7131,7 @@
           </a:prstGeom>
         </p:spPr>
       </p:pic>
-      <p:sp xmlns:a="http://schemas.openxmlformats.org/drawingml/2006/main" xmlns:r="http://schemas.openxmlformats.org/officeDocument/2006/relationships" xmlns:p="http://schemas.openxmlformats.org/presentationml/2006/main">
+      <p:sp>
         <p:nvSpPr>
           <p:cNvPr id="5" name="Footer Placeholder 5"/>
           <p:cNvSpPr>
@@ -7153,7 +7153,7 @@
           <a:p>
             <a:r>
               <a:rPr/>
-              <a:t>script_IQSlidedeck.R | Date: 2024-10-25 09:14:00</a:t>
+              <a:t>script_IQSlidedeck.R | Date: 2025-04-23 16:52:12.011498</a:t>
             </a:r>
           </a:p>
         </p:txBody>
@@ -7183,7 +7183,7 @@
           <a:chExt cx="0" cy="0"/>
         </a:xfrm>
       </p:grpSpPr>
-      <p:sp xmlns:a="http://schemas.openxmlformats.org/drawingml/2006/main" xmlns:r="http://schemas.openxmlformats.org/officeDocument/2006/relationships" xmlns:p="http://schemas.openxmlformats.org/presentationml/2006/main">
+      <p:sp>
         <p:nvSpPr>
           <p:cNvPr id="2" name="Title 1"/>
           <p:cNvSpPr>
@@ -7210,7 +7210,7 @@
           </a:p>
         </p:txBody>
       </p:sp>
-      <p:pic xmlns:a="http://schemas.openxmlformats.org/drawingml/2006/main" xmlns:r="http://schemas.openxmlformats.org/officeDocument/2006/relationships" xmlns:p="http://schemas.openxmlformats.org/presentationml/2006/main">
+      <p:pic>
         <p:nvPicPr>
           <p:cNvPr id="3" name="Content Placeholder 2" descr=""/>
           <p:cNvPicPr>
@@ -7236,7 +7236,7 @@
           </a:prstGeom>
         </p:spPr>
       </p:pic>
-      <p:sp xmlns:a="http://schemas.openxmlformats.org/drawingml/2006/main" xmlns:r="http://schemas.openxmlformats.org/officeDocument/2006/relationships" xmlns:p="http://schemas.openxmlformats.org/presentationml/2006/main">
+      <p:sp>
         <p:nvSpPr>
           <p:cNvPr id="4" name="Content Placeholder 3"/>
           <p:cNvSpPr>
@@ -7291,7 +7291,7 @@
           </a:p>
         </p:txBody>
       </p:sp>
-      <p:sp xmlns:a="http://schemas.openxmlformats.org/drawingml/2006/main" xmlns:r="http://schemas.openxmlformats.org/officeDocument/2006/relationships" xmlns:p="http://schemas.openxmlformats.org/presentationml/2006/main">
+      <p:sp>
         <p:nvSpPr>
           <p:cNvPr id="5" name="Footer Placeholder 5"/>
           <p:cNvSpPr>
@@ -7313,7 +7313,7 @@
           <a:p>
             <a:r>
               <a:rPr/>
-              <a:t>script_IQSlidedeck.R | Date: 2024-10-25 09:14:00</a:t>
+              <a:t>script_IQSlidedeck.R | Date: 2025-04-23 16:52:12.04445</a:t>
             </a:r>
           </a:p>
         </p:txBody>
@@ -7343,7 +7343,7 @@
           <a:chExt cx="0" cy="0"/>
         </a:xfrm>
       </p:grpSpPr>
-      <p:sp xmlns:a="http://schemas.openxmlformats.org/drawingml/2006/main" xmlns:r="http://schemas.openxmlformats.org/officeDocument/2006/relationships" xmlns:p="http://schemas.openxmlformats.org/presentationml/2006/main">
+      <p:sp>
         <p:nvSpPr>
           <p:cNvPr id="2" name="Title 1"/>
           <p:cNvSpPr>
@@ -7370,7 +7370,7 @@
           </a:p>
         </p:txBody>
       </p:sp>
-      <p:sp xmlns:a="http://schemas.openxmlformats.org/drawingml/2006/main" xmlns:r="http://schemas.openxmlformats.org/officeDocument/2006/relationships" xmlns:p="http://schemas.openxmlformats.org/presentationml/2006/main">
+      <p:sp>
         <p:nvSpPr>
           <p:cNvPr id="3" name="Content Placeholder 2"/>
           <p:cNvSpPr>
@@ -7403,7 +7403,7 @@
           </a:p>
         </p:txBody>
       </p:sp>
-      <p:pic xmlns:a="http://schemas.openxmlformats.org/drawingml/2006/main" xmlns:r="http://schemas.openxmlformats.org/officeDocument/2006/relationships" xmlns:p="http://schemas.openxmlformats.org/presentationml/2006/main">
+      <p:pic>
         <p:nvPicPr>
           <p:cNvPr id="4" name="Content Placeholder 3" descr=""/>
           <p:cNvPicPr>
@@ -7429,7 +7429,7 @@
           </a:prstGeom>
         </p:spPr>
       </p:pic>
-      <p:sp xmlns:a="http://schemas.openxmlformats.org/drawingml/2006/main" xmlns:r="http://schemas.openxmlformats.org/officeDocument/2006/relationships" xmlns:p="http://schemas.openxmlformats.org/presentationml/2006/main">
+      <p:sp>
         <p:nvSpPr>
           <p:cNvPr id="5" name="Footer Placeholder 5"/>
           <p:cNvSpPr>
@@ -7451,7 +7451,7 @@
           <a:p>
             <a:r>
               <a:rPr/>
-              <a:t>script_IQSlidedeck.R | Date: 2024-10-25 09:14:00</a:t>
+              <a:t>script_IQSlidedeck.R | Date: 2025-04-23 16:52:12.077639</a:t>
             </a:r>
           </a:p>
         </p:txBody>
@@ -7481,7 +7481,7 @@
           <a:chExt cx="0" cy="0"/>
         </a:xfrm>
       </p:grpSpPr>
-      <p:sp xmlns:a="http://schemas.openxmlformats.org/drawingml/2006/main" xmlns:r="http://schemas.openxmlformats.org/officeDocument/2006/relationships" xmlns:p="http://schemas.openxmlformats.org/presentationml/2006/main">
+      <p:sp>
         <p:nvSpPr>
           <p:cNvPr id="2" name="Title 1"/>
           <p:cNvSpPr>
@@ -7533,7 +7533,7 @@
           <a:chExt cx="0" cy="0"/>
         </a:xfrm>
       </p:grpSpPr>
-      <p:sp xmlns:a="http://schemas.openxmlformats.org/drawingml/2006/main" xmlns:r="http://schemas.openxmlformats.org/officeDocument/2006/relationships" xmlns:p="http://schemas.openxmlformats.org/presentationml/2006/main">
+      <p:sp>
         <p:nvSpPr>
           <p:cNvPr id="2" name="Title 1"/>
           <p:cNvSpPr>
@@ -7560,7 +7560,7 @@
           </a:p>
         </p:txBody>
       </p:sp>
-      <p:sp xmlns:a="http://schemas.openxmlformats.org/drawingml/2006/main" xmlns:r="http://schemas.openxmlformats.org/officeDocument/2006/relationships" xmlns:p="http://schemas.openxmlformats.org/presentationml/2006/main">
+      <p:sp>
         <p:nvSpPr>
           <p:cNvPr id="3" name="Content Placeholder 2"/>
           <p:cNvSpPr>
@@ -7814,7 +7814,7 @@
           </a:p>
         </p:txBody>
       </p:sp>
-      <p:pic xmlns:a="http://schemas.openxmlformats.org/drawingml/2006/main" xmlns:r="http://schemas.openxmlformats.org/officeDocument/2006/relationships" xmlns:p="http://schemas.openxmlformats.org/presentationml/2006/main">
+      <p:pic>
         <p:nvPicPr>
           <p:cNvPr id="4" name="Content Placeholder 3" descr=""/>
           <p:cNvPicPr>
@@ -7840,7 +7840,7 @@
           </a:prstGeom>
         </p:spPr>
       </p:pic>
-      <p:sp xmlns:a="http://schemas.openxmlformats.org/drawingml/2006/main" xmlns:r="http://schemas.openxmlformats.org/officeDocument/2006/relationships" xmlns:p="http://schemas.openxmlformats.org/presentationml/2006/main">
+      <p:sp>
         <p:nvSpPr>
           <p:cNvPr id="5" name="Text Placeholder 2"/>
           <p:cNvSpPr>
@@ -7868,7 +7868,7 @@
           </a:p>
         </p:txBody>
       </p:sp>
-      <p:sp xmlns:a="http://schemas.openxmlformats.org/drawingml/2006/main" xmlns:r="http://schemas.openxmlformats.org/officeDocument/2006/relationships" xmlns:p="http://schemas.openxmlformats.org/presentationml/2006/main">
+      <p:sp>
         <p:nvSpPr>
           <p:cNvPr id="6" name="Footer Placeholder 5"/>
           <p:cNvSpPr>
@@ -7890,7 +7890,7 @@
           <a:p>
             <a:r>
               <a:rPr/>
-              <a:t>IQSlidedeck_IQRobjects.R | Date: 2024-10-25 09:14:28</a:t>
+              <a:t>IQSlidedeck_IQRobjects.R | Date: 2025-04-23 16:52:44.676244</a:t>
             </a:r>
           </a:p>
         </p:txBody>
@@ -7920,7 +7920,7 @@
           <a:chExt cx="0" cy="0"/>
         </a:xfrm>
       </p:grpSpPr>
-      <p:sp xmlns:a="http://schemas.openxmlformats.org/drawingml/2006/main" xmlns:r="http://schemas.openxmlformats.org/officeDocument/2006/relationships" xmlns:p="http://schemas.openxmlformats.org/presentationml/2006/main">
+      <p:sp>
         <p:nvSpPr>
           <p:cNvPr id="2" name="Title 1"/>
           <p:cNvSpPr>
@@ -7972,7 +7972,7 @@
           <a:chExt cx="0" cy="0"/>
         </a:xfrm>
       </p:grpSpPr>
-      <p:sp xmlns:a="http://schemas.openxmlformats.org/drawingml/2006/main" xmlns:r="http://schemas.openxmlformats.org/officeDocument/2006/relationships" xmlns:p="http://schemas.openxmlformats.org/presentationml/2006/main">
+      <p:sp>
         <p:nvSpPr>
           <p:cNvPr id="2" name="Title 1"/>
           <p:cNvSpPr>
@@ -7999,7 +7999,7 @@
           </a:p>
         </p:txBody>
       </p:sp>
-      <p:sp xmlns:a="http://schemas.openxmlformats.org/drawingml/2006/main" xmlns:r="http://schemas.openxmlformats.org/officeDocument/2006/relationships" xmlns:p="http://schemas.openxmlformats.org/presentationml/2006/main">
+      <p:sp>
         <p:nvSpPr>
           <p:cNvPr id="3" name="Content Placeholder 2"/>
           <p:cNvSpPr>
@@ -8253,7 +8253,7 @@
           </a:p>
         </p:txBody>
       </p:sp>
-      <p:pic xmlns:a="http://schemas.openxmlformats.org/drawingml/2006/main" xmlns:r="http://schemas.openxmlformats.org/officeDocument/2006/relationships" xmlns:p="http://schemas.openxmlformats.org/presentationml/2006/main">
+      <p:pic>
         <p:nvPicPr>
           <p:cNvPr id="4" name="Content Placeholder 3" descr=""/>
           <p:cNvPicPr>
@@ -8279,7 +8279,7 @@
           </a:prstGeom>
         </p:spPr>
       </p:pic>
-      <p:sp xmlns:a="http://schemas.openxmlformats.org/drawingml/2006/main" xmlns:r="http://schemas.openxmlformats.org/officeDocument/2006/relationships" xmlns:p="http://schemas.openxmlformats.org/presentationml/2006/main">
+      <p:sp>
         <p:nvSpPr>
           <p:cNvPr id="5" name="Text Placeholder 2"/>
           <p:cNvSpPr>
@@ -8307,7 +8307,7 @@
           </a:p>
         </p:txBody>
       </p:sp>
-      <p:sp xmlns:a="http://schemas.openxmlformats.org/drawingml/2006/main" xmlns:r="http://schemas.openxmlformats.org/officeDocument/2006/relationships" xmlns:p="http://schemas.openxmlformats.org/presentationml/2006/main">
+      <p:sp>
         <p:nvSpPr>
           <p:cNvPr id="6" name="Footer Placeholder 5"/>
           <p:cNvSpPr>
@@ -8329,7 +8329,7 @@
           <a:p>
             <a:r>
               <a:rPr/>
-              <a:t>IQSlidedeck_IQRobjects.R | Date: 2024-10-25 09:14:28</a:t>
+              <a:t>IQSlidedeck_IQRobjects.R | Date: 2025-04-23 16:52:44.998912</a:t>
             </a:r>
           </a:p>
         </p:txBody>
@@ -8359,7 +8359,7 @@
           <a:chExt cx="0" cy="0"/>
         </a:xfrm>
       </p:grpSpPr>
-      <p:sp xmlns:a="http://schemas.openxmlformats.org/drawingml/2006/main" xmlns:r="http://schemas.openxmlformats.org/officeDocument/2006/relationships" xmlns:p="http://schemas.openxmlformats.org/presentationml/2006/main">
+      <p:sp>
         <p:nvSpPr>
           <p:cNvPr id="2" name="Title 1"/>
           <p:cNvSpPr>
@@ -8386,7 +8386,7 @@
           </a:p>
         </p:txBody>
       </p:sp>
-      <p:sp xmlns:a="http://schemas.openxmlformats.org/drawingml/2006/main" xmlns:r="http://schemas.openxmlformats.org/officeDocument/2006/relationships" xmlns:p="http://schemas.openxmlformats.org/presentationml/2006/main">
+      <p:sp>
         <p:nvSpPr>
           <p:cNvPr id="3" name="Content Placeholder 2"/>
           <p:cNvSpPr>
@@ -8640,7 +8640,7 @@
           </a:p>
         </p:txBody>
       </p:sp>
-      <p:pic xmlns:a="http://schemas.openxmlformats.org/drawingml/2006/main" xmlns:r="http://schemas.openxmlformats.org/officeDocument/2006/relationships" xmlns:p="http://schemas.openxmlformats.org/presentationml/2006/main">
+      <p:pic>
         <p:nvPicPr>
           <p:cNvPr id="4" name="Content Placeholder 3" descr=""/>
           <p:cNvPicPr>
@@ -8666,7 +8666,7 @@
           </a:prstGeom>
         </p:spPr>
       </p:pic>
-      <p:sp xmlns:a="http://schemas.openxmlformats.org/drawingml/2006/main" xmlns:r="http://schemas.openxmlformats.org/officeDocument/2006/relationships" xmlns:p="http://schemas.openxmlformats.org/presentationml/2006/main">
+      <p:sp>
         <p:nvSpPr>
           <p:cNvPr id="5" name="Text Placeholder 2"/>
           <p:cNvSpPr>
@@ -8694,7 +8694,7 @@
           </a:p>
         </p:txBody>
       </p:sp>
-      <p:sp xmlns:a="http://schemas.openxmlformats.org/drawingml/2006/main" xmlns:r="http://schemas.openxmlformats.org/officeDocument/2006/relationships" xmlns:p="http://schemas.openxmlformats.org/presentationml/2006/main">
+      <p:sp>
         <p:nvSpPr>
           <p:cNvPr id="6" name="Footer Placeholder 5"/>
           <p:cNvSpPr>
@@ -8716,7 +8716,7 @@
           <a:p>
             <a:r>
               <a:rPr/>
-              <a:t>IQSlidedeck_IQRobjects.R | Date: 2024-10-25 09:14:28</a:t>
+              <a:t>IQSlidedeck_IQRobjects.R | Date: 2025-04-23 16:52:45.326926</a:t>
             </a:r>
           </a:p>
         </p:txBody>
@@ -8746,7 +8746,7 @@
           <a:chExt cx="0" cy="0"/>
         </a:xfrm>
       </p:grpSpPr>
-      <p:sp xmlns:a="http://schemas.openxmlformats.org/drawingml/2006/main" xmlns:r="http://schemas.openxmlformats.org/officeDocument/2006/relationships" xmlns:p="http://schemas.openxmlformats.org/presentationml/2006/main">
+      <p:sp>
         <p:nvSpPr>
           <p:cNvPr id="2" name="Title 1"/>
           <p:cNvSpPr>
@@ -8773,7 +8773,7 @@
           </a:p>
         </p:txBody>
       </p:sp>
-      <p:sp xmlns:a="http://schemas.openxmlformats.org/drawingml/2006/main" xmlns:r="http://schemas.openxmlformats.org/officeDocument/2006/relationships" xmlns:p="http://schemas.openxmlformats.org/presentationml/2006/main">
+      <p:sp>
         <p:nvSpPr>
           <p:cNvPr id="3" name="Content Placeholder 2"/>
           <p:cNvSpPr>
@@ -8985,7 +8985,7 @@
           </a:p>
         </p:txBody>
       </p:sp>
-      <p:pic xmlns:a="http://schemas.openxmlformats.org/drawingml/2006/main" xmlns:r="http://schemas.openxmlformats.org/officeDocument/2006/relationships" xmlns:p="http://schemas.openxmlformats.org/presentationml/2006/main">
+      <p:pic>
         <p:nvPicPr>
           <p:cNvPr id="4" name="Content Placeholder 3" descr=""/>
           <p:cNvPicPr>
@@ -9011,7 +9011,7 @@
           </a:prstGeom>
         </p:spPr>
       </p:pic>
-      <p:sp xmlns:a="http://schemas.openxmlformats.org/drawingml/2006/main" xmlns:r="http://schemas.openxmlformats.org/officeDocument/2006/relationships" xmlns:p="http://schemas.openxmlformats.org/presentationml/2006/main">
+      <p:sp>
         <p:nvSpPr>
           <p:cNvPr id="5" name="Text Placeholder 2"/>
           <p:cNvSpPr>
@@ -9039,7 +9039,7 @@
           </a:p>
         </p:txBody>
       </p:sp>
-      <p:sp xmlns:a="http://schemas.openxmlformats.org/drawingml/2006/main" xmlns:r="http://schemas.openxmlformats.org/officeDocument/2006/relationships" xmlns:p="http://schemas.openxmlformats.org/presentationml/2006/main">
+      <p:sp>
         <p:nvSpPr>
           <p:cNvPr id="6" name="Footer Placeholder 5"/>
           <p:cNvSpPr>
@@ -9061,7 +9061,7 @@
           <a:p>
             <a:r>
               <a:rPr/>
-              <a:t>IQSlidedeck_IQRobjects.R | Date: 2024-10-25 09:14:29</a:t>
+              <a:t>IQSlidedeck_IQRobjects.R | Date: 2025-04-23 16:52:46.852127</a:t>
             </a:r>
           </a:p>
         </p:txBody>
@@ -9091,7 +9091,7 @@
           <a:chExt cx="0" cy="0"/>
         </a:xfrm>
       </p:grpSpPr>
-      <p:sp xmlns:a="http://schemas.openxmlformats.org/drawingml/2006/main" xmlns:r="http://schemas.openxmlformats.org/officeDocument/2006/relationships" xmlns:p="http://schemas.openxmlformats.org/presentationml/2006/main">
+      <p:sp>
         <p:nvSpPr>
           <p:cNvPr id="2" name="Title 1"/>
           <p:cNvSpPr>
@@ -9118,7 +9118,7 @@
           </a:p>
         </p:txBody>
       </p:sp>
-      <p:pic xmlns:a="http://schemas.openxmlformats.org/drawingml/2006/main" xmlns:r="http://schemas.openxmlformats.org/officeDocument/2006/relationships" xmlns:p="http://schemas.openxmlformats.org/presentationml/2006/main">
+      <p:pic>
         <p:nvPicPr>
           <p:cNvPr id="3" name="Content Placeholder 2" descr=""/>
           <p:cNvPicPr>
@@ -9144,7 +9144,7 @@
           </a:prstGeom>
         </p:spPr>
       </p:pic>
-      <p:sp xmlns:a="http://schemas.openxmlformats.org/drawingml/2006/main" xmlns:r="http://schemas.openxmlformats.org/officeDocument/2006/relationships" xmlns:p="http://schemas.openxmlformats.org/presentationml/2006/main">
+      <p:sp>
         <p:nvSpPr>
           <p:cNvPr id="4" name="Text Placeholder 8"/>
           <p:cNvSpPr>
@@ -9172,7 +9172,7 @@
           </a:p>
         </p:txBody>
       </p:sp>
-      <p:sp xmlns:a="http://schemas.openxmlformats.org/drawingml/2006/main" xmlns:r="http://schemas.openxmlformats.org/officeDocument/2006/relationships" xmlns:p="http://schemas.openxmlformats.org/presentationml/2006/main">
+      <p:sp>
         <p:nvSpPr>
           <p:cNvPr id="5" name="Footer Placeholder 4"/>
           <p:cNvSpPr>
@@ -9194,7 +9194,7 @@
           <a:p>
             <a:r>
               <a:rPr/>
-              <a:t>IQSlidedeck_IQRobjects.R | Date: 2024-10-25 09:14:31</a:t>
+              <a:t>IQSlidedeck_IQRobjects.R | Date: 2025-04-23 16:52:49.054522</a:t>
             </a:r>
           </a:p>
         </p:txBody>
@@ -9224,7 +9224,7 @@
           <a:chExt cx="0" cy="0"/>
         </a:xfrm>
       </p:grpSpPr>
-      <p:sp xmlns:a="http://schemas.openxmlformats.org/drawingml/2006/main" xmlns:r="http://schemas.openxmlformats.org/officeDocument/2006/relationships" xmlns:p="http://schemas.openxmlformats.org/presentationml/2006/main">
+      <p:sp>
         <p:nvSpPr>
           <p:cNvPr id="2" name="Title 1"/>
           <p:cNvSpPr>
@@ -9251,7 +9251,7 @@
           </a:p>
         </p:txBody>
       </p:sp>
-      <p:pic xmlns:a="http://schemas.openxmlformats.org/drawingml/2006/main" xmlns:r="http://schemas.openxmlformats.org/officeDocument/2006/relationships" xmlns:p="http://schemas.openxmlformats.org/presentationml/2006/main">
+      <p:pic>
         <p:nvPicPr>
           <p:cNvPr id="3" name="Content Placeholder 2" descr=""/>
           <p:cNvPicPr>
@@ -9277,7 +9277,7 @@
           </a:prstGeom>
         </p:spPr>
       </p:pic>
-      <p:sp xmlns:a="http://schemas.openxmlformats.org/drawingml/2006/main" xmlns:r="http://schemas.openxmlformats.org/officeDocument/2006/relationships" xmlns:p="http://schemas.openxmlformats.org/presentationml/2006/main">
+      <p:sp>
         <p:nvSpPr>
           <p:cNvPr id="4" name="Text Placeholder 8"/>
           <p:cNvSpPr>
@@ -9305,7 +9305,7 @@
           </a:p>
         </p:txBody>
       </p:sp>
-      <p:sp xmlns:a="http://schemas.openxmlformats.org/drawingml/2006/main" xmlns:r="http://schemas.openxmlformats.org/officeDocument/2006/relationships" xmlns:p="http://schemas.openxmlformats.org/presentationml/2006/main">
+      <p:sp>
         <p:nvSpPr>
           <p:cNvPr id="5" name="Footer Placeholder 4"/>
           <p:cNvSpPr>
@@ -9327,7 +9327,7 @@
           <a:p>
             <a:r>
               <a:rPr/>
-              <a:t>IQSlidedeck_IQRobjects.R | Date: 2024-10-25 09:14:32</a:t>
+              <a:t>IQSlidedeck_IQRobjects.R | Date: 2025-04-23 16:52:50.633523</a:t>
             </a:r>
           </a:p>
         </p:txBody>
@@ -9357,7 +9357,7 @@
           <a:chExt cx="0" cy="0"/>
         </a:xfrm>
       </p:grpSpPr>
-      <p:sp xmlns:a="http://schemas.openxmlformats.org/drawingml/2006/main" xmlns:r="http://schemas.openxmlformats.org/officeDocument/2006/relationships" xmlns:p="http://schemas.openxmlformats.org/presentationml/2006/main">
+      <p:sp>
         <p:nvSpPr>
           <p:cNvPr id="2" name="Title 1"/>
           <p:cNvSpPr>
@@ -9384,7 +9384,7 @@
           </a:p>
         </p:txBody>
       </p:sp>
-      <p:pic xmlns:a="http://schemas.openxmlformats.org/drawingml/2006/main" xmlns:r="http://schemas.openxmlformats.org/officeDocument/2006/relationships" xmlns:p="http://schemas.openxmlformats.org/presentationml/2006/main">
+      <p:pic>
         <p:nvPicPr>
           <p:cNvPr id="3" name="Content Placeholder 2" descr=""/>
           <p:cNvPicPr>
@@ -9410,7 +9410,7 @@
           </a:prstGeom>
         </p:spPr>
       </p:pic>
-      <p:sp xmlns:a="http://schemas.openxmlformats.org/drawingml/2006/main" xmlns:r="http://schemas.openxmlformats.org/officeDocument/2006/relationships" xmlns:p="http://schemas.openxmlformats.org/presentationml/2006/main">
+      <p:sp>
         <p:nvSpPr>
           <p:cNvPr id="4" name="Text Placeholder 2"/>
           <p:cNvSpPr>
@@ -9438,7 +9438,7 @@
           </a:p>
         </p:txBody>
       </p:sp>
-      <p:pic xmlns:a="http://schemas.openxmlformats.org/drawingml/2006/main" xmlns:r="http://schemas.openxmlformats.org/officeDocument/2006/relationships" xmlns:p="http://schemas.openxmlformats.org/presentationml/2006/main">
+      <p:pic>
         <p:nvPicPr>
           <p:cNvPr id="5" name="Content Placeholder 3" descr=""/>
           <p:cNvPicPr>
@@ -9464,7 +9464,7 @@
           </a:prstGeom>
         </p:spPr>
       </p:pic>
-      <p:sp xmlns:a="http://schemas.openxmlformats.org/drawingml/2006/main" xmlns:r="http://schemas.openxmlformats.org/officeDocument/2006/relationships" xmlns:p="http://schemas.openxmlformats.org/presentationml/2006/main">
+      <p:sp>
         <p:nvSpPr>
           <p:cNvPr id="6" name="Text Placeholder 3"/>
           <p:cNvSpPr>
@@ -9492,7 +9492,7 @@
           </a:p>
         </p:txBody>
       </p:sp>
-      <p:sp xmlns:a="http://schemas.openxmlformats.org/drawingml/2006/main" xmlns:r="http://schemas.openxmlformats.org/officeDocument/2006/relationships" xmlns:p="http://schemas.openxmlformats.org/presentationml/2006/main">
+      <p:sp>
         <p:nvSpPr>
           <p:cNvPr id="7" name="Footer Placeholder 5"/>
           <p:cNvSpPr>
@@ -9514,7 +9514,7 @@
           <a:p>
             <a:r>
               <a:rPr/>
-              <a:t>IQSlidedeck_IQRobjects.R | Date: 2024-10-25 09:14:34</a:t>
+              <a:t>IQSlidedeck_IQRobjects.R | Date: 2025-04-23 16:52:51.995491</a:t>
             </a:r>
           </a:p>
         </p:txBody>
@@ -9544,7 +9544,7 @@
           <a:chExt cx="0" cy="0"/>
         </a:xfrm>
       </p:grpSpPr>
-      <p:sp xmlns:a="http://schemas.openxmlformats.org/drawingml/2006/main" xmlns:r="http://schemas.openxmlformats.org/officeDocument/2006/relationships" xmlns:p="http://schemas.openxmlformats.org/presentationml/2006/main">
+      <p:sp>
         <p:nvSpPr>
           <p:cNvPr id="2" name="Title 1"/>
           <p:cNvSpPr>
@@ -9571,7 +9571,7 @@
           </a:p>
         </p:txBody>
       </p:sp>
-      <p:sp xmlns:a="http://schemas.openxmlformats.org/drawingml/2006/main" xmlns:r="http://schemas.openxmlformats.org/officeDocument/2006/relationships" xmlns:p="http://schemas.openxmlformats.org/presentationml/2006/main">
+      <p:sp>
         <p:nvSpPr>
           <p:cNvPr id="3" name="Content Placeholder 2"/>
           <p:cNvSpPr>
@@ -9604,7 +9604,7 @@
           </a:p>
         </p:txBody>
       </p:sp>
-      <p:sp xmlns:a="http://schemas.openxmlformats.org/drawingml/2006/main" xmlns:r="http://schemas.openxmlformats.org/officeDocument/2006/relationships" xmlns:p="http://schemas.openxmlformats.org/presentationml/2006/main">
+      <p:sp>
         <p:nvSpPr>
           <p:cNvPr id="4" name="Footer Placeholder 4"/>
           <p:cNvSpPr>
@@ -9626,7 +9626,7 @@
           <a:p>
             <a:r>
               <a:rPr/>
-              <a:t>script_IQSlidedeck.R | Date: 2024-10-25 09:13:48</a:t>
+              <a:t>script_IQSlidedeck.R | Date: 2025-04-23 16:52:01.844054</a:t>
             </a:r>
           </a:p>
         </p:txBody>
@@ -9656,7 +9656,7 @@
           <a:chExt cx="0" cy="0"/>
         </a:xfrm>
       </p:grpSpPr>
-      <p:sp xmlns:a="http://schemas.openxmlformats.org/drawingml/2006/main" xmlns:r="http://schemas.openxmlformats.org/officeDocument/2006/relationships" xmlns:p="http://schemas.openxmlformats.org/presentationml/2006/main">
+      <p:sp>
         <p:nvSpPr>
           <p:cNvPr id="2" name="Title 1"/>
           <p:cNvSpPr>
@@ -9708,7 +9708,7 @@
           <a:chExt cx="0" cy="0"/>
         </a:xfrm>
       </p:grpSpPr>
-      <p:sp xmlns:a="http://schemas.openxmlformats.org/drawingml/2006/main" xmlns:r="http://schemas.openxmlformats.org/officeDocument/2006/relationships" xmlns:p="http://schemas.openxmlformats.org/presentationml/2006/main">
+      <p:sp>
         <p:nvSpPr>
           <p:cNvPr id="2" name="Title 1"/>
           <p:cNvSpPr>
@@ -9735,7 +9735,7 @@
           </a:p>
         </p:txBody>
       </p:sp>
-      <p:sp xmlns:a="http://schemas.openxmlformats.org/drawingml/2006/main" xmlns:r="http://schemas.openxmlformats.org/officeDocument/2006/relationships" xmlns:p="http://schemas.openxmlformats.org/presentationml/2006/main">
+      <p:sp>
         <p:nvSpPr>
           <p:cNvPr id="3" name="Content Placeholder 2"/>
           <p:cNvSpPr>
@@ -9768,7 +9768,7 @@
           </a:p>
         </p:txBody>
       </p:sp>
-      <p:pic xmlns:a="http://schemas.openxmlformats.org/drawingml/2006/main" xmlns:r="http://schemas.openxmlformats.org/officeDocument/2006/relationships" xmlns:p="http://schemas.openxmlformats.org/presentationml/2006/main">
+      <p:pic>
         <p:nvPicPr>
           <p:cNvPr id="4" name="Content Placeholder 3" descr=""/>
           <p:cNvPicPr>
@@ -9794,7 +9794,7 @@
           </a:prstGeom>
         </p:spPr>
       </p:pic>
-      <p:sp xmlns:a="http://schemas.openxmlformats.org/drawingml/2006/main" xmlns:r="http://schemas.openxmlformats.org/officeDocument/2006/relationships" xmlns:p="http://schemas.openxmlformats.org/presentationml/2006/main">
+      <p:sp>
         <p:nvSpPr>
           <p:cNvPr id="5" name="Text Placeholder 2"/>
           <p:cNvSpPr>
@@ -9821,7 +9821,7 @@
           </a:p>
         </p:txBody>
       </p:sp>
-      <p:sp xmlns:a="http://schemas.openxmlformats.org/drawingml/2006/main" xmlns:r="http://schemas.openxmlformats.org/officeDocument/2006/relationships" xmlns:p="http://schemas.openxmlformats.org/presentationml/2006/main">
+      <p:sp>
         <p:nvSpPr>
           <p:cNvPr id="6" name="Footer Placeholder 5"/>
           <p:cNvSpPr>
@@ -9843,7 +9843,7 @@
           <a:p>
             <a:r>
               <a:rPr/>
-              <a:t>script_IQSlidedeck.R | Date: 2024-10-25 09:13:48</a:t>
+              <a:t>script_IQSlidedeck.R | Date: 2025-04-23 16:52:02.007061</a:t>
             </a:r>
           </a:p>
         </p:txBody>
@@ -9873,7 +9873,7 @@
           <a:chExt cx="0" cy="0"/>
         </a:xfrm>
       </p:grpSpPr>
-      <p:sp xmlns:a="http://schemas.openxmlformats.org/drawingml/2006/main" xmlns:r="http://schemas.openxmlformats.org/officeDocument/2006/relationships" xmlns:p="http://schemas.openxmlformats.org/presentationml/2006/main">
+      <p:sp>
         <p:nvSpPr>
           <p:cNvPr id="2" name="Title 1"/>
           <p:cNvSpPr>
@@ -9900,7 +9900,7 @@
           </a:p>
         </p:txBody>
       </p:sp>
-      <p:pic xmlns:a="http://schemas.openxmlformats.org/drawingml/2006/main" xmlns:r="http://schemas.openxmlformats.org/officeDocument/2006/relationships" xmlns:p="http://schemas.openxmlformats.org/presentationml/2006/main">
+      <p:pic>
         <p:nvPicPr>
           <p:cNvPr id="3" name="Content Placeholder 2" descr=""/>
           <p:cNvPicPr>
@@ -9926,7 +9926,7 @@
           </a:prstGeom>
         </p:spPr>
       </p:pic>
-      <p:sp xmlns:a="http://schemas.openxmlformats.org/drawingml/2006/main" xmlns:r="http://schemas.openxmlformats.org/officeDocument/2006/relationships" xmlns:p="http://schemas.openxmlformats.org/presentationml/2006/main">
+      <p:sp>
         <p:nvSpPr>
           <p:cNvPr id="4" name="Footer Placeholder 4"/>
           <p:cNvSpPr>
@@ -9948,7 +9948,7 @@
           <a:p>
             <a:r>
               <a:rPr/>
-              <a:t>script_IQSlidedeck.R | Date: 2024-10-25 09:13:53</a:t>
+              <a:t>script_IQSlidedeck.R | Date: 2025-04-23 16:52:05.054469</a:t>
             </a:r>
           </a:p>
         </p:txBody>
@@ -9978,7 +9978,7 @@
           <a:chExt cx="0" cy="0"/>
         </a:xfrm>
       </p:grpSpPr>
-      <p:sp xmlns:a="http://schemas.openxmlformats.org/drawingml/2006/main" xmlns:r="http://schemas.openxmlformats.org/officeDocument/2006/relationships" xmlns:p="http://schemas.openxmlformats.org/presentationml/2006/main">
+      <p:sp>
         <p:nvSpPr>
           <p:cNvPr id="2" name="Title 1"/>
           <p:cNvSpPr>
@@ -10005,7 +10005,7 @@
           </a:p>
         </p:txBody>
       </p:sp>
-      <p:pic xmlns:a="http://schemas.openxmlformats.org/drawingml/2006/main" xmlns:r="http://schemas.openxmlformats.org/officeDocument/2006/relationships" xmlns:p="http://schemas.openxmlformats.org/presentationml/2006/main">
+      <p:pic>
         <p:nvPicPr>
           <p:cNvPr id="3" name="Content Placeholder 2" descr=""/>
           <p:cNvPicPr>
@@ -10031,7 +10031,7 @@
           </a:prstGeom>
         </p:spPr>
       </p:pic>
-      <p:sp xmlns:a="http://schemas.openxmlformats.org/drawingml/2006/main" xmlns:r="http://schemas.openxmlformats.org/officeDocument/2006/relationships" xmlns:p="http://schemas.openxmlformats.org/presentationml/2006/main">
+      <p:sp>
         <p:nvSpPr>
           <p:cNvPr id="4" name="Footer Placeholder 4"/>
           <p:cNvSpPr>
@@ -10053,7 +10053,7 @@
           <a:p>
             <a:r>
               <a:rPr/>
-              <a:t>script_IQSlidedeck.R | Date: 2024-10-25 09:13:53</a:t>
+              <a:t>script_IQSlidedeck.R | Date: 2025-04-23 16:52:06.064167</a:t>
             </a:r>
           </a:p>
         </p:txBody>
@@ -10083,7 +10083,7 @@
           <a:chExt cx="0" cy="0"/>
         </a:xfrm>
       </p:grpSpPr>
-      <p:sp xmlns:a="http://schemas.openxmlformats.org/drawingml/2006/main" xmlns:r="http://schemas.openxmlformats.org/officeDocument/2006/relationships" xmlns:p="http://schemas.openxmlformats.org/presentationml/2006/main">
+      <p:sp>
         <p:nvSpPr>
           <p:cNvPr id="2" name="Title 1"/>
           <p:cNvSpPr>
@@ -10110,7 +10110,7 @@
           </a:p>
         </p:txBody>
       </p:sp>
-      <p:pic xmlns:a="http://schemas.openxmlformats.org/drawingml/2006/main" xmlns:r="http://schemas.openxmlformats.org/officeDocument/2006/relationships" xmlns:p="http://schemas.openxmlformats.org/presentationml/2006/main">
+      <p:pic>
         <p:nvPicPr>
           <p:cNvPr id="3" name="Content Placeholder 2" descr=""/>
           <p:cNvPicPr>
@@ -10136,7 +10136,7 @@
           </a:prstGeom>
         </p:spPr>
       </p:pic>
-      <p:sp xmlns:a="http://schemas.openxmlformats.org/drawingml/2006/main" xmlns:r="http://schemas.openxmlformats.org/officeDocument/2006/relationships" xmlns:p="http://schemas.openxmlformats.org/presentationml/2006/main">
+      <p:sp>
         <p:nvSpPr>
           <p:cNvPr id="4" name="Footer Placeholder 4"/>
           <p:cNvSpPr>
@@ -10158,7 +10158,7 @@
           <a:p>
             <a:r>
               <a:rPr/>
-              <a:t>script_IQSlidedeck.R | Date: 2024-10-25 09:13:59</a:t>
+              <a:t>script_IQSlidedeck.R | Date: 2025-04-23 16:52:11.532092</a:t>
             </a:r>
           </a:p>
         </p:txBody>
@@ -10188,7 +10188,7 @@
           <a:chExt cx="0" cy="0"/>
         </a:xfrm>
       </p:grpSpPr>
-      <p:sp xmlns:a="http://schemas.openxmlformats.org/drawingml/2006/main" xmlns:r="http://schemas.openxmlformats.org/officeDocument/2006/relationships" xmlns:p="http://schemas.openxmlformats.org/presentationml/2006/main">
+      <p:sp>
         <p:nvSpPr>
           <p:cNvPr id="2" name="Title 1"/>
           <p:cNvSpPr>

--- a/tests/testresults/script_IQSlidedeck_IQobjects_Default_4_3.pptx
+++ b/tests/testresults/script_IQSlidedeck_IQobjects_Default_4_3.pptx
@@ -5958,7 +5958,7 @@
               <a:rPr/>
               <a:t>IQR Objects (non-QCed)
 Daniel Kaschek, IntiQuan
-2025-04-23</a:t>
+2025-04-26</a:t>
             </a:r>
           </a:p>
         </p:txBody>
@@ -6096,7 +6096,7 @@
           <a:p>
             <a:r>
               <a:rPr/>
-              <a:t>script_IQSlidedeck.R | Date: 2025-04-23 16:52:02.697434</a:t>
+              <a:t>script_IQSlidedeck.R | Date: 2025-04-26 14:26:44.782722</a:t>
             </a:r>
           </a:p>
         </p:txBody>
@@ -6464,7 +6464,7 @@
           <a:p>
             <a:r>
               <a:rPr/>
-              <a:t>script_IQSlidedeck.R | Date: 2025-04-23 16:52:03.538924</a:t>
+              <a:t>script_IQSlidedeck.R | Date: 2025-04-26 14:26:46.103251</a:t>
             </a:r>
           </a:p>
         </p:txBody>
@@ -6832,7 +6832,7 @@
           <a:p>
             <a:r>
               <a:rPr/>
-              <a:t>script_IQSlidedeck.R | Date: 2025-04-23 16:52:04.421185</a:t>
+              <a:t>script_IQSlidedeck.R | Date: 2025-04-26 14:26:47.276842</a:t>
             </a:r>
           </a:p>
         </p:txBody>
@@ -7022,7 +7022,7 @@
           <a:p>
             <a:r>
               <a:rPr/>
-              <a:t>script_IQSlidedeck.R | Date: 2025-04-23 16:52:11.97824</a:t>
+              <a:t>script_IQSlidedeck.R | Date: 2025-04-26 14:26:58.287881</a:t>
             </a:r>
           </a:p>
         </p:txBody>
@@ -7153,7 +7153,7 @@
           <a:p>
             <a:r>
               <a:rPr/>
-              <a:t>script_IQSlidedeck.R | Date: 2025-04-23 16:52:12.011498</a:t>
+              <a:t>script_IQSlidedeck.R | Date: 2025-04-26 14:26:58.339667</a:t>
             </a:r>
           </a:p>
         </p:txBody>
@@ -7313,7 +7313,7 @@
           <a:p>
             <a:r>
               <a:rPr/>
-              <a:t>script_IQSlidedeck.R | Date: 2025-04-23 16:52:12.04445</a:t>
+              <a:t>script_IQSlidedeck.R | Date: 2025-04-26 14:26:58.394227</a:t>
             </a:r>
           </a:p>
         </p:txBody>
@@ -7451,7 +7451,7 @@
           <a:p>
             <a:r>
               <a:rPr/>
-              <a:t>script_IQSlidedeck.R | Date: 2025-04-23 16:52:12.077639</a:t>
+              <a:t>script_IQSlidedeck.R | Date: 2025-04-26 14:26:58.449241</a:t>
             </a:r>
           </a:p>
         </p:txBody>
@@ -7890,7 +7890,7 @@
           <a:p>
             <a:r>
               <a:rPr/>
-              <a:t>IQSlidedeck_IQRobjects.R | Date: 2025-04-23 16:52:44.676244</a:t>
+              <a:t>IQSlidedeck_IQRobjects.R | Date: 2025-04-26 15:05:31.314836</a:t>
             </a:r>
           </a:p>
         </p:txBody>
@@ -8329,7 +8329,7 @@
           <a:p>
             <a:r>
               <a:rPr/>
-              <a:t>IQSlidedeck_IQRobjects.R | Date: 2025-04-23 16:52:44.998912</a:t>
+              <a:t>IQSlidedeck_IQRobjects.R | Date: 2025-04-26 15:05:31.676706</a:t>
             </a:r>
           </a:p>
         </p:txBody>
@@ -8716,7 +8716,7 @@
           <a:p>
             <a:r>
               <a:rPr/>
-              <a:t>IQSlidedeck_IQRobjects.R | Date: 2025-04-23 16:52:45.326926</a:t>
+              <a:t>IQSlidedeck_IQRobjects.R | Date: 2025-04-26 15:05:32.052178</a:t>
             </a:r>
           </a:p>
         </p:txBody>
@@ -9061,7 +9061,7 @@
           <a:p>
             <a:r>
               <a:rPr/>
-              <a:t>IQSlidedeck_IQRobjects.R | Date: 2025-04-23 16:52:46.852127</a:t>
+              <a:t>IQSlidedeck_IQRobjects.R | Date: 2025-04-26 15:05:34.15776</a:t>
             </a:r>
           </a:p>
         </p:txBody>
@@ -9194,7 +9194,7 @@
           <a:p>
             <a:r>
               <a:rPr/>
-              <a:t>IQSlidedeck_IQRobjects.R | Date: 2025-04-23 16:52:49.054522</a:t>
+              <a:t>IQSlidedeck_IQRobjects.R | Date: 2025-04-26 15:05:36.981405</a:t>
             </a:r>
           </a:p>
         </p:txBody>
@@ -9327,7 +9327,7 @@
           <a:p>
             <a:r>
               <a:rPr/>
-              <a:t>IQSlidedeck_IQRobjects.R | Date: 2025-04-23 16:52:50.633523</a:t>
+              <a:t>IQSlidedeck_IQRobjects.R | Date: 2025-04-26 15:05:39.132458</a:t>
             </a:r>
           </a:p>
         </p:txBody>
@@ -9514,7 +9514,7 @@
           <a:p>
             <a:r>
               <a:rPr/>
-              <a:t>IQSlidedeck_IQRobjects.R | Date: 2025-04-23 16:52:51.995491</a:t>
+              <a:t>IQSlidedeck_IQRobjects.R | Date: 2025-04-26 15:05:41.082985</a:t>
             </a:r>
           </a:p>
         </p:txBody>
@@ -9626,7 +9626,7 @@
           <a:p>
             <a:r>
               <a:rPr/>
-              <a:t>script_IQSlidedeck.R | Date: 2025-04-23 16:52:01.844054</a:t>
+              <a:t>script_IQSlidedeck.R | Date: 2025-04-26 14:26:43.345337</a:t>
             </a:r>
           </a:p>
         </p:txBody>
@@ -9843,7 +9843,7 @@
           <a:p>
             <a:r>
               <a:rPr/>
-              <a:t>script_IQSlidedeck.R | Date: 2025-04-23 16:52:02.007061</a:t>
+              <a:t>script_IQSlidedeck.R | Date: 2025-04-26 14:26:43.386721</a:t>
             </a:r>
           </a:p>
         </p:txBody>
@@ -9948,7 +9948,7 @@
           <a:p>
             <a:r>
               <a:rPr/>
-              <a:t>script_IQSlidedeck.R | Date: 2025-04-23 16:52:05.054469</a:t>
+              <a:t>script_IQSlidedeck.R | Date: 2025-04-26 14:26:48.123284</a:t>
             </a:r>
           </a:p>
         </p:txBody>
@@ -10053,7 +10053,7 @@
           <a:p>
             <a:r>
               <a:rPr/>
-              <a:t>script_IQSlidedeck.R | Date: 2025-04-23 16:52:06.064167</a:t>
+              <a:t>script_IQSlidedeck.R | Date: 2025-04-26 14:26:49.16497</a:t>
             </a:r>
           </a:p>
         </p:txBody>
@@ -10158,7 +10158,7 @@
           <a:p>
             <a:r>
               <a:rPr/>
-              <a:t>script_IQSlidedeck.R | Date: 2025-04-23 16:52:11.532092</a:t>
+              <a:t>script_IQSlidedeck.R | Date: 2025-04-26 14:26:57.463487</a:t>
             </a:r>
           </a:p>
         </p:txBody>
